--- a/top_sort.pptx
+++ b/top_sort.pptx
@@ -7,9 +7,9 @@
   <p:sldIdLst>
     <p:sldId id="256" r:id="rId2"/>
     <p:sldId id="257" r:id="rId3"/>
-    <p:sldId id="258" r:id="rId4"/>
-    <p:sldId id="259" r:id="rId5"/>
-    <p:sldId id="260" r:id="rId6"/>
+    <p:sldId id="260" r:id="rId4"/>
+    <p:sldId id="261" r:id="rId5"/>
+    <p:sldId id="262" r:id="rId6"/>
   </p:sldIdLst>
   <p:sldSz cx="12192000" cy="6858000"/>
   <p:notesSz cx="6858000" cy="9144000"/>
@@ -108,6 +108,11 @@
       </a:defRPr>
     </a:lvl9pPr>
   </p:defaultTextStyle>
+  <p:extLst>
+    <p:ext uri="{EFAFB233-063F-42B5-8137-9DF3F51BA10A}">
+      <p15:sldGuideLst xmlns:p15="http://schemas.microsoft.com/office/powerpoint/2012/main"/>
+    </p:ext>
+  </p:extLst>
 </p:presentation>
 </file>
 
@@ -161,7 +166,7 @@
           <a:noFill/>
           <a:extLst>
             <a:ext uri="{909E8E84-426E-40dd-AFC4-6F175D3DCCD1}">
-              <a14:hiddenFill xmlns:a14="http://schemas.microsoft.com/office/drawing/2010/main" xmlns="">
+              <a14:hiddenFill xmlns="" xmlns:a14="http://schemas.microsoft.com/office/drawing/2010/main">
                 <a:solidFill>
                   <a:srgbClr val="FFFFFF"/>
                 </a:solidFill>
@@ -221,7 +226,7 @@
             </a:ln>
             <a:extLst>
               <a:ext uri="{91240B29-F687-4f45-9708-019B960494DF}">
-                <a14:hiddenLine xmlns:a14="http://schemas.microsoft.com/office/drawing/2010/main" xmlns="" w="9525">
+                <a14:hiddenLine xmlns="" xmlns:a14="http://schemas.microsoft.com/office/drawing/2010/main" w="9525">
                   <a:solidFill>
                     <a:srgbClr val="000000"/>
                   </a:solidFill>
@@ -311,7 +316,7 @@
             </a:ln>
             <a:extLst>
               <a:ext uri="{91240B29-F687-4f45-9708-019B960494DF}">
-                <a14:hiddenLine xmlns:a14="http://schemas.microsoft.com/office/drawing/2010/main" xmlns="" w="9525">
+                <a14:hiddenLine xmlns="" xmlns:a14="http://schemas.microsoft.com/office/drawing/2010/main" w="9525">
                   <a:solidFill>
                     <a:srgbClr val="000000"/>
                   </a:solidFill>
@@ -401,7 +406,7 @@
             </a:ln>
             <a:extLst>
               <a:ext uri="{91240B29-F687-4f45-9708-019B960494DF}">
-                <a14:hiddenLine xmlns:a14="http://schemas.microsoft.com/office/drawing/2010/main" xmlns="" w="9525">
+                <a14:hiddenLine xmlns="" xmlns:a14="http://schemas.microsoft.com/office/drawing/2010/main" w="9525">
                   <a:solidFill>
                     <a:srgbClr val="000000"/>
                   </a:solidFill>
@@ -435,7 +440,7 @@
             </a:ln>
             <a:extLst>
               <a:ext uri="{91240B29-F687-4f45-9708-019B960494DF}">
-                <a14:hiddenLine xmlns:a14="http://schemas.microsoft.com/office/drawing/2010/main" xmlns="" w="9525">
+                <a14:hiddenLine xmlns="" xmlns:a14="http://schemas.microsoft.com/office/drawing/2010/main" w="9525">
                   <a:solidFill>
                     <a:srgbClr val="000000"/>
                   </a:solidFill>
@@ -525,7 +530,7 @@
             </a:ln>
             <a:extLst>
               <a:ext uri="{91240B29-F687-4f45-9708-019B960494DF}">
-                <a14:hiddenLine xmlns:a14="http://schemas.microsoft.com/office/drawing/2010/main" xmlns="" w="9525">
+                <a14:hiddenLine xmlns="" xmlns:a14="http://schemas.microsoft.com/office/drawing/2010/main" w="9525">
                   <a:solidFill>
                     <a:srgbClr val="000000"/>
                   </a:solidFill>
@@ -587,7 +592,7 @@
             </a:ln>
             <a:extLst>
               <a:ext uri="{91240B29-F687-4f45-9708-019B960494DF}">
-                <a14:hiddenLine xmlns:a14="http://schemas.microsoft.com/office/drawing/2010/main" xmlns="" w="9525">
+                <a14:hiddenLine xmlns="" xmlns:a14="http://schemas.microsoft.com/office/drawing/2010/main" w="9525">
                   <a:solidFill>
                     <a:srgbClr val="000000"/>
                   </a:solidFill>
@@ -649,7 +654,7 @@
             </a:ln>
             <a:extLst>
               <a:ext uri="{91240B29-F687-4f45-9708-019B960494DF}">
-                <a14:hiddenLine xmlns:a14="http://schemas.microsoft.com/office/drawing/2010/main" xmlns="" w="9525">
+                <a14:hiddenLine xmlns="" xmlns:a14="http://schemas.microsoft.com/office/drawing/2010/main" w="9525">
                   <a:solidFill>
                     <a:srgbClr val="000000"/>
                   </a:solidFill>
@@ -739,7 +744,7 @@
             </a:ln>
             <a:extLst>
               <a:ext uri="{91240B29-F687-4f45-9708-019B960494DF}">
-                <a14:hiddenLine xmlns:a14="http://schemas.microsoft.com/office/drawing/2010/main" xmlns="" w="9525">
+                <a14:hiddenLine xmlns="" xmlns:a14="http://schemas.microsoft.com/office/drawing/2010/main" w="9525">
                   <a:solidFill>
                     <a:srgbClr val="000000"/>
                   </a:solidFill>
@@ -801,7 +806,7 @@
             </a:ln>
             <a:extLst>
               <a:ext uri="{91240B29-F687-4f45-9708-019B960494DF}">
-                <a14:hiddenLine xmlns:a14="http://schemas.microsoft.com/office/drawing/2010/main" xmlns="" w="9525">
+                <a14:hiddenLine xmlns="" xmlns:a14="http://schemas.microsoft.com/office/drawing/2010/main" w="9525">
                   <a:solidFill>
                     <a:srgbClr val="000000"/>
                   </a:solidFill>
@@ -863,7 +868,7 @@
             </a:ln>
             <a:extLst>
               <a:ext uri="{91240B29-F687-4f45-9708-019B960494DF}">
-                <a14:hiddenLine xmlns:a14="http://schemas.microsoft.com/office/drawing/2010/main" xmlns="" w="9525">
+                <a14:hiddenLine xmlns="" xmlns:a14="http://schemas.microsoft.com/office/drawing/2010/main" w="9525">
                   <a:solidFill>
                     <a:srgbClr val="000000"/>
                   </a:solidFill>
@@ -953,7 +958,7 @@
             </a:ln>
             <a:extLst>
               <a:ext uri="{91240B29-F687-4f45-9708-019B960494DF}">
-                <a14:hiddenLine xmlns:a14="http://schemas.microsoft.com/office/drawing/2010/main" xmlns="" w="9525">
+                <a14:hiddenLine xmlns="" xmlns:a14="http://schemas.microsoft.com/office/drawing/2010/main" w="9525">
                   <a:solidFill>
                     <a:srgbClr val="000000"/>
                   </a:solidFill>
@@ -1043,7 +1048,7 @@
             </a:ln>
             <a:extLst>
               <a:ext uri="{91240B29-F687-4f45-9708-019B960494DF}">
-                <a14:hiddenLine xmlns:a14="http://schemas.microsoft.com/office/drawing/2010/main" xmlns="" w="9525">
+                <a14:hiddenLine xmlns="" xmlns:a14="http://schemas.microsoft.com/office/drawing/2010/main" w="9525">
                   <a:solidFill>
                     <a:srgbClr val="000000"/>
                   </a:solidFill>
@@ -1105,7 +1110,7 @@
             </a:ln>
             <a:extLst>
               <a:ext uri="{91240B29-F687-4f45-9708-019B960494DF}">
-                <a14:hiddenLine xmlns:a14="http://schemas.microsoft.com/office/drawing/2010/main" xmlns="" w="9525">
+                <a14:hiddenLine xmlns="" xmlns:a14="http://schemas.microsoft.com/office/drawing/2010/main" w="9525">
                   <a:solidFill>
                     <a:srgbClr val="000000"/>
                   </a:solidFill>
@@ -1215,7 +1220,7 @@
             </a:ln>
             <a:extLst>
               <a:ext uri="{91240B29-F687-4f45-9708-019B960494DF}">
-                <a14:hiddenLine xmlns:a14="http://schemas.microsoft.com/office/drawing/2010/main" xmlns="" w="9525">
+                <a14:hiddenLine xmlns="" xmlns:a14="http://schemas.microsoft.com/office/drawing/2010/main" w="9525">
                   <a:solidFill>
                     <a:srgbClr val="000000"/>
                   </a:solidFill>
@@ -1277,7 +1282,7 @@
             </a:ln>
             <a:extLst>
               <a:ext uri="{91240B29-F687-4f45-9708-019B960494DF}">
-                <a14:hiddenLine xmlns:a14="http://schemas.microsoft.com/office/drawing/2010/main" xmlns="" w="9525">
+                <a14:hiddenLine xmlns="" xmlns:a14="http://schemas.microsoft.com/office/drawing/2010/main" w="9525">
                   <a:solidFill>
                     <a:srgbClr val="000000"/>
                   </a:solidFill>
@@ -1367,7 +1372,7 @@
             </a:ln>
             <a:extLst>
               <a:ext uri="{91240B29-F687-4f45-9708-019B960494DF}">
-                <a14:hiddenLine xmlns:a14="http://schemas.microsoft.com/office/drawing/2010/main" xmlns="" w="9525">
+                <a14:hiddenLine xmlns="" xmlns:a14="http://schemas.microsoft.com/office/drawing/2010/main" w="9525">
                   <a:solidFill>
                     <a:srgbClr val="000000"/>
                   </a:solidFill>
@@ -1457,7 +1462,7 @@
             </a:ln>
             <a:extLst>
               <a:ext uri="{91240B29-F687-4f45-9708-019B960494DF}">
-                <a14:hiddenLine xmlns:a14="http://schemas.microsoft.com/office/drawing/2010/main" xmlns="" w="9525">
+                <a14:hiddenLine xmlns="" xmlns:a14="http://schemas.microsoft.com/office/drawing/2010/main" w="9525">
                   <a:solidFill>
                     <a:srgbClr val="000000"/>
                   </a:solidFill>
@@ -1519,7 +1524,7 @@
             </a:ln>
             <a:extLst>
               <a:ext uri="{91240B29-F687-4f45-9708-019B960494DF}">
-                <a14:hiddenLine xmlns:a14="http://schemas.microsoft.com/office/drawing/2010/main" xmlns="" w="9525">
+                <a14:hiddenLine xmlns="" xmlns:a14="http://schemas.microsoft.com/office/drawing/2010/main" w="9525">
                   <a:solidFill>
                     <a:srgbClr val="000000"/>
                   </a:solidFill>
@@ -1609,7 +1614,7 @@
             </a:ln>
             <a:extLst>
               <a:ext uri="{91240B29-F687-4f45-9708-019B960494DF}">
-                <a14:hiddenLine xmlns:a14="http://schemas.microsoft.com/office/drawing/2010/main" xmlns="" w="9525">
+                <a14:hiddenLine xmlns="" xmlns:a14="http://schemas.microsoft.com/office/drawing/2010/main" w="9525">
                   <a:solidFill>
                     <a:srgbClr val="000000"/>
                   </a:solidFill>
@@ -1699,7 +1704,7 @@
             </a:ln>
             <a:extLst>
               <a:ext uri="{91240B29-F687-4f45-9708-019B960494DF}">
-                <a14:hiddenLine xmlns:a14="http://schemas.microsoft.com/office/drawing/2010/main" xmlns="" w="9525">
+                <a14:hiddenLine xmlns="" xmlns:a14="http://schemas.microsoft.com/office/drawing/2010/main" w="9525">
                   <a:solidFill>
                     <a:srgbClr val="000000"/>
                   </a:solidFill>
@@ -1755,7 +1760,7 @@
             </a:ln>
             <a:extLst>
               <a:ext uri="{91240B29-F687-4f45-9708-019B960494DF}">
-                <a14:hiddenLine xmlns:a14="http://schemas.microsoft.com/office/drawing/2010/main" xmlns="" w="9525">
+                <a14:hiddenLine xmlns="" xmlns:a14="http://schemas.microsoft.com/office/drawing/2010/main" w="9525">
                   <a:solidFill>
                     <a:srgbClr val="000000"/>
                   </a:solidFill>
@@ -1845,7 +1850,7 @@
             </a:ln>
             <a:extLst>
               <a:ext uri="{91240B29-F687-4f45-9708-019B960494DF}">
-                <a14:hiddenLine xmlns:a14="http://schemas.microsoft.com/office/drawing/2010/main" xmlns="" w="9525">
+                <a14:hiddenLine xmlns="" xmlns:a14="http://schemas.microsoft.com/office/drawing/2010/main" w="9525">
                   <a:solidFill>
                     <a:srgbClr val="000000"/>
                   </a:solidFill>
@@ -1901,7 +1906,7 @@
             </a:ln>
             <a:extLst>
               <a:ext uri="{91240B29-F687-4f45-9708-019B960494DF}">
-                <a14:hiddenLine xmlns:a14="http://schemas.microsoft.com/office/drawing/2010/main" xmlns="" w="9525">
+                <a14:hiddenLine xmlns="" xmlns:a14="http://schemas.microsoft.com/office/drawing/2010/main" w="9525">
                   <a:solidFill>
                     <a:srgbClr val="000000"/>
                   </a:solidFill>
@@ -1991,7 +1996,7 @@
             </a:ln>
             <a:extLst>
               <a:ext uri="{91240B29-F687-4f45-9708-019B960494DF}">
-                <a14:hiddenLine xmlns:a14="http://schemas.microsoft.com/office/drawing/2010/main" xmlns="" w="9525">
+                <a14:hiddenLine xmlns="" xmlns:a14="http://schemas.microsoft.com/office/drawing/2010/main" w="9525">
                   <a:solidFill>
                     <a:srgbClr val="000000"/>
                   </a:solidFill>
@@ -2059,7 +2064,7 @@
             </a:ln>
             <a:extLst>
               <a:ext uri="{91240B29-F687-4f45-9708-019B960494DF}">
-                <a14:hiddenLine xmlns:a14="http://schemas.microsoft.com/office/drawing/2010/main" xmlns="" w="9525">
+                <a14:hiddenLine xmlns="" xmlns:a14="http://schemas.microsoft.com/office/drawing/2010/main" w="9525">
                   <a:solidFill>
                     <a:srgbClr val="000000"/>
                   </a:solidFill>
@@ -2149,7 +2154,7 @@
             </a:ln>
             <a:extLst>
               <a:ext uri="{91240B29-F687-4f45-9708-019B960494DF}">
-                <a14:hiddenLine xmlns:a14="http://schemas.microsoft.com/office/drawing/2010/main" xmlns="" w="9525">
+                <a14:hiddenLine xmlns="" xmlns:a14="http://schemas.microsoft.com/office/drawing/2010/main" w="9525">
                   <a:solidFill>
                     <a:srgbClr val="000000"/>
                   </a:solidFill>
@@ -2217,7 +2222,7 @@
             </a:ln>
             <a:extLst>
               <a:ext uri="{91240B29-F687-4f45-9708-019B960494DF}">
-                <a14:hiddenLine xmlns:a14="http://schemas.microsoft.com/office/drawing/2010/main" xmlns="" w="9525">
+                <a14:hiddenLine xmlns="" xmlns:a14="http://schemas.microsoft.com/office/drawing/2010/main" w="9525">
                   <a:solidFill>
                     <a:srgbClr val="000000"/>
                   </a:solidFill>
@@ -2307,7 +2312,7 @@
             </a:ln>
             <a:extLst>
               <a:ext uri="{91240B29-F687-4f45-9708-019B960494DF}">
-                <a14:hiddenLine xmlns:a14="http://schemas.microsoft.com/office/drawing/2010/main" xmlns="" w="9525">
+                <a14:hiddenLine xmlns="" xmlns:a14="http://schemas.microsoft.com/office/drawing/2010/main" w="9525">
                   <a:solidFill>
                     <a:srgbClr val="000000"/>
                   </a:solidFill>
@@ -2341,7 +2346,7 @@
             </a:ln>
             <a:extLst>
               <a:ext uri="{91240B29-F687-4f45-9708-019B960494DF}">
-                <a14:hiddenLine xmlns:a14="http://schemas.microsoft.com/office/drawing/2010/main" xmlns="" w="9525">
+                <a14:hiddenLine xmlns="" xmlns:a14="http://schemas.microsoft.com/office/drawing/2010/main" w="9525">
                   <a:solidFill>
                     <a:srgbClr val="000000"/>
                   </a:solidFill>
@@ -2431,7 +2436,7 @@
             </a:ln>
             <a:extLst>
               <a:ext uri="{91240B29-F687-4f45-9708-019B960494DF}">
-                <a14:hiddenLine xmlns:a14="http://schemas.microsoft.com/office/drawing/2010/main" xmlns="" w="9525">
+                <a14:hiddenLine xmlns="" xmlns:a14="http://schemas.microsoft.com/office/drawing/2010/main" w="9525">
                   <a:solidFill>
                     <a:srgbClr val="000000"/>
                   </a:solidFill>
@@ -2493,7 +2498,7 @@
             </a:ln>
             <a:extLst>
               <a:ext uri="{91240B29-F687-4f45-9708-019B960494DF}">
-                <a14:hiddenLine xmlns:a14="http://schemas.microsoft.com/office/drawing/2010/main" xmlns="" w="9525">
+                <a14:hiddenLine xmlns="" xmlns:a14="http://schemas.microsoft.com/office/drawing/2010/main" w="9525">
                   <a:solidFill>
                     <a:srgbClr val="000000"/>
                   </a:solidFill>
@@ -2555,7 +2560,7 @@
             </a:ln>
             <a:extLst>
               <a:ext uri="{91240B29-F687-4f45-9708-019B960494DF}">
-                <a14:hiddenLine xmlns:a14="http://schemas.microsoft.com/office/drawing/2010/main" xmlns="" w="9525">
+                <a14:hiddenLine xmlns="" xmlns:a14="http://schemas.microsoft.com/office/drawing/2010/main" w="9525">
                   <a:solidFill>
                     <a:srgbClr val="000000"/>
                   </a:solidFill>
@@ -2645,7 +2650,7 @@
             </a:ln>
             <a:extLst>
               <a:ext uri="{91240B29-F687-4f45-9708-019B960494DF}">
-                <a14:hiddenLine xmlns:a14="http://schemas.microsoft.com/office/drawing/2010/main" xmlns="" w="9525">
+                <a14:hiddenLine xmlns="" xmlns:a14="http://schemas.microsoft.com/office/drawing/2010/main" w="9525">
                   <a:solidFill>
                     <a:srgbClr val="000000"/>
                   </a:solidFill>
@@ -2713,7 +2718,7 @@
             </a:ln>
             <a:extLst>
               <a:ext uri="{91240B29-F687-4f45-9708-019B960494DF}">
-                <a14:hiddenLine xmlns:a14="http://schemas.microsoft.com/office/drawing/2010/main" xmlns="" w="9525">
+                <a14:hiddenLine xmlns="" xmlns:a14="http://schemas.microsoft.com/office/drawing/2010/main" w="9525">
                   <a:solidFill>
                     <a:srgbClr val="000000"/>
                   </a:solidFill>
@@ -2775,7 +2780,7 @@
             </a:ln>
             <a:extLst>
               <a:ext uri="{91240B29-F687-4f45-9708-019B960494DF}">
-                <a14:hiddenLine xmlns:a14="http://schemas.microsoft.com/office/drawing/2010/main" xmlns="" w="9525">
+                <a14:hiddenLine xmlns="" xmlns:a14="http://schemas.microsoft.com/office/drawing/2010/main" w="9525">
                   <a:solidFill>
                     <a:srgbClr val="000000"/>
                   </a:solidFill>
@@ -2865,7 +2870,7 @@
             </a:ln>
             <a:extLst>
               <a:ext uri="{91240B29-F687-4f45-9708-019B960494DF}">
-                <a14:hiddenLine xmlns:a14="http://schemas.microsoft.com/office/drawing/2010/main" xmlns="" w="9525">
+                <a14:hiddenLine xmlns="" xmlns:a14="http://schemas.microsoft.com/office/drawing/2010/main" w="9525">
                   <a:solidFill>
                     <a:srgbClr val="000000"/>
                   </a:solidFill>
@@ -2927,7 +2932,7 @@
             </a:ln>
             <a:extLst>
               <a:ext uri="{91240B29-F687-4f45-9708-019B960494DF}">
-                <a14:hiddenLine xmlns:a14="http://schemas.microsoft.com/office/drawing/2010/main" xmlns="" w="9525">
+                <a14:hiddenLine xmlns="" xmlns:a14="http://schemas.microsoft.com/office/drawing/2010/main" w="9525">
                   <a:solidFill>
                     <a:srgbClr val="000000"/>
                   </a:solidFill>
@@ -3017,7 +3022,7 @@
             </a:ln>
             <a:extLst>
               <a:ext uri="{91240B29-F687-4f45-9708-019B960494DF}">
-                <a14:hiddenLine xmlns:a14="http://schemas.microsoft.com/office/drawing/2010/main" xmlns="" w="9525">
+                <a14:hiddenLine xmlns="" xmlns:a14="http://schemas.microsoft.com/office/drawing/2010/main" w="9525">
                   <a:solidFill>
                     <a:srgbClr val="000000"/>
                   </a:solidFill>
@@ -3079,7 +3084,7 @@
             </a:ln>
             <a:extLst>
               <a:ext uri="{91240B29-F687-4f45-9708-019B960494DF}">
-                <a14:hiddenLine xmlns:a14="http://schemas.microsoft.com/office/drawing/2010/main" xmlns="" w="9525">
+                <a14:hiddenLine xmlns="" xmlns:a14="http://schemas.microsoft.com/office/drawing/2010/main" w="9525">
                   <a:solidFill>
                     <a:srgbClr val="000000"/>
                   </a:solidFill>
@@ -3169,7 +3174,7 @@
             </a:ln>
             <a:extLst>
               <a:ext uri="{91240B29-F687-4f45-9708-019B960494DF}">
-                <a14:hiddenLine xmlns:a14="http://schemas.microsoft.com/office/drawing/2010/main" xmlns="" w="9525">
+                <a14:hiddenLine xmlns="" xmlns:a14="http://schemas.microsoft.com/office/drawing/2010/main" w="9525">
                   <a:solidFill>
                     <a:srgbClr val="000000"/>
                   </a:solidFill>
@@ -3203,7 +3208,7 @@
             </a:ln>
             <a:extLst>
               <a:ext uri="{91240B29-F687-4f45-9708-019B960494DF}">
-                <a14:hiddenLine xmlns:a14="http://schemas.microsoft.com/office/drawing/2010/main" xmlns="" w="9525">
+                <a14:hiddenLine xmlns="" xmlns:a14="http://schemas.microsoft.com/office/drawing/2010/main" w="9525">
                   <a:solidFill>
                     <a:srgbClr val="000000"/>
                   </a:solidFill>
@@ -3268,7 +3273,7 @@
             </a:ln>
             <a:extLst>
               <a:ext uri="{91240B29-F687-4f45-9708-019B960494DF}">
-                <a14:hiddenLine xmlns:a14="http://schemas.microsoft.com/office/drawing/2010/main" xmlns="" w="9525">
+                <a14:hiddenLine xmlns="" xmlns:a14="http://schemas.microsoft.com/office/drawing/2010/main" w="9525">
                   <a:solidFill>
                     <a:srgbClr val="000000"/>
                   </a:solidFill>
@@ -3358,7 +3363,7 @@
             </a:ln>
             <a:extLst>
               <a:ext uri="{91240B29-F687-4f45-9708-019B960494DF}">
-                <a14:hiddenLine xmlns:a14="http://schemas.microsoft.com/office/drawing/2010/main" xmlns="" w="9525">
+                <a14:hiddenLine xmlns="" xmlns:a14="http://schemas.microsoft.com/office/drawing/2010/main" w="9525">
                   <a:solidFill>
                     <a:srgbClr val="000000"/>
                   </a:solidFill>
@@ -3420,7 +3425,7 @@
             </a:ln>
             <a:extLst>
               <a:ext uri="{91240B29-F687-4f45-9708-019B960494DF}">
-                <a14:hiddenLine xmlns:a14="http://schemas.microsoft.com/office/drawing/2010/main" xmlns="" w="9525">
+                <a14:hiddenLine xmlns="" xmlns:a14="http://schemas.microsoft.com/office/drawing/2010/main" w="9525">
                   <a:solidFill>
                     <a:srgbClr val="000000"/>
                   </a:solidFill>
@@ -3510,7 +3515,7 @@
             </a:ln>
             <a:extLst>
               <a:ext uri="{91240B29-F687-4f45-9708-019B960494DF}">
-                <a14:hiddenLine xmlns:a14="http://schemas.microsoft.com/office/drawing/2010/main" xmlns="" w="9525">
+                <a14:hiddenLine xmlns="" xmlns:a14="http://schemas.microsoft.com/office/drawing/2010/main" w="9525">
                   <a:solidFill>
                     <a:srgbClr val="000000"/>
                   </a:solidFill>
@@ -3600,7 +3605,7 @@
             </a:ln>
             <a:extLst>
               <a:ext uri="{91240B29-F687-4f45-9708-019B960494DF}">
-                <a14:hiddenLine xmlns:a14="http://schemas.microsoft.com/office/drawing/2010/main" xmlns="" w="9525">
+                <a14:hiddenLine xmlns="" xmlns:a14="http://schemas.microsoft.com/office/drawing/2010/main" w="9525">
                   <a:solidFill>
                     <a:srgbClr val="000000"/>
                   </a:solidFill>
@@ -3665,7 +3670,7 @@
             </a:ln>
             <a:extLst>
               <a:ext uri="{91240B29-F687-4f45-9708-019B960494DF}">
-                <a14:hiddenLine xmlns:a14="http://schemas.microsoft.com/office/drawing/2010/main" xmlns="" w="9525">
+                <a14:hiddenLine xmlns="" xmlns:a14="http://schemas.microsoft.com/office/drawing/2010/main" w="9525">
                   <a:solidFill>
                     <a:srgbClr val="000000"/>
                   </a:solidFill>
@@ -3727,7 +3732,7 @@
             </a:ln>
             <a:extLst>
               <a:ext uri="{91240B29-F687-4f45-9708-019B960494DF}">
-                <a14:hiddenLine xmlns:a14="http://schemas.microsoft.com/office/drawing/2010/main" xmlns="" w="9525">
+                <a14:hiddenLine xmlns="" xmlns:a14="http://schemas.microsoft.com/office/drawing/2010/main" w="9525">
                   <a:solidFill>
                     <a:srgbClr val="000000"/>
                   </a:solidFill>
@@ -3817,7 +3822,7 @@
             </a:ln>
             <a:extLst>
               <a:ext uri="{91240B29-F687-4f45-9708-019B960494DF}">
-                <a14:hiddenLine xmlns:a14="http://schemas.microsoft.com/office/drawing/2010/main" xmlns="" w="9525">
+                <a14:hiddenLine xmlns="" xmlns:a14="http://schemas.microsoft.com/office/drawing/2010/main" w="9525">
                   <a:solidFill>
                     <a:srgbClr val="000000"/>
                   </a:solidFill>
@@ -3907,7 +3912,7 @@
             </a:ln>
             <a:extLst>
               <a:ext uri="{91240B29-F687-4f45-9708-019B960494DF}">
-                <a14:hiddenLine xmlns:a14="http://schemas.microsoft.com/office/drawing/2010/main" xmlns="" w="9525">
+                <a14:hiddenLine xmlns="" xmlns:a14="http://schemas.microsoft.com/office/drawing/2010/main" w="9525">
                   <a:solidFill>
                     <a:srgbClr val="000000"/>
                   </a:solidFill>
@@ -3969,7 +3974,7 @@
             </a:ln>
             <a:extLst>
               <a:ext uri="{91240B29-F687-4f45-9708-019B960494DF}">
-                <a14:hiddenLine xmlns:a14="http://schemas.microsoft.com/office/drawing/2010/main" xmlns="" w="9525">
+                <a14:hiddenLine xmlns="" xmlns:a14="http://schemas.microsoft.com/office/drawing/2010/main" w="9525">
                   <a:solidFill>
                     <a:srgbClr val="000000"/>
                   </a:solidFill>
@@ -4089,7 +4094,7 @@
             </a:ln>
             <a:extLst>
               <a:ext uri="{91240B29-F687-4f45-9708-019B960494DF}">
-                <a14:hiddenLine xmlns:a14="http://schemas.microsoft.com/office/drawing/2010/main" xmlns="" w="9525">
+                <a14:hiddenLine xmlns="" xmlns:a14="http://schemas.microsoft.com/office/drawing/2010/main" w="9525">
                   <a:solidFill>
                     <a:srgbClr val="000000"/>
                   </a:solidFill>
@@ -4157,7 +4162,7 @@
             </a:ln>
             <a:extLst>
               <a:ext uri="{91240B29-F687-4f45-9708-019B960494DF}">
-                <a14:hiddenLine xmlns:a14="http://schemas.microsoft.com/office/drawing/2010/main" xmlns="" w="9525">
+                <a14:hiddenLine xmlns="" xmlns:a14="http://schemas.microsoft.com/office/drawing/2010/main" w="9525">
                   <a:solidFill>
                     <a:srgbClr val="000000"/>
                   </a:solidFill>
@@ -4247,7 +4252,7 @@
             </a:ln>
             <a:extLst>
               <a:ext uri="{91240B29-F687-4f45-9708-019B960494DF}">
-                <a14:hiddenLine xmlns:a14="http://schemas.microsoft.com/office/drawing/2010/main" xmlns="" w="9525">
+                <a14:hiddenLine xmlns="" xmlns:a14="http://schemas.microsoft.com/office/drawing/2010/main" w="9525">
                   <a:solidFill>
                     <a:srgbClr val="000000"/>
                   </a:solidFill>
@@ -9054,7 +9059,7 @@
           <a:noFill/>
           <a:extLst>
             <a:ext uri="{909E8E84-426E-40dd-AFC4-6F175D3DCCD1}">
-              <a14:hiddenFill xmlns:a14="http://schemas.microsoft.com/office/drawing/2010/main" xmlns="">
+              <a14:hiddenFill xmlns="" xmlns:a14="http://schemas.microsoft.com/office/drawing/2010/main">
                 <a:solidFill>
                   <a:srgbClr val="FFFFFF"/>
                 </a:solidFill>
@@ -9128,7 +9133,7 @@
               </a:ln>
               <a:extLst>
                 <a:ext uri="{91240B29-F687-4f45-9708-019B960494DF}">
-                  <a14:hiddenLine xmlns:a14="http://schemas.microsoft.com/office/drawing/2010/main" xmlns="" w="9525">
+                  <a14:hiddenLine xmlns="" xmlns:a14="http://schemas.microsoft.com/office/drawing/2010/main" w="9525">
                     <a:solidFill>
                       <a:srgbClr val="000000"/>
                     </a:solidFill>
@@ -9218,7 +9223,7 @@
               </a:ln>
               <a:extLst>
                 <a:ext uri="{91240B29-F687-4f45-9708-019B960494DF}">
-                  <a14:hiddenLine xmlns:a14="http://schemas.microsoft.com/office/drawing/2010/main" xmlns="" w="9525">
+                  <a14:hiddenLine xmlns="" xmlns:a14="http://schemas.microsoft.com/office/drawing/2010/main" w="9525">
                     <a:solidFill>
                       <a:srgbClr val="000000"/>
                     </a:solidFill>
@@ -9308,7 +9313,7 @@
               </a:ln>
               <a:extLst>
                 <a:ext uri="{91240B29-F687-4f45-9708-019B960494DF}">
-                  <a14:hiddenLine xmlns:a14="http://schemas.microsoft.com/office/drawing/2010/main" xmlns="" w="9525">
+                  <a14:hiddenLine xmlns="" xmlns:a14="http://schemas.microsoft.com/office/drawing/2010/main" w="9525">
                     <a:solidFill>
                       <a:srgbClr val="000000"/>
                     </a:solidFill>
@@ -9370,7 +9375,7 @@
               </a:ln>
               <a:extLst>
                 <a:ext uri="{91240B29-F687-4f45-9708-019B960494DF}">
-                  <a14:hiddenLine xmlns:a14="http://schemas.microsoft.com/office/drawing/2010/main" xmlns="" w="9525">
+                  <a14:hiddenLine xmlns="" xmlns:a14="http://schemas.microsoft.com/office/drawing/2010/main" w="9525">
                     <a:solidFill>
                       <a:srgbClr val="000000"/>
                     </a:solidFill>
@@ -9460,7 +9465,7 @@
               </a:ln>
               <a:extLst>
                 <a:ext uri="{91240B29-F687-4f45-9708-019B960494DF}">
-                  <a14:hiddenLine xmlns:a14="http://schemas.microsoft.com/office/drawing/2010/main" xmlns="" w="9525">
+                  <a14:hiddenLine xmlns="" xmlns:a14="http://schemas.microsoft.com/office/drawing/2010/main" w="9525">
                     <a:solidFill>
                       <a:srgbClr val="000000"/>
                     </a:solidFill>
@@ -9522,7 +9527,7 @@
               </a:ln>
               <a:extLst>
                 <a:ext uri="{91240B29-F687-4f45-9708-019B960494DF}">
-                  <a14:hiddenLine xmlns:a14="http://schemas.microsoft.com/office/drawing/2010/main" xmlns="" w="9525">
+                  <a14:hiddenLine xmlns="" xmlns:a14="http://schemas.microsoft.com/office/drawing/2010/main" w="9525">
                     <a:solidFill>
                       <a:srgbClr val="000000"/>
                     </a:solidFill>
@@ -9584,7 +9589,7 @@
               </a:ln>
               <a:extLst>
                 <a:ext uri="{91240B29-F687-4f45-9708-019B960494DF}">
-                  <a14:hiddenLine xmlns:a14="http://schemas.microsoft.com/office/drawing/2010/main" xmlns="" w="9525">
+                  <a14:hiddenLine xmlns="" xmlns:a14="http://schemas.microsoft.com/office/drawing/2010/main" w="9525">
                     <a:solidFill>
                       <a:srgbClr val="000000"/>
                     </a:solidFill>
@@ -9674,7 +9679,7 @@
               </a:ln>
               <a:extLst>
                 <a:ext uri="{91240B29-F687-4f45-9708-019B960494DF}">
-                  <a14:hiddenLine xmlns:a14="http://schemas.microsoft.com/office/drawing/2010/main" xmlns="" w="9525">
+                  <a14:hiddenLine xmlns="" xmlns:a14="http://schemas.microsoft.com/office/drawing/2010/main" w="9525">
                     <a:solidFill>
                       <a:srgbClr val="000000"/>
                     </a:solidFill>
@@ -9764,7 +9769,7 @@
               </a:ln>
               <a:extLst>
                 <a:ext uri="{91240B29-F687-4f45-9708-019B960494DF}">
-                  <a14:hiddenLine xmlns:a14="http://schemas.microsoft.com/office/drawing/2010/main" xmlns="" w="9525">
+                  <a14:hiddenLine xmlns="" xmlns:a14="http://schemas.microsoft.com/office/drawing/2010/main" w="9525">
                     <a:solidFill>
                       <a:srgbClr val="000000"/>
                     </a:solidFill>
@@ -9826,7 +9831,7 @@
               </a:ln>
               <a:extLst>
                 <a:ext uri="{91240B29-F687-4f45-9708-019B960494DF}">
-                  <a14:hiddenLine xmlns:a14="http://schemas.microsoft.com/office/drawing/2010/main" xmlns="" w="9525">
+                  <a14:hiddenLine xmlns="" xmlns:a14="http://schemas.microsoft.com/office/drawing/2010/main" w="9525">
                     <a:solidFill>
                       <a:srgbClr val="000000"/>
                     </a:solidFill>
@@ -9936,7 +9941,7 @@
               </a:ln>
               <a:extLst>
                 <a:ext uri="{91240B29-F687-4f45-9708-019B960494DF}">
-                  <a14:hiddenLine xmlns:a14="http://schemas.microsoft.com/office/drawing/2010/main" xmlns="" w="9525">
+                  <a14:hiddenLine xmlns="" xmlns:a14="http://schemas.microsoft.com/office/drawing/2010/main" w="9525">
                     <a:solidFill>
                       <a:srgbClr val="000000"/>
                     </a:solidFill>
@@ -10020,7 +10025,7 @@
               </a:ln>
               <a:extLst>
                 <a:ext uri="{91240B29-F687-4f45-9708-019B960494DF}">
-                  <a14:hiddenLine xmlns:a14="http://schemas.microsoft.com/office/drawing/2010/main" xmlns="" w="9525">
+                  <a14:hiddenLine xmlns="" xmlns:a14="http://schemas.microsoft.com/office/drawing/2010/main" w="9525">
                     <a:solidFill>
                       <a:srgbClr val="000000"/>
                     </a:solidFill>
@@ -10082,7 +10087,7 @@
               </a:ln>
               <a:extLst>
                 <a:ext uri="{91240B29-F687-4f45-9708-019B960494DF}">
-                  <a14:hiddenLine xmlns:a14="http://schemas.microsoft.com/office/drawing/2010/main" xmlns="" w="9525">
+                  <a14:hiddenLine xmlns="" xmlns:a14="http://schemas.microsoft.com/office/drawing/2010/main" w="9525">
                     <a:solidFill>
                       <a:srgbClr val="000000"/>
                     </a:solidFill>
@@ -10144,7 +10149,7 @@
               </a:ln>
               <a:extLst>
                 <a:ext uri="{91240B29-F687-4f45-9708-019B960494DF}">
-                  <a14:hiddenLine xmlns:a14="http://schemas.microsoft.com/office/drawing/2010/main" xmlns="" w="9525">
+                  <a14:hiddenLine xmlns="" xmlns:a14="http://schemas.microsoft.com/office/drawing/2010/main" w="9525">
                     <a:solidFill>
                       <a:srgbClr val="000000"/>
                     </a:solidFill>
@@ -10234,7 +10239,7 @@
               </a:ln>
               <a:extLst>
                 <a:ext uri="{91240B29-F687-4f45-9708-019B960494DF}">
-                  <a14:hiddenLine xmlns:a14="http://schemas.microsoft.com/office/drawing/2010/main" xmlns="" w="9525">
+                  <a14:hiddenLine xmlns="" xmlns:a14="http://schemas.microsoft.com/office/drawing/2010/main" w="9525">
                     <a:solidFill>
                       <a:srgbClr val="000000"/>
                     </a:solidFill>
@@ -10268,7 +10273,7 @@
               </a:ln>
               <a:extLst>
                 <a:ext uri="{91240B29-F687-4f45-9708-019B960494DF}">
-                  <a14:hiddenLine xmlns:a14="http://schemas.microsoft.com/office/drawing/2010/main" xmlns="" w="9525">
+                  <a14:hiddenLine xmlns="" xmlns:a14="http://schemas.microsoft.com/office/drawing/2010/main" w="9525">
                     <a:solidFill>
                       <a:srgbClr val="000000"/>
                     </a:solidFill>
@@ -10333,7 +10338,7 @@
               </a:ln>
               <a:extLst>
                 <a:ext uri="{91240B29-F687-4f45-9708-019B960494DF}">
-                  <a14:hiddenLine xmlns:a14="http://schemas.microsoft.com/office/drawing/2010/main" xmlns="" w="9525">
+                  <a14:hiddenLine xmlns="" xmlns:a14="http://schemas.microsoft.com/office/drawing/2010/main" w="9525">
                     <a:solidFill>
                       <a:srgbClr val="000000"/>
                     </a:solidFill>
@@ -10423,7 +10428,7 @@
               </a:ln>
               <a:extLst>
                 <a:ext uri="{91240B29-F687-4f45-9708-019B960494DF}">
-                  <a14:hiddenLine xmlns:a14="http://schemas.microsoft.com/office/drawing/2010/main" xmlns="" w="9525">
+                  <a14:hiddenLine xmlns="" xmlns:a14="http://schemas.microsoft.com/office/drawing/2010/main" w="9525">
                     <a:solidFill>
                       <a:srgbClr val="000000"/>
                     </a:solidFill>
@@ -10485,7 +10490,7 @@
               </a:ln>
               <a:extLst>
                 <a:ext uri="{91240B29-F687-4f45-9708-019B960494DF}">
-                  <a14:hiddenLine xmlns:a14="http://schemas.microsoft.com/office/drawing/2010/main" xmlns="" w="9525">
+                  <a14:hiddenLine xmlns="" xmlns:a14="http://schemas.microsoft.com/office/drawing/2010/main" w="9525">
                     <a:solidFill>
                       <a:srgbClr val="000000"/>
                     </a:solidFill>
@@ -10575,7 +10580,7 @@
               </a:ln>
               <a:extLst>
                 <a:ext uri="{91240B29-F687-4f45-9708-019B960494DF}">
-                  <a14:hiddenLine xmlns:a14="http://schemas.microsoft.com/office/drawing/2010/main" xmlns="" w="9525">
+                  <a14:hiddenLine xmlns="" xmlns:a14="http://schemas.microsoft.com/office/drawing/2010/main" w="9525">
                     <a:solidFill>
                       <a:srgbClr val="000000"/>
                     </a:solidFill>
@@ -10640,7 +10645,7 @@
               </a:ln>
               <a:extLst>
                 <a:ext uri="{91240B29-F687-4f45-9708-019B960494DF}">
-                  <a14:hiddenLine xmlns:a14="http://schemas.microsoft.com/office/drawing/2010/main" xmlns="" w="9525">
+                  <a14:hiddenLine xmlns="" xmlns:a14="http://schemas.microsoft.com/office/drawing/2010/main" w="9525">
                     <a:solidFill>
                       <a:srgbClr val="000000"/>
                     </a:solidFill>
@@ -10702,7 +10707,7 @@
               </a:ln>
               <a:extLst>
                 <a:ext uri="{91240B29-F687-4f45-9708-019B960494DF}">
-                  <a14:hiddenLine xmlns:a14="http://schemas.microsoft.com/office/drawing/2010/main" xmlns="" w="9525">
+                  <a14:hiddenLine xmlns="" xmlns:a14="http://schemas.microsoft.com/office/drawing/2010/main" w="9525">
                     <a:solidFill>
                       <a:srgbClr val="000000"/>
                     </a:solidFill>
@@ -10792,7 +10797,7 @@
               </a:ln>
               <a:extLst>
                 <a:ext uri="{91240B29-F687-4f45-9708-019B960494DF}">
-                  <a14:hiddenLine xmlns:a14="http://schemas.microsoft.com/office/drawing/2010/main" xmlns="" w="9525">
+                  <a14:hiddenLine xmlns="" xmlns:a14="http://schemas.microsoft.com/office/drawing/2010/main" w="9525">
                     <a:solidFill>
                       <a:srgbClr val="000000"/>
                     </a:solidFill>
@@ -10882,7 +10887,7 @@
               </a:ln>
               <a:extLst>
                 <a:ext uri="{91240B29-F687-4f45-9708-019B960494DF}">
-                  <a14:hiddenLine xmlns:a14="http://schemas.microsoft.com/office/drawing/2010/main" xmlns="" w="9525">
+                  <a14:hiddenLine xmlns="" xmlns:a14="http://schemas.microsoft.com/office/drawing/2010/main" w="9525">
                     <a:solidFill>
                       <a:srgbClr val="000000"/>
                     </a:solidFill>
@@ -10947,7 +10952,7 @@
               </a:ln>
               <a:extLst>
                 <a:ext uri="{91240B29-F687-4f45-9708-019B960494DF}">
-                  <a14:hiddenLine xmlns:a14="http://schemas.microsoft.com/office/drawing/2010/main" xmlns="" w="9525">
+                  <a14:hiddenLine xmlns="" xmlns:a14="http://schemas.microsoft.com/office/drawing/2010/main" w="9525">
                     <a:solidFill>
                       <a:srgbClr val="000000"/>
                     </a:solidFill>
@@ -11067,7 +11072,7 @@
               </a:ln>
               <a:extLst>
                 <a:ext uri="{91240B29-F687-4f45-9708-019B960494DF}">
-                  <a14:hiddenLine xmlns:a14="http://schemas.microsoft.com/office/drawing/2010/main" xmlns="" w="9525">
+                  <a14:hiddenLine xmlns="" xmlns:a14="http://schemas.microsoft.com/office/drawing/2010/main" w="9525">
                     <a:solidFill>
                       <a:srgbClr val="000000"/>
                     </a:solidFill>
@@ -11165,7 +11170,7 @@
               </a:ln>
               <a:extLst>
                 <a:ext uri="{91240B29-F687-4f45-9708-019B960494DF}">
-                  <a14:hiddenLine xmlns:a14="http://schemas.microsoft.com/office/drawing/2010/main" xmlns="" w="9525">
+                  <a14:hiddenLine xmlns="" xmlns:a14="http://schemas.microsoft.com/office/drawing/2010/main" w="9525">
                     <a:solidFill>
                       <a:srgbClr val="000000"/>
                     </a:solidFill>
@@ -11280,7 +11285,7 @@
               </a:ln>
               <a:extLst>
                 <a:ext uri="{91240B29-F687-4f45-9708-019B960494DF}">
-                  <a14:hiddenLine xmlns:a14="http://schemas.microsoft.com/office/drawing/2010/main" xmlns="" w="9525">
+                  <a14:hiddenLine xmlns="" xmlns:a14="http://schemas.microsoft.com/office/drawing/2010/main" w="9525">
                     <a:solidFill>
                       <a:srgbClr val="000000"/>
                     </a:solidFill>
@@ -11370,7 +11375,7 @@
               </a:ln>
               <a:extLst>
                 <a:ext uri="{91240B29-F687-4f45-9708-019B960494DF}">
-                  <a14:hiddenLine xmlns:a14="http://schemas.microsoft.com/office/drawing/2010/main" xmlns="" w="9525">
+                  <a14:hiddenLine xmlns="" xmlns:a14="http://schemas.microsoft.com/office/drawing/2010/main" w="9525">
                     <a:solidFill>
                       <a:srgbClr val="000000"/>
                     </a:solidFill>
@@ -11435,7 +11440,7 @@
               </a:ln>
               <a:extLst>
                 <a:ext uri="{91240B29-F687-4f45-9708-019B960494DF}">
-                  <a14:hiddenLine xmlns:a14="http://schemas.microsoft.com/office/drawing/2010/main" xmlns="" w="9525">
+                  <a14:hiddenLine xmlns="" xmlns:a14="http://schemas.microsoft.com/office/drawing/2010/main" w="9525">
                     <a:solidFill>
                       <a:srgbClr val="000000"/>
                     </a:solidFill>
@@ -11525,7 +11530,7 @@
               </a:ln>
               <a:extLst>
                 <a:ext uri="{91240B29-F687-4f45-9708-019B960494DF}">
-                  <a14:hiddenLine xmlns:a14="http://schemas.microsoft.com/office/drawing/2010/main" xmlns="" w="9525">
+                  <a14:hiddenLine xmlns="" xmlns:a14="http://schemas.microsoft.com/office/drawing/2010/main" w="9525">
                     <a:solidFill>
                       <a:srgbClr val="000000"/>
                     </a:solidFill>
@@ -11593,7 +11598,7 @@
               </a:ln>
               <a:extLst>
                 <a:ext uri="{91240B29-F687-4f45-9708-019B960494DF}">
-                  <a14:hiddenLine xmlns:a14="http://schemas.microsoft.com/office/drawing/2010/main" xmlns="" w="9525">
+                  <a14:hiddenLine xmlns="" xmlns:a14="http://schemas.microsoft.com/office/drawing/2010/main" w="9525">
                     <a:solidFill>
                       <a:srgbClr val="000000"/>
                     </a:solidFill>
@@ -11683,7 +11688,7 @@
               </a:ln>
               <a:extLst>
                 <a:ext uri="{91240B29-F687-4f45-9708-019B960494DF}">
-                  <a14:hiddenLine xmlns:a14="http://schemas.microsoft.com/office/drawing/2010/main" xmlns="" w="9525">
+                  <a14:hiddenLine xmlns="" xmlns:a14="http://schemas.microsoft.com/office/drawing/2010/main" w="9525">
                     <a:solidFill>
                       <a:srgbClr val="000000"/>
                     </a:solidFill>
@@ -11751,7 +11756,7 @@
               </a:ln>
               <a:extLst>
                 <a:ext uri="{91240B29-F687-4f45-9708-019B960494DF}">
-                  <a14:hiddenLine xmlns:a14="http://schemas.microsoft.com/office/drawing/2010/main" xmlns="" w="9525">
+                  <a14:hiddenLine xmlns="" xmlns:a14="http://schemas.microsoft.com/office/drawing/2010/main" w="9525">
                     <a:solidFill>
                       <a:srgbClr val="000000"/>
                     </a:solidFill>
@@ -11841,7 +11846,7 @@
               </a:ln>
               <a:extLst>
                 <a:ext uri="{91240B29-F687-4f45-9708-019B960494DF}">
-                  <a14:hiddenLine xmlns:a14="http://schemas.microsoft.com/office/drawing/2010/main" xmlns="" w="9525">
+                  <a14:hiddenLine xmlns="" xmlns:a14="http://schemas.microsoft.com/office/drawing/2010/main" w="9525">
                     <a:solidFill>
                       <a:srgbClr val="000000"/>
                     </a:solidFill>
@@ -11875,7 +11880,7 @@
               </a:ln>
               <a:extLst>
                 <a:ext uri="{91240B29-F687-4f45-9708-019B960494DF}">
-                  <a14:hiddenLine xmlns:a14="http://schemas.microsoft.com/office/drawing/2010/main" xmlns="" w="9525">
+                  <a14:hiddenLine xmlns="" xmlns:a14="http://schemas.microsoft.com/office/drawing/2010/main" w="9525">
                     <a:solidFill>
                       <a:srgbClr val="000000"/>
                     </a:solidFill>
@@ -12580,7 +12585,7 @@
         </p:nvSpPr>
         <p:spPr>
           <a:xfrm>
-            <a:off x="917197" y="775983"/>
+            <a:off x="917197" y="677663"/>
             <a:ext cx="791362" cy="791362"/>
           </a:xfrm>
           <a:prstGeom prst="ellipse">
@@ -12646,7 +12651,7 @@
         </p:nvSpPr>
         <p:spPr>
           <a:xfrm>
-            <a:off x="3207043" y="1249612"/>
+            <a:off x="3207043" y="1151292"/>
             <a:ext cx="791362" cy="791362"/>
           </a:xfrm>
           <a:prstGeom prst="ellipse">
@@ -12712,7 +12717,7 @@
         </p:nvSpPr>
         <p:spPr>
           <a:xfrm>
-            <a:off x="917197" y="2638689"/>
+            <a:off x="917197" y="2540369"/>
             <a:ext cx="791362" cy="791362"/>
           </a:xfrm>
           <a:prstGeom prst="ellipse">
@@ -12778,7 +12783,7 @@
         </p:nvSpPr>
         <p:spPr>
           <a:xfrm>
-            <a:off x="917197" y="4315090"/>
+            <a:off x="917197" y="4216770"/>
             <a:ext cx="791362" cy="791362"/>
           </a:xfrm>
           <a:prstGeom prst="ellipse">
@@ -12844,7 +12849,7 @@
         </p:nvSpPr>
         <p:spPr>
           <a:xfrm>
-            <a:off x="5496889" y="1847327"/>
+            <a:off x="5496889" y="1749007"/>
             <a:ext cx="791362" cy="791362"/>
           </a:xfrm>
           <a:prstGeom prst="ellipse">
@@ -12910,7 +12915,7 @@
         </p:nvSpPr>
         <p:spPr>
           <a:xfrm>
-            <a:off x="7786735" y="2638689"/>
+            <a:off x="7786735" y="2540369"/>
             <a:ext cx="791362" cy="791362"/>
           </a:xfrm>
           <a:prstGeom prst="ellipse">
@@ -12979,7 +12984,7 @@
         </p:nvCxnSpPr>
         <p:spPr>
           <a:xfrm>
-            <a:off x="1708559" y="1171664"/>
+            <a:off x="1708559" y="1073344"/>
             <a:ext cx="1498484" cy="473629"/>
           </a:xfrm>
           <a:prstGeom prst="straightConnector1">
@@ -13015,7 +13020,7 @@
         </p:nvCxnSpPr>
         <p:spPr>
           <a:xfrm>
-            <a:off x="3998405" y="1645293"/>
+            <a:off x="3998405" y="1546973"/>
             <a:ext cx="1498484" cy="597715"/>
           </a:xfrm>
           <a:prstGeom prst="straightConnector1">
@@ -13048,7 +13053,7 @@
         </p:nvSpPr>
         <p:spPr>
           <a:xfrm>
-            <a:off x="3207043" y="5237880"/>
+            <a:off x="3207043" y="5139560"/>
             <a:ext cx="791362" cy="791362"/>
           </a:xfrm>
           <a:prstGeom prst="ellipse">
@@ -13114,7 +13119,7 @@
         </p:nvSpPr>
         <p:spPr>
           <a:xfrm>
-            <a:off x="3207043" y="3243746"/>
+            <a:off x="3207043" y="3145426"/>
             <a:ext cx="791362" cy="791362"/>
           </a:xfrm>
           <a:prstGeom prst="ellipse">
@@ -13183,7 +13188,7 @@
         </p:nvCxnSpPr>
         <p:spPr>
           <a:xfrm>
-            <a:off x="1312878" y="3430051"/>
+            <a:off x="1312878" y="3331731"/>
             <a:ext cx="0" cy="885039"/>
           </a:xfrm>
           <a:prstGeom prst="straightConnector1">
@@ -13219,7 +13224,7 @@
         </p:nvCxnSpPr>
         <p:spPr>
           <a:xfrm flipV="1">
-            <a:off x="1708559" y="3639427"/>
+            <a:off x="1708559" y="3541107"/>
             <a:ext cx="1498484" cy="1071344"/>
           </a:xfrm>
           <a:prstGeom prst="straightConnector1">
@@ -13255,7 +13260,7 @@
         </p:nvCxnSpPr>
         <p:spPr>
           <a:xfrm>
-            <a:off x="1708559" y="4710771"/>
+            <a:off x="1708559" y="4612451"/>
             <a:ext cx="1498484" cy="922790"/>
           </a:xfrm>
           <a:prstGeom prst="straightConnector1">
@@ -13291,7 +13296,7 @@
         </p:nvCxnSpPr>
         <p:spPr>
           <a:xfrm flipV="1">
-            <a:off x="3602724" y="4035108"/>
+            <a:off x="3602724" y="3936788"/>
             <a:ext cx="0" cy="1202772"/>
           </a:xfrm>
           <a:prstGeom prst="straightConnector1">
@@ -13327,7 +13332,7 @@
         </p:nvCxnSpPr>
         <p:spPr>
           <a:xfrm>
-            <a:off x="6288251" y="2243008"/>
+            <a:off x="6288251" y="2144688"/>
             <a:ext cx="1498484" cy="791362"/>
           </a:xfrm>
           <a:prstGeom prst="straightConnector1">
@@ -13360,7 +13365,7 @@
         </p:nvSpPr>
         <p:spPr>
           <a:xfrm>
-            <a:off x="5496889" y="4035108"/>
+            <a:off x="5496889" y="3936788"/>
             <a:ext cx="791362" cy="791362"/>
           </a:xfrm>
           <a:prstGeom prst="ellipse">
@@ -13429,7 +13434,7 @@
         </p:nvCxnSpPr>
         <p:spPr>
           <a:xfrm flipH="1">
-            <a:off x="6288251" y="3430051"/>
+            <a:off x="6288251" y="3331731"/>
             <a:ext cx="1894165" cy="1000738"/>
           </a:xfrm>
           <a:prstGeom prst="straightConnector1">
@@ -13465,7 +13470,7 @@
         </p:nvCxnSpPr>
         <p:spPr>
           <a:xfrm>
-            <a:off x="3998405" y="3639427"/>
+            <a:off x="3998405" y="3541107"/>
             <a:ext cx="1498484" cy="791362"/>
           </a:xfrm>
           <a:prstGeom prst="straightConnector1">
@@ -13540,18 +13545,856 @@
   </p:clrMapOvr>
   <mc:AlternateContent xmlns:mc="http://schemas.openxmlformats.org/markup-compatibility/2006">
     <mc:Choice xmlns:p14="http://schemas.microsoft.com/office/powerpoint/2010/main" Requires="p14">
-      <p:transition spd="slow" p14:dur="2000" advTm="2000"/>
+      <p:transition spd="slow" p14:dur="2000" advTm="1000"/>
     </mc:Choice>
     <mc:Fallback>
-      <p:transition spd="slow" advTm="2000"/>
+      <p:transition spd="slow" advTm="1000"/>
     </mc:Fallback>
   </mc:AlternateContent>
   <p:timing>
     <p:tnLst>
       <p:par>
-        <p:cTn id="1" dur="indefinite" restart="never" nodeType="tmRoot"/>
+        <p:cTn id="1" dur="indefinite" restart="never" nodeType="tmRoot">
+          <p:childTnLst>
+            <p:seq concurrent="1" nextAc="seek">
+              <p:cTn id="2" dur="indefinite" nodeType="mainSeq">
+                <p:childTnLst>
+                  <p:par>
+                    <p:cTn id="3" fill="hold">
+                      <p:stCondLst>
+                        <p:cond delay="indefinite"/>
+                        <p:cond evt="onBegin" delay="0">
+                          <p:tn val="2"/>
+                        </p:cond>
+                      </p:stCondLst>
+                      <p:childTnLst>
+                        <p:par>
+                          <p:cTn id="4" fill="hold">
+                            <p:stCondLst>
+                              <p:cond delay="0"/>
+                            </p:stCondLst>
+                            <p:childTnLst>
+                              <p:par>
+                                <p:cTn id="5" presetID="10" presetClass="entr" presetSubtype="0" fill="hold" grpId="0" nodeType="withEffect">
+                                  <p:stCondLst>
+                                    <p:cond delay="0"/>
+                                  </p:stCondLst>
+                                  <p:childTnLst>
+                                    <p:set>
+                                      <p:cBhvr>
+                                        <p:cTn id="6" dur="1" fill="hold">
+                                          <p:stCondLst>
+                                            <p:cond delay="0"/>
+                                          </p:stCondLst>
+                                        </p:cTn>
+                                        <p:tgtEl>
+                                          <p:spTgt spid="2"/>
+                                        </p:tgtEl>
+                                        <p:attrNameLst>
+                                          <p:attrName>style.visibility</p:attrName>
+                                        </p:attrNameLst>
+                                      </p:cBhvr>
+                                      <p:to>
+                                        <p:strVal val="visible"/>
+                                      </p:to>
+                                    </p:set>
+                                    <p:animEffect transition="in" filter="fade">
+                                      <p:cBhvr>
+                                        <p:cTn id="7" dur="500"/>
+                                        <p:tgtEl>
+                                          <p:spTgt spid="2"/>
+                                        </p:tgtEl>
+                                      </p:cBhvr>
+                                    </p:animEffect>
+                                  </p:childTnLst>
+                                </p:cTn>
+                              </p:par>
+                            </p:childTnLst>
+                          </p:cTn>
+                        </p:par>
+                        <p:par>
+                          <p:cTn id="8" fill="hold">
+                            <p:stCondLst>
+                              <p:cond delay="500"/>
+                            </p:stCondLst>
+                            <p:childTnLst>
+                              <p:par>
+                                <p:cTn id="9" presetID="10" presetClass="entr" presetSubtype="0" fill="hold" grpId="0" nodeType="afterEffect">
+                                  <p:stCondLst>
+                                    <p:cond delay="0"/>
+                                  </p:stCondLst>
+                                  <p:childTnLst>
+                                    <p:set>
+                                      <p:cBhvr>
+                                        <p:cTn id="10" dur="1" fill="hold">
+                                          <p:stCondLst>
+                                            <p:cond delay="0"/>
+                                          </p:stCondLst>
+                                        </p:cTn>
+                                        <p:tgtEl>
+                                          <p:spTgt spid="4"/>
+                                        </p:tgtEl>
+                                        <p:attrNameLst>
+                                          <p:attrName>style.visibility</p:attrName>
+                                        </p:attrNameLst>
+                                      </p:cBhvr>
+                                      <p:to>
+                                        <p:strVal val="visible"/>
+                                      </p:to>
+                                    </p:set>
+                                    <p:animEffect transition="in" filter="fade">
+                                      <p:cBhvr>
+                                        <p:cTn id="11" dur="500"/>
+                                        <p:tgtEl>
+                                          <p:spTgt spid="4"/>
+                                        </p:tgtEl>
+                                      </p:cBhvr>
+                                    </p:animEffect>
+                                  </p:childTnLst>
+                                </p:cTn>
+                              </p:par>
+                            </p:childTnLst>
+                          </p:cTn>
+                        </p:par>
+                        <p:par>
+                          <p:cTn id="12" fill="hold">
+                            <p:stCondLst>
+                              <p:cond delay="1000"/>
+                            </p:stCondLst>
+                            <p:childTnLst>
+                              <p:par>
+                                <p:cTn id="13" presetID="10" presetClass="entr" presetSubtype="0" fill="hold" grpId="0" nodeType="afterEffect">
+                                  <p:stCondLst>
+                                    <p:cond delay="0"/>
+                                  </p:stCondLst>
+                                  <p:childTnLst>
+                                    <p:set>
+                                      <p:cBhvr>
+                                        <p:cTn id="14" dur="1" fill="hold">
+                                          <p:stCondLst>
+                                            <p:cond delay="0"/>
+                                          </p:stCondLst>
+                                        </p:cTn>
+                                        <p:tgtEl>
+                                          <p:spTgt spid="7"/>
+                                        </p:tgtEl>
+                                        <p:attrNameLst>
+                                          <p:attrName>style.visibility</p:attrName>
+                                        </p:attrNameLst>
+                                      </p:cBhvr>
+                                      <p:to>
+                                        <p:strVal val="visible"/>
+                                      </p:to>
+                                    </p:set>
+                                    <p:animEffect transition="in" filter="fade">
+                                      <p:cBhvr>
+                                        <p:cTn id="15" dur="500"/>
+                                        <p:tgtEl>
+                                          <p:spTgt spid="7"/>
+                                        </p:tgtEl>
+                                      </p:cBhvr>
+                                    </p:animEffect>
+                                  </p:childTnLst>
+                                </p:cTn>
+                              </p:par>
+                            </p:childTnLst>
+                          </p:cTn>
+                        </p:par>
+                        <p:par>
+                          <p:cTn id="16" fill="hold">
+                            <p:stCondLst>
+                              <p:cond delay="1500"/>
+                            </p:stCondLst>
+                            <p:childTnLst>
+                              <p:par>
+                                <p:cTn id="17" presetID="10" presetClass="entr" presetSubtype="0" fill="hold" grpId="0" nodeType="afterEffect">
+                                  <p:stCondLst>
+                                    <p:cond delay="0"/>
+                                  </p:stCondLst>
+                                  <p:childTnLst>
+                                    <p:set>
+                                      <p:cBhvr>
+                                        <p:cTn id="18" dur="1" fill="hold">
+                                          <p:stCondLst>
+                                            <p:cond delay="0"/>
+                                          </p:stCondLst>
+                                        </p:cTn>
+                                        <p:tgtEl>
+                                          <p:spTgt spid="8"/>
+                                        </p:tgtEl>
+                                        <p:attrNameLst>
+                                          <p:attrName>style.visibility</p:attrName>
+                                        </p:attrNameLst>
+                                      </p:cBhvr>
+                                      <p:to>
+                                        <p:strVal val="visible"/>
+                                      </p:to>
+                                    </p:set>
+                                    <p:animEffect transition="in" filter="fade">
+                                      <p:cBhvr>
+                                        <p:cTn id="19" dur="500"/>
+                                        <p:tgtEl>
+                                          <p:spTgt spid="8"/>
+                                        </p:tgtEl>
+                                      </p:cBhvr>
+                                    </p:animEffect>
+                                  </p:childTnLst>
+                                </p:cTn>
+                              </p:par>
+                            </p:childTnLst>
+                          </p:cTn>
+                        </p:par>
+                        <p:par>
+                          <p:cTn id="20" fill="hold">
+                            <p:stCondLst>
+                              <p:cond delay="2000"/>
+                            </p:stCondLst>
+                            <p:childTnLst>
+                              <p:par>
+                                <p:cTn id="21" presetID="10" presetClass="entr" presetSubtype="0" fill="hold" grpId="0" nodeType="afterEffect">
+                                  <p:stCondLst>
+                                    <p:cond delay="0"/>
+                                  </p:stCondLst>
+                                  <p:childTnLst>
+                                    <p:set>
+                                      <p:cBhvr>
+                                        <p:cTn id="22" dur="1" fill="hold">
+                                          <p:stCondLst>
+                                            <p:cond delay="0"/>
+                                          </p:stCondLst>
+                                        </p:cTn>
+                                        <p:tgtEl>
+                                          <p:spTgt spid="5"/>
+                                        </p:tgtEl>
+                                        <p:attrNameLst>
+                                          <p:attrName>style.visibility</p:attrName>
+                                        </p:attrNameLst>
+                                      </p:cBhvr>
+                                      <p:to>
+                                        <p:strVal val="visible"/>
+                                      </p:to>
+                                    </p:set>
+                                    <p:animEffect transition="in" filter="fade">
+                                      <p:cBhvr>
+                                        <p:cTn id="23" dur="500"/>
+                                        <p:tgtEl>
+                                          <p:spTgt spid="5"/>
+                                        </p:tgtEl>
+                                      </p:cBhvr>
+                                    </p:animEffect>
+                                  </p:childTnLst>
+                                </p:cTn>
+                              </p:par>
+                            </p:childTnLst>
+                          </p:cTn>
+                        </p:par>
+                        <p:par>
+                          <p:cTn id="24" fill="hold">
+                            <p:stCondLst>
+                              <p:cond delay="2500"/>
+                            </p:stCondLst>
+                            <p:childTnLst>
+                              <p:par>
+                                <p:cTn id="25" presetID="10" presetClass="entr" presetSubtype="0" fill="hold" grpId="0" nodeType="afterEffect">
+                                  <p:stCondLst>
+                                    <p:cond delay="0"/>
+                                  </p:stCondLst>
+                                  <p:childTnLst>
+                                    <p:set>
+                                      <p:cBhvr>
+                                        <p:cTn id="26" dur="1" fill="hold">
+                                          <p:stCondLst>
+                                            <p:cond delay="0"/>
+                                          </p:stCondLst>
+                                        </p:cTn>
+                                        <p:tgtEl>
+                                          <p:spTgt spid="6"/>
+                                        </p:tgtEl>
+                                        <p:attrNameLst>
+                                          <p:attrName>style.visibility</p:attrName>
+                                        </p:attrNameLst>
+                                      </p:cBhvr>
+                                      <p:to>
+                                        <p:strVal val="visible"/>
+                                      </p:to>
+                                    </p:set>
+                                    <p:animEffect transition="in" filter="fade">
+                                      <p:cBhvr>
+                                        <p:cTn id="27" dur="500"/>
+                                        <p:tgtEl>
+                                          <p:spTgt spid="6"/>
+                                        </p:tgtEl>
+                                      </p:cBhvr>
+                                    </p:animEffect>
+                                  </p:childTnLst>
+                                </p:cTn>
+                              </p:par>
+                            </p:childTnLst>
+                          </p:cTn>
+                        </p:par>
+                        <p:par>
+                          <p:cTn id="28" fill="hold">
+                            <p:stCondLst>
+                              <p:cond delay="3000"/>
+                            </p:stCondLst>
+                            <p:childTnLst>
+                              <p:par>
+                                <p:cTn id="29" presetID="10" presetClass="entr" presetSubtype="0" fill="hold" grpId="0" nodeType="afterEffect">
+                                  <p:stCondLst>
+                                    <p:cond delay="0"/>
+                                  </p:stCondLst>
+                                  <p:childTnLst>
+                                    <p:set>
+                                      <p:cBhvr>
+                                        <p:cTn id="30" dur="1" fill="hold">
+                                          <p:stCondLst>
+                                            <p:cond delay="0"/>
+                                          </p:stCondLst>
+                                        </p:cTn>
+                                        <p:tgtEl>
+                                          <p:spTgt spid="20"/>
+                                        </p:tgtEl>
+                                        <p:attrNameLst>
+                                          <p:attrName>style.visibility</p:attrName>
+                                        </p:attrNameLst>
+                                      </p:cBhvr>
+                                      <p:to>
+                                        <p:strVal val="visible"/>
+                                      </p:to>
+                                    </p:set>
+                                    <p:animEffect transition="in" filter="fade">
+                                      <p:cBhvr>
+                                        <p:cTn id="31" dur="500"/>
+                                        <p:tgtEl>
+                                          <p:spTgt spid="20"/>
+                                        </p:tgtEl>
+                                      </p:cBhvr>
+                                    </p:animEffect>
+                                  </p:childTnLst>
+                                </p:cTn>
+                              </p:par>
+                            </p:childTnLst>
+                          </p:cTn>
+                        </p:par>
+                        <p:par>
+                          <p:cTn id="32" fill="hold">
+                            <p:stCondLst>
+                              <p:cond delay="3500"/>
+                            </p:stCondLst>
+                            <p:childTnLst>
+                              <p:par>
+                                <p:cTn id="33" presetID="10" presetClass="entr" presetSubtype="0" fill="hold" grpId="0" nodeType="afterEffect">
+                                  <p:stCondLst>
+                                    <p:cond delay="0"/>
+                                  </p:stCondLst>
+                                  <p:childTnLst>
+                                    <p:set>
+                                      <p:cBhvr>
+                                        <p:cTn id="34" dur="1" fill="hold">
+                                          <p:stCondLst>
+                                            <p:cond delay="0"/>
+                                          </p:stCondLst>
+                                        </p:cTn>
+                                        <p:tgtEl>
+                                          <p:spTgt spid="21"/>
+                                        </p:tgtEl>
+                                        <p:attrNameLst>
+                                          <p:attrName>style.visibility</p:attrName>
+                                        </p:attrNameLst>
+                                      </p:cBhvr>
+                                      <p:to>
+                                        <p:strVal val="visible"/>
+                                      </p:to>
+                                    </p:set>
+                                    <p:animEffect transition="in" filter="fade">
+                                      <p:cBhvr>
+                                        <p:cTn id="35" dur="500"/>
+                                        <p:tgtEl>
+                                          <p:spTgt spid="21"/>
+                                        </p:tgtEl>
+                                      </p:cBhvr>
+                                    </p:animEffect>
+                                  </p:childTnLst>
+                                </p:cTn>
+                              </p:par>
+                            </p:childTnLst>
+                          </p:cTn>
+                        </p:par>
+                        <p:par>
+                          <p:cTn id="36" fill="hold">
+                            <p:stCondLst>
+                              <p:cond delay="4000"/>
+                            </p:stCondLst>
+                            <p:childTnLst>
+                              <p:par>
+                                <p:cTn id="37" presetID="10" presetClass="entr" presetSubtype="0" fill="hold" grpId="0" nodeType="afterEffect">
+                                  <p:stCondLst>
+                                    <p:cond delay="0"/>
+                                  </p:stCondLst>
+                                  <p:childTnLst>
+                                    <p:set>
+                                      <p:cBhvr>
+                                        <p:cTn id="38" dur="1" fill="hold">
+                                          <p:stCondLst>
+                                            <p:cond delay="0"/>
+                                          </p:stCondLst>
+                                        </p:cTn>
+                                        <p:tgtEl>
+                                          <p:spTgt spid="66"/>
+                                        </p:tgtEl>
+                                        <p:attrNameLst>
+                                          <p:attrName>style.visibility</p:attrName>
+                                        </p:attrNameLst>
+                                      </p:cBhvr>
+                                      <p:to>
+                                        <p:strVal val="visible"/>
+                                      </p:to>
+                                    </p:set>
+                                    <p:animEffect transition="in" filter="fade">
+                                      <p:cBhvr>
+                                        <p:cTn id="39" dur="500"/>
+                                        <p:tgtEl>
+                                          <p:spTgt spid="66"/>
+                                        </p:tgtEl>
+                                      </p:cBhvr>
+                                    </p:animEffect>
+                                  </p:childTnLst>
+                                </p:cTn>
+                              </p:par>
+                            </p:childTnLst>
+                          </p:cTn>
+                        </p:par>
+                        <p:par>
+                          <p:cTn id="40" fill="hold">
+                            <p:stCondLst>
+                              <p:cond delay="4500"/>
+                            </p:stCondLst>
+                            <p:childTnLst>
+                              <p:par>
+                                <p:cTn id="41" presetID="10" presetClass="entr" presetSubtype="0" fill="hold" nodeType="afterEffect">
+                                  <p:stCondLst>
+                                    <p:cond delay="0"/>
+                                  </p:stCondLst>
+                                  <p:childTnLst>
+                                    <p:set>
+                                      <p:cBhvr>
+                                        <p:cTn id="42" dur="1" fill="hold">
+                                          <p:stCondLst>
+                                            <p:cond delay="0"/>
+                                          </p:stCondLst>
+                                        </p:cTn>
+                                        <p:tgtEl>
+                                          <p:spTgt spid="10"/>
+                                        </p:tgtEl>
+                                        <p:attrNameLst>
+                                          <p:attrName>style.visibility</p:attrName>
+                                        </p:attrNameLst>
+                                      </p:cBhvr>
+                                      <p:to>
+                                        <p:strVal val="visible"/>
+                                      </p:to>
+                                    </p:set>
+                                    <p:animEffect transition="in" filter="fade">
+                                      <p:cBhvr>
+                                        <p:cTn id="43" dur="500"/>
+                                        <p:tgtEl>
+                                          <p:spTgt spid="10"/>
+                                        </p:tgtEl>
+                                      </p:cBhvr>
+                                    </p:animEffect>
+                                  </p:childTnLst>
+                                </p:cTn>
+                              </p:par>
+                            </p:childTnLst>
+                          </p:cTn>
+                        </p:par>
+                        <p:par>
+                          <p:cTn id="44" fill="hold">
+                            <p:stCondLst>
+                              <p:cond delay="5000"/>
+                            </p:stCondLst>
+                            <p:childTnLst>
+                              <p:par>
+                                <p:cTn id="45" presetID="10" presetClass="entr" presetSubtype="0" fill="hold" nodeType="afterEffect">
+                                  <p:stCondLst>
+                                    <p:cond delay="0"/>
+                                  </p:stCondLst>
+                                  <p:childTnLst>
+                                    <p:set>
+                                      <p:cBhvr>
+                                        <p:cTn id="46" dur="1" fill="hold">
+                                          <p:stCondLst>
+                                            <p:cond delay="0"/>
+                                          </p:stCondLst>
+                                        </p:cTn>
+                                        <p:tgtEl>
+                                          <p:spTgt spid="16"/>
+                                        </p:tgtEl>
+                                        <p:attrNameLst>
+                                          <p:attrName>style.visibility</p:attrName>
+                                        </p:attrNameLst>
+                                      </p:cBhvr>
+                                      <p:to>
+                                        <p:strVal val="visible"/>
+                                      </p:to>
+                                    </p:set>
+                                    <p:animEffect transition="in" filter="fade">
+                                      <p:cBhvr>
+                                        <p:cTn id="47" dur="500"/>
+                                        <p:tgtEl>
+                                          <p:spTgt spid="16"/>
+                                        </p:tgtEl>
+                                      </p:cBhvr>
+                                    </p:animEffect>
+                                  </p:childTnLst>
+                                </p:cTn>
+                              </p:par>
+                            </p:childTnLst>
+                          </p:cTn>
+                        </p:par>
+                        <p:par>
+                          <p:cTn id="48" fill="hold">
+                            <p:stCondLst>
+                              <p:cond delay="5500"/>
+                            </p:stCondLst>
+                            <p:childTnLst>
+                              <p:par>
+                                <p:cTn id="49" presetID="10" presetClass="entr" presetSubtype="0" fill="hold" nodeType="afterEffect">
+                                  <p:stCondLst>
+                                    <p:cond delay="0"/>
+                                  </p:stCondLst>
+                                  <p:childTnLst>
+                                    <p:set>
+                                      <p:cBhvr>
+                                        <p:cTn id="50" dur="1" fill="hold">
+                                          <p:stCondLst>
+                                            <p:cond delay="0"/>
+                                          </p:stCondLst>
+                                        </p:cTn>
+                                        <p:tgtEl>
+                                          <p:spTgt spid="37"/>
+                                        </p:tgtEl>
+                                        <p:attrNameLst>
+                                          <p:attrName>style.visibility</p:attrName>
+                                        </p:attrNameLst>
+                                      </p:cBhvr>
+                                      <p:to>
+                                        <p:strVal val="visible"/>
+                                      </p:to>
+                                    </p:set>
+                                    <p:animEffect transition="in" filter="fade">
+                                      <p:cBhvr>
+                                        <p:cTn id="51" dur="500"/>
+                                        <p:tgtEl>
+                                          <p:spTgt spid="37"/>
+                                        </p:tgtEl>
+                                      </p:cBhvr>
+                                    </p:animEffect>
+                                  </p:childTnLst>
+                                </p:cTn>
+                              </p:par>
+                            </p:childTnLst>
+                          </p:cTn>
+                        </p:par>
+                        <p:par>
+                          <p:cTn id="52" fill="hold">
+                            <p:stCondLst>
+                              <p:cond delay="6000"/>
+                            </p:stCondLst>
+                            <p:childTnLst>
+                              <p:par>
+                                <p:cTn id="53" presetID="10" presetClass="entr" presetSubtype="0" fill="hold" nodeType="afterEffect">
+                                  <p:stCondLst>
+                                    <p:cond delay="0"/>
+                                  </p:stCondLst>
+                                  <p:childTnLst>
+                                    <p:set>
+                                      <p:cBhvr>
+                                        <p:cTn id="54" dur="1" fill="hold">
+                                          <p:stCondLst>
+                                            <p:cond delay="0"/>
+                                          </p:stCondLst>
+                                        </p:cTn>
+                                        <p:tgtEl>
+                                          <p:spTgt spid="26"/>
+                                        </p:tgtEl>
+                                        <p:attrNameLst>
+                                          <p:attrName>style.visibility</p:attrName>
+                                        </p:attrNameLst>
+                                      </p:cBhvr>
+                                      <p:to>
+                                        <p:strVal val="visible"/>
+                                      </p:to>
+                                    </p:set>
+                                    <p:animEffect transition="in" filter="fade">
+                                      <p:cBhvr>
+                                        <p:cTn id="55" dur="500"/>
+                                        <p:tgtEl>
+                                          <p:spTgt spid="26"/>
+                                        </p:tgtEl>
+                                      </p:cBhvr>
+                                    </p:animEffect>
+                                  </p:childTnLst>
+                                </p:cTn>
+                              </p:par>
+                            </p:childTnLst>
+                          </p:cTn>
+                        </p:par>
+                        <p:par>
+                          <p:cTn id="56" fill="hold">
+                            <p:stCondLst>
+                              <p:cond delay="6500"/>
+                            </p:stCondLst>
+                            <p:childTnLst>
+                              <p:par>
+                                <p:cTn id="57" presetID="10" presetClass="entr" presetSubtype="0" fill="hold" nodeType="afterEffect">
+                                  <p:stCondLst>
+                                    <p:cond delay="0"/>
+                                  </p:stCondLst>
+                                  <p:childTnLst>
+                                    <p:set>
+                                      <p:cBhvr>
+                                        <p:cTn id="58" dur="1" fill="hold">
+                                          <p:stCondLst>
+                                            <p:cond delay="0"/>
+                                          </p:stCondLst>
+                                        </p:cTn>
+                                        <p:tgtEl>
+                                          <p:spTgt spid="30"/>
+                                        </p:tgtEl>
+                                        <p:attrNameLst>
+                                          <p:attrName>style.visibility</p:attrName>
+                                        </p:attrNameLst>
+                                      </p:cBhvr>
+                                      <p:to>
+                                        <p:strVal val="visible"/>
+                                      </p:to>
+                                    </p:set>
+                                    <p:animEffect transition="in" filter="fade">
+                                      <p:cBhvr>
+                                        <p:cTn id="59" dur="500"/>
+                                        <p:tgtEl>
+                                          <p:spTgt spid="30"/>
+                                        </p:tgtEl>
+                                      </p:cBhvr>
+                                    </p:animEffect>
+                                  </p:childTnLst>
+                                </p:cTn>
+                              </p:par>
+                            </p:childTnLst>
+                          </p:cTn>
+                        </p:par>
+                        <p:par>
+                          <p:cTn id="60" fill="hold">
+                            <p:stCondLst>
+                              <p:cond delay="7000"/>
+                            </p:stCondLst>
+                            <p:childTnLst>
+                              <p:par>
+                                <p:cTn id="61" presetID="10" presetClass="entr" presetSubtype="0" fill="hold" nodeType="afterEffect">
+                                  <p:stCondLst>
+                                    <p:cond delay="0"/>
+                                  </p:stCondLst>
+                                  <p:childTnLst>
+                                    <p:set>
+                                      <p:cBhvr>
+                                        <p:cTn id="62" dur="1" fill="hold">
+                                          <p:stCondLst>
+                                            <p:cond delay="0"/>
+                                          </p:stCondLst>
+                                        </p:cTn>
+                                        <p:tgtEl>
+                                          <p:spTgt spid="28"/>
+                                        </p:tgtEl>
+                                        <p:attrNameLst>
+                                          <p:attrName>style.visibility</p:attrName>
+                                        </p:attrNameLst>
+                                      </p:cBhvr>
+                                      <p:to>
+                                        <p:strVal val="visible"/>
+                                      </p:to>
+                                    </p:set>
+                                    <p:animEffect transition="in" filter="fade">
+                                      <p:cBhvr>
+                                        <p:cTn id="63" dur="500"/>
+                                        <p:tgtEl>
+                                          <p:spTgt spid="28"/>
+                                        </p:tgtEl>
+                                      </p:cBhvr>
+                                    </p:animEffect>
+                                  </p:childTnLst>
+                                </p:cTn>
+                              </p:par>
+                            </p:childTnLst>
+                          </p:cTn>
+                        </p:par>
+                        <p:par>
+                          <p:cTn id="64" fill="hold">
+                            <p:stCondLst>
+                              <p:cond delay="7500"/>
+                            </p:stCondLst>
+                            <p:childTnLst>
+                              <p:par>
+                                <p:cTn id="65" presetID="10" presetClass="entr" presetSubtype="0" fill="hold" nodeType="afterEffect">
+                                  <p:stCondLst>
+                                    <p:cond delay="0"/>
+                                  </p:stCondLst>
+                                  <p:childTnLst>
+                                    <p:set>
+                                      <p:cBhvr>
+                                        <p:cTn id="66" dur="1" fill="hold">
+                                          <p:stCondLst>
+                                            <p:cond delay="0"/>
+                                          </p:stCondLst>
+                                        </p:cTn>
+                                        <p:tgtEl>
+                                          <p:spTgt spid="34"/>
+                                        </p:tgtEl>
+                                        <p:attrNameLst>
+                                          <p:attrName>style.visibility</p:attrName>
+                                        </p:attrNameLst>
+                                      </p:cBhvr>
+                                      <p:to>
+                                        <p:strVal val="visible"/>
+                                      </p:to>
+                                    </p:set>
+                                    <p:animEffect transition="in" filter="fade">
+                                      <p:cBhvr>
+                                        <p:cTn id="67" dur="500"/>
+                                        <p:tgtEl>
+                                          <p:spTgt spid="34"/>
+                                        </p:tgtEl>
+                                      </p:cBhvr>
+                                    </p:animEffect>
+                                  </p:childTnLst>
+                                </p:cTn>
+                              </p:par>
+                            </p:childTnLst>
+                          </p:cTn>
+                        </p:par>
+                        <p:par>
+                          <p:cTn id="68" fill="hold">
+                            <p:stCondLst>
+                              <p:cond delay="8000"/>
+                            </p:stCondLst>
+                            <p:childTnLst>
+                              <p:par>
+                                <p:cTn id="69" presetID="10" presetClass="entr" presetSubtype="0" fill="hold" nodeType="afterEffect">
+                                  <p:stCondLst>
+                                    <p:cond delay="0"/>
+                                  </p:stCondLst>
+                                  <p:childTnLst>
+                                    <p:set>
+                                      <p:cBhvr>
+                                        <p:cTn id="70" dur="1" fill="hold">
+                                          <p:stCondLst>
+                                            <p:cond delay="0"/>
+                                          </p:stCondLst>
+                                        </p:cTn>
+                                        <p:tgtEl>
+                                          <p:spTgt spid="70"/>
+                                        </p:tgtEl>
+                                        <p:attrNameLst>
+                                          <p:attrName>style.visibility</p:attrName>
+                                        </p:attrNameLst>
+                                      </p:cBhvr>
+                                      <p:to>
+                                        <p:strVal val="visible"/>
+                                      </p:to>
+                                    </p:set>
+                                    <p:animEffect transition="in" filter="fade">
+                                      <p:cBhvr>
+                                        <p:cTn id="71" dur="500"/>
+                                        <p:tgtEl>
+                                          <p:spTgt spid="70"/>
+                                        </p:tgtEl>
+                                      </p:cBhvr>
+                                    </p:animEffect>
+                                  </p:childTnLst>
+                                </p:cTn>
+                              </p:par>
+                            </p:childTnLst>
+                          </p:cTn>
+                        </p:par>
+                        <p:par>
+                          <p:cTn id="72" fill="hold">
+                            <p:stCondLst>
+                              <p:cond delay="8500"/>
+                            </p:stCondLst>
+                            <p:childTnLst>
+                              <p:par>
+                                <p:cTn id="73" presetID="10" presetClass="entr" presetSubtype="0" fill="hold" nodeType="afterEffect">
+                                  <p:stCondLst>
+                                    <p:cond delay="0"/>
+                                  </p:stCondLst>
+                                  <p:childTnLst>
+                                    <p:set>
+                                      <p:cBhvr>
+                                        <p:cTn id="74" dur="1" fill="hold">
+                                          <p:stCondLst>
+                                            <p:cond delay="0"/>
+                                          </p:stCondLst>
+                                        </p:cTn>
+                                        <p:tgtEl>
+                                          <p:spTgt spid="68"/>
+                                        </p:tgtEl>
+                                        <p:attrNameLst>
+                                          <p:attrName>style.visibility</p:attrName>
+                                        </p:attrNameLst>
+                                      </p:cBhvr>
+                                      <p:to>
+                                        <p:strVal val="visible"/>
+                                      </p:to>
+                                    </p:set>
+                                    <p:animEffect transition="in" filter="fade">
+                                      <p:cBhvr>
+                                        <p:cTn id="75" dur="500"/>
+                                        <p:tgtEl>
+                                          <p:spTgt spid="68"/>
+                                        </p:tgtEl>
+                                      </p:cBhvr>
+                                    </p:animEffect>
+                                  </p:childTnLst>
+                                </p:cTn>
+                              </p:par>
+                            </p:childTnLst>
+                          </p:cTn>
+                        </p:par>
+                      </p:childTnLst>
+                    </p:cTn>
+                  </p:par>
+                </p:childTnLst>
+              </p:cTn>
+              <p:prevCondLst>
+                <p:cond evt="onPrev" delay="0">
+                  <p:tgtEl>
+                    <p:sldTgt/>
+                  </p:tgtEl>
+                </p:cond>
+              </p:prevCondLst>
+              <p:nextCondLst>
+                <p:cond evt="onNext" delay="0">
+                  <p:tgtEl>
+                    <p:sldTgt/>
+                  </p:tgtEl>
+                </p:cond>
+              </p:nextCondLst>
+            </p:seq>
+          </p:childTnLst>
+        </p:cTn>
       </p:par>
     </p:tnLst>
+    <p:bldLst>
+      <p:bldP spid="2" grpId="0" animBg="1"/>
+      <p:bldP spid="4" grpId="0" animBg="1"/>
+      <p:bldP spid="5" grpId="0" animBg="1"/>
+      <p:bldP spid="6" grpId="0" animBg="1"/>
+      <p:bldP spid="7" grpId="0" animBg="1"/>
+      <p:bldP spid="8" grpId="0" animBg="1"/>
+      <p:bldP spid="20" grpId="0" animBg="1"/>
+      <p:bldP spid="21" grpId="0" animBg="1"/>
+      <p:bldP spid="66" grpId="0" animBg="1"/>
+    </p:bldLst>
   </p:timing>
 </p:sld>
 </file>
@@ -13581,7 +14424,7 @@
         </p:nvSpPr>
         <p:spPr>
           <a:xfrm>
-            <a:off x="917197" y="775983"/>
+            <a:off x="917197" y="677663"/>
             <a:ext cx="791362" cy="791362"/>
           </a:xfrm>
           <a:prstGeom prst="ellipse">
@@ -13647,7 +14490,7 @@
         </p:nvSpPr>
         <p:spPr>
           <a:xfrm>
-            <a:off x="3207043" y="1249612"/>
+            <a:off x="3207043" y="1151292"/>
             <a:ext cx="791362" cy="791362"/>
           </a:xfrm>
           <a:prstGeom prst="ellipse">
@@ -13713,7 +14556,7 @@
         </p:nvSpPr>
         <p:spPr>
           <a:xfrm>
-            <a:off x="917197" y="2638689"/>
+            <a:off x="917197" y="2540369"/>
             <a:ext cx="791362" cy="791362"/>
           </a:xfrm>
           <a:prstGeom prst="ellipse">
@@ -13779,7 +14622,7 @@
         </p:nvSpPr>
         <p:spPr>
           <a:xfrm>
-            <a:off x="917197" y="4315090"/>
+            <a:off x="917197" y="4216770"/>
             <a:ext cx="791362" cy="791362"/>
           </a:xfrm>
           <a:prstGeom prst="ellipse">
@@ -13845,7 +14688,7 @@
         </p:nvSpPr>
         <p:spPr>
           <a:xfrm>
-            <a:off x="5496889" y="1847327"/>
+            <a:off x="5496889" y="1749007"/>
             <a:ext cx="791362" cy="791362"/>
           </a:xfrm>
           <a:prstGeom prst="ellipse">
@@ -13911,7 +14754,7 @@
         </p:nvSpPr>
         <p:spPr>
           <a:xfrm>
-            <a:off x="7786735" y="2638689"/>
+            <a:off x="7786735" y="2540369"/>
             <a:ext cx="791362" cy="791362"/>
           </a:xfrm>
           <a:prstGeom prst="ellipse">
@@ -13980,7 +14823,7 @@
         </p:nvCxnSpPr>
         <p:spPr>
           <a:xfrm>
-            <a:off x="1708559" y="1171664"/>
+            <a:off x="1708559" y="1073344"/>
             <a:ext cx="1498484" cy="473629"/>
           </a:xfrm>
           <a:prstGeom prst="straightConnector1">
@@ -14016,7 +14859,7 @@
         </p:nvCxnSpPr>
         <p:spPr>
           <a:xfrm>
-            <a:off x="3998405" y="1645293"/>
+            <a:off x="3998405" y="1546973"/>
             <a:ext cx="1498484" cy="597715"/>
           </a:xfrm>
           <a:prstGeom prst="straightConnector1">
@@ -14049,7 +14892,7 @@
         </p:nvSpPr>
         <p:spPr>
           <a:xfrm>
-            <a:off x="3207043" y="5237880"/>
+            <a:off x="3207043" y="5139560"/>
             <a:ext cx="791362" cy="791362"/>
           </a:xfrm>
           <a:prstGeom prst="ellipse">
@@ -14115,7 +14958,7 @@
         </p:nvSpPr>
         <p:spPr>
           <a:xfrm>
-            <a:off x="3207043" y="3243746"/>
+            <a:off x="3207043" y="3145426"/>
             <a:ext cx="791362" cy="791362"/>
           </a:xfrm>
           <a:prstGeom prst="ellipse">
@@ -14184,7 +15027,7 @@
         </p:nvCxnSpPr>
         <p:spPr>
           <a:xfrm>
-            <a:off x="1312878" y="3430051"/>
+            <a:off x="1312878" y="3331731"/>
             <a:ext cx="0" cy="885039"/>
           </a:xfrm>
           <a:prstGeom prst="straightConnector1">
@@ -14220,7 +15063,7 @@
         </p:nvCxnSpPr>
         <p:spPr>
           <a:xfrm flipV="1">
-            <a:off x="1708559" y="3639427"/>
+            <a:off x="1708559" y="3541107"/>
             <a:ext cx="1498484" cy="1071344"/>
           </a:xfrm>
           <a:prstGeom prst="straightConnector1">
@@ -14256,7 +15099,7 @@
         </p:nvCxnSpPr>
         <p:spPr>
           <a:xfrm>
-            <a:off x="1708559" y="4710771"/>
+            <a:off x="1708559" y="4612451"/>
             <a:ext cx="1498484" cy="922790"/>
           </a:xfrm>
           <a:prstGeom prst="straightConnector1">
@@ -14292,7 +15135,7 @@
         </p:nvCxnSpPr>
         <p:spPr>
           <a:xfrm flipV="1">
-            <a:off x="3602724" y="4035108"/>
+            <a:off x="3602724" y="3936788"/>
             <a:ext cx="0" cy="1202772"/>
           </a:xfrm>
           <a:prstGeom prst="straightConnector1">
@@ -14328,7 +15171,7 @@
         </p:nvCxnSpPr>
         <p:spPr>
           <a:xfrm>
-            <a:off x="6288251" y="2243008"/>
+            <a:off x="6288251" y="2144688"/>
             <a:ext cx="1498484" cy="791362"/>
           </a:xfrm>
           <a:prstGeom prst="straightConnector1">
@@ -14361,7 +15204,7 @@
         </p:nvSpPr>
         <p:spPr>
           <a:xfrm>
-            <a:off x="5496889" y="4035108"/>
+            <a:off x="5496889" y="3936788"/>
             <a:ext cx="791362" cy="791362"/>
           </a:xfrm>
           <a:prstGeom prst="ellipse">
@@ -14430,7 +15273,7 @@
         </p:nvCxnSpPr>
         <p:spPr>
           <a:xfrm flipH="1">
-            <a:off x="6288251" y="3430051"/>
+            <a:off x="6288251" y="3331731"/>
             <a:ext cx="1894165" cy="1000738"/>
           </a:xfrm>
           <a:prstGeom prst="straightConnector1">
@@ -14466,7 +15309,7 @@
         </p:nvCxnSpPr>
         <p:spPr>
           <a:xfrm>
-            <a:off x="3998405" y="3639427"/>
+            <a:off x="3998405" y="3541107"/>
             <a:ext cx="1498484" cy="791362"/>
           </a:xfrm>
           <a:prstGeom prst="straightConnector1">
@@ -14499,7 +15342,7 @@
         </p:nvSpPr>
         <p:spPr>
           <a:xfrm>
-            <a:off x="1312878" y="409448"/>
+            <a:off x="1397255" y="308331"/>
             <a:ext cx="311304" cy="369332"/>
           </a:xfrm>
           <a:prstGeom prst="rect">
@@ -14533,10 +15376,724 @@
           </a:p>
         </p:txBody>
       </p:sp>
+      <p:sp>
+        <p:nvSpPr>
+          <p:cNvPr id="9" name="TextBox 8"/>
+          <p:cNvSpPr txBox="1"/>
+          <p:nvPr/>
+        </p:nvSpPr>
+        <p:spPr>
+          <a:xfrm>
+            <a:off x="3687101" y="781960"/>
+            <a:ext cx="311304" cy="369332"/>
+          </a:xfrm>
+          <a:prstGeom prst="rect">
+            <a:avLst/>
+          </a:prstGeom>
+          <a:noFill/>
+        </p:spPr>
+        <p:txBody>
+          <a:bodyPr wrap="none" rtlCol="0">
+            <a:spAutoFit/>
+          </a:bodyPr>
+          <a:lstStyle/>
+          <a:p>
+            <a:r>
+              <a:rPr lang="en-US" dirty="0" smtClean="0">
+                <a:solidFill>
+                  <a:schemeClr val="bg2"/>
+                </a:solidFill>
+                <a:latin typeface="Calibri" panose="020F0502020204030204" pitchFamily="34" charset="0"/>
+                <a:cs typeface="Calibri" panose="020F0502020204030204" pitchFamily="34" charset="0"/>
+              </a:rPr>
+              <a:t>2</a:t>
+            </a:r>
+            <a:endParaRPr lang="uk-UA" dirty="0">
+              <a:solidFill>
+                <a:schemeClr val="bg2"/>
+              </a:solidFill>
+              <a:latin typeface="Calibri" panose="020F0502020204030204" pitchFamily="34" charset="0"/>
+              <a:cs typeface="Calibri" panose="020F0502020204030204" pitchFamily="34" charset="0"/>
+            </a:endParaRPr>
+          </a:p>
+        </p:txBody>
+      </p:sp>
+      <p:sp>
+        <p:nvSpPr>
+          <p:cNvPr id="11" name="TextBox 10"/>
+          <p:cNvSpPr txBox="1"/>
+          <p:nvPr/>
+        </p:nvSpPr>
+        <p:spPr>
+          <a:xfrm>
+            <a:off x="5976947" y="1380900"/>
+            <a:ext cx="311304" cy="369332"/>
+          </a:xfrm>
+          <a:prstGeom prst="rect">
+            <a:avLst/>
+          </a:prstGeom>
+          <a:noFill/>
+        </p:spPr>
+        <p:txBody>
+          <a:bodyPr wrap="none" rtlCol="0">
+            <a:spAutoFit/>
+          </a:bodyPr>
+          <a:lstStyle/>
+          <a:p>
+            <a:r>
+              <a:rPr lang="en-US" dirty="0" smtClean="0">
+                <a:solidFill>
+                  <a:schemeClr val="bg2"/>
+                </a:solidFill>
+                <a:latin typeface="Calibri" panose="020F0502020204030204" pitchFamily="34" charset="0"/>
+                <a:cs typeface="Calibri" panose="020F0502020204030204" pitchFamily="34" charset="0"/>
+              </a:rPr>
+              <a:t>3</a:t>
+            </a:r>
+            <a:endParaRPr lang="uk-UA" dirty="0">
+              <a:solidFill>
+                <a:schemeClr val="bg2"/>
+              </a:solidFill>
+              <a:latin typeface="Calibri" panose="020F0502020204030204" pitchFamily="34" charset="0"/>
+              <a:cs typeface="Calibri" panose="020F0502020204030204" pitchFamily="34" charset="0"/>
+            </a:endParaRPr>
+          </a:p>
+        </p:txBody>
+      </p:sp>
+      <p:sp>
+        <p:nvSpPr>
+          <p:cNvPr id="12" name="TextBox 11"/>
+          <p:cNvSpPr txBox="1"/>
+          <p:nvPr/>
+        </p:nvSpPr>
+        <p:spPr>
+          <a:xfrm>
+            <a:off x="8276411" y="2171037"/>
+            <a:ext cx="301686" cy="369332"/>
+          </a:xfrm>
+          <a:prstGeom prst="rect">
+            <a:avLst/>
+          </a:prstGeom>
+          <a:noFill/>
+        </p:spPr>
+        <p:txBody>
+          <a:bodyPr wrap="none" rtlCol="0">
+            <a:spAutoFit/>
+          </a:bodyPr>
+          <a:lstStyle/>
+          <a:p>
+            <a:r>
+              <a:rPr lang="en-US" dirty="0" smtClean="0">
+                <a:solidFill>
+                  <a:schemeClr val="bg2"/>
+                </a:solidFill>
+                <a:latin typeface="Calibri" panose="020F0502020204030204" pitchFamily="34" charset="0"/>
+                <a:cs typeface="Calibri" panose="020F0502020204030204" pitchFamily="34" charset="0"/>
+              </a:rPr>
+              <a:t>4</a:t>
+            </a:r>
+            <a:endParaRPr lang="uk-UA" sz="1100" dirty="0">
+              <a:solidFill>
+                <a:schemeClr val="bg2"/>
+              </a:solidFill>
+              <a:latin typeface="Calibri" panose="020F0502020204030204" pitchFamily="34" charset="0"/>
+              <a:cs typeface="Calibri" panose="020F0502020204030204" pitchFamily="34" charset="0"/>
+            </a:endParaRPr>
+          </a:p>
+        </p:txBody>
+      </p:sp>
+      <p:sp>
+        <p:nvSpPr>
+          <p:cNvPr id="13" name="TextBox 12"/>
+          <p:cNvSpPr txBox="1"/>
+          <p:nvPr/>
+        </p:nvSpPr>
+        <p:spPr>
+          <a:xfrm>
+            <a:off x="5976947" y="3567456"/>
+            <a:ext cx="311304" cy="369332"/>
+          </a:xfrm>
+          <a:prstGeom prst="rect">
+            <a:avLst/>
+          </a:prstGeom>
+          <a:noFill/>
+        </p:spPr>
+        <p:txBody>
+          <a:bodyPr wrap="none" rtlCol="0">
+            <a:spAutoFit/>
+          </a:bodyPr>
+          <a:lstStyle/>
+          <a:p>
+            <a:r>
+              <a:rPr lang="en-US" dirty="0" smtClean="0">
+                <a:solidFill>
+                  <a:schemeClr val="bg2"/>
+                </a:solidFill>
+                <a:latin typeface="Calibri" panose="020F0502020204030204" pitchFamily="34" charset="0"/>
+                <a:cs typeface="Calibri" panose="020F0502020204030204" pitchFamily="34" charset="0"/>
+              </a:rPr>
+              <a:t>5</a:t>
+            </a:r>
+            <a:endParaRPr lang="uk-UA" dirty="0">
+              <a:solidFill>
+                <a:schemeClr val="bg2"/>
+              </a:solidFill>
+              <a:latin typeface="Calibri" panose="020F0502020204030204" pitchFamily="34" charset="0"/>
+              <a:cs typeface="Calibri" panose="020F0502020204030204" pitchFamily="34" charset="0"/>
+            </a:endParaRPr>
+          </a:p>
+        </p:txBody>
+      </p:sp>
+      <p:sp>
+        <p:nvSpPr>
+          <p:cNvPr id="14" name="TextBox 13"/>
+          <p:cNvSpPr txBox="1"/>
+          <p:nvPr/>
+        </p:nvSpPr>
+        <p:spPr>
+          <a:xfrm>
+            <a:off x="6092524" y="3567456"/>
+            <a:ext cx="391454" cy="369332"/>
+          </a:xfrm>
+          <a:prstGeom prst="rect">
+            <a:avLst/>
+          </a:prstGeom>
+          <a:noFill/>
+        </p:spPr>
+        <p:txBody>
+          <a:bodyPr wrap="none" rtlCol="0">
+            <a:spAutoFit/>
+          </a:bodyPr>
+          <a:lstStyle/>
+          <a:p>
+            <a:r>
+              <a:rPr lang="en-US" dirty="0" smtClean="0">
+                <a:solidFill>
+                  <a:schemeClr val="bg2"/>
+                </a:solidFill>
+                <a:latin typeface="Calibri" panose="020F0502020204030204" pitchFamily="34" charset="0"/>
+                <a:cs typeface="Calibri" panose="020F0502020204030204" pitchFamily="34" charset="0"/>
+              </a:rPr>
+              <a:t>/6</a:t>
+            </a:r>
+            <a:endParaRPr lang="uk-UA" dirty="0">
+              <a:solidFill>
+                <a:schemeClr val="bg2"/>
+              </a:solidFill>
+              <a:latin typeface="Calibri" panose="020F0502020204030204" pitchFamily="34" charset="0"/>
+              <a:cs typeface="Calibri" panose="020F0502020204030204" pitchFamily="34" charset="0"/>
+            </a:endParaRPr>
+          </a:p>
+        </p:txBody>
+      </p:sp>
+      <p:sp>
+        <p:nvSpPr>
+          <p:cNvPr id="15" name="TextBox 14"/>
+          <p:cNvSpPr txBox="1"/>
+          <p:nvPr/>
+        </p:nvSpPr>
+        <p:spPr>
+          <a:xfrm>
+            <a:off x="8382370" y="2174184"/>
+            <a:ext cx="391454" cy="369332"/>
+          </a:xfrm>
+          <a:prstGeom prst="rect">
+            <a:avLst/>
+          </a:prstGeom>
+          <a:noFill/>
+        </p:spPr>
+        <p:txBody>
+          <a:bodyPr wrap="none" rtlCol="0">
+            <a:spAutoFit/>
+          </a:bodyPr>
+          <a:lstStyle/>
+          <a:p>
+            <a:r>
+              <a:rPr lang="en-US" dirty="0" smtClean="0">
+                <a:solidFill>
+                  <a:schemeClr val="bg2"/>
+                </a:solidFill>
+                <a:latin typeface="Calibri" panose="020F0502020204030204" pitchFamily="34" charset="0"/>
+                <a:cs typeface="Calibri" panose="020F0502020204030204" pitchFamily="34" charset="0"/>
+              </a:rPr>
+              <a:t>/7</a:t>
+            </a:r>
+            <a:endParaRPr lang="uk-UA" dirty="0">
+              <a:solidFill>
+                <a:schemeClr val="bg2"/>
+              </a:solidFill>
+              <a:latin typeface="Calibri" panose="020F0502020204030204" pitchFamily="34" charset="0"/>
+              <a:cs typeface="Calibri" panose="020F0502020204030204" pitchFamily="34" charset="0"/>
+            </a:endParaRPr>
+          </a:p>
+        </p:txBody>
+      </p:sp>
+      <p:sp>
+        <p:nvSpPr>
+          <p:cNvPr id="19" name="TextBox 18"/>
+          <p:cNvSpPr txBox="1"/>
+          <p:nvPr/>
+        </p:nvSpPr>
+        <p:spPr>
+          <a:xfrm>
+            <a:off x="6092524" y="1379675"/>
+            <a:ext cx="391454" cy="369332"/>
+          </a:xfrm>
+          <a:prstGeom prst="rect">
+            <a:avLst/>
+          </a:prstGeom>
+          <a:noFill/>
+        </p:spPr>
+        <p:txBody>
+          <a:bodyPr wrap="none" rtlCol="0">
+            <a:spAutoFit/>
+          </a:bodyPr>
+          <a:lstStyle/>
+          <a:p>
+            <a:r>
+              <a:rPr lang="en-US" dirty="0" smtClean="0">
+                <a:solidFill>
+                  <a:schemeClr val="bg2"/>
+                </a:solidFill>
+                <a:latin typeface="Calibri" panose="020F0502020204030204" pitchFamily="34" charset="0"/>
+                <a:cs typeface="Calibri" panose="020F0502020204030204" pitchFamily="34" charset="0"/>
+              </a:rPr>
+              <a:t>/8</a:t>
+            </a:r>
+            <a:endParaRPr lang="uk-UA" dirty="0">
+              <a:solidFill>
+                <a:schemeClr val="bg2"/>
+              </a:solidFill>
+              <a:latin typeface="Calibri" panose="020F0502020204030204" pitchFamily="34" charset="0"/>
+              <a:cs typeface="Calibri" panose="020F0502020204030204" pitchFamily="34" charset="0"/>
+            </a:endParaRPr>
+          </a:p>
+        </p:txBody>
+      </p:sp>
+      <p:sp>
+        <p:nvSpPr>
+          <p:cNvPr id="22" name="TextBox 21"/>
+          <p:cNvSpPr txBox="1"/>
+          <p:nvPr/>
+        </p:nvSpPr>
+        <p:spPr>
+          <a:xfrm>
+            <a:off x="3802678" y="781960"/>
+            <a:ext cx="391454" cy="369332"/>
+          </a:xfrm>
+          <a:prstGeom prst="rect">
+            <a:avLst/>
+          </a:prstGeom>
+          <a:noFill/>
+        </p:spPr>
+        <p:txBody>
+          <a:bodyPr wrap="none" rtlCol="0">
+            <a:spAutoFit/>
+          </a:bodyPr>
+          <a:lstStyle/>
+          <a:p>
+            <a:r>
+              <a:rPr lang="en-US" dirty="0" smtClean="0">
+                <a:solidFill>
+                  <a:schemeClr val="bg2"/>
+                </a:solidFill>
+                <a:latin typeface="Calibri" panose="020F0502020204030204" pitchFamily="34" charset="0"/>
+                <a:cs typeface="Calibri" panose="020F0502020204030204" pitchFamily="34" charset="0"/>
+              </a:rPr>
+              <a:t>/9</a:t>
+            </a:r>
+            <a:endParaRPr lang="uk-UA" dirty="0">
+              <a:solidFill>
+                <a:schemeClr val="bg2"/>
+              </a:solidFill>
+              <a:latin typeface="Calibri" panose="020F0502020204030204" pitchFamily="34" charset="0"/>
+              <a:cs typeface="Calibri" panose="020F0502020204030204" pitchFamily="34" charset="0"/>
+            </a:endParaRPr>
+          </a:p>
+        </p:txBody>
+      </p:sp>
+      <p:sp>
+        <p:nvSpPr>
+          <p:cNvPr id="23" name="TextBox 22"/>
+          <p:cNvSpPr txBox="1"/>
+          <p:nvPr/>
+        </p:nvSpPr>
+        <p:spPr>
+          <a:xfrm>
+            <a:off x="1552907" y="308331"/>
+            <a:ext cx="508473" cy="369332"/>
+          </a:xfrm>
+          <a:prstGeom prst="rect">
+            <a:avLst/>
+          </a:prstGeom>
+          <a:noFill/>
+        </p:spPr>
+        <p:txBody>
+          <a:bodyPr wrap="none" rtlCol="0">
+            <a:spAutoFit/>
+          </a:bodyPr>
+          <a:lstStyle/>
+          <a:p>
+            <a:r>
+              <a:rPr lang="en-US" dirty="0" smtClean="0">
+                <a:solidFill>
+                  <a:schemeClr val="bg2"/>
+                </a:solidFill>
+                <a:latin typeface="Calibri" panose="020F0502020204030204" pitchFamily="34" charset="0"/>
+                <a:cs typeface="Calibri" panose="020F0502020204030204" pitchFamily="34" charset="0"/>
+              </a:rPr>
+              <a:t>/10</a:t>
+            </a:r>
+            <a:endParaRPr lang="uk-UA" dirty="0">
+              <a:solidFill>
+                <a:schemeClr val="bg2"/>
+              </a:solidFill>
+              <a:latin typeface="Calibri" panose="020F0502020204030204" pitchFamily="34" charset="0"/>
+              <a:cs typeface="Calibri" panose="020F0502020204030204" pitchFamily="34" charset="0"/>
+            </a:endParaRPr>
+          </a:p>
+        </p:txBody>
+      </p:sp>
+      <p:sp>
+        <p:nvSpPr>
+          <p:cNvPr id="32" name="TextBox 31"/>
+          <p:cNvSpPr txBox="1"/>
+          <p:nvPr/>
+        </p:nvSpPr>
+        <p:spPr>
+          <a:xfrm>
+            <a:off x="1343555" y="2170124"/>
+            <a:ext cx="418704" cy="369332"/>
+          </a:xfrm>
+          <a:prstGeom prst="rect">
+            <a:avLst/>
+          </a:prstGeom>
+          <a:noFill/>
+        </p:spPr>
+        <p:txBody>
+          <a:bodyPr wrap="none" rtlCol="0">
+            <a:spAutoFit/>
+          </a:bodyPr>
+          <a:lstStyle/>
+          <a:p>
+            <a:r>
+              <a:rPr lang="en-US" dirty="0" smtClean="0">
+                <a:solidFill>
+                  <a:schemeClr val="bg2"/>
+                </a:solidFill>
+                <a:latin typeface="Calibri" panose="020F0502020204030204" pitchFamily="34" charset="0"/>
+                <a:cs typeface="Calibri" panose="020F0502020204030204" pitchFamily="34" charset="0"/>
+              </a:rPr>
+              <a:t>11</a:t>
+            </a:r>
+            <a:endParaRPr lang="uk-UA" dirty="0">
+              <a:solidFill>
+                <a:schemeClr val="bg2"/>
+              </a:solidFill>
+              <a:latin typeface="Calibri" panose="020F0502020204030204" pitchFamily="34" charset="0"/>
+              <a:cs typeface="Calibri" panose="020F0502020204030204" pitchFamily="34" charset="0"/>
+            </a:endParaRPr>
+          </a:p>
+        </p:txBody>
+      </p:sp>
+      <p:sp>
+        <p:nvSpPr>
+          <p:cNvPr id="33" name="TextBox 32"/>
+          <p:cNvSpPr txBox="1"/>
+          <p:nvPr/>
+        </p:nvSpPr>
+        <p:spPr>
+          <a:xfrm>
+            <a:off x="1558263" y="2168755"/>
+            <a:ext cx="508473" cy="369332"/>
+          </a:xfrm>
+          <a:prstGeom prst="rect">
+            <a:avLst/>
+          </a:prstGeom>
+          <a:noFill/>
+        </p:spPr>
+        <p:txBody>
+          <a:bodyPr wrap="none" rtlCol="0">
+            <a:spAutoFit/>
+          </a:bodyPr>
+          <a:lstStyle/>
+          <a:p>
+            <a:r>
+              <a:rPr lang="en-US" dirty="0" smtClean="0">
+                <a:solidFill>
+                  <a:schemeClr val="bg2"/>
+                </a:solidFill>
+                <a:latin typeface="Calibri" panose="020F0502020204030204" pitchFamily="34" charset="0"/>
+                <a:cs typeface="Calibri" panose="020F0502020204030204" pitchFamily="34" charset="0"/>
+              </a:rPr>
+              <a:t>/18</a:t>
+            </a:r>
+            <a:endParaRPr lang="uk-UA" dirty="0">
+              <a:solidFill>
+                <a:schemeClr val="bg2"/>
+              </a:solidFill>
+              <a:latin typeface="Calibri" panose="020F0502020204030204" pitchFamily="34" charset="0"/>
+              <a:cs typeface="Calibri" panose="020F0502020204030204" pitchFamily="34" charset="0"/>
+            </a:endParaRPr>
+          </a:p>
+        </p:txBody>
+      </p:sp>
+      <p:sp>
+        <p:nvSpPr>
+          <p:cNvPr id="35" name="TextBox 34"/>
+          <p:cNvSpPr txBox="1"/>
+          <p:nvPr/>
+        </p:nvSpPr>
+        <p:spPr>
+          <a:xfrm>
+            <a:off x="1343555" y="3847438"/>
+            <a:ext cx="418704" cy="369332"/>
+          </a:xfrm>
+          <a:prstGeom prst="rect">
+            <a:avLst/>
+          </a:prstGeom>
+          <a:noFill/>
+        </p:spPr>
+        <p:txBody>
+          <a:bodyPr wrap="none" rtlCol="0">
+            <a:spAutoFit/>
+          </a:bodyPr>
+          <a:lstStyle/>
+          <a:p>
+            <a:r>
+              <a:rPr lang="en-US" dirty="0" smtClean="0">
+                <a:solidFill>
+                  <a:schemeClr val="bg2"/>
+                </a:solidFill>
+                <a:latin typeface="Calibri" panose="020F0502020204030204" pitchFamily="34" charset="0"/>
+                <a:cs typeface="Calibri" panose="020F0502020204030204" pitchFamily="34" charset="0"/>
+              </a:rPr>
+              <a:t>12</a:t>
+            </a:r>
+            <a:endParaRPr lang="uk-UA" dirty="0">
+              <a:solidFill>
+                <a:schemeClr val="bg2"/>
+              </a:solidFill>
+              <a:latin typeface="Calibri" panose="020F0502020204030204" pitchFamily="34" charset="0"/>
+              <a:cs typeface="Calibri" panose="020F0502020204030204" pitchFamily="34" charset="0"/>
+            </a:endParaRPr>
+          </a:p>
+        </p:txBody>
+      </p:sp>
+      <p:sp>
+        <p:nvSpPr>
+          <p:cNvPr id="36" name="TextBox 35"/>
+          <p:cNvSpPr txBox="1"/>
+          <p:nvPr/>
+        </p:nvSpPr>
+        <p:spPr>
+          <a:xfrm>
+            <a:off x="1553939" y="3847438"/>
+            <a:ext cx="508473" cy="369332"/>
+          </a:xfrm>
+          <a:prstGeom prst="rect">
+            <a:avLst/>
+          </a:prstGeom>
+          <a:noFill/>
+        </p:spPr>
+        <p:txBody>
+          <a:bodyPr wrap="none" rtlCol="0">
+            <a:spAutoFit/>
+          </a:bodyPr>
+          <a:lstStyle/>
+          <a:p>
+            <a:r>
+              <a:rPr lang="en-US" dirty="0" smtClean="0">
+                <a:solidFill>
+                  <a:schemeClr val="bg2"/>
+                </a:solidFill>
+                <a:latin typeface="Calibri" panose="020F0502020204030204" pitchFamily="34" charset="0"/>
+                <a:cs typeface="Calibri" panose="020F0502020204030204" pitchFamily="34" charset="0"/>
+              </a:rPr>
+              <a:t>/17</a:t>
+            </a:r>
+            <a:endParaRPr lang="uk-UA" dirty="0">
+              <a:solidFill>
+                <a:schemeClr val="bg2"/>
+              </a:solidFill>
+              <a:latin typeface="Calibri" panose="020F0502020204030204" pitchFamily="34" charset="0"/>
+              <a:cs typeface="Calibri" panose="020F0502020204030204" pitchFamily="34" charset="0"/>
+            </a:endParaRPr>
+          </a:p>
+        </p:txBody>
+      </p:sp>
+      <p:sp>
+        <p:nvSpPr>
+          <p:cNvPr id="38" name="TextBox 37"/>
+          <p:cNvSpPr txBox="1"/>
+          <p:nvPr/>
+        </p:nvSpPr>
+        <p:spPr>
+          <a:xfrm>
+            <a:off x="3602724" y="4775470"/>
+            <a:ext cx="418704" cy="369332"/>
+          </a:xfrm>
+          <a:prstGeom prst="rect">
+            <a:avLst/>
+          </a:prstGeom>
+          <a:noFill/>
+        </p:spPr>
+        <p:txBody>
+          <a:bodyPr wrap="none" rtlCol="0">
+            <a:spAutoFit/>
+          </a:bodyPr>
+          <a:lstStyle/>
+          <a:p>
+            <a:r>
+              <a:rPr lang="en-US" dirty="0" smtClean="0">
+                <a:solidFill>
+                  <a:schemeClr val="bg2"/>
+                </a:solidFill>
+                <a:latin typeface="Calibri" panose="020F0502020204030204" pitchFamily="34" charset="0"/>
+                <a:cs typeface="Calibri" panose="020F0502020204030204" pitchFamily="34" charset="0"/>
+              </a:rPr>
+              <a:t>13</a:t>
+            </a:r>
+            <a:endParaRPr lang="uk-UA" dirty="0">
+              <a:solidFill>
+                <a:schemeClr val="bg2"/>
+              </a:solidFill>
+              <a:latin typeface="Calibri" panose="020F0502020204030204" pitchFamily="34" charset="0"/>
+              <a:cs typeface="Calibri" panose="020F0502020204030204" pitchFamily="34" charset="0"/>
+            </a:endParaRPr>
+          </a:p>
+        </p:txBody>
+      </p:sp>
+      <p:sp>
+        <p:nvSpPr>
+          <p:cNvPr id="39" name="TextBox 38"/>
+          <p:cNvSpPr txBox="1"/>
+          <p:nvPr/>
+        </p:nvSpPr>
+        <p:spPr>
+          <a:xfrm>
+            <a:off x="3813829" y="4770228"/>
+            <a:ext cx="508473" cy="369332"/>
+          </a:xfrm>
+          <a:prstGeom prst="rect">
+            <a:avLst/>
+          </a:prstGeom>
+          <a:noFill/>
+        </p:spPr>
+        <p:txBody>
+          <a:bodyPr wrap="none" rtlCol="0">
+            <a:spAutoFit/>
+          </a:bodyPr>
+          <a:lstStyle/>
+          <a:p>
+            <a:r>
+              <a:rPr lang="en-US" dirty="0" smtClean="0">
+                <a:solidFill>
+                  <a:schemeClr val="bg2"/>
+                </a:solidFill>
+                <a:latin typeface="Calibri" panose="020F0502020204030204" pitchFamily="34" charset="0"/>
+                <a:cs typeface="Calibri" panose="020F0502020204030204" pitchFamily="34" charset="0"/>
+              </a:rPr>
+              <a:t>/16</a:t>
+            </a:r>
+            <a:endParaRPr lang="uk-UA" dirty="0">
+              <a:solidFill>
+                <a:schemeClr val="bg2"/>
+              </a:solidFill>
+              <a:latin typeface="Calibri" panose="020F0502020204030204" pitchFamily="34" charset="0"/>
+              <a:cs typeface="Calibri" panose="020F0502020204030204" pitchFamily="34" charset="0"/>
+            </a:endParaRPr>
+          </a:p>
+        </p:txBody>
+      </p:sp>
+      <p:sp>
+        <p:nvSpPr>
+          <p:cNvPr id="40" name="TextBox 39"/>
+          <p:cNvSpPr txBox="1"/>
+          <p:nvPr/>
+        </p:nvSpPr>
+        <p:spPr>
+          <a:xfrm>
+            <a:off x="3599422" y="2781336"/>
+            <a:ext cx="418704" cy="369332"/>
+          </a:xfrm>
+          <a:prstGeom prst="rect">
+            <a:avLst/>
+          </a:prstGeom>
+          <a:noFill/>
+        </p:spPr>
+        <p:txBody>
+          <a:bodyPr wrap="none" rtlCol="0">
+            <a:spAutoFit/>
+          </a:bodyPr>
+          <a:lstStyle/>
+          <a:p>
+            <a:r>
+              <a:rPr lang="en-US" dirty="0" smtClean="0">
+                <a:solidFill>
+                  <a:schemeClr val="bg2"/>
+                </a:solidFill>
+                <a:latin typeface="Calibri" panose="020F0502020204030204" pitchFamily="34" charset="0"/>
+                <a:cs typeface="Calibri" panose="020F0502020204030204" pitchFamily="34" charset="0"/>
+              </a:rPr>
+              <a:t>14</a:t>
+            </a:r>
+            <a:endParaRPr lang="uk-UA" dirty="0">
+              <a:solidFill>
+                <a:schemeClr val="bg2"/>
+              </a:solidFill>
+              <a:latin typeface="Calibri" panose="020F0502020204030204" pitchFamily="34" charset="0"/>
+              <a:cs typeface="Calibri" panose="020F0502020204030204" pitchFamily="34" charset="0"/>
+            </a:endParaRPr>
+          </a:p>
+        </p:txBody>
+      </p:sp>
+      <p:sp>
+        <p:nvSpPr>
+          <p:cNvPr id="41" name="TextBox 40"/>
+          <p:cNvSpPr txBox="1"/>
+          <p:nvPr/>
+        </p:nvSpPr>
+        <p:spPr>
+          <a:xfrm>
+            <a:off x="3840968" y="2776094"/>
+            <a:ext cx="508473" cy="369332"/>
+          </a:xfrm>
+          <a:prstGeom prst="rect">
+            <a:avLst/>
+          </a:prstGeom>
+          <a:noFill/>
+        </p:spPr>
+        <p:txBody>
+          <a:bodyPr wrap="none" rtlCol="0">
+            <a:spAutoFit/>
+          </a:bodyPr>
+          <a:lstStyle/>
+          <a:p>
+            <a:r>
+              <a:rPr lang="en-US" dirty="0" smtClean="0">
+                <a:solidFill>
+                  <a:schemeClr val="bg2"/>
+                </a:solidFill>
+                <a:latin typeface="Calibri" panose="020F0502020204030204" pitchFamily="34" charset="0"/>
+                <a:cs typeface="Calibri" panose="020F0502020204030204" pitchFamily="34" charset="0"/>
+              </a:rPr>
+              <a:t>/15</a:t>
+            </a:r>
+            <a:endParaRPr lang="uk-UA" dirty="0">
+              <a:solidFill>
+                <a:schemeClr val="bg2"/>
+              </a:solidFill>
+              <a:latin typeface="Calibri" panose="020F0502020204030204" pitchFamily="34" charset="0"/>
+              <a:cs typeface="Calibri" panose="020F0502020204030204" pitchFamily="34" charset="0"/>
+            </a:endParaRPr>
+          </a:p>
+        </p:txBody>
+      </p:sp>
     </p:spTree>
     <p:extLst>
       <p:ext uri="{BB962C8B-B14F-4D97-AF65-F5344CB8AC3E}">
-        <p14:creationId xmlns:p14="http://schemas.microsoft.com/office/powerpoint/2010/main" val="3656355370"/>
+        <p14:creationId xmlns:p14="http://schemas.microsoft.com/office/powerpoint/2010/main" val="1693436321"/>
       </p:ext>
     </p:extLst>
   </p:cSld>
@@ -14545,18 +16102,919 @@
   </p:clrMapOvr>
   <mc:AlternateContent xmlns:mc="http://schemas.openxmlformats.org/markup-compatibility/2006">
     <mc:Choice xmlns:p14="http://schemas.microsoft.com/office/powerpoint/2010/main" Requires="p14">
-      <p:transition spd="slow" p14:dur="2000" advTm="2000"/>
+      <p:transition spd="slow" p14:dur="2000" advTm="10000"/>
     </mc:Choice>
     <mc:Fallback>
-      <p:transition spd="slow" advTm="2000"/>
+      <p:transition spd="slow" advTm="10000"/>
     </mc:Fallback>
   </mc:AlternateContent>
   <p:timing>
     <p:tnLst>
       <p:par>
-        <p:cTn id="1" dur="indefinite" restart="never" nodeType="tmRoot"/>
+        <p:cTn id="1" dur="indefinite" restart="never" nodeType="tmRoot">
+          <p:childTnLst>
+            <p:seq concurrent="1" nextAc="seek">
+              <p:cTn id="2" dur="indefinite" nodeType="mainSeq">
+                <p:childTnLst>
+                  <p:par>
+                    <p:cTn id="3" fill="hold">
+                      <p:stCondLst>
+                        <p:cond delay="indefinite"/>
+                        <p:cond evt="onBegin" delay="0">
+                          <p:tn val="2"/>
+                        </p:cond>
+                      </p:stCondLst>
+                      <p:childTnLst>
+                        <p:par>
+                          <p:cTn id="4" fill="hold">
+                            <p:stCondLst>
+                              <p:cond delay="0"/>
+                            </p:stCondLst>
+                            <p:childTnLst>
+                              <p:par>
+                                <p:cTn id="5" presetID="10" presetClass="entr" presetSubtype="0" fill="hold" grpId="0" nodeType="withEffect">
+                                  <p:stCondLst>
+                                    <p:cond delay="0"/>
+                                  </p:stCondLst>
+                                  <p:iterate type="wd">
+                                    <p:tmPct val="10000"/>
+                                  </p:iterate>
+                                  <p:childTnLst>
+                                    <p:set>
+                                      <p:cBhvr>
+                                        <p:cTn id="6" dur="1" fill="hold">
+                                          <p:stCondLst>
+                                            <p:cond delay="0"/>
+                                          </p:stCondLst>
+                                        </p:cTn>
+                                        <p:tgtEl>
+                                          <p:spTgt spid="3"/>
+                                        </p:tgtEl>
+                                        <p:attrNameLst>
+                                          <p:attrName>style.visibility</p:attrName>
+                                        </p:attrNameLst>
+                                      </p:cBhvr>
+                                      <p:to>
+                                        <p:strVal val="visible"/>
+                                      </p:to>
+                                    </p:set>
+                                    <p:animEffect transition="in" filter="fade">
+                                      <p:cBhvr>
+                                        <p:cTn id="7" dur="500"/>
+                                        <p:tgtEl>
+                                          <p:spTgt spid="3"/>
+                                        </p:tgtEl>
+                                      </p:cBhvr>
+                                    </p:animEffect>
+                                  </p:childTnLst>
+                                </p:cTn>
+                              </p:par>
+                            </p:childTnLst>
+                          </p:cTn>
+                        </p:par>
+                        <p:par>
+                          <p:cTn id="8" fill="hold">
+                            <p:stCondLst>
+                              <p:cond delay="500"/>
+                            </p:stCondLst>
+                            <p:childTnLst>
+                              <p:par>
+                                <p:cTn id="9" presetID="10" presetClass="entr" presetSubtype="0" fill="hold" grpId="0" nodeType="afterEffect">
+                                  <p:stCondLst>
+                                    <p:cond delay="0"/>
+                                  </p:stCondLst>
+                                  <p:iterate type="wd">
+                                    <p:tmPct val="10000"/>
+                                  </p:iterate>
+                                  <p:childTnLst>
+                                    <p:set>
+                                      <p:cBhvr>
+                                        <p:cTn id="10" dur="1" fill="hold">
+                                          <p:stCondLst>
+                                            <p:cond delay="0"/>
+                                          </p:stCondLst>
+                                        </p:cTn>
+                                        <p:tgtEl>
+                                          <p:spTgt spid="9"/>
+                                        </p:tgtEl>
+                                        <p:attrNameLst>
+                                          <p:attrName>style.visibility</p:attrName>
+                                        </p:attrNameLst>
+                                      </p:cBhvr>
+                                      <p:to>
+                                        <p:strVal val="visible"/>
+                                      </p:to>
+                                    </p:set>
+                                    <p:animEffect transition="in" filter="fade">
+                                      <p:cBhvr>
+                                        <p:cTn id="11" dur="500"/>
+                                        <p:tgtEl>
+                                          <p:spTgt spid="9"/>
+                                        </p:tgtEl>
+                                      </p:cBhvr>
+                                    </p:animEffect>
+                                  </p:childTnLst>
+                                </p:cTn>
+                              </p:par>
+                            </p:childTnLst>
+                          </p:cTn>
+                        </p:par>
+                        <p:par>
+                          <p:cTn id="12" fill="hold">
+                            <p:stCondLst>
+                              <p:cond delay="1000"/>
+                            </p:stCondLst>
+                            <p:childTnLst>
+                              <p:par>
+                                <p:cTn id="13" presetID="10" presetClass="entr" presetSubtype="0" fill="hold" grpId="0" nodeType="afterEffect">
+                                  <p:stCondLst>
+                                    <p:cond delay="0"/>
+                                  </p:stCondLst>
+                                  <p:iterate type="wd">
+                                    <p:tmPct val="10000"/>
+                                  </p:iterate>
+                                  <p:childTnLst>
+                                    <p:set>
+                                      <p:cBhvr>
+                                        <p:cTn id="14" dur="1" fill="hold">
+                                          <p:stCondLst>
+                                            <p:cond delay="0"/>
+                                          </p:stCondLst>
+                                        </p:cTn>
+                                        <p:tgtEl>
+                                          <p:spTgt spid="11"/>
+                                        </p:tgtEl>
+                                        <p:attrNameLst>
+                                          <p:attrName>style.visibility</p:attrName>
+                                        </p:attrNameLst>
+                                      </p:cBhvr>
+                                      <p:to>
+                                        <p:strVal val="visible"/>
+                                      </p:to>
+                                    </p:set>
+                                    <p:animEffect transition="in" filter="fade">
+                                      <p:cBhvr>
+                                        <p:cTn id="15" dur="500"/>
+                                        <p:tgtEl>
+                                          <p:spTgt spid="11"/>
+                                        </p:tgtEl>
+                                      </p:cBhvr>
+                                    </p:animEffect>
+                                  </p:childTnLst>
+                                </p:cTn>
+                              </p:par>
+                            </p:childTnLst>
+                          </p:cTn>
+                        </p:par>
+                        <p:par>
+                          <p:cTn id="16" fill="hold">
+                            <p:stCondLst>
+                              <p:cond delay="1500"/>
+                            </p:stCondLst>
+                            <p:childTnLst>
+                              <p:par>
+                                <p:cTn id="17" presetID="10" presetClass="entr" presetSubtype="0" fill="hold" grpId="0" nodeType="afterEffect">
+                                  <p:stCondLst>
+                                    <p:cond delay="0"/>
+                                  </p:stCondLst>
+                                  <p:iterate type="wd">
+                                    <p:tmPct val="10000"/>
+                                  </p:iterate>
+                                  <p:childTnLst>
+                                    <p:set>
+                                      <p:cBhvr>
+                                        <p:cTn id="18" dur="1" fill="hold">
+                                          <p:stCondLst>
+                                            <p:cond delay="0"/>
+                                          </p:stCondLst>
+                                        </p:cTn>
+                                        <p:tgtEl>
+                                          <p:spTgt spid="12"/>
+                                        </p:tgtEl>
+                                        <p:attrNameLst>
+                                          <p:attrName>style.visibility</p:attrName>
+                                        </p:attrNameLst>
+                                      </p:cBhvr>
+                                      <p:to>
+                                        <p:strVal val="visible"/>
+                                      </p:to>
+                                    </p:set>
+                                    <p:animEffect transition="in" filter="fade">
+                                      <p:cBhvr>
+                                        <p:cTn id="19" dur="500"/>
+                                        <p:tgtEl>
+                                          <p:spTgt spid="12"/>
+                                        </p:tgtEl>
+                                      </p:cBhvr>
+                                    </p:animEffect>
+                                  </p:childTnLst>
+                                </p:cTn>
+                              </p:par>
+                            </p:childTnLst>
+                          </p:cTn>
+                        </p:par>
+                        <p:par>
+                          <p:cTn id="20" fill="hold">
+                            <p:stCondLst>
+                              <p:cond delay="2000"/>
+                            </p:stCondLst>
+                            <p:childTnLst>
+                              <p:par>
+                                <p:cTn id="21" presetID="10" presetClass="entr" presetSubtype="0" fill="hold" grpId="0" nodeType="afterEffect">
+                                  <p:stCondLst>
+                                    <p:cond delay="0"/>
+                                  </p:stCondLst>
+                                  <p:iterate type="wd">
+                                    <p:tmPct val="10000"/>
+                                  </p:iterate>
+                                  <p:childTnLst>
+                                    <p:set>
+                                      <p:cBhvr>
+                                        <p:cTn id="22" dur="1" fill="hold">
+                                          <p:stCondLst>
+                                            <p:cond delay="0"/>
+                                          </p:stCondLst>
+                                        </p:cTn>
+                                        <p:tgtEl>
+                                          <p:spTgt spid="13"/>
+                                        </p:tgtEl>
+                                        <p:attrNameLst>
+                                          <p:attrName>style.visibility</p:attrName>
+                                        </p:attrNameLst>
+                                      </p:cBhvr>
+                                      <p:to>
+                                        <p:strVal val="visible"/>
+                                      </p:to>
+                                    </p:set>
+                                    <p:animEffect transition="in" filter="fade">
+                                      <p:cBhvr>
+                                        <p:cTn id="23" dur="500"/>
+                                        <p:tgtEl>
+                                          <p:spTgt spid="13"/>
+                                        </p:tgtEl>
+                                      </p:cBhvr>
+                                    </p:animEffect>
+                                  </p:childTnLst>
+                                </p:cTn>
+                              </p:par>
+                            </p:childTnLst>
+                          </p:cTn>
+                        </p:par>
+                        <p:par>
+                          <p:cTn id="24" fill="hold">
+                            <p:stCondLst>
+                              <p:cond delay="2500"/>
+                            </p:stCondLst>
+                            <p:childTnLst>
+                              <p:par>
+                                <p:cTn id="25" presetID="10" presetClass="entr" presetSubtype="0" fill="hold" grpId="0" nodeType="afterEffect">
+                                  <p:stCondLst>
+                                    <p:cond delay="0"/>
+                                  </p:stCondLst>
+                                  <p:iterate type="wd">
+                                    <p:tmPct val="10000"/>
+                                  </p:iterate>
+                                  <p:childTnLst>
+                                    <p:set>
+                                      <p:cBhvr>
+                                        <p:cTn id="26" dur="1" fill="hold">
+                                          <p:stCondLst>
+                                            <p:cond delay="0"/>
+                                          </p:stCondLst>
+                                        </p:cTn>
+                                        <p:tgtEl>
+                                          <p:spTgt spid="14"/>
+                                        </p:tgtEl>
+                                        <p:attrNameLst>
+                                          <p:attrName>style.visibility</p:attrName>
+                                        </p:attrNameLst>
+                                      </p:cBhvr>
+                                      <p:to>
+                                        <p:strVal val="visible"/>
+                                      </p:to>
+                                    </p:set>
+                                    <p:animEffect transition="in" filter="fade">
+                                      <p:cBhvr>
+                                        <p:cTn id="27" dur="500"/>
+                                        <p:tgtEl>
+                                          <p:spTgt spid="14"/>
+                                        </p:tgtEl>
+                                      </p:cBhvr>
+                                    </p:animEffect>
+                                  </p:childTnLst>
+                                </p:cTn>
+                              </p:par>
+                            </p:childTnLst>
+                          </p:cTn>
+                        </p:par>
+                        <p:par>
+                          <p:cTn id="28" fill="hold">
+                            <p:stCondLst>
+                              <p:cond delay="3050"/>
+                            </p:stCondLst>
+                            <p:childTnLst>
+                              <p:par>
+                                <p:cTn id="29" presetID="10" presetClass="entr" presetSubtype="0" fill="hold" grpId="0" nodeType="afterEffect">
+                                  <p:stCondLst>
+                                    <p:cond delay="0"/>
+                                  </p:stCondLst>
+                                  <p:iterate type="wd">
+                                    <p:tmPct val="10000"/>
+                                  </p:iterate>
+                                  <p:childTnLst>
+                                    <p:set>
+                                      <p:cBhvr>
+                                        <p:cTn id="30" dur="1" fill="hold">
+                                          <p:stCondLst>
+                                            <p:cond delay="0"/>
+                                          </p:stCondLst>
+                                        </p:cTn>
+                                        <p:tgtEl>
+                                          <p:spTgt spid="15"/>
+                                        </p:tgtEl>
+                                        <p:attrNameLst>
+                                          <p:attrName>style.visibility</p:attrName>
+                                        </p:attrNameLst>
+                                      </p:cBhvr>
+                                      <p:to>
+                                        <p:strVal val="visible"/>
+                                      </p:to>
+                                    </p:set>
+                                    <p:animEffect transition="in" filter="fade">
+                                      <p:cBhvr>
+                                        <p:cTn id="31" dur="500"/>
+                                        <p:tgtEl>
+                                          <p:spTgt spid="15"/>
+                                        </p:tgtEl>
+                                      </p:cBhvr>
+                                    </p:animEffect>
+                                  </p:childTnLst>
+                                </p:cTn>
+                              </p:par>
+                            </p:childTnLst>
+                          </p:cTn>
+                        </p:par>
+                        <p:par>
+                          <p:cTn id="32" fill="hold">
+                            <p:stCondLst>
+                              <p:cond delay="3600"/>
+                            </p:stCondLst>
+                            <p:childTnLst>
+                              <p:par>
+                                <p:cTn id="33" presetID="10" presetClass="entr" presetSubtype="0" fill="hold" grpId="0" nodeType="afterEffect">
+                                  <p:stCondLst>
+                                    <p:cond delay="0"/>
+                                  </p:stCondLst>
+                                  <p:iterate type="wd">
+                                    <p:tmPct val="10000"/>
+                                  </p:iterate>
+                                  <p:childTnLst>
+                                    <p:set>
+                                      <p:cBhvr>
+                                        <p:cTn id="34" dur="1" fill="hold">
+                                          <p:stCondLst>
+                                            <p:cond delay="0"/>
+                                          </p:stCondLst>
+                                        </p:cTn>
+                                        <p:tgtEl>
+                                          <p:spTgt spid="19"/>
+                                        </p:tgtEl>
+                                        <p:attrNameLst>
+                                          <p:attrName>style.visibility</p:attrName>
+                                        </p:attrNameLst>
+                                      </p:cBhvr>
+                                      <p:to>
+                                        <p:strVal val="visible"/>
+                                      </p:to>
+                                    </p:set>
+                                    <p:animEffect transition="in" filter="fade">
+                                      <p:cBhvr>
+                                        <p:cTn id="35" dur="500"/>
+                                        <p:tgtEl>
+                                          <p:spTgt spid="19"/>
+                                        </p:tgtEl>
+                                      </p:cBhvr>
+                                    </p:animEffect>
+                                  </p:childTnLst>
+                                </p:cTn>
+                              </p:par>
+                            </p:childTnLst>
+                          </p:cTn>
+                        </p:par>
+                        <p:par>
+                          <p:cTn id="36" fill="hold">
+                            <p:stCondLst>
+                              <p:cond delay="4150"/>
+                            </p:stCondLst>
+                            <p:childTnLst>
+                              <p:par>
+                                <p:cTn id="37" presetID="10" presetClass="entr" presetSubtype="0" fill="hold" grpId="0" nodeType="afterEffect">
+                                  <p:stCondLst>
+                                    <p:cond delay="0"/>
+                                  </p:stCondLst>
+                                  <p:iterate type="wd">
+                                    <p:tmPct val="10000"/>
+                                  </p:iterate>
+                                  <p:childTnLst>
+                                    <p:set>
+                                      <p:cBhvr>
+                                        <p:cTn id="38" dur="1" fill="hold">
+                                          <p:stCondLst>
+                                            <p:cond delay="0"/>
+                                          </p:stCondLst>
+                                        </p:cTn>
+                                        <p:tgtEl>
+                                          <p:spTgt spid="22"/>
+                                        </p:tgtEl>
+                                        <p:attrNameLst>
+                                          <p:attrName>style.visibility</p:attrName>
+                                        </p:attrNameLst>
+                                      </p:cBhvr>
+                                      <p:to>
+                                        <p:strVal val="visible"/>
+                                      </p:to>
+                                    </p:set>
+                                    <p:animEffect transition="in" filter="fade">
+                                      <p:cBhvr>
+                                        <p:cTn id="39" dur="500"/>
+                                        <p:tgtEl>
+                                          <p:spTgt spid="22"/>
+                                        </p:tgtEl>
+                                      </p:cBhvr>
+                                    </p:animEffect>
+                                  </p:childTnLst>
+                                </p:cTn>
+                              </p:par>
+                            </p:childTnLst>
+                          </p:cTn>
+                        </p:par>
+                        <p:par>
+                          <p:cTn id="40" fill="hold">
+                            <p:stCondLst>
+                              <p:cond delay="4700"/>
+                            </p:stCondLst>
+                            <p:childTnLst>
+                              <p:par>
+                                <p:cTn id="41" presetID="10" presetClass="entr" presetSubtype="0" fill="hold" grpId="0" nodeType="afterEffect">
+                                  <p:stCondLst>
+                                    <p:cond delay="0"/>
+                                  </p:stCondLst>
+                                  <p:iterate type="wd">
+                                    <p:tmPct val="10000"/>
+                                  </p:iterate>
+                                  <p:childTnLst>
+                                    <p:set>
+                                      <p:cBhvr>
+                                        <p:cTn id="42" dur="1" fill="hold">
+                                          <p:stCondLst>
+                                            <p:cond delay="0"/>
+                                          </p:stCondLst>
+                                        </p:cTn>
+                                        <p:tgtEl>
+                                          <p:spTgt spid="23"/>
+                                        </p:tgtEl>
+                                        <p:attrNameLst>
+                                          <p:attrName>style.visibility</p:attrName>
+                                        </p:attrNameLst>
+                                      </p:cBhvr>
+                                      <p:to>
+                                        <p:strVal val="visible"/>
+                                      </p:to>
+                                    </p:set>
+                                    <p:animEffect transition="in" filter="fade">
+                                      <p:cBhvr>
+                                        <p:cTn id="43" dur="500"/>
+                                        <p:tgtEl>
+                                          <p:spTgt spid="23"/>
+                                        </p:tgtEl>
+                                      </p:cBhvr>
+                                    </p:animEffect>
+                                  </p:childTnLst>
+                                </p:cTn>
+                              </p:par>
+                            </p:childTnLst>
+                          </p:cTn>
+                        </p:par>
+                        <p:par>
+                          <p:cTn id="44" fill="hold">
+                            <p:stCondLst>
+                              <p:cond delay="5250"/>
+                            </p:stCondLst>
+                            <p:childTnLst>
+                              <p:par>
+                                <p:cTn id="45" presetID="10" presetClass="entr" presetSubtype="0" fill="hold" grpId="0" nodeType="afterEffect">
+                                  <p:stCondLst>
+                                    <p:cond delay="0"/>
+                                  </p:stCondLst>
+                                  <p:iterate type="wd">
+                                    <p:tmPct val="10000"/>
+                                  </p:iterate>
+                                  <p:childTnLst>
+                                    <p:set>
+                                      <p:cBhvr>
+                                        <p:cTn id="46" dur="1" fill="hold">
+                                          <p:stCondLst>
+                                            <p:cond delay="0"/>
+                                          </p:stCondLst>
+                                        </p:cTn>
+                                        <p:tgtEl>
+                                          <p:spTgt spid="32"/>
+                                        </p:tgtEl>
+                                        <p:attrNameLst>
+                                          <p:attrName>style.visibility</p:attrName>
+                                        </p:attrNameLst>
+                                      </p:cBhvr>
+                                      <p:to>
+                                        <p:strVal val="visible"/>
+                                      </p:to>
+                                    </p:set>
+                                    <p:animEffect transition="in" filter="fade">
+                                      <p:cBhvr>
+                                        <p:cTn id="47" dur="500"/>
+                                        <p:tgtEl>
+                                          <p:spTgt spid="32"/>
+                                        </p:tgtEl>
+                                      </p:cBhvr>
+                                    </p:animEffect>
+                                  </p:childTnLst>
+                                </p:cTn>
+                              </p:par>
+                            </p:childTnLst>
+                          </p:cTn>
+                        </p:par>
+                        <p:par>
+                          <p:cTn id="48" fill="hold">
+                            <p:stCondLst>
+                              <p:cond delay="5750"/>
+                            </p:stCondLst>
+                            <p:childTnLst>
+                              <p:par>
+                                <p:cTn id="49" presetID="10" presetClass="entr" presetSubtype="0" fill="hold" grpId="0" nodeType="afterEffect">
+                                  <p:stCondLst>
+                                    <p:cond delay="0"/>
+                                  </p:stCondLst>
+                                  <p:iterate type="wd">
+                                    <p:tmPct val="10000"/>
+                                  </p:iterate>
+                                  <p:childTnLst>
+                                    <p:set>
+                                      <p:cBhvr>
+                                        <p:cTn id="50" dur="1" fill="hold">
+                                          <p:stCondLst>
+                                            <p:cond delay="0"/>
+                                          </p:stCondLst>
+                                        </p:cTn>
+                                        <p:tgtEl>
+                                          <p:spTgt spid="35"/>
+                                        </p:tgtEl>
+                                        <p:attrNameLst>
+                                          <p:attrName>style.visibility</p:attrName>
+                                        </p:attrNameLst>
+                                      </p:cBhvr>
+                                      <p:to>
+                                        <p:strVal val="visible"/>
+                                      </p:to>
+                                    </p:set>
+                                    <p:animEffect transition="in" filter="fade">
+                                      <p:cBhvr>
+                                        <p:cTn id="51" dur="500"/>
+                                        <p:tgtEl>
+                                          <p:spTgt spid="35"/>
+                                        </p:tgtEl>
+                                      </p:cBhvr>
+                                    </p:animEffect>
+                                  </p:childTnLst>
+                                </p:cTn>
+                              </p:par>
+                            </p:childTnLst>
+                          </p:cTn>
+                        </p:par>
+                        <p:par>
+                          <p:cTn id="52" fill="hold">
+                            <p:stCondLst>
+                              <p:cond delay="6250"/>
+                            </p:stCondLst>
+                            <p:childTnLst>
+                              <p:par>
+                                <p:cTn id="53" presetID="10" presetClass="entr" presetSubtype="0" fill="hold" grpId="0" nodeType="afterEffect">
+                                  <p:stCondLst>
+                                    <p:cond delay="0"/>
+                                  </p:stCondLst>
+                                  <p:iterate type="wd">
+                                    <p:tmPct val="10000"/>
+                                  </p:iterate>
+                                  <p:childTnLst>
+                                    <p:set>
+                                      <p:cBhvr>
+                                        <p:cTn id="54" dur="1" fill="hold">
+                                          <p:stCondLst>
+                                            <p:cond delay="0"/>
+                                          </p:stCondLst>
+                                        </p:cTn>
+                                        <p:tgtEl>
+                                          <p:spTgt spid="38"/>
+                                        </p:tgtEl>
+                                        <p:attrNameLst>
+                                          <p:attrName>style.visibility</p:attrName>
+                                        </p:attrNameLst>
+                                      </p:cBhvr>
+                                      <p:to>
+                                        <p:strVal val="visible"/>
+                                      </p:to>
+                                    </p:set>
+                                    <p:animEffect transition="in" filter="fade">
+                                      <p:cBhvr>
+                                        <p:cTn id="55" dur="500"/>
+                                        <p:tgtEl>
+                                          <p:spTgt spid="38"/>
+                                        </p:tgtEl>
+                                      </p:cBhvr>
+                                    </p:animEffect>
+                                  </p:childTnLst>
+                                </p:cTn>
+                              </p:par>
+                            </p:childTnLst>
+                          </p:cTn>
+                        </p:par>
+                        <p:par>
+                          <p:cTn id="56" fill="hold">
+                            <p:stCondLst>
+                              <p:cond delay="6750"/>
+                            </p:stCondLst>
+                            <p:childTnLst>
+                              <p:par>
+                                <p:cTn id="57" presetID="10" presetClass="entr" presetSubtype="0" fill="hold" grpId="0" nodeType="afterEffect">
+                                  <p:stCondLst>
+                                    <p:cond delay="0"/>
+                                  </p:stCondLst>
+                                  <p:iterate type="wd">
+                                    <p:tmPct val="10000"/>
+                                  </p:iterate>
+                                  <p:childTnLst>
+                                    <p:set>
+                                      <p:cBhvr>
+                                        <p:cTn id="58" dur="1" fill="hold">
+                                          <p:stCondLst>
+                                            <p:cond delay="0"/>
+                                          </p:stCondLst>
+                                        </p:cTn>
+                                        <p:tgtEl>
+                                          <p:spTgt spid="40"/>
+                                        </p:tgtEl>
+                                        <p:attrNameLst>
+                                          <p:attrName>style.visibility</p:attrName>
+                                        </p:attrNameLst>
+                                      </p:cBhvr>
+                                      <p:to>
+                                        <p:strVal val="visible"/>
+                                      </p:to>
+                                    </p:set>
+                                    <p:animEffect transition="in" filter="fade">
+                                      <p:cBhvr>
+                                        <p:cTn id="59" dur="500"/>
+                                        <p:tgtEl>
+                                          <p:spTgt spid="40"/>
+                                        </p:tgtEl>
+                                      </p:cBhvr>
+                                    </p:animEffect>
+                                  </p:childTnLst>
+                                </p:cTn>
+                              </p:par>
+                            </p:childTnLst>
+                          </p:cTn>
+                        </p:par>
+                        <p:par>
+                          <p:cTn id="60" fill="hold">
+                            <p:stCondLst>
+                              <p:cond delay="7250"/>
+                            </p:stCondLst>
+                            <p:childTnLst>
+                              <p:par>
+                                <p:cTn id="61" presetID="10" presetClass="entr" presetSubtype="0" fill="hold" grpId="0" nodeType="afterEffect">
+                                  <p:stCondLst>
+                                    <p:cond delay="0"/>
+                                  </p:stCondLst>
+                                  <p:iterate type="wd">
+                                    <p:tmPct val="10000"/>
+                                  </p:iterate>
+                                  <p:childTnLst>
+                                    <p:set>
+                                      <p:cBhvr>
+                                        <p:cTn id="62" dur="1" fill="hold">
+                                          <p:stCondLst>
+                                            <p:cond delay="0"/>
+                                          </p:stCondLst>
+                                        </p:cTn>
+                                        <p:tgtEl>
+                                          <p:spTgt spid="41"/>
+                                        </p:tgtEl>
+                                        <p:attrNameLst>
+                                          <p:attrName>style.visibility</p:attrName>
+                                        </p:attrNameLst>
+                                      </p:cBhvr>
+                                      <p:to>
+                                        <p:strVal val="visible"/>
+                                      </p:to>
+                                    </p:set>
+                                    <p:animEffect transition="in" filter="fade">
+                                      <p:cBhvr>
+                                        <p:cTn id="63" dur="500"/>
+                                        <p:tgtEl>
+                                          <p:spTgt spid="41"/>
+                                        </p:tgtEl>
+                                      </p:cBhvr>
+                                    </p:animEffect>
+                                  </p:childTnLst>
+                                </p:cTn>
+                              </p:par>
+                            </p:childTnLst>
+                          </p:cTn>
+                        </p:par>
+                        <p:par>
+                          <p:cTn id="64" fill="hold">
+                            <p:stCondLst>
+                              <p:cond delay="7800"/>
+                            </p:stCondLst>
+                            <p:childTnLst>
+                              <p:par>
+                                <p:cTn id="65" presetID="10" presetClass="entr" presetSubtype="0" fill="hold" grpId="0" nodeType="afterEffect">
+                                  <p:stCondLst>
+                                    <p:cond delay="0"/>
+                                  </p:stCondLst>
+                                  <p:iterate type="wd">
+                                    <p:tmPct val="10000"/>
+                                  </p:iterate>
+                                  <p:childTnLst>
+                                    <p:set>
+                                      <p:cBhvr>
+                                        <p:cTn id="66" dur="1" fill="hold">
+                                          <p:stCondLst>
+                                            <p:cond delay="0"/>
+                                          </p:stCondLst>
+                                        </p:cTn>
+                                        <p:tgtEl>
+                                          <p:spTgt spid="39"/>
+                                        </p:tgtEl>
+                                        <p:attrNameLst>
+                                          <p:attrName>style.visibility</p:attrName>
+                                        </p:attrNameLst>
+                                      </p:cBhvr>
+                                      <p:to>
+                                        <p:strVal val="visible"/>
+                                      </p:to>
+                                    </p:set>
+                                    <p:animEffect transition="in" filter="fade">
+                                      <p:cBhvr>
+                                        <p:cTn id="67" dur="500"/>
+                                        <p:tgtEl>
+                                          <p:spTgt spid="39"/>
+                                        </p:tgtEl>
+                                      </p:cBhvr>
+                                    </p:animEffect>
+                                  </p:childTnLst>
+                                </p:cTn>
+                              </p:par>
+                            </p:childTnLst>
+                          </p:cTn>
+                        </p:par>
+                        <p:par>
+                          <p:cTn id="68" fill="hold">
+                            <p:stCondLst>
+                              <p:cond delay="8350"/>
+                            </p:stCondLst>
+                            <p:childTnLst>
+                              <p:par>
+                                <p:cTn id="69" presetID="10" presetClass="entr" presetSubtype="0" fill="hold" grpId="0" nodeType="afterEffect">
+                                  <p:stCondLst>
+                                    <p:cond delay="0"/>
+                                  </p:stCondLst>
+                                  <p:iterate type="wd">
+                                    <p:tmPct val="10000"/>
+                                  </p:iterate>
+                                  <p:childTnLst>
+                                    <p:set>
+                                      <p:cBhvr>
+                                        <p:cTn id="70" dur="1" fill="hold">
+                                          <p:stCondLst>
+                                            <p:cond delay="0"/>
+                                          </p:stCondLst>
+                                        </p:cTn>
+                                        <p:tgtEl>
+                                          <p:spTgt spid="36"/>
+                                        </p:tgtEl>
+                                        <p:attrNameLst>
+                                          <p:attrName>style.visibility</p:attrName>
+                                        </p:attrNameLst>
+                                      </p:cBhvr>
+                                      <p:to>
+                                        <p:strVal val="visible"/>
+                                      </p:to>
+                                    </p:set>
+                                    <p:animEffect transition="in" filter="fade">
+                                      <p:cBhvr>
+                                        <p:cTn id="71" dur="500"/>
+                                        <p:tgtEl>
+                                          <p:spTgt spid="36"/>
+                                        </p:tgtEl>
+                                      </p:cBhvr>
+                                    </p:animEffect>
+                                  </p:childTnLst>
+                                </p:cTn>
+                              </p:par>
+                            </p:childTnLst>
+                          </p:cTn>
+                        </p:par>
+                        <p:par>
+                          <p:cTn id="72" fill="hold">
+                            <p:stCondLst>
+                              <p:cond delay="8900"/>
+                            </p:stCondLst>
+                            <p:childTnLst>
+                              <p:par>
+                                <p:cTn id="73" presetID="10" presetClass="entr" presetSubtype="0" fill="hold" grpId="0" nodeType="afterEffect">
+                                  <p:stCondLst>
+                                    <p:cond delay="0"/>
+                                  </p:stCondLst>
+                                  <p:iterate type="wd">
+                                    <p:tmPct val="10000"/>
+                                  </p:iterate>
+                                  <p:childTnLst>
+                                    <p:set>
+                                      <p:cBhvr>
+                                        <p:cTn id="74" dur="1" fill="hold">
+                                          <p:stCondLst>
+                                            <p:cond delay="0"/>
+                                          </p:stCondLst>
+                                        </p:cTn>
+                                        <p:tgtEl>
+                                          <p:spTgt spid="33"/>
+                                        </p:tgtEl>
+                                        <p:attrNameLst>
+                                          <p:attrName>style.visibility</p:attrName>
+                                        </p:attrNameLst>
+                                      </p:cBhvr>
+                                      <p:to>
+                                        <p:strVal val="visible"/>
+                                      </p:to>
+                                    </p:set>
+                                    <p:animEffect transition="in" filter="fade">
+                                      <p:cBhvr>
+                                        <p:cTn id="75" dur="500"/>
+                                        <p:tgtEl>
+                                          <p:spTgt spid="33"/>
+                                        </p:tgtEl>
+                                      </p:cBhvr>
+                                    </p:animEffect>
+                                  </p:childTnLst>
+                                </p:cTn>
+                              </p:par>
+                            </p:childTnLst>
+                          </p:cTn>
+                        </p:par>
+                      </p:childTnLst>
+                    </p:cTn>
+                  </p:par>
+                </p:childTnLst>
+              </p:cTn>
+              <p:prevCondLst>
+                <p:cond evt="onPrev" delay="0">
+                  <p:tgtEl>
+                    <p:sldTgt/>
+                  </p:tgtEl>
+                </p:cond>
+              </p:prevCondLst>
+              <p:nextCondLst>
+                <p:cond evt="onNext" delay="0">
+                  <p:tgtEl>
+                    <p:sldTgt/>
+                  </p:tgtEl>
+                </p:cond>
+              </p:nextCondLst>
+            </p:seq>
+          </p:childTnLst>
+        </p:cTn>
       </p:par>
     </p:tnLst>
+    <p:bldLst>
+      <p:bldP spid="3" grpId="0"/>
+      <p:bldP spid="9" grpId="0"/>
+      <p:bldP spid="11" grpId="0"/>
+      <p:bldP spid="12" grpId="0"/>
+      <p:bldP spid="13" grpId="0"/>
+      <p:bldP spid="14" grpId="0"/>
+      <p:bldP spid="15" grpId="0"/>
+      <p:bldP spid="19" grpId="0"/>
+      <p:bldP spid="22" grpId="0"/>
+      <p:bldP spid="23" grpId="0"/>
+      <p:bldP spid="32" grpId="0"/>
+      <p:bldP spid="33" grpId="0"/>
+      <p:bldP spid="35" grpId="0"/>
+      <p:bldP spid="36" grpId="0"/>
+      <p:bldP spid="38" grpId="0"/>
+      <p:bldP spid="39" grpId="0"/>
+      <p:bldP spid="40" grpId="0"/>
+      <p:bldP spid="41" grpId="0"/>
+    </p:bldLst>
   </p:timing>
 </p:sld>
 </file>
@@ -14586,7 +17044,7 @@
         </p:nvSpPr>
         <p:spPr>
           <a:xfrm>
-            <a:off x="917197" y="775983"/>
+            <a:off x="917197" y="677663"/>
             <a:ext cx="791362" cy="791362"/>
           </a:xfrm>
           <a:prstGeom prst="ellipse">
@@ -14652,7 +17110,7 @@
         </p:nvSpPr>
         <p:spPr>
           <a:xfrm>
-            <a:off x="3207043" y="1249612"/>
+            <a:off x="3207043" y="1151292"/>
             <a:ext cx="791362" cy="791362"/>
           </a:xfrm>
           <a:prstGeom prst="ellipse">
@@ -14718,7 +17176,7 @@
         </p:nvSpPr>
         <p:spPr>
           <a:xfrm>
-            <a:off x="917197" y="2638689"/>
+            <a:off x="917197" y="2540369"/>
             <a:ext cx="791362" cy="791362"/>
           </a:xfrm>
           <a:prstGeom prst="ellipse">
@@ -14784,7 +17242,7 @@
         </p:nvSpPr>
         <p:spPr>
           <a:xfrm>
-            <a:off x="917197" y="4315090"/>
+            <a:off x="917197" y="4216770"/>
             <a:ext cx="791362" cy="791362"/>
           </a:xfrm>
           <a:prstGeom prst="ellipse">
@@ -14850,7 +17308,7 @@
         </p:nvSpPr>
         <p:spPr>
           <a:xfrm>
-            <a:off x="5496889" y="1847327"/>
+            <a:off x="5496889" y="1749007"/>
             <a:ext cx="791362" cy="791362"/>
           </a:xfrm>
           <a:prstGeom prst="ellipse">
@@ -14916,7 +17374,7 @@
         </p:nvSpPr>
         <p:spPr>
           <a:xfrm>
-            <a:off x="7786735" y="2638689"/>
+            <a:off x="7786735" y="2540369"/>
             <a:ext cx="791362" cy="791362"/>
           </a:xfrm>
           <a:prstGeom prst="ellipse">
@@ -14985,7 +17443,7 @@
         </p:nvCxnSpPr>
         <p:spPr>
           <a:xfrm>
-            <a:off x="1708559" y="1171664"/>
+            <a:off x="1708559" y="1073344"/>
             <a:ext cx="1498484" cy="473629"/>
           </a:xfrm>
           <a:prstGeom prst="straightConnector1">
@@ -15021,7 +17479,7 @@
         </p:nvCxnSpPr>
         <p:spPr>
           <a:xfrm>
-            <a:off x="3998405" y="1645293"/>
+            <a:off x="3998405" y="1546973"/>
             <a:ext cx="1498484" cy="597715"/>
           </a:xfrm>
           <a:prstGeom prst="straightConnector1">
@@ -15054,7 +17512,7 @@
         </p:nvSpPr>
         <p:spPr>
           <a:xfrm>
-            <a:off x="3207043" y="5237880"/>
+            <a:off x="3207043" y="5139560"/>
             <a:ext cx="791362" cy="791362"/>
           </a:xfrm>
           <a:prstGeom prst="ellipse">
@@ -15120,7 +17578,7 @@
         </p:nvSpPr>
         <p:spPr>
           <a:xfrm>
-            <a:off x="3207043" y="3243746"/>
+            <a:off x="3207043" y="3145426"/>
             <a:ext cx="791362" cy="791362"/>
           </a:xfrm>
           <a:prstGeom prst="ellipse">
@@ -15189,7 +17647,7 @@
         </p:nvCxnSpPr>
         <p:spPr>
           <a:xfrm>
-            <a:off x="1312878" y="3430051"/>
+            <a:off x="1312878" y="3331731"/>
             <a:ext cx="0" cy="885039"/>
           </a:xfrm>
           <a:prstGeom prst="straightConnector1">
@@ -15225,7 +17683,7 @@
         </p:nvCxnSpPr>
         <p:spPr>
           <a:xfrm flipV="1">
-            <a:off x="1708559" y="3639427"/>
+            <a:off x="1708559" y="3541107"/>
             <a:ext cx="1498484" cy="1071344"/>
           </a:xfrm>
           <a:prstGeom prst="straightConnector1">
@@ -15261,7 +17719,7 @@
         </p:nvCxnSpPr>
         <p:spPr>
           <a:xfrm>
-            <a:off x="1708559" y="4710771"/>
+            <a:off x="1708559" y="4612451"/>
             <a:ext cx="1498484" cy="922790"/>
           </a:xfrm>
           <a:prstGeom prst="straightConnector1">
@@ -15297,7 +17755,7 @@
         </p:nvCxnSpPr>
         <p:spPr>
           <a:xfrm flipV="1">
-            <a:off x="3602724" y="4035108"/>
+            <a:off x="3602724" y="3936788"/>
             <a:ext cx="0" cy="1202772"/>
           </a:xfrm>
           <a:prstGeom prst="straightConnector1">
@@ -15333,7 +17791,7 @@
         </p:nvCxnSpPr>
         <p:spPr>
           <a:xfrm>
-            <a:off x="6288251" y="2243008"/>
+            <a:off x="6288251" y="2144688"/>
             <a:ext cx="1498484" cy="791362"/>
           </a:xfrm>
           <a:prstGeom prst="straightConnector1">
@@ -15366,7 +17824,7 @@
         </p:nvSpPr>
         <p:spPr>
           <a:xfrm>
-            <a:off x="5496889" y="4035108"/>
+            <a:off x="5496889" y="3936788"/>
             <a:ext cx="791362" cy="791362"/>
           </a:xfrm>
           <a:prstGeom prst="ellipse">
@@ -15435,7 +17893,7 @@
         </p:nvCxnSpPr>
         <p:spPr>
           <a:xfrm flipH="1">
-            <a:off x="6288251" y="3430051"/>
+            <a:off x="6288251" y="3331731"/>
             <a:ext cx="1894165" cy="1000738"/>
           </a:xfrm>
           <a:prstGeom prst="straightConnector1">
@@ -15471,7 +17929,7 @@
         </p:nvCxnSpPr>
         <p:spPr>
           <a:xfrm>
-            <a:off x="3998405" y="3639427"/>
+            <a:off x="3998405" y="3541107"/>
             <a:ext cx="1498484" cy="791362"/>
           </a:xfrm>
           <a:prstGeom prst="straightConnector1">
@@ -15504,7 +17962,7 @@
         </p:nvSpPr>
         <p:spPr>
           <a:xfrm>
-            <a:off x="1312878" y="409448"/>
+            <a:off x="1397255" y="308331"/>
             <a:ext cx="311304" cy="369332"/>
           </a:xfrm>
           <a:prstGeom prst="rect">
@@ -15546,7 +18004,7 @@
         </p:nvSpPr>
         <p:spPr>
           <a:xfrm>
-            <a:off x="3644981" y="880280"/>
+            <a:off x="3687101" y="781960"/>
             <a:ext cx="311304" cy="369332"/>
           </a:xfrm>
           <a:prstGeom prst="rect">
@@ -15565,6 +18023,8 @@
                 <a:solidFill>
                   <a:schemeClr val="bg2"/>
                 </a:solidFill>
+                <a:latin typeface="Calibri" panose="020F0502020204030204" pitchFamily="34" charset="0"/>
+                <a:cs typeface="Calibri" panose="020F0502020204030204" pitchFamily="34" charset="0"/>
               </a:rPr>
               <a:t>2</a:t>
             </a:r>
@@ -15572,6 +18032,1094 @@
               <a:solidFill>
                 <a:schemeClr val="bg2"/>
               </a:solidFill>
+              <a:latin typeface="Calibri" panose="020F0502020204030204" pitchFamily="34" charset="0"/>
+              <a:cs typeface="Calibri" panose="020F0502020204030204" pitchFamily="34" charset="0"/>
+            </a:endParaRPr>
+          </a:p>
+        </p:txBody>
+      </p:sp>
+      <p:sp>
+        <p:nvSpPr>
+          <p:cNvPr id="11" name="TextBox 10"/>
+          <p:cNvSpPr txBox="1"/>
+          <p:nvPr/>
+        </p:nvSpPr>
+        <p:spPr>
+          <a:xfrm>
+            <a:off x="5976947" y="1380900"/>
+            <a:ext cx="311304" cy="369332"/>
+          </a:xfrm>
+          <a:prstGeom prst="rect">
+            <a:avLst/>
+          </a:prstGeom>
+          <a:noFill/>
+        </p:spPr>
+        <p:txBody>
+          <a:bodyPr wrap="none" rtlCol="0">
+            <a:spAutoFit/>
+          </a:bodyPr>
+          <a:lstStyle/>
+          <a:p>
+            <a:r>
+              <a:rPr lang="en-US" dirty="0" smtClean="0">
+                <a:solidFill>
+                  <a:schemeClr val="bg2"/>
+                </a:solidFill>
+                <a:latin typeface="Calibri" panose="020F0502020204030204" pitchFamily="34" charset="0"/>
+                <a:cs typeface="Calibri" panose="020F0502020204030204" pitchFamily="34" charset="0"/>
+              </a:rPr>
+              <a:t>3</a:t>
+            </a:r>
+            <a:endParaRPr lang="uk-UA" dirty="0">
+              <a:solidFill>
+                <a:schemeClr val="bg2"/>
+              </a:solidFill>
+              <a:latin typeface="Calibri" panose="020F0502020204030204" pitchFamily="34" charset="0"/>
+              <a:cs typeface="Calibri" panose="020F0502020204030204" pitchFamily="34" charset="0"/>
+            </a:endParaRPr>
+          </a:p>
+        </p:txBody>
+      </p:sp>
+      <p:sp>
+        <p:nvSpPr>
+          <p:cNvPr id="12" name="TextBox 11"/>
+          <p:cNvSpPr txBox="1"/>
+          <p:nvPr/>
+        </p:nvSpPr>
+        <p:spPr>
+          <a:xfrm>
+            <a:off x="8276411" y="2171037"/>
+            <a:ext cx="301686" cy="369332"/>
+          </a:xfrm>
+          <a:prstGeom prst="rect">
+            <a:avLst/>
+          </a:prstGeom>
+          <a:noFill/>
+        </p:spPr>
+        <p:txBody>
+          <a:bodyPr wrap="none" rtlCol="0">
+            <a:spAutoFit/>
+          </a:bodyPr>
+          <a:lstStyle/>
+          <a:p>
+            <a:r>
+              <a:rPr lang="en-US" dirty="0" smtClean="0">
+                <a:solidFill>
+                  <a:schemeClr val="bg2"/>
+                </a:solidFill>
+                <a:latin typeface="Calibri" panose="020F0502020204030204" pitchFamily="34" charset="0"/>
+                <a:cs typeface="Calibri" panose="020F0502020204030204" pitchFamily="34" charset="0"/>
+              </a:rPr>
+              <a:t>4</a:t>
+            </a:r>
+            <a:endParaRPr lang="uk-UA" sz="1100" dirty="0">
+              <a:solidFill>
+                <a:schemeClr val="bg2"/>
+              </a:solidFill>
+              <a:latin typeface="Calibri" panose="020F0502020204030204" pitchFamily="34" charset="0"/>
+              <a:cs typeface="Calibri" panose="020F0502020204030204" pitchFamily="34" charset="0"/>
+            </a:endParaRPr>
+          </a:p>
+        </p:txBody>
+      </p:sp>
+      <p:sp>
+        <p:nvSpPr>
+          <p:cNvPr id="13" name="TextBox 12"/>
+          <p:cNvSpPr txBox="1"/>
+          <p:nvPr/>
+        </p:nvSpPr>
+        <p:spPr>
+          <a:xfrm>
+            <a:off x="5976947" y="3567456"/>
+            <a:ext cx="311304" cy="369332"/>
+          </a:xfrm>
+          <a:prstGeom prst="rect">
+            <a:avLst/>
+          </a:prstGeom>
+          <a:noFill/>
+        </p:spPr>
+        <p:txBody>
+          <a:bodyPr wrap="none" rtlCol="0">
+            <a:spAutoFit/>
+          </a:bodyPr>
+          <a:lstStyle/>
+          <a:p>
+            <a:r>
+              <a:rPr lang="en-US" dirty="0" smtClean="0">
+                <a:solidFill>
+                  <a:schemeClr val="bg2"/>
+                </a:solidFill>
+                <a:latin typeface="Calibri" panose="020F0502020204030204" pitchFamily="34" charset="0"/>
+                <a:cs typeface="Calibri" panose="020F0502020204030204" pitchFamily="34" charset="0"/>
+              </a:rPr>
+              <a:t>5</a:t>
+            </a:r>
+            <a:endParaRPr lang="uk-UA" dirty="0">
+              <a:solidFill>
+                <a:schemeClr val="bg2"/>
+              </a:solidFill>
+              <a:latin typeface="Calibri" panose="020F0502020204030204" pitchFamily="34" charset="0"/>
+              <a:cs typeface="Calibri" panose="020F0502020204030204" pitchFamily="34" charset="0"/>
+            </a:endParaRPr>
+          </a:p>
+        </p:txBody>
+      </p:sp>
+      <p:sp>
+        <p:nvSpPr>
+          <p:cNvPr id="14" name="TextBox 13"/>
+          <p:cNvSpPr txBox="1"/>
+          <p:nvPr/>
+        </p:nvSpPr>
+        <p:spPr>
+          <a:xfrm>
+            <a:off x="6092524" y="3567456"/>
+            <a:ext cx="391454" cy="369332"/>
+          </a:xfrm>
+          <a:prstGeom prst="rect">
+            <a:avLst/>
+          </a:prstGeom>
+          <a:noFill/>
+        </p:spPr>
+        <p:txBody>
+          <a:bodyPr wrap="none" rtlCol="0">
+            <a:spAutoFit/>
+          </a:bodyPr>
+          <a:lstStyle/>
+          <a:p>
+            <a:r>
+              <a:rPr lang="en-US" dirty="0" smtClean="0">
+                <a:solidFill>
+                  <a:schemeClr val="bg2"/>
+                </a:solidFill>
+                <a:latin typeface="Calibri" panose="020F0502020204030204" pitchFamily="34" charset="0"/>
+                <a:cs typeface="Calibri" panose="020F0502020204030204" pitchFamily="34" charset="0"/>
+              </a:rPr>
+              <a:t>/6</a:t>
+            </a:r>
+            <a:endParaRPr lang="uk-UA" dirty="0">
+              <a:solidFill>
+                <a:schemeClr val="bg2"/>
+              </a:solidFill>
+              <a:latin typeface="Calibri" panose="020F0502020204030204" pitchFamily="34" charset="0"/>
+              <a:cs typeface="Calibri" panose="020F0502020204030204" pitchFamily="34" charset="0"/>
+            </a:endParaRPr>
+          </a:p>
+        </p:txBody>
+      </p:sp>
+      <p:sp>
+        <p:nvSpPr>
+          <p:cNvPr id="15" name="TextBox 14"/>
+          <p:cNvSpPr txBox="1"/>
+          <p:nvPr/>
+        </p:nvSpPr>
+        <p:spPr>
+          <a:xfrm>
+            <a:off x="8382370" y="2174184"/>
+            <a:ext cx="391454" cy="369332"/>
+          </a:xfrm>
+          <a:prstGeom prst="rect">
+            <a:avLst/>
+          </a:prstGeom>
+          <a:noFill/>
+        </p:spPr>
+        <p:txBody>
+          <a:bodyPr wrap="none" rtlCol="0">
+            <a:spAutoFit/>
+          </a:bodyPr>
+          <a:lstStyle/>
+          <a:p>
+            <a:r>
+              <a:rPr lang="en-US" dirty="0" smtClean="0">
+                <a:solidFill>
+                  <a:schemeClr val="bg2"/>
+                </a:solidFill>
+                <a:latin typeface="Calibri" panose="020F0502020204030204" pitchFamily="34" charset="0"/>
+                <a:cs typeface="Calibri" panose="020F0502020204030204" pitchFamily="34" charset="0"/>
+              </a:rPr>
+              <a:t>/7</a:t>
+            </a:r>
+            <a:endParaRPr lang="uk-UA" dirty="0">
+              <a:solidFill>
+                <a:schemeClr val="bg2"/>
+              </a:solidFill>
+              <a:latin typeface="Calibri" panose="020F0502020204030204" pitchFamily="34" charset="0"/>
+              <a:cs typeface="Calibri" panose="020F0502020204030204" pitchFamily="34" charset="0"/>
+            </a:endParaRPr>
+          </a:p>
+        </p:txBody>
+      </p:sp>
+      <p:sp>
+        <p:nvSpPr>
+          <p:cNvPr id="19" name="TextBox 18"/>
+          <p:cNvSpPr txBox="1"/>
+          <p:nvPr/>
+        </p:nvSpPr>
+        <p:spPr>
+          <a:xfrm>
+            <a:off x="6092524" y="1379675"/>
+            <a:ext cx="391454" cy="369332"/>
+          </a:xfrm>
+          <a:prstGeom prst="rect">
+            <a:avLst/>
+          </a:prstGeom>
+          <a:noFill/>
+        </p:spPr>
+        <p:txBody>
+          <a:bodyPr wrap="none" rtlCol="0">
+            <a:spAutoFit/>
+          </a:bodyPr>
+          <a:lstStyle/>
+          <a:p>
+            <a:r>
+              <a:rPr lang="en-US" dirty="0" smtClean="0">
+                <a:solidFill>
+                  <a:schemeClr val="bg2"/>
+                </a:solidFill>
+                <a:latin typeface="Calibri" panose="020F0502020204030204" pitchFamily="34" charset="0"/>
+                <a:cs typeface="Calibri" panose="020F0502020204030204" pitchFamily="34" charset="0"/>
+              </a:rPr>
+              <a:t>/8</a:t>
+            </a:r>
+            <a:endParaRPr lang="uk-UA" dirty="0">
+              <a:solidFill>
+                <a:schemeClr val="bg2"/>
+              </a:solidFill>
+              <a:latin typeface="Calibri" panose="020F0502020204030204" pitchFamily="34" charset="0"/>
+              <a:cs typeface="Calibri" panose="020F0502020204030204" pitchFamily="34" charset="0"/>
+            </a:endParaRPr>
+          </a:p>
+        </p:txBody>
+      </p:sp>
+      <p:sp>
+        <p:nvSpPr>
+          <p:cNvPr id="22" name="TextBox 21"/>
+          <p:cNvSpPr txBox="1"/>
+          <p:nvPr/>
+        </p:nvSpPr>
+        <p:spPr>
+          <a:xfrm>
+            <a:off x="3802678" y="781960"/>
+            <a:ext cx="391454" cy="369332"/>
+          </a:xfrm>
+          <a:prstGeom prst="rect">
+            <a:avLst/>
+          </a:prstGeom>
+          <a:noFill/>
+        </p:spPr>
+        <p:txBody>
+          <a:bodyPr wrap="none" rtlCol="0">
+            <a:spAutoFit/>
+          </a:bodyPr>
+          <a:lstStyle/>
+          <a:p>
+            <a:r>
+              <a:rPr lang="en-US" dirty="0" smtClean="0">
+                <a:solidFill>
+                  <a:schemeClr val="bg2"/>
+                </a:solidFill>
+                <a:latin typeface="Calibri" panose="020F0502020204030204" pitchFamily="34" charset="0"/>
+                <a:cs typeface="Calibri" panose="020F0502020204030204" pitchFamily="34" charset="0"/>
+              </a:rPr>
+              <a:t>/9</a:t>
+            </a:r>
+            <a:endParaRPr lang="uk-UA" dirty="0">
+              <a:solidFill>
+                <a:schemeClr val="bg2"/>
+              </a:solidFill>
+              <a:latin typeface="Calibri" panose="020F0502020204030204" pitchFamily="34" charset="0"/>
+              <a:cs typeface="Calibri" panose="020F0502020204030204" pitchFamily="34" charset="0"/>
+            </a:endParaRPr>
+          </a:p>
+        </p:txBody>
+      </p:sp>
+      <p:sp>
+        <p:nvSpPr>
+          <p:cNvPr id="23" name="TextBox 22"/>
+          <p:cNvSpPr txBox="1"/>
+          <p:nvPr/>
+        </p:nvSpPr>
+        <p:spPr>
+          <a:xfrm>
+            <a:off x="1552907" y="308331"/>
+            <a:ext cx="508473" cy="369332"/>
+          </a:xfrm>
+          <a:prstGeom prst="rect">
+            <a:avLst/>
+          </a:prstGeom>
+          <a:noFill/>
+        </p:spPr>
+        <p:txBody>
+          <a:bodyPr wrap="none" rtlCol="0">
+            <a:spAutoFit/>
+          </a:bodyPr>
+          <a:lstStyle/>
+          <a:p>
+            <a:r>
+              <a:rPr lang="en-US" dirty="0" smtClean="0">
+                <a:solidFill>
+                  <a:schemeClr val="bg2"/>
+                </a:solidFill>
+                <a:latin typeface="Calibri" panose="020F0502020204030204" pitchFamily="34" charset="0"/>
+                <a:cs typeface="Calibri" panose="020F0502020204030204" pitchFamily="34" charset="0"/>
+              </a:rPr>
+              <a:t>/10</a:t>
+            </a:r>
+            <a:endParaRPr lang="uk-UA" dirty="0">
+              <a:solidFill>
+                <a:schemeClr val="bg2"/>
+              </a:solidFill>
+              <a:latin typeface="Calibri" panose="020F0502020204030204" pitchFamily="34" charset="0"/>
+              <a:cs typeface="Calibri" panose="020F0502020204030204" pitchFamily="34" charset="0"/>
+            </a:endParaRPr>
+          </a:p>
+        </p:txBody>
+      </p:sp>
+      <p:sp>
+        <p:nvSpPr>
+          <p:cNvPr id="32" name="TextBox 31"/>
+          <p:cNvSpPr txBox="1"/>
+          <p:nvPr/>
+        </p:nvSpPr>
+        <p:spPr>
+          <a:xfrm>
+            <a:off x="1343555" y="2170124"/>
+            <a:ext cx="418704" cy="369332"/>
+          </a:xfrm>
+          <a:prstGeom prst="rect">
+            <a:avLst/>
+          </a:prstGeom>
+          <a:noFill/>
+        </p:spPr>
+        <p:txBody>
+          <a:bodyPr wrap="none" rtlCol="0">
+            <a:spAutoFit/>
+          </a:bodyPr>
+          <a:lstStyle/>
+          <a:p>
+            <a:r>
+              <a:rPr lang="en-US" dirty="0" smtClean="0">
+                <a:solidFill>
+                  <a:schemeClr val="bg2"/>
+                </a:solidFill>
+                <a:latin typeface="Calibri" panose="020F0502020204030204" pitchFamily="34" charset="0"/>
+                <a:cs typeface="Calibri" panose="020F0502020204030204" pitchFamily="34" charset="0"/>
+              </a:rPr>
+              <a:t>11</a:t>
+            </a:r>
+            <a:endParaRPr lang="uk-UA" dirty="0">
+              <a:solidFill>
+                <a:schemeClr val="bg2"/>
+              </a:solidFill>
+              <a:latin typeface="Calibri" panose="020F0502020204030204" pitchFamily="34" charset="0"/>
+              <a:cs typeface="Calibri" panose="020F0502020204030204" pitchFamily="34" charset="0"/>
+            </a:endParaRPr>
+          </a:p>
+        </p:txBody>
+      </p:sp>
+      <p:sp>
+        <p:nvSpPr>
+          <p:cNvPr id="33" name="TextBox 32"/>
+          <p:cNvSpPr txBox="1"/>
+          <p:nvPr/>
+        </p:nvSpPr>
+        <p:spPr>
+          <a:xfrm>
+            <a:off x="1558263" y="2168755"/>
+            <a:ext cx="508473" cy="369332"/>
+          </a:xfrm>
+          <a:prstGeom prst="rect">
+            <a:avLst/>
+          </a:prstGeom>
+          <a:noFill/>
+        </p:spPr>
+        <p:txBody>
+          <a:bodyPr wrap="none" rtlCol="0">
+            <a:spAutoFit/>
+          </a:bodyPr>
+          <a:lstStyle/>
+          <a:p>
+            <a:r>
+              <a:rPr lang="en-US" dirty="0" smtClean="0">
+                <a:solidFill>
+                  <a:schemeClr val="bg2"/>
+                </a:solidFill>
+                <a:latin typeface="Calibri" panose="020F0502020204030204" pitchFamily="34" charset="0"/>
+                <a:cs typeface="Calibri" panose="020F0502020204030204" pitchFamily="34" charset="0"/>
+              </a:rPr>
+              <a:t>/18</a:t>
+            </a:r>
+            <a:endParaRPr lang="uk-UA" dirty="0">
+              <a:solidFill>
+                <a:schemeClr val="bg2"/>
+              </a:solidFill>
+              <a:latin typeface="Calibri" panose="020F0502020204030204" pitchFamily="34" charset="0"/>
+              <a:cs typeface="Calibri" panose="020F0502020204030204" pitchFamily="34" charset="0"/>
+            </a:endParaRPr>
+          </a:p>
+        </p:txBody>
+      </p:sp>
+      <p:sp>
+        <p:nvSpPr>
+          <p:cNvPr id="35" name="TextBox 34"/>
+          <p:cNvSpPr txBox="1"/>
+          <p:nvPr/>
+        </p:nvSpPr>
+        <p:spPr>
+          <a:xfrm>
+            <a:off x="1343555" y="3847438"/>
+            <a:ext cx="418704" cy="369332"/>
+          </a:xfrm>
+          <a:prstGeom prst="rect">
+            <a:avLst/>
+          </a:prstGeom>
+          <a:noFill/>
+        </p:spPr>
+        <p:txBody>
+          <a:bodyPr wrap="none" rtlCol="0">
+            <a:spAutoFit/>
+          </a:bodyPr>
+          <a:lstStyle/>
+          <a:p>
+            <a:r>
+              <a:rPr lang="en-US" dirty="0" smtClean="0">
+                <a:solidFill>
+                  <a:schemeClr val="bg2"/>
+                </a:solidFill>
+                <a:latin typeface="Calibri" panose="020F0502020204030204" pitchFamily="34" charset="0"/>
+                <a:cs typeface="Calibri" panose="020F0502020204030204" pitchFamily="34" charset="0"/>
+              </a:rPr>
+              <a:t>12</a:t>
+            </a:r>
+            <a:endParaRPr lang="uk-UA" dirty="0">
+              <a:solidFill>
+                <a:schemeClr val="bg2"/>
+              </a:solidFill>
+              <a:latin typeface="Calibri" panose="020F0502020204030204" pitchFamily="34" charset="0"/>
+              <a:cs typeface="Calibri" panose="020F0502020204030204" pitchFamily="34" charset="0"/>
+            </a:endParaRPr>
+          </a:p>
+        </p:txBody>
+      </p:sp>
+      <p:sp>
+        <p:nvSpPr>
+          <p:cNvPr id="36" name="TextBox 35"/>
+          <p:cNvSpPr txBox="1"/>
+          <p:nvPr/>
+        </p:nvSpPr>
+        <p:spPr>
+          <a:xfrm>
+            <a:off x="1553939" y="3847438"/>
+            <a:ext cx="508473" cy="369332"/>
+          </a:xfrm>
+          <a:prstGeom prst="rect">
+            <a:avLst/>
+          </a:prstGeom>
+          <a:noFill/>
+        </p:spPr>
+        <p:txBody>
+          <a:bodyPr wrap="none" rtlCol="0">
+            <a:spAutoFit/>
+          </a:bodyPr>
+          <a:lstStyle/>
+          <a:p>
+            <a:r>
+              <a:rPr lang="en-US" dirty="0" smtClean="0">
+                <a:solidFill>
+                  <a:schemeClr val="bg2"/>
+                </a:solidFill>
+                <a:latin typeface="Calibri" panose="020F0502020204030204" pitchFamily="34" charset="0"/>
+                <a:cs typeface="Calibri" panose="020F0502020204030204" pitchFamily="34" charset="0"/>
+              </a:rPr>
+              <a:t>/17</a:t>
+            </a:r>
+            <a:endParaRPr lang="uk-UA" dirty="0">
+              <a:solidFill>
+                <a:schemeClr val="bg2"/>
+              </a:solidFill>
+              <a:latin typeface="Calibri" panose="020F0502020204030204" pitchFamily="34" charset="0"/>
+              <a:cs typeface="Calibri" panose="020F0502020204030204" pitchFamily="34" charset="0"/>
+            </a:endParaRPr>
+          </a:p>
+        </p:txBody>
+      </p:sp>
+      <p:sp>
+        <p:nvSpPr>
+          <p:cNvPr id="38" name="TextBox 37"/>
+          <p:cNvSpPr txBox="1"/>
+          <p:nvPr/>
+        </p:nvSpPr>
+        <p:spPr>
+          <a:xfrm>
+            <a:off x="3602724" y="4775470"/>
+            <a:ext cx="418704" cy="369332"/>
+          </a:xfrm>
+          <a:prstGeom prst="rect">
+            <a:avLst/>
+          </a:prstGeom>
+          <a:noFill/>
+        </p:spPr>
+        <p:txBody>
+          <a:bodyPr wrap="none" rtlCol="0">
+            <a:spAutoFit/>
+          </a:bodyPr>
+          <a:lstStyle/>
+          <a:p>
+            <a:r>
+              <a:rPr lang="en-US" dirty="0" smtClean="0">
+                <a:solidFill>
+                  <a:schemeClr val="bg2"/>
+                </a:solidFill>
+                <a:latin typeface="Calibri" panose="020F0502020204030204" pitchFamily="34" charset="0"/>
+                <a:cs typeface="Calibri" panose="020F0502020204030204" pitchFamily="34" charset="0"/>
+              </a:rPr>
+              <a:t>13</a:t>
+            </a:r>
+            <a:endParaRPr lang="uk-UA" dirty="0">
+              <a:solidFill>
+                <a:schemeClr val="bg2"/>
+              </a:solidFill>
+              <a:latin typeface="Calibri" panose="020F0502020204030204" pitchFamily="34" charset="0"/>
+              <a:cs typeface="Calibri" panose="020F0502020204030204" pitchFamily="34" charset="0"/>
+            </a:endParaRPr>
+          </a:p>
+        </p:txBody>
+      </p:sp>
+      <p:sp>
+        <p:nvSpPr>
+          <p:cNvPr id="39" name="TextBox 38"/>
+          <p:cNvSpPr txBox="1"/>
+          <p:nvPr/>
+        </p:nvSpPr>
+        <p:spPr>
+          <a:xfrm>
+            <a:off x="3813829" y="4770228"/>
+            <a:ext cx="508473" cy="369332"/>
+          </a:xfrm>
+          <a:prstGeom prst="rect">
+            <a:avLst/>
+          </a:prstGeom>
+          <a:noFill/>
+        </p:spPr>
+        <p:txBody>
+          <a:bodyPr wrap="none" rtlCol="0">
+            <a:spAutoFit/>
+          </a:bodyPr>
+          <a:lstStyle/>
+          <a:p>
+            <a:r>
+              <a:rPr lang="en-US" dirty="0" smtClean="0">
+                <a:solidFill>
+                  <a:schemeClr val="bg2"/>
+                </a:solidFill>
+                <a:latin typeface="Calibri" panose="020F0502020204030204" pitchFamily="34" charset="0"/>
+                <a:cs typeface="Calibri" panose="020F0502020204030204" pitchFamily="34" charset="0"/>
+              </a:rPr>
+              <a:t>/16</a:t>
+            </a:r>
+            <a:endParaRPr lang="uk-UA" dirty="0">
+              <a:solidFill>
+                <a:schemeClr val="bg2"/>
+              </a:solidFill>
+              <a:latin typeface="Calibri" panose="020F0502020204030204" pitchFamily="34" charset="0"/>
+              <a:cs typeface="Calibri" panose="020F0502020204030204" pitchFamily="34" charset="0"/>
+            </a:endParaRPr>
+          </a:p>
+        </p:txBody>
+      </p:sp>
+      <p:sp>
+        <p:nvSpPr>
+          <p:cNvPr id="40" name="TextBox 39"/>
+          <p:cNvSpPr txBox="1"/>
+          <p:nvPr/>
+        </p:nvSpPr>
+        <p:spPr>
+          <a:xfrm>
+            <a:off x="3599422" y="2781336"/>
+            <a:ext cx="418704" cy="369332"/>
+          </a:xfrm>
+          <a:prstGeom prst="rect">
+            <a:avLst/>
+          </a:prstGeom>
+          <a:noFill/>
+        </p:spPr>
+        <p:txBody>
+          <a:bodyPr wrap="none" rtlCol="0">
+            <a:spAutoFit/>
+          </a:bodyPr>
+          <a:lstStyle/>
+          <a:p>
+            <a:r>
+              <a:rPr lang="en-US" dirty="0" smtClean="0">
+                <a:solidFill>
+                  <a:schemeClr val="bg2"/>
+                </a:solidFill>
+                <a:latin typeface="Calibri" panose="020F0502020204030204" pitchFamily="34" charset="0"/>
+                <a:cs typeface="Calibri" panose="020F0502020204030204" pitchFamily="34" charset="0"/>
+              </a:rPr>
+              <a:t>14</a:t>
+            </a:r>
+            <a:endParaRPr lang="uk-UA" dirty="0">
+              <a:solidFill>
+                <a:schemeClr val="bg2"/>
+              </a:solidFill>
+              <a:latin typeface="Calibri" panose="020F0502020204030204" pitchFamily="34" charset="0"/>
+              <a:cs typeface="Calibri" panose="020F0502020204030204" pitchFamily="34" charset="0"/>
+            </a:endParaRPr>
+          </a:p>
+        </p:txBody>
+      </p:sp>
+      <p:sp>
+        <p:nvSpPr>
+          <p:cNvPr id="41" name="TextBox 40"/>
+          <p:cNvSpPr txBox="1"/>
+          <p:nvPr/>
+        </p:nvSpPr>
+        <p:spPr>
+          <a:xfrm>
+            <a:off x="3840968" y="2776094"/>
+            <a:ext cx="508473" cy="369332"/>
+          </a:xfrm>
+          <a:prstGeom prst="rect">
+            <a:avLst/>
+          </a:prstGeom>
+          <a:noFill/>
+        </p:spPr>
+        <p:txBody>
+          <a:bodyPr wrap="none" rtlCol="0">
+            <a:spAutoFit/>
+          </a:bodyPr>
+          <a:lstStyle/>
+          <a:p>
+            <a:r>
+              <a:rPr lang="en-US" dirty="0" smtClean="0">
+                <a:solidFill>
+                  <a:schemeClr val="bg2"/>
+                </a:solidFill>
+                <a:latin typeface="Calibri" panose="020F0502020204030204" pitchFamily="34" charset="0"/>
+                <a:cs typeface="Calibri" panose="020F0502020204030204" pitchFamily="34" charset="0"/>
+              </a:rPr>
+              <a:t>/15</a:t>
+            </a:r>
+            <a:endParaRPr lang="uk-UA" dirty="0">
+              <a:solidFill>
+                <a:schemeClr val="bg2"/>
+              </a:solidFill>
+              <a:latin typeface="Calibri" panose="020F0502020204030204" pitchFamily="34" charset="0"/>
+              <a:cs typeface="Calibri" panose="020F0502020204030204" pitchFamily="34" charset="0"/>
+            </a:endParaRPr>
+          </a:p>
+        </p:txBody>
+      </p:sp>
+      <p:sp>
+        <p:nvSpPr>
+          <p:cNvPr id="43" name="Прямокутник 42"/>
+          <p:cNvSpPr/>
+          <p:nvPr/>
+        </p:nvSpPr>
+        <p:spPr>
+          <a:xfrm>
+            <a:off x="4854998" y="5929856"/>
+            <a:ext cx="393057" cy="584775"/>
+          </a:xfrm>
+          <a:prstGeom prst="rect">
+            <a:avLst/>
+          </a:prstGeom>
+        </p:spPr>
+        <p:txBody>
+          <a:bodyPr wrap="none">
+            <a:spAutoFit/>
+          </a:bodyPr>
+          <a:lstStyle/>
+          <a:p>
+            <a:pPr algn="ctr"/>
+            <a:r>
+              <a:rPr lang="en-US" sz="3200" dirty="0" smtClean="0">
+                <a:solidFill>
+                  <a:schemeClr val="tx2">
+                    <a:lumMod val="75000"/>
+                  </a:schemeClr>
+                </a:solidFill>
+                <a:latin typeface="Calibri" panose="020F0502020204030204" pitchFamily="34" charset="0"/>
+                <a:cs typeface="Calibri" panose="020F0502020204030204" pitchFamily="34" charset="0"/>
+              </a:rPr>
+              <a:t>5</a:t>
+            </a:r>
+            <a:endParaRPr lang="uk-UA" sz="3200" dirty="0">
+              <a:solidFill>
+                <a:schemeClr val="tx2">
+                  <a:lumMod val="75000"/>
+                </a:schemeClr>
+              </a:solidFill>
+              <a:latin typeface="Calibri" panose="020F0502020204030204" pitchFamily="34" charset="0"/>
+              <a:cs typeface="Calibri" panose="020F0502020204030204" pitchFamily="34" charset="0"/>
+            </a:endParaRPr>
+          </a:p>
+        </p:txBody>
+      </p:sp>
+      <p:sp>
+        <p:nvSpPr>
+          <p:cNvPr id="44" name="Прямокутник 43"/>
+          <p:cNvSpPr/>
+          <p:nvPr/>
+        </p:nvSpPr>
+        <p:spPr>
+          <a:xfrm>
+            <a:off x="5604240" y="5929856"/>
+            <a:ext cx="393057" cy="584775"/>
+          </a:xfrm>
+          <a:prstGeom prst="rect">
+            <a:avLst/>
+          </a:prstGeom>
+        </p:spPr>
+        <p:txBody>
+          <a:bodyPr wrap="none">
+            <a:spAutoFit/>
+          </a:bodyPr>
+          <a:lstStyle/>
+          <a:p>
+            <a:pPr algn="ctr"/>
+            <a:r>
+              <a:rPr lang="en-US" sz="3200" dirty="0" smtClean="0">
+                <a:solidFill>
+                  <a:schemeClr val="tx2">
+                    <a:lumMod val="75000"/>
+                  </a:schemeClr>
+                </a:solidFill>
+                <a:latin typeface="Calibri" panose="020F0502020204030204" pitchFamily="34" charset="0"/>
+                <a:cs typeface="Calibri" panose="020F0502020204030204" pitchFamily="34" charset="0"/>
+              </a:rPr>
+              <a:t>6</a:t>
+            </a:r>
+            <a:endParaRPr lang="uk-UA" sz="3200" dirty="0">
+              <a:solidFill>
+                <a:schemeClr val="tx2">
+                  <a:lumMod val="75000"/>
+                </a:schemeClr>
+              </a:solidFill>
+              <a:latin typeface="Calibri" panose="020F0502020204030204" pitchFamily="34" charset="0"/>
+              <a:cs typeface="Calibri" panose="020F0502020204030204" pitchFamily="34" charset="0"/>
+            </a:endParaRPr>
+          </a:p>
+        </p:txBody>
+      </p:sp>
+      <p:sp>
+        <p:nvSpPr>
+          <p:cNvPr id="47" name="Прямокутник 46"/>
+          <p:cNvSpPr/>
+          <p:nvPr/>
+        </p:nvSpPr>
+        <p:spPr>
+          <a:xfrm>
+            <a:off x="6353482" y="5929856"/>
+            <a:ext cx="393057" cy="584775"/>
+          </a:xfrm>
+          <a:prstGeom prst="rect">
+            <a:avLst/>
+          </a:prstGeom>
+        </p:spPr>
+        <p:txBody>
+          <a:bodyPr wrap="none">
+            <a:spAutoFit/>
+          </a:bodyPr>
+          <a:lstStyle/>
+          <a:p>
+            <a:pPr algn="ctr"/>
+            <a:r>
+              <a:rPr lang="en-US" sz="3200" dirty="0" smtClean="0">
+                <a:solidFill>
+                  <a:schemeClr val="tx2">
+                    <a:lumMod val="75000"/>
+                  </a:schemeClr>
+                </a:solidFill>
+                <a:latin typeface="Calibri" panose="020F0502020204030204" pitchFamily="34" charset="0"/>
+                <a:cs typeface="Calibri" panose="020F0502020204030204" pitchFamily="34" charset="0"/>
+              </a:rPr>
+              <a:t>7</a:t>
+            </a:r>
+            <a:endParaRPr lang="uk-UA" sz="3200" dirty="0">
+              <a:solidFill>
+                <a:schemeClr val="tx2">
+                  <a:lumMod val="75000"/>
+                </a:schemeClr>
+              </a:solidFill>
+              <a:latin typeface="Calibri" panose="020F0502020204030204" pitchFamily="34" charset="0"/>
+              <a:cs typeface="Calibri" panose="020F0502020204030204" pitchFamily="34" charset="0"/>
+            </a:endParaRPr>
+          </a:p>
+        </p:txBody>
+      </p:sp>
+      <p:sp>
+        <p:nvSpPr>
+          <p:cNvPr id="48" name="Прямокутник 47"/>
+          <p:cNvSpPr/>
+          <p:nvPr/>
+        </p:nvSpPr>
+        <p:spPr>
+          <a:xfrm>
+            <a:off x="7106324" y="5926773"/>
+            <a:ext cx="393057" cy="584775"/>
+          </a:xfrm>
+          <a:prstGeom prst="rect">
+            <a:avLst/>
+          </a:prstGeom>
+        </p:spPr>
+        <p:txBody>
+          <a:bodyPr wrap="none">
+            <a:spAutoFit/>
+          </a:bodyPr>
+          <a:lstStyle/>
+          <a:p>
+            <a:pPr algn="ctr"/>
+            <a:r>
+              <a:rPr lang="en-US" sz="3200" dirty="0" smtClean="0">
+                <a:solidFill>
+                  <a:schemeClr val="tx2">
+                    <a:lumMod val="75000"/>
+                  </a:schemeClr>
+                </a:solidFill>
+                <a:latin typeface="Calibri" panose="020F0502020204030204" pitchFamily="34" charset="0"/>
+                <a:cs typeface="Calibri" panose="020F0502020204030204" pitchFamily="34" charset="0"/>
+              </a:rPr>
+              <a:t>8</a:t>
+            </a:r>
+            <a:endParaRPr lang="uk-UA" sz="3200" dirty="0">
+              <a:solidFill>
+                <a:schemeClr val="tx2">
+                  <a:lumMod val="75000"/>
+                </a:schemeClr>
+              </a:solidFill>
+              <a:latin typeface="Calibri" panose="020F0502020204030204" pitchFamily="34" charset="0"/>
+              <a:cs typeface="Calibri" panose="020F0502020204030204" pitchFamily="34" charset="0"/>
+            </a:endParaRPr>
+          </a:p>
+        </p:txBody>
+      </p:sp>
+      <p:sp>
+        <p:nvSpPr>
+          <p:cNvPr id="49" name="Прямокутник 48"/>
+          <p:cNvSpPr/>
+          <p:nvPr/>
+        </p:nvSpPr>
+        <p:spPr>
+          <a:xfrm>
+            <a:off x="7855566" y="5926773"/>
+            <a:ext cx="393057" cy="584775"/>
+          </a:xfrm>
+          <a:prstGeom prst="rect">
+            <a:avLst/>
+          </a:prstGeom>
+        </p:spPr>
+        <p:txBody>
+          <a:bodyPr wrap="none">
+            <a:spAutoFit/>
+          </a:bodyPr>
+          <a:lstStyle/>
+          <a:p>
+            <a:pPr algn="ctr"/>
+            <a:r>
+              <a:rPr lang="en-US" sz="3200" dirty="0" smtClean="0">
+                <a:solidFill>
+                  <a:schemeClr val="tx2">
+                    <a:lumMod val="75000"/>
+                  </a:schemeClr>
+                </a:solidFill>
+                <a:latin typeface="Calibri" panose="020F0502020204030204" pitchFamily="34" charset="0"/>
+                <a:cs typeface="Calibri" panose="020F0502020204030204" pitchFamily="34" charset="0"/>
+              </a:rPr>
+              <a:t>1</a:t>
+            </a:r>
+            <a:endParaRPr lang="uk-UA" sz="3200" dirty="0">
+              <a:solidFill>
+                <a:schemeClr val="tx2">
+                  <a:lumMod val="75000"/>
+                </a:schemeClr>
+              </a:solidFill>
+              <a:latin typeface="Calibri" panose="020F0502020204030204" pitchFamily="34" charset="0"/>
+              <a:cs typeface="Calibri" panose="020F0502020204030204" pitchFamily="34" charset="0"/>
+            </a:endParaRPr>
+          </a:p>
+        </p:txBody>
+      </p:sp>
+      <p:sp>
+        <p:nvSpPr>
+          <p:cNvPr id="50" name="Прямокутник 49"/>
+          <p:cNvSpPr/>
+          <p:nvPr/>
+        </p:nvSpPr>
+        <p:spPr>
+          <a:xfrm>
+            <a:off x="8604808" y="5926772"/>
+            <a:ext cx="393057" cy="584775"/>
+          </a:xfrm>
+          <a:prstGeom prst="rect">
+            <a:avLst/>
+          </a:prstGeom>
+        </p:spPr>
+        <p:txBody>
+          <a:bodyPr wrap="none">
+            <a:spAutoFit/>
+          </a:bodyPr>
+          <a:lstStyle/>
+          <a:p>
+            <a:pPr algn="ctr"/>
+            <a:r>
+              <a:rPr lang="en-US" sz="3200" dirty="0" smtClean="0">
+                <a:solidFill>
+                  <a:schemeClr val="tx2">
+                    <a:lumMod val="75000"/>
+                  </a:schemeClr>
+                </a:solidFill>
+                <a:latin typeface="Calibri" panose="020F0502020204030204" pitchFamily="34" charset="0"/>
+                <a:cs typeface="Calibri" panose="020F0502020204030204" pitchFamily="34" charset="0"/>
+              </a:rPr>
+              <a:t>2</a:t>
+            </a:r>
+            <a:endParaRPr lang="uk-UA" sz="3200" dirty="0">
+              <a:solidFill>
+                <a:schemeClr val="tx2">
+                  <a:lumMod val="75000"/>
+                </a:schemeClr>
+              </a:solidFill>
+              <a:latin typeface="Calibri" panose="020F0502020204030204" pitchFamily="34" charset="0"/>
+              <a:cs typeface="Calibri" panose="020F0502020204030204" pitchFamily="34" charset="0"/>
+            </a:endParaRPr>
+          </a:p>
+        </p:txBody>
+      </p:sp>
+      <p:sp>
+        <p:nvSpPr>
+          <p:cNvPr id="51" name="Прямокутник 50"/>
+          <p:cNvSpPr/>
+          <p:nvPr/>
+        </p:nvSpPr>
+        <p:spPr>
+          <a:xfrm>
+            <a:off x="9354050" y="5926771"/>
+            <a:ext cx="393057" cy="584775"/>
+          </a:xfrm>
+          <a:prstGeom prst="rect">
+            <a:avLst/>
+          </a:prstGeom>
+        </p:spPr>
+        <p:txBody>
+          <a:bodyPr wrap="none">
+            <a:spAutoFit/>
+          </a:bodyPr>
+          <a:lstStyle/>
+          <a:p>
+            <a:pPr algn="ctr"/>
+            <a:r>
+              <a:rPr lang="en-US" sz="3200" dirty="0" smtClean="0">
+                <a:solidFill>
+                  <a:schemeClr val="tx2">
+                    <a:lumMod val="75000"/>
+                  </a:schemeClr>
+                </a:solidFill>
+                <a:latin typeface="Calibri" panose="020F0502020204030204" pitchFamily="34" charset="0"/>
+                <a:cs typeface="Calibri" panose="020F0502020204030204" pitchFamily="34" charset="0"/>
+              </a:rPr>
+              <a:t>3</a:t>
+            </a:r>
+            <a:endParaRPr lang="uk-UA" sz="3200" dirty="0">
+              <a:solidFill>
+                <a:schemeClr val="tx2">
+                  <a:lumMod val="75000"/>
+                </a:schemeClr>
+              </a:solidFill>
+              <a:latin typeface="Calibri" panose="020F0502020204030204" pitchFamily="34" charset="0"/>
+              <a:cs typeface="Calibri" panose="020F0502020204030204" pitchFamily="34" charset="0"/>
+            </a:endParaRPr>
+          </a:p>
+        </p:txBody>
+      </p:sp>
+      <p:sp>
+        <p:nvSpPr>
+          <p:cNvPr id="52" name="Прямокутник 51"/>
+          <p:cNvSpPr/>
+          <p:nvPr/>
+        </p:nvSpPr>
+        <p:spPr>
+          <a:xfrm>
+            <a:off x="10103292" y="5926770"/>
+            <a:ext cx="393057" cy="584775"/>
+          </a:xfrm>
+          <a:prstGeom prst="rect">
+            <a:avLst/>
+          </a:prstGeom>
+        </p:spPr>
+        <p:txBody>
+          <a:bodyPr wrap="none">
+            <a:spAutoFit/>
+          </a:bodyPr>
+          <a:lstStyle/>
+          <a:p>
+            <a:pPr algn="ctr"/>
+            <a:r>
+              <a:rPr lang="en-US" sz="3200" dirty="0" smtClean="0">
+                <a:solidFill>
+                  <a:schemeClr val="tx2">
+                    <a:lumMod val="75000"/>
+                  </a:schemeClr>
+                </a:solidFill>
+                <a:latin typeface="Calibri" panose="020F0502020204030204" pitchFamily="34" charset="0"/>
+                <a:cs typeface="Calibri" panose="020F0502020204030204" pitchFamily="34" charset="0"/>
+              </a:rPr>
+              <a:t>4</a:t>
+            </a:r>
+            <a:endParaRPr lang="uk-UA" sz="3200" dirty="0">
+              <a:solidFill>
+                <a:schemeClr val="tx2">
+                  <a:lumMod val="75000"/>
+                </a:schemeClr>
+              </a:solidFill>
+              <a:latin typeface="Calibri" panose="020F0502020204030204" pitchFamily="34" charset="0"/>
+              <a:cs typeface="Calibri" panose="020F0502020204030204" pitchFamily="34" charset="0"/>
+            </a:endParaRPr>
+          </a:p>
+        </p:txBody>
+      </p:sp>
+      <p:sp>
+        <p:nvSpPr>
+          <p:cNvPr id="53" name="Прямокутник 52"/>
+          <p:cNvSpPr/>
+          <p:nvPr/>
+        </p:nvSpPr>
+        <p:spPr>
+          <a:xfrm>
+            <a:off x="10852534" y="5926769"/>
+            <a:ext cx="393057" cy="584775"/>
+          </a:xfrm>
+          <a:prstGeom prst="rect">
+            <a:avLst/>
+          </a:prstGeom>
+        </p:spPr>
+        <p:txBody>
+          <a:bodyPr wrap="none">
+            <a:spAutoFit/>
+          </a:bodyPr>
+          <a:lstStyle/>
+          <a:p>
+            <a:pPr algn="ctr"/>
+            <a:r>
+              <a:rPr lang="en-US" sz="3200" dirty="0" smtClean="0">
+                <a:solidFill>
+                  <a:schemeClr val="tx2">
+                    <a:lumMod val="75000"/>
+                  </a:schemeClr>
+                </a:solidFill>
+                <a:latin typeface="Calibri" panose="020F0502020204030204" pitchFamily="34" charset="0"/>
+                <a:cs typeface="Calibri" panose="020F0502020204030204" pitchFamily="34" charset="0"/>
+              </a:rPr>
+              <a:t>9</a:t>
+            </a:r>
+            <a:endParaRPr lang="uk-UA" sz="3200" dirty="0">
+              <a:solidFill>
+                <a:schemeClr val="tx2">
+                  <a:lumMod val="75000"/>
+                </a:schemeClr>
+              </a:solidFill>
+              <a:latin typeface="Calibri" panose="020F0502020204030204" pitchFamily="34" charset="0"/>
+              <a:cs typeface="Calibri" panose="020F0502020204030204" pitchFamily="34" charset="0"/>
             </a:endParaRPr>
           </a:p>
         </p:txBody>
@@ -15579,27 +19127,469 @@
     </p:spTree>
     <p:extLst>
       <p:ext uri="{BB962C8B-B14F-4D97-AF65-F5344CB8AC3E}">
-        <p14:creationId xmlns:p14="http://schemas.microsoft.com/office/powerpoint/2010/main" val="896358114"/>
+        <p14:creationId xmlns:p14="http://schemas.microsoft.com/office/powerpoint/2010/main" val="4290719005"/>
       </p:ext>
     </p:extLst>
   </p:cSld>
   <p:clrMapOvr>
     <a:masterClrMapping/>
   </p:clrMapOvr>
-  <mc:AlternateContent xmlns:mc="http://schemas.openxmlformats.org/markup-compatibility/2006">
-    <mc:Choice xmlns:p14="http://schemas.microsoft.com/office/powerpoint/2010/main" Requires="p14">
+  <mc:AlternateContent xmlns:mc="http://schemas.openxmlformats.org/markup-compatibility/2006" xmlns:p14="http://schemas.microsoft.com/office/powerpoint/2010/main">
+    <mc:Choice Requires="p14">
       <p:transition spd="slow" p14:dur="2000" advTm="2000"/>
     </mc:Choice>
-    <mc:Fallback>
+    <mc:Fallback xmlns="">
       <p:transition spd="slow" advTm="2000"/>
     </mc:Fallback>
   </mc:AlternateContent>
   <p:timing>
     <p:tnLst>
       <p:par>
-        <p:cTn id="1" dur="indefinite" restart="never" nodeType="tmRoot"/>
+        <p:cTn id="1" dur="indefinite" restart="never" nodeType="tmRoot">
+          <p:childTnLst>
+            <p:seq concurrent="1" nextAc="seek">
+              <p:cTn id="2" dur="indefinite" nodeType="mainSeq">
+                <p:childTnLst>
+                  <p:par>
+                    <p:cTn id="3" fill="hold">
+                      <p:stCondLst>
+                        <p:cond delay="indefinite"/>
+                        <p:cond evt="onBegin" delay="0">
+                          <p:tn val="2"/>
+                        </p:cond>
+                      </p:stCondLst>
+                      <p:childTnLst>
+                        <p:par>
+                          <p:cTn id="4" fill="hold">
+                            <p:stCondLst>
+                              <p:cond delay="0"/>
+                            </p:stCondLst>
+                            <p:childTnLst>
+                              <p:par>
+                                <p:cTn id="5" presetID="10" presetClass="entr" presetSubtype="0" fill="hold" grpId="0" nodeType="afterEffect">
+                                  <p:stCondLst>
+                                    <p:cond delay="0"/>
+                                  </p:stCondLst>
+                                  <p:childTnLst>
+                                    <p:set>
+                                      <p:cBhvr>
+                                        <p:cTn id="6" dur="1" fill="hold">
+                                          <p:stCondLst>
+                                            <p:cond delay="0"/>
+                                          </p:stCondLst>
+                                        </p:cTn>
+                                        <p:tgtEl>
+                                          <p:spTgt spid="43"/>
+                                        </p:tgtEl>
+                                        <p:attrNameLst>
+                                          <p:attrName>style.visibility</p:attrName>
+                                        </p:attrNameLst>
+                                      </p:cBhvr>
+                                      <p:to>
+                                        <p:strVal val="visible"/>
+                                      </p:to>
+                                    </p:set>
+                                    <p:animEffect transition="in" filter="fade">
+                                      <p:cBhvr>
+                                        <p:cTn id="7" dur="500"/>
+                                        <p:tgtEl>
+                                          <p:spTgt spid="43"/>
+                                        </p:tgtEl>
+                                      </p:cBhvr>
+                                    </p:animEffect>
+                                  </p:childTnLst>
+                                </p:cTn>
+                              </p:par>
+                            </p:childTnLst>
+                          </p:cTn>
+                        </p:par>
+                        <p:par>
+                          <p:cTn id="8" fill="hold">
+                            <p:stCondLst>
+                              <p:cond delay="500"/>
+                            </p:stCondLst>
+                            <p:childTnLst>
+                              <p:par>
+                                <p:cTn id="9" presetID="10" presetClass="entr" presetSubtype="0" fill="hold" grpId="0" nodeType="afterEffect">
+                                  <p:stCondLst>
+                                    <p:cond delay="0"/>
+                                  </p:stCondLst>
+                                  <p:childTnLst>
+                                    <p:set>
+                                      <p:cBhvr>
+                                        <p:cTn id="10" dur="1" fill="hold">
+                                          <p:stCondLst>
+                                            <p:cond delay="0"/>
+                                          </p:stCondLst>
+                                        </p:cTn>
+                                        <p:tgtEl>
+                                          <p:spTgt spid="44"/>
+                                        </p:tgtEl>
+                                        <p:attrNameLst>
+                                          <p:attrName>style.visibility</p:attrName>
+                                        </p:attrNameLst>
+                                      </p:cBhvr>
+                                      <p:to>
+                                        <p:strVal val="visible"/>
+                                      </p:to>
+                                    </p:set>
+                                    <p:animEffect transition="in" filter="fade">
+                                      <p:cBhvr>
+                                        <p:cTn id="11" dur="500"/>
+                                        <p:tgtEl>
+                                          <p:spTgt spid="44"/>
+                                        </p:tgtEl>
+                                      </p:cBhvr>
+                                    </p:animEffect>
+                                  </p:childTnLst>
+                                </p:cTn>
+                              </p:par>
+                            </p:childTnLst>
+                          </p:cTn>
+                        </p:par>
+                        <p:par>
+                          <p:cTn id="12" fill="hold">
+                            <p:stCondLst>
+                              <p:cond delay="1000"/>
+                            </p:stCondLst>
+                            <p:childTnLst>
+                              <p:par>
+                                <p:cTn id="13" presetID="10" presetClass="entr" presetSubtype="0" fill="hold" grpId="0" nodeType="afterEffect">
+                                  <p:stCondLst>
+                                    <p:cond delay="0"/>
+                                  </p:stCondLst>
+                                  <p:childTnLst>
+                                    <p:set>
+                                      <p:cBhvr>
+                                        <p:cTn id="14" dur="1" fill="hold">
+                                          <p:stCondLst>
+                                            <p:cond delay="0"/>
+                                          </p:stCondLst>
+                                        </p:cTn>
+                                        <p:tgtEl>
+                                          <p:spTgt spid="47"/>
+                                        </p:tgtEl>
+                                        <p:attrNameLst>
+                                          <p:attrName>style.visibility</p:attrName>
+                                        </p:attrNameLst>
+                                      </p:cBhvr>
+                                      <p:to>
+                                        <p:strVal val="visible"/>
+                                      </p:to>
+                                    </p:set>
+                                    <p:animEffect transition="in" filter="fade">
+                                      <p:cBhvr>
+                                        <p:cTn id="15" dur="500"/>
+                                        <p:tgtEl>
+                                          <p:spTgt spid="47"/>
+                                        </p:tgtEl>
+                                      </p:cBhvr>
+                                    </p:animEffect>
+                                  </p:childTnLst>
+                                </p:cTn>
+                              </p:par>
+                            </p:childTnLst>
+                          </p:cTn>
+                        </p:par>
+                        <p:par>
+                          <p:cTn id="16" fill="hold">
+                            <p:stCondLst>
+                              <p:cond delay="1500"/>
+                            </p:stCondLst>
+                            <p:childTnLst>
+                              <p:par>
+                                <p:cTn id="17" presetID="10" presetClass="entr" presetSubtype="0" fill="hold" grpId="0" nodeType="afterEffect">
+                                  <p:stCondLst>
+                                    <p:cond delay="0"/>
+                                  </p:stCondLst>
+                                  <p:childTnLst>
+                                    <p:set>
+                                      <p:cBhvr>
+                                        <p:cTn id="18" dur="1" fill="hold">
+                                          <p:stCondLst>
+                                            <p:cond delay="0"/>
+                                          </p:stCondLst>
+                                        </p:cTn>
+                                        <p:tgtEl>
+                                          <p:spTgt spid="48"/>
+                                        </p:tgtEl>
+                                        <p:attrNameLst>
+                                          <p:attrName>style.visibility</p:attrName>
+                                        </p:attrNameLst>
+                                      </p:cBhvr>
+                                      <p:to>
+                                        <p:strVal val="visible"/>
+                                      </p:to>
+                                    </p:set>
+                                    <p:animEffect transition="in" filter="fade">
+                                      <p:cBhvr>
+                                        <p:cTn id="19" dur="500"/>
+                                        <p:tgtEl>
+                                          <p:spTgt spid="48"/>
+                                        </p:tgtEl>
+                                      </p:cBhvr>
+                                    </p:animEffect>
+                                  </p:childTnLst>
+                                </p:cTn>
+                              </p:par>
+                            </p:childTnLst>
+                          </p:cTn>
+                        </p:par>
+                        <p:par>
+                          <p:cTn id="20" fill="hold">
+                            <p:stCondLst>
+                              <p:cond delay="2000"/>
+                            </p:stCondLst>
+                            <p:childTnLst>
+                              <p:par>
+                                <p:cTn id="21" presetID="10" presetClass="entr" presetSubtype="0" fill="hold" grpId="0" nodeType="afterEffect">
+                                  <p:stCondLst>
+                                    <p:cond delay="0"/>
+                                  </p:stCondLst>
+                                  <p:childTnLst>
+                                    <p:set>
+                                      <p:cBhvr>
+                                        <p:cTn id="22" dur="1" fill="hold">
+                                          <p:stCondLst>
+                                            <p:cond delay="0"/>
+                                          </p:stCondLst>
+                                        </p:cTn>
+                                        <p:tgtEl>
+                                          <p:spTgt spid="49"/>
+                                        </p:tgtEl>
+                                        <p:attrNameLst>
+                                          <p:attrName>style.visibility</p:attrName>
+                                        </p:attrNameLst>
+                                      </p:cBhvr>
+                                      <p:to>
+                                        <p:strVal val="visible"/>
+                                      </p:to>
+                                    </p:set>
+                                    <p:animEffect transition="in" filter="fade">
+                                      <p:cBhvr>
+                                        <p:cTn id="23" dur="500"/>
+                                        <p:tgtEl>
+                                          <p:spTgt spid="49"/>
+                                        </p:tgtEl>
+                                      </p:cBhvr>
+                                    </p:animEffect>
+                                  </p:childTnLst>
+                                </p:cTn>
+                              </p:par>
+                            </p:childTnLst>
+                          </p:cTn>
+                        </p:par>
+                        <p:par>
+                          <p:cTn id="24" fill="hold">
+                            <p:stCondLst>
+                              <p:cond delay="2500"/>
+                            </p:stCondLst>
+                            <p:childTnLst>
+                              <p:par>
+                                <p:cTn id="25" presetID="10" presetClass="entr" presetSubtype="0" fill="hold" grpId="0" nodeType="afterEffect">
+                                  <p:stCondLst>
+                                    <p:cond delay="0"/>
+                                  </p:stCondLst>
+                                  <p:childTnLst>
+                                    <p:set>
+                                      <p:cBhvr>
+                                        <p:cTn id="26" dur="1" fill="hold">
+                                          <p:stCondLst>
+                                            <p:cond delay="0"/>
+                                          </p:stCondLst>
+                                        </p:cTn>
+                                        <p:tgtEl>
+                                          <p:spTgt spid="50"/>
+                                        </p:tgtEl>
+                                        <p:attrNameLst>
+                                          <p:attrName>style.visibility</p:attrName>
+                                        </p:attrNameLst>
+                                      </p:cBhvr>
+                                      <p:to>
+                                        <p:strVal val="visible"/>
+                                      </p:to>
+                                    </p:set>
+                                    <p:animEffect transition="in" filter="fade">
+                                      <p:cBhvr>
+                                        <p:cTn id="27" dur="500"/>
+                                        <p:tgtEl>
+                                          <p:spTgt spid="50"/>
+                                        </p:tgtEl>
+                                      </p:cBhvr>
+                                    </p:animEffect>
+                                  </p:childTnLst>
+                                </p:cTn>
+                              </p:par>
+                            </p:childTnLst>
+                          </p:cTn>
+                        </p:par>
+                        <p:par>
+                          <p:cTn id="28" fill="hold">
+                            <p:stCondLst>
+                              <p:cond delay="3000"/>
+                            </p:stCondLst>
+                            <p:childTnLst>
+                              <p:par>
+                                <p:cTn id="29" presetID="10" presetClass="entr" presetSubtype="0" fill="hold" grpId="0" nodeType="afterEffect">
+                                  <p:stCondLst>
+                                    <p:cond delay="0"/>
+                                  </p:stCondLst>
+                                  <p:childTnLst>
+                                    <p:set>
+                                      <p:cBhvr>
+                                        <p:cTn id="30" dur="1" fill="hold">
+                                          <p:stCondLst>
+                                            <p:cond delay="0"/>
+                                          </p:stCondLst>
+                                        </p:cTn>
+                                        <p:tgtEl>
+                                          <p:spTgt spid="51"/>
+                                        </p:tgtEl>
+                                        <p:attrNameLst>
+                                          <p:attrName>style.visibility</p:attrName>
+                                        </p:attrNameLst>
+                                      </p:cBhvr>
+                                      <p:to>
+                                        <p:strVal val="visible"/>
+                                      </p:to>
+                                    </p:set>
+                                    <p:animEffect transition="in" filter="fade">
+                                      <p:cBhvr>
+                                        <p:cTn id="31" dur="500"/>
+                                        <p:tgtEl>
+                                          <p:spTgt spid="51"/>
+                                        </p:tgtEl>
+                                      </p:cBhvr>
+                                    </p:animEffect>
+                                  </p:childTnLst>
+                                </p:cTn>
+                              </p:par>
+                            </p:childTnLst>
+                          </p:cTn>
+                        </p:par>
+                        <p:par>
+                          <p:cTn id="32" fill="hold">
+                            <p:stCondLst>
+                              <p:cond delay="3500"/>
+                            </p:stCondLst>
+                            <p:childTnLst>
+                              <p:par>
+                                <p:cTn id="33" presetID="10" presetClass="entr" presetSubtype="0" fill="hold" grpId="0" nodeType="afterEffect">
+                                  <p:stCondLst>
+                                    <p:cond delay="0"/>
+                                  </p:stCondLst>
+                                  <p:childTnLst>
+                                    <p:set>
+                                      <p:cBhvr>
+                                        <p:cTn id="34" dur="1" fill="hold">
+                                          <p:stCondLst>
+                                            <p:cond delay="0"/>
+                                          </p:stCondLst>
+                                        </p:cTn>
+                                        <p:tgtEl>
+                                          <p:spTgt spid="52"/>
+                                        </p:tgtEl>
+                                        <p:attrNameLst>
+                                          <p:attrName>style.visibility</p:attrName>
+                                        </p:attrNameLst>
+                                      </p:cBhvr>
+                                      <p:to>
+                                        <p:strVal val="visible"/>
+                                      </p:to>
+                                    </p:set>
+                                    <p:animEffect transition="in" filter="fade">
+                                      <p:cBhvr>
+                                        <p:cTn id="35" dur="500"/>
+                                        <p:tgtEl>
+                                          <p:spTgt spid="52"/>
+                                        </p:tgtEl>
+                                      </p:cBhvr>
+                                    </p:animEffect>
+                                  </p:childTnLst>
+                                </p:cTn>
+                              </p:par>
+                            </p:childTnLst>
+                          </p:cTn>
+                        </p:par>
+                        <p:par>
+                          <p:cTn id="36" fill="hold">
+                            <p:stCondLst>
+                              <p:cond delay="4000"/>
+                            </p:stCondLst>
+                            <p:childTnLst>
+                              <p:par>
+                                <p:cTn id="37" presetID="10" presetClass="entr" presetSubtype="0" fill="hold" grpId="0" nodeType="afterEffect">
+                                  <p:stCondLst>
+                                    <p:cond delay="0"/>
+                                  </p:stCondLst>
+                                  <p:childTnLst>
+                                    <p:set>
+                                      <p:cBhvr>
+                                        <p:cTn id="38" dur="1" fill="hold">
+                                          <p:stCondLst>
+                                            <p:cond delay="0"/>
+                                          </p:stCondLst>
+                                        </p:cTn>
+                                        <p:tgtEl>
+                                          <p:spTgt spid="53"/>
+                                        </p:tgtEl>
+                                        <p:attrNameLst>
+                                          <p:attrName>style.visibility</p:attrName>
+                                        </p:attrNameLst>
+                                      </p:cBhvr>
+                                      <p:to>
+                                        <p:strVal val="visible"/>
+                                      </p:to>
+                                    </p:set>
+                                    <p:animEffect transition="in" filter="fade">
+                                      <p:cBhvr>
+                                        <p:cTn id="39" dur="500"/>
+                                        <p:tgtEl>
+                                          <p:spTgt spid="53"/>
+                                        </p:tgtEl>
+                                      </p:cBhvr>
+                                    </p:animEffect>
+                                  </p:childTnLst>
+                                </p:cTn>
+                              </p:par>
+                            </p:childTnLst>
+                          </p:cTn>
+                        </p:par>
+                      </p:childTnLst>
+                    </p:cTn>
+                  </p:par>
+                </p:childTnLst>
+              </p:cTn>
+              <p:prevCondLst>
+                <p:cond evt="onPrev" delay="0">
+                  <p:tgtEl>
+                    <p:sldTgt/>
+                  </p:tgtEl>
+                </p:cond>
+              </p:prevCondLst>
+              <p:nextCondLst>
+                <p:cond evt="onNext" delay="0">
+                  <p:tgtEl>
+                    <p:sldTgt/>
+                  </p:tgtEl>
+                </p:cond>
+              </p:nextCondLst>
+            </p:seq>
+          </p:childTnLst>
+        </p:cTn>
       </p:par>
     </p:tnLst>
+    <p:bldLst>
+      <p:bldP spid="43" grpId="0"/>
+      <p:bldP spid="44" grpId="0"/>
+      <p:bldP spid="47" grpId="0"/>
+      <p:bldP spid="48" grpId="0"/>
+      <p:bldP spid="49" grpId="0"/>
+      <p:bldP spid="50" grpId="0"/>
+      <p:bldP spid="51" grpId="0"/>
+      <p:bldP spid="52" grpId="0"/>
+      <p:bldP spid="53" grpId="0"/>
+    </p:bldLst>
   </p:timing>
 </p:sld>
 </file>
@@ -15629,7 +19619,7 @@
         </p:nvSpPr>
         <p:spPr>
           <a:xfrm>
-            <a:off x="917197" y="775983"/>
+            <a:off x="917197" y="677663"/>
             <a:ext cx="791362" cy="791362"/>
           </a:xfrm>
           <a:prstGeom prst="ellipse">
@@ -15695,7 +19685,7 @@
         </p:nvSpPr>
         <p:spPr>
           <a:xfrm>
-            <a:off x="3207043" y="1249612"/>
+            <a:off x="3207043" y="1151292"/>
             <a:ext cx="791362" cy="791362"/>
           </a:xfrm>
           <a:prstGeom prst="ellipse">
@@ -15761,7 +19751,7 @@
         </p:nvSpPr>
         <p:spPr>
           <a:xfrm>
-            <a:off x="917197" y="2638689"/>
+            <a:off x="917197" y="2540369"/>
             <a:ext cx="791362" cy="791362"/>
           </a:xfrm>
           <a:prstGeom prst="ellipse">
@@ -15827,7 +19817,7 @@
         </p:nvSpPr>
         <p:spPr>
           <a:xfrm>
-            <a:off x="917197" y="4315090"/>
+            <a:off x="917197" y="4216770"/>
             <a:ext cx="791362" cy="791362"/>
           </a:xfrm>
           <a:prstGeom prst="ellipse">
@@ -15893,7 +19883,7 @@
         </p:nvSpPr>
         <p:spPr>
           <a:xfrm>
-            <a:off x="5496889" y="1847327"/>
+            <a:off x="5496889" y="1749007"/>
             <a:ext cx="791362" cy="791362"/>
           </a:xfrm>
           <a:prstGeom prst="ellipse">
@@ -15959,7 +19949,7 @@
         </p:nvSpPr>
         <p:spPr>
           <a:xfrm>
-            <a:off x="7786735" y="2638689"/>
+            <a:off x="7786735" y="2540369"/>
             <a:ext cx="791362" cy="791362"/>
           </a:xfrm>
           <a:prstGeom prst="ellipse">
@@ -16028,7 +20018,7 @@
         </p:nvCxnSpPr>
         <p:spPr>
           <a:xfrm>
-            <a:off x="1708559" y="1171664"/>
+            <a:off x="1708559" y="1073344"/>
             <a:ext cx="1498484" cy="473629"/>
           </a:xfrm>
           <a:prstGeom prst="straightConnector1">
@@ -16064,7 +20054,7 @@
         </p:nvCxnSpPr>
         <p:spPr>
           <a:xfrm>
-            <a:off x="3998405" y="1645293"/>
+            <a:off x="3998405" y="1546973"/>
             <a:ext cx="1498484" cy="597715"/>
           </a:xfrm>
           <a:prstGeom prst="straightConnector1">
@@ -16097,7 +20087,7 @@
         </p:nvSpPr>
         <p:spPr>
           <a:xfrm>
-            <a:off x="3207043" y="5237880"/>
+            <a:off x="3207043" y="5139560"/>
             <a:ext cx="791362" cy="791362"/>
           </a:xfrm>
           <a:prstGeom prst="ellipse">
@@ -16163,7 +20153,7 @@
         </p:nvSpPr>
         <p:spPr>
           <a:xfrm>
-            <a:off x="3207043" y="3243746"/>
+            <a:off x="3207043" y="3145426"/>
             <a:ext cx="791362" cy="791362"/>
           </a:xfrm>
           <a:prstGeom prst="ellipse">
@@ -16232,7 +20222,7 @@
         </p:nvCxnSpPr>
         <p:spPr>
           <a:xfrm>
-            <a:off x="1312878" y="3430051"/>
+            <a:off x="1312878" y="3331731"/>
             <a:ext cx="0" cy="885039"/>
           </a:xfrm>
           <a:prstGeom prst="straightConnector1">
@@ -16268,7 +20258,7 @@
         </p:nvCxnSpPr>
         <p:spPr>
           <a:xfrm flipV="1">
-            <a:off x="1708559" y="3639427"/>
+            <a:off x="1708559" y="3541107"/>
             <a:ext cx="1498484" cy="1071344"/>
           </a:xfrm>
           <a:prstGeom prst="straightConnector1">
@@ -16304,7 +20294,7 @@
         </p:nvCxnSpPr>
         <p:spPr>
           <a:xfrm>
-            <a:off x="1708559" y="4710771"/>
+            <a:off x="1708559" y="4612451"/>
             <a:ext cx="1498484" cy="922790"/>
           </a:xfrm>
           <a:prstGeom prst="straightConnector1">
@@ -16340,7 +20330,7 @@
         </p:nvCxnSpPr>
         <p:spPr>
           <a:xfrm flipV="1">
-            <a:off x="3602724" y="4035108"/>
+            <a:off x="3602724" y="3936788"/>
             <a:ext cx="0" cy="1202772"/>
           </a:xfrm>
           <a:prstGeom prst="straightConnector1">
@@ -16376,7 +20366,7 @@
         </p:nvCxnSpPr>
         <p:spPr>
           <a:xfrm>
-            <a:off x="6288251" y="2243008"/>
+            <a:off x="6288251" y="2144688"/>
             <a:ext cx="1498484" cy="791362"/>
           </a:xfrm>
           <a:prstGeom prst="straightConnector1">
@@ -16409,7 +20399,7 @@
         </p:nvSpPr>
         <p:spPr>
           <a:xfrm>
-            <a:off x="5496889" y="4035108"/>
+            <a:off x="5496889" y="3936788"/>
             <a:ext cx="791362" cy="791362"/>
           </a:xfrm>
           <a:prstGeom prst="ellipse">
@@ -16478,7 +20468,7 @@
         </p:nvCxnSpPr>
         <p:spPr>
           <a:xfrm flipH="1">
-            <a:off x="6288251" y="3430051"/>
+            <a:off x="6288251" y="3331731"/>
             <a:ext cx="1894165" cy="1000738"/>
           </a:xfrm>
           <a:prstGeom prst="straightConnector1">
@@ -16514,7 +20504,7 @@
         </p:nvCxnSpPr>
         <p:spPr>
           <a:xfrm>
-            <a:off x="3998405" y="3639427"/>
+            <a:off x="3998405" y="3541107"/>
             <a:ext cx="1498484" cy="791362"/>
           </a:xfrm>
           <a:prstGeom prst="straightConnector1">
@@ -16547,7 +20537,7 @@
         </p:nvSpPr>
         <p:spPr>
           <a:xfrm>
-            <a:off x="1312878" y="409448"/>
+            <a:off x="1397255" y="308331"/>
             <a:ext cx="311304" cy="369332"/>
           </a:xfrm>
           <a:prstGeom prst="rect">
@@ -16589,7 +20579,7 @@
         </p:nvSpPr>
         <p:spPr>
           <a:xfrm>
-            <a:off x="3644981" y="880280"/>
+            <a:off x="3687101" y="781960"/>
             <a:ext cx="311304" cy="369332"/>
           </a:xfrm>
           <a:prstGeom prst="rect">
@@ -16608,6 +20598,8 @@
                 <a:solidFill>
                   <a:schemeClr val="bg2"/>
                 </a:solidFill>
+                <a:latin typeface="Calibri" panose="020F0502020204030204" pitchFamily="34" charset="0"/>
+                <a:cs typeface="Calibri" panose="020F0502020204030204" pitchFamily="34" charset="0"/>
               </a:rPr>
               <a:t>2</a:t>
             </a:r>
@@ -16615,6 +20607,8 @@
               <a:solidFill>
                 <a:schemeClr val="bg2"/>
               </a:solidFill>
+              <a:latin typeface="Calibri" panose="020F0502020204030204" pitchFamily="34" charset="0"/>
+              <a:cs typeface="Calibri" panose="020F0502020204030204" pitchFamily="34" charset="0"/>
             </a:endParaRPr>
           </a:p>
         </p:txBody>
@@ -16627,7 +20621,7 @@
         </p:nvSpPr>
         <p:spPr>
           <a:xfrm>
-            <a:off x="6132599" y="1557973"/>
+            <a:off x="5976947" y="1380900"/>
             <a:ext cx="311304" cy="369332"/>
           </a:xfrm>
           <a:prstGeom prst="rect">
@@ -16661,10 +20655,1054 @@
           </a:p>
         </p:txBody>
       </p:sp>
+      <p:sp>
+        <p:nvSpPr>
+          <p:cNvPr id="12" name="TextBox 11"/>
+          <p:cNvSpPr txBox="1"/>
+          <p:nvPr/>
+        </p:nvSpPr>
+        <p:spPr>
+          <a:xfrm>
+            <a:off x="8276411" y="2171037"/>
+            <a:ext cx="301686" cy="369332"/>
+          </a:xfrm>
+          <a:prstGeom prst="rect">
+            <a:avLst/>
+          </a:prstGeom>
+          <a:noFill/>
+        </p:spPr>
+        <p:txBody>
+          <a:bodyPr wrap="none" rtlCol="0">
+            <a:spAutoFit/>
+          </a:bodyPr>
+          <a:lstStyle/>
+          <a:p>
+            <a:r>
+              <a:rPr lang="en-US" dirty="0" smtClean="0">
+                <a:solidFill>
+                  <a:schemeClr val="bg2"/>
+                </a:solidFill>
+                <a:latin typeface="Calibri" panose="020F0502020204030204" pitchFamily="34" charset="0"/>
+                <a:cs typeface="Calibri" panose="020F0502020204030204" pitchFamily="34" charset="0"/>
+              </a:rPr>
+              <a:t>4</a:t>
+            </a:r>
+            <a:endParaRPr lang="uk-UA" sz="1100" dirty="0">
+              <a:solidFill>
+                <a:schemeClr val="bg2"/>
+              </a:solidFill>
+              <a:latin typeface="Calibri" panose="020F0502020204030204" pitchFamily="34" charset="0"/>
+              <a:cs typeface="Calibri" panose="020F0502020204030204" pitchFamily="34" charset="0"/>
+            </a:endParaRPr>
+          </a:p>
+        </p:txBody>
+      </p:sp>
+      <p:sp>
+        <p:nvSpPr>
+          <p:cNvPr id="13" name="TextBox 12"/>
+          <p:cNvSpPr txBox="1"/>
+          <p:nvPr/>
+        </p:nvSpPr>
+        <p:spPr>
+          <a:xfrm>
+            <a:off x="5976947" y="3567456"/>
+            <a:ext cx="311304" cy="369332"/>
+          </a:xfrm>
+          <a:prstGeom prst="rect">
+            <a:avLst/>
+          </a:prstGeom>
+          <a:noFill/>
+        </p:spPr>
+        <p:txBody>
+          <a:bodyPr wrap="none" rtlCol="0">
+            <a:spAutoFit/>
+          </a:bodyPr>
+          <a:lstStyle/>
+          <a:p>
+            <a:r>
+              <a:rPr lang="en-US" dirty="0" smtClean="0">
+                <a:solidFill>
+                  <a:schemeClr val="bg2"/>
+                </a:solidFill>
+                <a:latin typeface="Calibri" panose="020F0502020204030204" pitchFamily="34" charset="0"/>
+                <a:cs typeface="Calibri" panose="020F0502020204030204" pitchFamily="34" charset="0"/>
+              </a:rPr>
+              <a:t>5</a:t>
+            </a:r>
+            <a:endParaRPr lang="uk-UA" dirty="0">
+              <a:solidFill>
+                <a:schemeClr val="bg2"/>
+              </a:solidFill>
+              <a:latin typeface="Calibri" panose="020F0502020204030204" pitchFamily="34" charset="0"/>
+              <a:cs typeface="Calibri" panose="020F0502020204030204" pitchFamily="34" charset="0"/>
+            </a:endParaRPr>
+          </a:p>
+        </p:txBody>
+      </p:sp>
+      <p:sp>
+        <p:nvSpPr>
+          <p:cNvPr id="14" name="TextBox 13"/>
+          <p:cNvSpPr txBox="1"/>
+          <p:nvPr/>
+        </p:nvSpPr>
+        <p:spPr>
+          <a:xfrm>
+            <a:off x="6092524" y="3567456"/>
+            <a:ext cx="391454" cy="369332"/>
+          </a:xfrm>
+          <a:prstGeom prst="rect">
+            <a:avLst/>
+          </a:prstGeom>
+          <a:noFill/>
+        </p:spPr>
+        <p:txBody>
+          <a:bodyPr wrap="none" rtlCol="0">
+            <a:spAutoFit/>
+          </a:bodyPr>
+          <a:lstStyle/>
+          <a:p>
+            <a:r>
+              <a:rPr lang="en-US" dirty="0" smtClean="0">
+                <a:solidFill>
+                  <a:schemeClr val="bg2"/>
+                </a:solidFill>
+                <a:latin typeface="Calibri" panose="020F0502020204030204" pitchFamily="34" charset="0"/>
+                <a:cs typeface="Calibri" panose="020F0502020204030204" pitchFamily="34" charset="0"/>
+              </a:rPr>
+              <a:t>/6</a:t>
+            </a:r>
+            <a:endParaRPr lang="uk-UA" dirty="0">
+              <a:solidFill>
+                <a:schemeClr val="bg2"/>
+              </a:solidFill>
+              <a:latin typeface="Calibri" panose="020F0502020204030204" pitchFamily="34" charset="0"/>
+              <a:cs typeface="Calibri" panose="020F0502020204030204" pitchFamily="34" charset="0"/>
+            </a:endParaRPr>
+          </a:p>
+        </p:txBody>
+      </p:sp>
+      <p:sp>
+        <p:nvSpPr>
+          <p:cNvPr id="15" name="TextBox 14"/>
+          <p:cNvSpPr txBox="1"/>
+          <p:nvPr/>
+        </p:nvSpPr>
+        <p:spPr>
+          <a:xfrm>
+            <a:off x="8382370" y="2174184"/>
+            <a:ext cx="391454" cy="369332"/>
+          </a:xfrm>
+          <a:prstGeom prst="rect">
+            <a:avLst/>
+          </a:prstGeom>
+          <a:noFill/>
+        </p:spPr>
+        <p:txBody>
+          <a:bodyPr wrap="none" rtlCol="0">
+            <a:spAutoFit/>
+          </a:bodyPr>
+          <a:lstStyle/>
+          <a:p>
+            <a:r>
+              <a:rPr lang="en-US" dirty="0" smtClean="0">
+                <a:solidFill>
+                  <a:schemeClr val="bg2"/>
+                </a:solidFill>
+                <a:latin typeface="Calibri" panose="020F0502020204030204" pitchFamily="34" charset="0"/>
+                <a:cs typeface="Calibri" panose="020F0502020204030204" pitchFamily="34" charset="0"/>
+              </a:rPr>
+              <a:t>/7</a:t>
+            </a:r>
+            <a:endParaRPr lang="uk-UA" dirty="0">
+              <a:solidFill>
+                <a:schemeClr val="bg2"/>
+              </a:solidFill>
+              <a:latin typeface="Calibri" panose="020F0502020204030204" pitchFamily="34" charset="0"/>
+              <a:cs typeface="Calibri" panose="020F0502020204030204" pitchFamily="34" charset="0"/>
+            </a:endParaRPr>
+          </a:p>
+        </p:txBody>
+      </p:sp>
+      <p:sp>
+        <p:nvSpPr>
+          <p:cNvPr id="19" name="TextBox 18"/>
+          <p:cNvSpPr txBox="1"/>
+          <p:nvPr/>
+        </p:nvSpPr>
+        <p:spPr>
+          <a:xfrm>
+            <a:off x="6092524" y="1379675"/>
+            <a:ext cx="391454" cy="369332"/>
+          </a:xfrm>
+          <a:prstGeom prst="rect">
+            <a:avLst/>
+          </a:prstGeom>
+          <a:noFill/>
+        </p:spPr>
+        <p:txBody>
+          <a:bodyPr wrap="none" rtlCol="0">
+            <a:spAutoFit/>
+          </a:bodyPr>
+          <a:lstStyle/>
+          <a:p>
+            <a:r>
+              <a:rPr lang="en-US" dirty="0" smtClean="0">
+                <a:solidFill>
+                  <a:schemeClr val="bg2"/>
+                </a:solidFill>
+                <a:latin typeface="Calibri" panose="020F0502020204030204" pitchFamily="34" charset="0"/>
+                <a:cs typeface="Calibri" panose="020F0502020204030204" pitchFamily="34" charset="0"/>
+              </a:rPr>
+              <a:t>/8</a:t>
+            </a:r>
+            <a:endParaRPr lang="uk-UA" dirty="0">
+              <a:solidFill>
+                <a:schemeClr val="bg2"/>
+              </a:solidFill>
+              <a:latin typeface="Calibri" panose="020F0502020204030204" pitchFamily="34" charset="0"/>
+              <a:cs typeface="Calibri" panose="020F0502020204030204" pitchFamily="34" charset="0"/>
+            </a:endParaRPr>
+          </a:p>
+        </p:txBody>
+      </p:sp>
+      <p:sp>
+        <p:nvSpPr>
+          <p:cNvPr id="22" name="TextBox 21"/>
+          <p:cNvSpPr txBox="1"/>
+          <p:nvPr/>
+        </p:nvSpPr>
+        <p:spPr>
+          <a:xfrm>
+            <a:off x="3802678" y="781960"/>
+            <a:ext cx="391454" cy="369332"/>
+          </a:xfrm>
+          <a:prstGeom prst="rect">
+            <a:avLst/>
+          </a:prstGeom>
+          <a:noFill/>
+        </p:spPr>
+        <p:txBody>
+          <a:bodyPr wrap="none" rtlCol="0">
+            <a:spAutoFit/>
+          </a:bodyPr>
+          <a:lstStyle/>
+          <a:p>
+            <a:r>
+              <a:rPr lang="en-US" dirty="0" smtClean="0">
+                <a:solidFill>
+                  <a:schemeClr val="bg2"/>
+                </a:solidFill>
+                <a:latin typeface="Calibri" panose="020F0502020204030204" pitchFamily="34" charset="0"/>
+                <a:cs typeface="Calibri" panose="020F0502020204030204" pitchFamily="34" charset="0"/>
+              </a:rPr>
+              <a:t>/9</a:t>
+            </a:r>
+            <a:endParaRPr lang="uk-UA" dirty="0">
+              <a:solidFill>
+                <a:schemeClr val="bg2"/>
+              </a:solidFill>
+              <a:latin typeface="Calibri" panose="020F0502020204030204" pitchFamily="34" charset="0"/>
+              <a:cs typeface="Calibri" panose="020F0502020204030204" pitchFamily="34" charset="0"/>
+            </a:endParaRPr>
+          </a:p>
+        </p:txBody>
+      </p:sp>
+      <p:sp>
+        <p:nvSpPr>
+          <p:cNvPr id="23" name="TextBox 22"/>
+          <p:cNvSpPr txBox="1"/>
+          <p:nvPr/>
+        </p:nvSpPr>
+        <p:spPr>
+          <a:xfrm>
+            <a:off x="1552907" y="308331"/>
+            <a:ext cx="508473" cy="369332"/>
+          </a:xfrm>
+          <a:prstGeom prst="rect">
+            <a:avLst/>
+          </a:prstGeom>
+          <a:noFill/>
+        </p:spPr>
+        <p:txBody>
+          <a:bodyPr wrap="none" rtlCol="0">
+            <a:spAutoFit/>
+          </a:bodyPr>
+          <a:lstStyle/>
+          <a:p>
+            <a:r>
+              <a:rPr lang="en-US" dirty="0" smtClean="0">
+                <a:solidFill>
+                  <a:schemeClr val="bg2"/>
+                </a:solidFill>
+                <a:latin typeface="Calibri" panose="020F0502020204030204" pitchFamily="34" charset="0"/>
+                <a:cs typeface="Calibri" panose="020F0502020204030204" pitchFamily="34" charset="0"/>
+              </a:rPr>
+              <a:t>/10</a:t>
+            </a:r>
+            <a:endParaRPr lang="uk-UA" dirty="0">
+              <a:solidFill>
+                <a:schemeClr val="bg2"/>
+              </a:solidFill>
+              <a:latin typeface="Calibri" panose="020F0502020204030204" pitchFamily="34" charset="0"/>
+              <a:cs typeface="Calibri" panose="020F0502020204030204" pitchFamily="34" charset="0"/>
+            </a:endParaRPr>
+          </a:p>
+        </p:txBody>
+      </p:sp>
+      <p:sp>
+        <p:nvSpPr>
+          <p:cNvPr id="32" name="TextBox 31"/>
+          <p:cNvSpPr txBox="1"/>
+          <p:nvPr/>
+        </p:nvSpPr>
+        <p:spPr>
+          <a:xfrm>
+            <a:off x="1343555" y="2170124"/>
+            <a:ext cx="418704" cy="369332"/>
+          </a:xfrm>
+          <a:prstGeom prst="rect">
+            <a:avLst/>
+          </a:prstGeom>
+          <a:noFill/>
+        </p:spPr>
+        <p:txBody>
+          <a:bodyPr wrap="none" rtlCol="0">
+            <a:spAutoFit/>
+          </a:bodyPr>
+          <a:lstStyle/>
+          <a:p>
+            <a:r>
+              <a:rPr lang="en-US" dirty="0" smtClean="0">
+                <a:solidFill>
+                  <a:schemeClr val="bg2"/>
+                </a:solidFill>
+                <a:latin typeface="Calibri" panose="020F0502020204030204" pitchFamily="34" charset="0"/>
+                <a:cs typeface="Calibri" panose="020F0502020204030204" pitchFamily="34" charset="0"/>
+              </a:rPr>
+              <a:t>11</a:t>
+            </a:r>
+            <a:endParaRPr lang="uk-UA" dirty="0">
+              <a:solidFill>
+                <a:schemeClr val="bg2"/>
+              </a:solidFill>
+              <a:latin typeface="Calibri" panose="020F0502020204030204" pitchFamily="34" charset="0"/>
+              <a:cs typeface="Calibri" panose="020F0502020204030204" pitchFamily="34" charset="0"/>
+            </a:endParaRPr>
+          </a:p>
+        </p:txBody>
+      </p:sp>
+      <p:sp>
+        <p:nvSpPr>
+          <p:cNvPr id="33" name="TextBox 32"/>
+          <p:cNvSpPr txBox="1"/>
+          <p:nvPr/>
+        </p:nvSpPr>
+        <p:spPr>
+          <a:xfrm>
+            <a:off x="1558263" y="2168755"/>
+            <a:ext cx="508473" cy="369332"/>
+          </a:xfrm>
+          <a:prstGeom prst="rect">
+            <a:avLst/>
+          </a:prstGeom>
+          <a:noFill/>
+        </p:spPr>
+        <p:txBody>
+          <a:bodyPr wrap="none" rtlCol="0">
+            <a:spAutoFit/>
+          </a:bodyPr>
+          <a:lstStyle/>
+          <a:p>
+            <a:r>
+              <a:rPr lang="en-US" dirty="0" smtClean="0">
+                <a:solidFill>
+                  <a:schemeClr val="bg2"/>
+                </a:solidFill>
+                <a:latin typeface="Calibri" panose="020F0502020204030204" pitchFamily="34" charset="0"/>
+                <a:cs typeface="Calibri" panose="020F0502020204030204" pitchFamily="34" charset="0"/>
+              </a:rPr>
+              <a:t>/18</a:t>
+            </a:r>
+            <a:endParaRPr lang="uk-UA" dirty="0">
+              <a:solidFill>
+                <a:schemeClr val="bg2"/>
+              </a:solidFill>
+              <a:latin typeface="Calibri" panose="020F0502020204030204" pitchFamily="34" charset="0"/>
+              <a:cs typeface="Calibri" panose="020F0502020204030204" pitchFamily="34" charset="0"/>
+            </a:endParaRPr>
+          </a:p>
+        </p:txBody>
+      </p:sp>
+      <p:sp>
+        <p:nvSpPr>
+          <p:cNvPr id="35" name="TextBox 34"/>
+          <p:cNvSpPr txBox="1"/>
+          <p:nvPr/>
+        </p:nvSpPr>
+        <p:spPr>
+          <a:xfrm>
+            <a:off x="1343555" y="3847438"/>
+            <a:ext cx="418704" cy="369332"/>
+          </a:xfrm>
+          <a:prstGeom prst="rect">
+            <a:avLst/>
+          </a:prstGeom>
+          <a:noFill/>
+        </p:spPr>
+        <p:txBody>
+          <a:bodyPr wrap="none" rtlCol="0">
+            <a:spAutoFit/>
+          </a:bodyPr>
+          <a:lstStyle/>
+          <a:p>
+            <a:r>
+              <a:rPr lang="en-US" dirty="0" smtClean="0">
+                <a:solidFill>
+                  <a:schemeClr val="bg2"/>
+                </a:solidFill>
+                <a:latin typeface="Calibri" panose="020F0502020204030204" pitchFamily="34" charset="0"/>
+                <a:cs typeface="Calibri" panose="020F0502020204030204" pitchFamily="34" charset="0"/>
+              </a:rPr>
+              <a:t>12</a:t>
+            </a:r>
+            <a:endParaRPr lang="uk-UA" dirty="0">
+              <a:solidFill>
+                <a:schemeClr val="bg2"/>
+              </a:solidFill>
+              <a:latin typeface="Calibri" panose="020F0502020204030204" pitchFamily="34" charset="0"/>
+              <a:cs typeface="Calibri" panose="020F0502020204030204" pitchFamily="34" charset="0"/>
+            </a:endParaRPr>
+          </a:p>
+        </p:txBody>
+      </p:sp>
+      <p:sp>
+        <p:nvSpPr>
+          <p:cNvPr id="36" name="TextBox 35"/>
+          <p:cNvSpPr txBox="1"/>
+          <p:nvPr/>
+        </p:nvSpPr>
+        <p:spPr>
+          <a:xfrm>
+            <a:off x="1553939" y="3847438"/>
+            <a:ext cx="508473" cy="369332"/>
+          </a:xfrm>
+          <a:prstGeom prst="rect">
+            <a:avLst/>
+          </a:prstGeom>
+          <a:noFill/>
+        </p:spPr>
+        <p:txBody>
+          <a:bodyPr wrap="none" rtlCol="0">
+            <a:spAutoFit/>
+          </a:bodyPr>
+          <a:lstStyle/>
+          <a:p>
+            <a:r>
+              <a:rPr lang="en-US" dirty="0" smtClean="0">
+                <a:solidFill>
+                  <a:schemeClr val="bg2"/>
+                </a:solidFill>
+                <a:latin typeface="Calibri" panose="020F0502020204030204" pitchFamily="34" charset="0"/>
+                <a:cs typeface="Calibri" panose="020F0502020204030204" pitchFamily="34" charset="0"/>
+              </a:rPr>
+              <a:t>/17</a:t>
+            </a:r>
+            <a:endParaRPr lang="uk-UA" dirty="0">
+              <a:solidFill>
+                <a:schemeClr val="bg2"/>
+              </a:solidFill>
+              <a:latin typeface="Calibri" panose="020F0502020204030204" pitchFamily="34" charset="0"/>
+              <a:cs typeface="Calibri" panose="020F0502020204030204" pitchFamily="34" charset="0"/>
+            </a:endParaRPr>
+          </a:p>
+        </p:txBody>
+      </p:sp>
+      <p:sp>
+        <p:nvSpPr>
+          <p:cNvPr id="38" name="TextBox 37"/>
+          <p:cNvSpPr txBox="1"/>
+          <p:nvPr/>
+        </p:nvSpPr>
+        <p:spPr>
+          <a:xfrm>
+            <a:off x="3602724" y="4775470"/>
+            <a:ext cx="418704" cy="369332"/>
+          </a:xfrm>
+          <a:prstGeom prst="rect">
+            <a:avLst/>
+          </a:prstGeom>
+          <a:noFill/>
+        </p:spPr>
+        <p:txBody>
+          <a:bodyPr wrap="none" rtlCol="0">
+            <a:spAutoFit/>
+          </a:bodyPr>
+          <a:lstStyle/>
+          <a:p>
+            <a:r>
+              <a:rPr lang="en-US" dirty="0" smtClean="0">
+                <a:solidFill>
+                  <a:schemeClr val="bg2"/>
+                </a:solidFill>
+                <a:latin typeface="Calibri" panose="020F0502020204030204" pitchFamily="34" charset="0"/>
+                <a:cs typeface="Calibri" panose="020F0502020204030204" pitchFamily="34" charset="0"/>
+              </a:rPr>
+              <a:t>13</a:t>
+            </a:r>
+            <a:endParaRPr lang="uk-UA" dirty="0">
+              <a:solidFill>
+                <a:schemeClr val="bg2"/>
+              </a:solidFill>
+              <a:latin typeface="Calibri" panose="020F0502020204030204" pitchFamily="34" charset="0"/>
+              <a:cs typeface="Calibri" panose="020F0502020204030204" pitchFamily="34" charset="0"/>
+            </a:endParaRPr>
+          </a:p>
+        </p:txBody>
+      </p:sp>
+      <p:sp>
+        <p:nvSpPr>
+          <p:cNvPr id="39" name="TextBox 38"/>
+          <p:cNvSpPr txBox="1"/>
+          <p:nvPr/>
+        </p:nvSpPr>
+        <p:spPr>
+          <a:xfrm>
+            <a:off x="3813829" y="4770228"/>
+            <a:ext cx="508473" cy="369332"/>
+          </a:xfrm>
+          <a:prstGeom prst="rect">
+            <a:avLst/>
+          </a:prstGeom>
+          <a:noFill/>
+        </p:spPr>
+        <p:txBody>
+          <a:bodyPr wrap="none" rtlCol="0">
+            <a:spAutoFit/>
+          </a:bodyPr>
+          <a:lstStyle/>
+          <a:p>
+            <a:r>
+              <a:rPr lang="en-US" dirty="0" smtClean="0">
+                <a:solidFill>
+                  <a:schemeClr val="bg2"/>
+                </a:solidFill>
+                <a:latin typeface="Calibri" panose="020F0502020204030204" pitchFamily="34" charset="0"/>
+                <a:cs typeface="Calibri" panose="020F0502020204030204" pitchFamily="34" charset="0"/>
+              </a:rPr>
+              <a:t>/16</a:t>
+            </a:r>
+            <a:endParaRPr lang="uk-UA" dirty="0">
+              <a:solidFill>
+                <a:schemeClr val="bg2"/>
+              </a:solidFill>
+              <a:latin typeface="Calibri" panose="020F0502020204030204" pitchFamily="34" charset="0"/>
+              <a:cs typeface="Calibri" panose="020F0502020204030204" pitchFamily="34" charset="0"/>
+            </a:endParaRPr>
+          </a:p>
+        </p:txBody>
+      </p:sp>
+      <p:sp>
+        <p:nvSpPr>
+          <p:cNvPr id="40" name="TextBox 39"/>
+          <p:cNvSpPr txBox="1"/>
+          <p:nvPr/>
+        </p:nvSpPr>
+        <p:spPr>
+          <a:xfrm>
+            <a:off x="3599422" y="2781336"/>
+            <a:ext cx="418704" cy="369332"/>
+          </a:xfrm>
+          <a:prstGeom prst="rect">
+            <a:avLst/>
+          </a:prstGeom>
+          <a:noFill/>
+        </p:spPr>
+        <p:txBody>
+          <a:bodyPr wrap="none" rtlCol="0">
+            <a:spAutoFit/>
+          </a:bodyPr>
+          <a:lstStyle/>
+          <a:p>
+            <a:r>
+              <a:rPr lang="en-US" dirty="0" smtClean="0">
+                <a:solidFill>
+                  <a:schemeClr val="bg2"/>
+                </a:solidFill>
+                <a:latin typeface="Calibri" panose="020F0502020204030204" pitchFamily="34" charset="0"/>
+                <a:cs typeface="Calibri" panose="020F0502020204030204" pitchFamily="34" charset="0"/>
+              </a:rPr>
+              <a:t>14</a:t>
+            </a:r>
+            <a:endParaRPr lang="uk-UA" dirty="0">
+              <a:solidFill>
+                <a:schemeClr val="bg2"/>
+              </a:solidFill>
+              <a:latin typeface="Calibri" panose="020F0502020204030204" pitchFamily="34" charset="0"/>
+              <a:cs typeface="Calibri" panose="020F0502020204030204" pitchFamily="34" charset="0"/>
+            </a:endParaRPr>
+          </a:p>
+        </p:txBody>
+      </p:sp>
+      <p:sp>
+        <p:nvSpPr>
+          <p:cNvPr id="41" name="TextBox 40"/>
+          <p:cNvSpPr txBox="1"/>
+          <p:nvPr/>
+        </p:nvSpPr>
+        <p:spPr>
+          <a:xfrm>
+            <a:off x="3840968" y="2776094"/>
+            <a:ext cx="508473" cy="369332"/>
+          </a:xfrm>
+          <a:prstGeom prst="rect">
+            <a:avLst/>
+          </a:prstGeom>
+          <a:noFill/>
+        </p:spPr>
+        <p:txBody>
+          <a:bodyPr wrap="none" rtlCol="0">
+            <a:spAutoFit/>
+          </a:bodyPr>
+          <a:lstStyle/>
+          <a:p>
+            <a:r>
+              <a:rPr lang="en-US" dirty="0" smtClean="0">
+                <a:solidFill>
+                  <a:schemeClr val="bg2"/>
+                </a:solidFill>
+                <a:latin typeface="Calibri" panose="020F0502020204030204" pitchFamily="34" charset="0"/>
+                <a:cs typeface="Calibri" panose="020F0502020204030204" pitchFamily="34" charset="0"/>
+              </a:rPr>
+              <a:t>/15</a:t>
+            </a:r>
+            <a:endParaRPr lang="uk-UA" dirty="0">
+              <a:solidFill>
+                <a:schemeClr val="bg2"/>
+              </a:solidFill>
+              <a:latin typeface="Calibri" panose="020F0502020204030204" pitchFamily="34" charset="0"/>
+              <a:cs typeface="Calibri" panose="020F0502020204030204" pitchFamily="34" charset="0"/>
+            </a:endParaRPr>
+          </a:p>
+        </p:txBody>
+      </p:sp>
+      <p:sp>
+        <p:nvSpPr>
+          <p:cNvPr id="43" name="Прямокутник 42"/>
+          <p:cNvSpPr/>
+          <p:nvPr/>
+        </p:nvSpPr>
+        <p:spPr>
+          <a:xfrm>
+            <a:off x="4854998" y="5929856"/>
+            <a:ext cx="393057" cy="584775"/>
+          </a:xfrm>
+          <a:prstGeom prst="rect">
+            <a:avLst/>
+          </a:prstGeom>
+        </p:spPr>
+        <p:txBody>
+          <a:bodyPr wrap="none">
+            <a:spAutoFit/>
+          </a:bodyPr>
+          <a:lstStyle/>
+          <a:p>
+            <a:pPr algn="ctr"/>
+            <a:r>
+              <a:rPr lang="en-US" sz="3200" dirty="0" smtClean="0">
+                <a:solidFill>
+                  <a:schemeClr val="tx2">
+                    <a:lumMod val="75000"/>
+                  </a:schemeClr>
+                </a:solidFill>
+                <a:latin typeface="Calibri" panose="020F0502020204030204" pitchFamily="34" charset="0"/>
+                <a:cs typeface="Calibri" panose="020F0502020204030204" pitchFamily="34" charset="0"/>
+              </a:rPr>
+              <a:t>5</a:t>
+            </a:r>
+            <a:endParaRPr lang="uk-UA" sz="3200" dirty="0">
+              <a:solidFill>
+                <a:schemeClr val="tx2">
+                  <a:lumMod val="75000"/>
+                </a:schemeClr>
+              </a:solidFill>
+              <a:latin typeface="Calibri" panose="020F0502020204030204" pitchFamily="34" charset="0"/>
+              <a:cs typeface="Calibri" panose="020F0502020204030204" pitchFamily="34" charset="0"/>
+            </a:endParaRPr>
+          </a:p>
+        </p:txBody>
+      </p:sp>
+      <p:sp>
+        <p:nvSpPr>
+          <p:cNvPr id="44" name="Прямокутник 43"/>
+          <p:cNvSpPr/>
+          <p:nvPr/>
+        </p:nvSpPr>
+        <p:spPr>
+          <a:xfrm>
+            <a:off x="5604240" y="5929856"/>
+            <a:ext cx="393057" cy="584775"/>
+          </a:xfrm>
+          <a:prstGeom prst="rect">
+            <a:avLst/>
+          </a:prstGeom>
+        </p:spPr>
+        <p:txBody>
+          <a:bodyPr wrap="none">
+            <a:spAutoFit/>
+          </a:bodyPr>
+          <a:lstStyle/>
+          <a:p>
+            <a:pPr algn="ctr"/>
+            <a:r>
+              <a:rPr lang="en-US" sz="3200" dirty="0" smtClean="0">
+                <a:solidFill>
+                  <a:schemeClr val="tx2">
+                    <a:lumMod val="75000"/>
+                  </a:schemeClr>
+                </a:solidFill>
+                <a:latin typeface="Calibri" panose="020F0502020204030204" pitchFamily="34" charset="0"/>
+                <a:cs typeface="Calibri" panose="020F0502020204030204" pitchFamily="34" charset="0"/>
+              </a:rPr>
+              <a:t>6</a:t>
+            </a:r>
+            <a:endParaRPr lang="uk-UA" sz="3200" dirty="0">
+              <a:solidFill>
+                <a:schemeClr val="tx2">
+                  <a:lumMod val="75000"/>
+                </a:schemeClr>
+              </a:solidFill>
+              <a:latin typeface="Calibri" panose="020F0502020204030204" pitchFamily="34" charset="0"/>
+              <a:cs typeface="Calibri" panose="020F0502020204030204" pitchFamily="34" charset="0"/>
+            </a:endParaRPr>
+          </a:p>
+        </p:txBody>
+      </p:sp>
+      <p:sp>
+        <p:nvSpPr>
+          <p:cNvPr id="47" name="Прямокутник 46"/>
+          <p:cNvSpPr/>
+          <p:nvPr/>
+        </p:nvSpPr>
+        <p:spPr>
+          <a:xfrm>
+            <a:off x="6353482" y="5929856"/>
+            <a:ext cx="393057" cy="584775"/>
+          </a:xfrm>
+          <a:prstGeom prst="rect">
+            <a:avLst/>
+          </a:prstGeom>
+        </p:spPr>
+        <p:txBody>
+          <a:bodyPr wrap="none">
+            <a:spAutoFit/>
+          </a:bodyPr>
+          <a:lstStyle/>
+          <a:p>
+            <a:pPr algn="ctr"/>
+            <a:r>
+              <a:rPr lang="en-US" sz="3200" dirty="0" smtClean="0">
+                <a:solidFill>
+                  <a:schemeClr val="tx2">
+                    <a:lumMod val="75000"/>
+                  </a:schemeClr>
+                </a:solidFill>
+                <a:latin typeface="Calibri" panose="020F0502020204030204" pitchFamily="34" charset="0"/>
+                <a:cs typeface="Calibri" panose="020F0502020204030204" pitchFamily="34" charset="0"/>
+              </a:rPr>
+              <a:t>7</a:t>
+            </a:r>
+            <a:endParaRPr lang="uk-UA" sz="3200" dirty="0">
+              <a:solidFill>
+                <a:schemeClr val="tx2">
+                  <a:lumMod val="75000"/>
+                </a:schemeClr>
+              </a:solidFill>
+              <a:latin typeface="Calibri" panose="020F0502020204030204" pitchFamily="34" charset="0"/>
+              <a:cs typeface="Calibri" panose="020F0502020204030204" pitchFamily="34" charset="0"/>
+            </a:endParaRPr>
+          </a:p>
+        </p:txBody>
+      </p:sp>
+      <p:sp>
+        <p:nvSpPr>
+          <p:cNvPr id="48" name="Прямокутник 47"/>
+          <p:cNvSpPr/>
+          <p:nvPr/>
+        </p:nvSpPr>
+        <p:spPr>
+          <a:xfrm>
+            <a:off x="7106324" y="5926773"/>
+            <a:ext cx="393057" cy="584775"/>
+          </a:xfrm>
+          <a:prstGeom prst="rect">
+            <a:avLst/>
+          </a:prstGeom>
+        </p:spPr>
+        <p:txBody>
+          <a:bodyPr wrap="none">
+            <a:spAutoFit/>
+          </a:bodyPr>
+          <a:lstStyle/>
+          <a:p>
+            <a:pPr algn="ctr"/>
+            <a:r>
+              <a:rPr lang="en-US" sz="3200" dirty="0" smtClean="0">
+                <a:solidFill>
+                  <a:schemeClr val="tx2">
+                    <a:lumMod val="75000"/>
+                  </a:schemeClr>
+                </a:solidFill>
+                <a:latin typeface="Calibri" panose="020F0502020204030204" pitchFamily="34" charset="0"/>
+                <a:cs typeface="Calibri" panose="020F0502020204030204" pitchFamily="34" charset="0"/>
+              </a:rPr>
+              <a:t>8</a:t>
+            </a:r>
+            <a:endParaRPr lang="uk-UA" sz="3200" dirty="0">
+              <a:solidFill>
+                <a:schemeClr val="tx2">
+                  <a:lumMod val="75000"/>
+                </a:schemeClr>
+              </a:solidFill>
+              <a:latin typeface="Calibri" panose="020F0502020204030204" pitchFamily="34" charset="0"/>
+              <a:cs typeface="Calibri" panose="020F0502020204030204" pitchFamily="34" charset="0"/>
+            </a:endParaRPr>
+          </a:p>
+        </p:txBody>
+      </p:sp>
+      <p:sp>
+        <p:nvSpPr>
+          <p:cNvPr id="49" name="Прямокутник 48"/>
+          <p:cNvSpPr/>
+          <p:nvPr/>
+        </p:nvSpPr>
+        <p:spPr>
+          <a:xfrm>
+            <a:off x="7855566" y="5926773"/>
+            <a:ext cx="393057" cy="584775"/>
+          </a:xfrm>
+          <a:prstGeom prst="rect">
+            <a:avLst/>
+          </a:prstGeom>
+        </p:spPr>
+        <p:txBody>
+          <a:bodyPr wrap="none">
+            <a:spAutoFit/>
+          </a:bodyPr>
+          <a:lstStyle/>
+          <a:p>
+            <a:pPr algn="ctr"/>
+            <a:r>
+              <a:rPr lang="en-US" sz="3200" dirty="0" smtClean="0">
+                <a:solidFill>
+                  <a:schemeClr val="tx2">
+                    <a:lumMod val="75000"/>
+                  </a:schemeClr>
+                </a:solidFill>
+                <a:latin typeface="Calibri" panose="020F0502020204030204" pitchFamily="34" charset="0"/>
+                <a:cs typeface="Calibri" panose="020F0502020204030204" pitchFamily="34" charset="0"/>
+              </a:rPr>
+              <a:t>1</a:t>
+            </a:r>
+            <a:endParaRPr lang="uk-UA" sz="3200" dirty="0">
+              <a:solidFill>
+                <a:schemeClr val="tx2">
+                  <a:lumMod val="75000"/>
+                </a:schemeClr>
+              </a:solidFill>
+              <a:latin typeface="Calibri" panose="020F0502020204030204" pitchFamily="34" charset="0"/>
+              <a:cs typeface="Calibri" panose="020F0502020204030204" pitchFamily="34" charset="0"/>
+            </a:endParaRPr>
+          </a:p>
+        </p:txBody>
+      </p:sp>
+      <p:sp>
+        <p:nvSpPr>
+          <p:cNvPr id="50" name="Прямокутник 49"/>
+          <p:cNvSpPr/>
+          <p:nvPr/>
+        </p:nvSpPr>
+        <p:spPr>
+          <a:xfrm>
+            <a:off x="8604808" y="5926772"/>
+            <a:ext cx="393057" cy="584775"/>
+          </a:xfrm>
+          <a:prstGeom prst="rect">
+            <a:avLst/>
+          </a:prstGeom>
+        </p:spPr>
+        <p:txBody>
+          <a:bodyPr wrap="none">
+            <a:spAutoFit/>
+          </a:bodyPr>
+          <a:lstStyle/>
+          <a:p>
+            <a:pPr algn="ctr"/>
+            <a:r>
+              <a:rPr lang="en-US" sz="3200" dirty="0" smtClean="0">
+                <a:solidFill>
+                  <a:schemeClr val="tx2">
+                    <a:lumMod val="75000"/>
+                  </a:schemeClr>
+                </a:solidFill>
+                <a:latin typeface="Calibri" panose="020F0502020204030204" pitchFamily="34" charset="0"/>
+                <a:cs typeface="Calibri" panose="020F0502020204030204" pitchFamily="34" charset="0"/>
+              </a:rPr>
+              <a:t>2</a:t>
+            </a:r>
+            <a:endParaRPr lang="uk-UA" sz="3200" dirty="0">
+              <a:solidFill>
+                <a:schemeClr val="tx2">
+                  <a:lumMod val="75000"/>
+                </a:schemeClr>
+              </a:solidFill>
+              <a:latin typeface="Calibri" panose="020F0502020204030204" pitchFamily="34" charset="0"/>
+              <a:cs typeface="Calibri" panose="020F0502020204030204" pitchFamily="34" charset="0"/>
+            </a:endParaRPr>
+          </a:p>
+        </p:txBody>
+      </p:sp>
+      <p:sp>
+        <p:nvSpPr>
+          <p:cNvPr id="51" name="Прямокутник 50"/>
+          <p:cNvSpPr/>
+          <p:nvPr/>
+        </p:nvSpPr>
+        <p:spPr>
+          <a:xfrm>
+            <a:off x="9354050" y="5926771"/>
+            <a:ext cx="393057" cy="584775"/>
+          </a:xfrm>
+          <a:prstGeom prst="rect">
+            <a:avLst/>
+          </a:prstGeom>
+        </p:spPr>
+        <p:txBody>
+          <a:bodyPr wrap="none">
+            <a:spAutoFit/>
+          </a:bodyPr>
+          <a:lstStyle/>
+          <a:p>
+            <a:pPr algn="ctr"/>
+            <a:r>
+              <a:rPr lang="en-US" sz="3200" dirty="0" smtClean="0">
+                <a:solidFill>
+                  <a:schemeClr val="tx2">
+                    <a:lumMod val="75000"/>
+                  </a:schemeClr>
+                </a:solidFill>
+                <a:latin typeface="Calibri" panose="020F0502020204030204" pitchFamily="34" charset="0"/>
+                <a:cs typeface="Calibri" panose="020F0502020204030204" pitchFamily="34" charset="0"/>
+              </a:rPr>
+              <a:t>3</a:t>
+            </a:r>
+            <a:endParaRPr lang="uk-UA" sz="3200" dirty="0">
+              <a:solidFill>
+                <a:schemeClr val="tx2">
+                  <a:lumMod val="75000"/>
+                </a:schemeClr>
+              </a:solidFill>
+              <a:latin typeface="Calibri" panose="020F0502020204030204" pitchFamily="34" charset="0"/>
+              <a:cs typeface="Calibri" panose="020F0502020204030204" pitchFamily="34" charset="0"/>
+            </a:endParaRPr>
+          </a:p>
+        </p:txBody>
+      </p:sp>
+      <p:sp>
+        <p:nvSpPr>
+          <p:cNvPr id="52" name="Прямокутник 51"/>
+          <p:cNvSpPr/>
+          <p:nvPr/>
+        </p:nvSpPr>
+        <p:spPr>
+          <a:xfrm>
+            <a:off x="10103292" y="5926770"/>
+            <a:ext cx="393057" cy="584775"/>
+          </a:xfrm>
+          <a:prstGeom prst="rect">
+            <a:avLst/>
+          </a:prstGeom>
+        </p:spPr>
+        <p:txBody>
+          <a:bodyPr wrap="none">
+            <a:spAutoFit/>
+          </a:bodyPr>
+          <a:lstStyle/>
+          <a:p>
+            <a:pPr algn="ctr"/>
+            <a:r>
+              <a:rPr lang="en-US" sz="3200" dirty="0" smtClean="0">
+                <a:solidFill>
+                  <a:schemeClr val="tx2">
+                    <a:lumMod val="75000"/>
+                  </a:schemeClr>
+                </a:solidFill>
+                <a:latin typeface="Calibri" panose="020F0502020204030204" pitchFamily="34" charset="0"/>
+                <a:cs typeface="Calibri" panose="020F0502020204030204" pitchFamily="34" charset="0"/>
+              </a:rPr>
+              <a:t>4</a:t>
+            </a:r>
+            <a:endParaRPr lang="uk-UA" sz="3200" dirty="0">
+              <a:solidFill>
+                <a:schemeClr val="tx2">
+                  <a:lumMod val="75000"/>
+                </a:schemeClr>
+              </a:solidFill>
+              <a:latin typeface="Calibri" panose="020F0502020204030204" pitchFamily="34" charset="0"/>
+              <a:cs typeface="Calibri" panose="020F0502020204030204" pitchFamily="34" charset="0"/>
+            </a:endParaRPr>
+          </a:p>
+        </p:txBody>
+      </p:sp>
+      <p:sp>
+        <p:nvSpPr>
+          <p:cNvPr id="53" name="Прямокутник 52"/>
+          <p:cNvSpPr/>
+          <p:nvPr/>
+        </p:nvSpPr>
+        <p:spPr>
+          <a:xfrm>
+            <a:off x="10852534" y="5926769"/>
+            <a:ext cx="393057" cy="584775"/>
+          </a:xfrm>
+          <a:prstGeom prst="rect">
+            <a:avLst/>
+          </a:prstGeom>
+        </p:spPr>
+        <p:txBody>
+          <a:bodyPr wrap="none">
+            <a:spAutoFit/>
+          </a:bodyPr>
+          <a:lstStyle/>
+          <a:p>
+            <a:pPr algn="ctr"/>
+            <a:r>
+              <a:rPr lang="en-US" sz="3200" dirty="0" smtClean="0">
+                <a:solidFill>
+                  <a:schemeClr val="tx2">
+                    <a:lumMod val="75000"/>
+                  </a:schemeClr>
+                </a:solidFill>
+                <a:latin typeface="Calibri" panose="020F0502020204030204" pitchFamily="34" charset="0"/>
+                <a:cs typeface="Calibri" panose="020F0502020204030204" pitchFamily="34" charset="0"/>
+              </a:rPr>
+              <a:t>9</a:t>
+            </a:r>
+            <a:endParaRPr lang="uk-UA" sz="3200" dirty="0">
+              <a:solidFill>
+                <a:schemeClr val="tx2">
+                  <a:lumMod val="75000"/>
+                </a:schemeClr>
+              </a:solidFill>
+              <a:latin typeface="Calibri" panose="020F0502020204030204" pitchFamily="34" charset="0"/>
+              <a:cs typeface="Calibri" panose="020F0502020204030204" pitchFamily="34" charset="0"/>
+            </a:endParaRPr>
+          </a:p>
+        </p:txBody>
+      </p:sp>
     </p:spTree>
     <p:extLst>
       <p:ext uri="{BB962C8B-B14F-4D97-AF65-F5344CB8AC3E}">
-        <p14:creationId xmlns:p14="http://schemas.microsoft.com/office/powerpoint/2010/main" val="1693436321"/>
+        <p14:creationId xmlns:p14="http://schemas.microsoft.com/office/powerpoint/2010/main" val="903858488"/>
       </p:ext>
     </p:extLst>
   </p:cSld>
@@ -16673,10 +21711,10 @@
   </p:clrMapOvr>
   <mc:AlternateContent xmlns:mc="http://schemas.openxmlformats.org/markup-compatibility/2006">
     <mc:Choice xmlns:p14="http://schemas.microsoft.com/office/powerpoint/2010/main" Requires="p14">
-      <p:transition spd="slow" p14:dur="2000" advTm="2000"/>
+      <p:transition spd="slow" p14:dur="2000"/>
     </mc:Choice>
     <mc:Fallback>
-      <p:transition spd="slow" advTm="2000"/>
+      <p:transition spd="slow"/>
     </mc:Fallback>
   </mc:AlternateContent>
   <p:timing>

--- a/top_sort.pptx
+++ b/top_sort.pptx
@@ -8,8 +8,9 @@
     <p:sldId id="256" r:id="rId2"/>
     <p:sldId id="257" r:id="rId3"/>
     <p:sldId id="260" r:id="rId4"/>
-    <p:sldId id="261" r:id="rId5"/>
-    <p:sldId id="262" r:id="rId6"/>
+    <p:sldId id="262" r:id="rId5"/>
+    <p:sldId id="264" r:id="rId6"/>
+    <p:sldId id="263" r:id="rId7"/>
   </p:sldIdLst>
   <p:sldSz cx="12192000" cy="6858000"/>
   <p:notesSz cx="6858000" cy="9144000"/>
@@ -166,7 +167,7 @@
           <a:noFill/>
           <a:extLst>
             <a:ext uri="{909E8E84-426E-40dd-AFC4-6F175D3DCCD1}">
-              <a14:hiddenFill xmlns="" xmlns:a14="http://schemas.microsoft.com/office/drawing/2010/main">
+              <a14:hiddenFill xmlns:a14="http://schemas.microsoft.com/office/drawing/2010/main" xmlns="">
                 <a:solidFill>
                   <a:srgbClr val="FFFFFF"/>
                 </a:solidFill>
@@ -226,7 +227,7 @@
             </a:ln>
             <a:extLst>
               <a:ext uri="{91240B29-F687-4f45-9708-019B960494DF}">
-                <a14:hiddenLine xmlns="" xmlns:a14="http://schemas.microsoft.com/office/drawing/2010/main" w="9525">
+                <a14:hiddenLine xmlns:a14="http://schemas.microsoft.com/office/drawing/2010/main" xmlns="" w="9525">
                   <a:solidFill>
                     <a:srgbClr val="000000"/>
                   </a:solidFill>
@@ -316,7 +317,7 @@
             </a:ln>
             <a:extLst>
               <a:ext uri="{91240B29-F687-4f45-9708-019B960494DF}">
-                <a14:hiddenLine xmlns="" xmlns:a14="http://schemas.microsoft.com/office/drawing/2010/main" w="9525">
+                <a14:hiddenLine xmlns:a14="http://schemas.microsoft.com/office/drawing/2010/main" xmlns="" w="9525">
                   <a:solidFill>
                     <a:srgbClr val="000000"/>
                   </a:solidFill>
@@ -406,7 +407,7 @@
             </a:ln>
             <a:extLst>
               <a:ext uri="{91240B29-F687-4f45-9708-019B960494DF}">
-                <a14:hiddenLine xmlns="" xmlns:a14="http://schemas.microsoft.com/office/drawing/2010/main" w="9525">
+                <a14:hiddenLine xmlns:a14="http://schemas.microsoft.com/office/drawing/2010/main" xmlns="" w="9525">
                   <a:solidFill>
                     <a:srgbClr val="000000"/>
                   </a:solidFill>
@@ -440,7 +441,7 @@
             </a:ln>
             <a:extLst>
               <a:ext uri="{91240B29-F687-4f45-9708-019B960494DF}">
-                <a14:hiddenLine xmlns="" xmlns:a14="http://schemas.microsoft.com/office/drawing/2010/main" w="9525">
+                <a14:hiddenLine xmlns:a14="http://schemas.microsoft.com/office/drawing/2010/main" xmlns="" w="9525">
                   <a:solidFill>
                     <a:srgbClr val="000000"/>
                   </a:solidFill>
@@ -530,7 +531,7 @@
             </a:ln>
             <a:extLst>
               <a:ext uri="{91240B29-F687-4f45-9708-019B960494DF}">
-                <a14:hiddenLine xmlns="" xmlns:a14="http://schemas.microsoft.com/office/drawing/2010/main" w="9525">
+                <a14:hiddenLine xmlns:a14="http://schemas.microsoft.com/office/drawing/2010/main" xmlns="" w="9525">
                   <a:solidFill>
                     <a:srgbClr val="000000"/>
                   </a:solidFill>
@@ -592,7 +593,7 @@
             </a:ln>
             <a:extLst>
               <a:ext uri="{91240B29-F687-4f45-9708-019B960494DF}">
-                <a14:hiddenLine xmlns="" xmlns:a14="http://schemas.microsoft.com/office/drawing/2010/main" w="9525">
+                <a14:hiddenLine xmlns:a14="http://schemas.microsoft.com/office/drawing/2010/main" xmlns="" w="9525">
                   <a:solidFill>
                     <a:srgbClr val="000000"/>
                   </a:solidFill>
@@ -654,7 +655,7 @@
             </a:ln>
             <a:extLst>
               <a:ext uri="{91240B29-F687-4f45-9708-019B960494DF}">
-                <a14:hiddenLine xmlns="" xmlns:a14="http://schemas.microsoft.com/office/drawing/2010/main" w="9525">
+                <a14:hiddenLine xmlns:a14="http://schemas.microsoft.com/office/drawing/2010/main" xmlns="" w="9525">
                   <a:solidFill>
                     <a:srgbClr val="000000"/>
                   </a:solidFill>
@@ -744,7 +745,7 @@
             </a:ln>
             <a:extLst>
               <a:ext uri="{91240B29-F687-4f45-9708-019B960494DF}">
-                <a14:hiddenLine xmlns="" xmlns:a14="http://schemas.microsoft.com/office/drawing/2010/main" w="9525">
+                <a14:hiddenLine xmlns:a14="http://schemas.microsoft.com/office/drawing/2010/main" xmlns="" w="9525">
                   <a:solidFill>
                     <a:srgbClr val="000000"/>
                   </a:solidFill>
@@ -806,7 +807,7 @@
             </a:ln>
             <a:extLst>
               <a:ext uri="{91240B29-F687-4f45-9708-019B960494DF}">
-                <a14:hiddenLine xmlns="" xmlns:a14="http://schemas.microsoft.com/office/drawing/2010/main" w="9525">
+                <a14:hiddenLine xmlns:a14="http://schemas.microsoft.com/office/drawing/2010/main" xmlns="" w="9525">
                   <a:solidFill>
                     <a:srgbClr val="000000"/>
                   </a:solidFill>
@@ -868,7 +869,7 @@
             </a:ln>
             <a:extLst>
               <a:ext uri="{91240B29-F687-4f45-9708-019B960494DF}">
-                <a14:hiddenLine xmlns="" xmlns:a14="http://schemas.microsoft.com/office/drawing/2010/main" w="9525">
+                <a14:hiddenLine xmlns:a14="http://schemas.microsoft.com/office/drawing/2010/main" xmlns="" w="9525">
                   <a:solidFill>
                     <a:srgbClr val="000000"/>
                   </a:solidFill>
@@ -958,7 +959,7 @@
             </a:ln>
             <a:extLst>
               <a:ext uri="{91240B29-F687-4f45-9708-019B960494DF}">
-                <a14:hiddenLine xmlns="" xmlns:a14="http://schemas.microsoft.com/office/drawing/2010/main" w="9525">
+                <a14:hiddenLine xmlns:a14="http://schemas.microsoft.com/office/drawing/2010/main" xmlns="" w="9525">
                   <a:solidFill>
                     <a:srgbClr val="000000"/>
                   </a:solidFill>
@@ -1048,7 +1049,7 @@
             </a:ln>
             <a:extLst>
               <a:ext uri="{91240B29-F687-4f45-9708-019B960494DF}">
-                <a14:hiddenLine xmlns="" xmlns:a14="http://schemas.microsoft.com/office/drawing/2010/main" w="9525">
+                <a14:hiddenLine xmlns:a14="http://schemas.microsoft.com/office/drawing/2010/main" xmlns="" w="9525">
                   <a:solidFill>
                     <a:srgbClr val="000000"/>
                   </a:solidFill>
@@ -1110,7 +1111,7 @@
             </a:ln>
             <a:extLst>
               <a:ext uri="{91240B29-F687-4f45-9708-019B960494DF}">
-                <a14:hiddenLine xmlns="" xmlns:a14="http://schemas.microsoft.com/office/drawing/2010/main" w="9525">
+                <a14:hiddenLine xmlns:a14="http://schemas.microsoft.com/office/drawing/2010/main" xmlns="" w="9525">
                   <a:solidFill>
                     <a:srgbClr val="000000"/>
                   </a:solidFill>
@@ -1220,7 +1221,7 @@
             </a:ln>
             <a:extLst>
               <a:ext uri="{91240B29-F687-4f45-9708-019B960494DF}">
-                <a14:hiddenLine xmlns="" xmlns:a14="http://schemas.microsoft.com/office/drawing/2010/main" w="9525">
+                <a14:hiddenLine xmlns:a14="http://schemas.microsoft.com/office/drawing/2010/main" xmlns="" w="9525">
                   <a:solidFill>
                     <a:srgbClr val="000000"/>
                   </a:solidFill>
@@ -1282,7 +1283,7 @@
             </a:ln>
             <a:extLst>
               <a:ext uri="{91240B29-F687-4f45-9708-019B960494DF}">
-                <a14:hiddenLine xmlns="" xmlns:a14="http://schemas.microsoft.com/office/drawing/2010/main" w="9525">
+                <a14:hiddenLine xmlns:a14="http://schemas.microsoft.com/office/drawing/2010/main" xmlns="" w="9525">
                   <a:solidFill>
                     <a:srgbClr val="000000"/>
                   </a:solidFill>
@@ -1372,7 +1373,7 @@
             </a:ln>
             <a:extLst>
               <a:ext uri="{91240B29-F687-4f45-9708-019B960494DF}">
-                <a14:hiddenLine xmlns="" xmlns:a14="http://schemas.microsoft.com/office/drawing/2010/main" w="9525">
+                <a14:hiddenLine xmlns:a14="http://schemas.microsoft.com/office/drawing/2010/main" xmlns="" w="9525">
                   <a:solidFill>
                     <a:srgbClr val="000000"/>
                   </a:solidFill>
@@ -1462,7 +1463,7 @@
             </a:ln>
             <a:extLst>
               <a:ext uri="{91240B29-F687-4f45-9708-019B960494DF}">
-                <a14:hiddenLine xmlns="" xmlns:a14="http://schemas.microsoft.com/office/drawing/2010/main" w="9525">
+                <a14:hiddenLine xmlns:a14="http://schemas.microsoft.com/office/drawing/2010/main" xmlns="" w="9525">
                   <a:solidFill>
                     <a:srgbClr val="000000"/>
                   </a:solidFill>
@@ -1524,7 +1525,7 @@
             </a:ln>
             <a:extLst>
               <a:ext uri="{91240B29-F687-4f45-9708-019B960494DF}">
-                <a14:hiddenLine xmlns="" xmlns:a14="http://schemas.microsoft.com/office/drawing/2010/main" w="9525">
+                <a14:hiddenLine xmlns:a14="http://schemas.microsoft.com/office/drawing/2010/main" xmlns="" w="9525">
                   <a:solidFill>
                     <a:srgbClr val="000000"/>
                   </a:solidFill>
@@ -1614,7 +1615,7 @@
             </a:ln>
             <a:extLst>
               <a:ext uri="{91240B29-F687-4f45-9708-019B960494DF}">
-                <a14:hiddenLine xmlns="" xmlns:a14="http://schemas.microsoft.com/office/drawing/2010/main" w="9525">
+                <a14:hiddenLine xmlns:a14="http://schemas.microsoft.com/office/drawing/2010/main" xmlns="" w="9525">
                   <a:solidFill>
                     <a:srgbClr val="000000"/>
                   </a:solidFill>
@@ -1704,7 +1705,7 @@
             </a:ln>
             <a:extLst>
               <a:ext uri="{91240B29-F687-4f45-9708-019B960494DF}">
-                <a14:hiddenLine xmlns="" xmlns:a14="http://schemas.microsoft.com/office/drawing/2010/main" w="9525">
+                <a14:hiddenLine xmlns:a14="http://schemas.microsoft.com/office/drawing/2010/main" xmlns="" w="9525">
                   <a:solidFill>
                     <a:srgbClr val="000000"/>
                   </a:solidFill>
@@ -1760,7 +1761,7 @@
             </a:ln>
             <a:extLst>
               <a:ext uri="{91240B29-F687-4f45-9708-019B960494DF}">
-                <a14:hiddenLine xmlns="" xmlns:a14="http://schemas.microsoft.com/office/drawing/2010/main" w="9525">
+                <a14:hiddenLine xmlns:a14="http://schemas.microsoft.com/office/drawing/2010/main" xmlns="" w="9525">
                   <a:solidFill>
                     <a:srgbClr val="000000"/>
                   </a:solidFill>
@@ -1850,7 +1851,7 @@
             </a:ln>
             <a:extLst>
               <a:ext uri="{91240B29-F687-4f45-9708-019B960494DF}">
-                <a14:hiddenLine xmlns="" xmlns:a14="http://schemas.microsoft.com/office/drawing/2010/main" w="9525">
+                <a14:hiddenLine xmlns:a14="http://schemas.microsoft.com/office/drawing/2010/main" xmlns="" w="9525">
                   <a:solidFill>
                     <a:srgbClr val="000000"/>
                   </a:solidFill>
@@ -1906,7 +1907,7 @@
             </a:ln>
             <a:extLst>
               <a:ext uri="{91240B29-F687-4f45-9708-019B960494DF}">
-                <a14:hiddenLine xmlns="" xmlns:a14="http://schemas.microsoft.com/office/drawing/2010/main" w="9525">
+                <a14:hiddenLine xmlns:a14="http://schemas.microsoft.com/office/drawing/2010/main" xmlns="" w="9525">
                   <a:solidFill>
                     <a:srgbClr val="000000"/>
                   </a:solidFill>
@@ -1996,7 +1997,7 @@
             </a:ln>
             <a:extLst>
               <a:ext uri="{91240B29-F687-4f45-9708-019B960494DF}">
-                <a14:hiddenLine xmlns="" xmlns:a14="http://schemas.microsoft.com/office/drawing/2010/main" w="9525">
+                <a14:hiddenLine xmlns:a14="http://schemas.microsoft.com/office/drawing/2010/main" xmlns="" w="9525">
                   <a:solidFill>
                     <a:srgbClr val="000000"/>
                   </a:solidFill>
@@ -2064,7 +2065,7 @@
             </a:ln>
             <a:extLst>
               <a:ext uri="{91240B29-F687-4f45-9708-019B960494DF}">
-                <a14:hiddenLine xmlns="" xmlns:a14="http://schemas.microsoft.com/office/drawing/2010/main" w="9525">
+                <a14:hiddenLine xmlns:a14="http://schemas.microsoft.com/office/drawing/2010/main" xmlns="" w="9525">
                   <a:solidFill>
                     <a:srgbClr val="000000"/>
                   </a:solidFill>
@@ -2154,7 +2155,7 @@
             </a:ln>
             <a:extLst>
               <a:ext uri="{91240B29-F687-4f45-9708-019B960494DF}">
-                <a14:hiddenLine xmlns="" xmlns:a14="http://schemas.microsoft.com/office/drawing/2010/main" w="9525">
+                <a14:hiddenLine xmlns:a14="http://schemas.microsoft.com/office/drawing/2010/main" xmlns="" w="9525">
                   <a:solidFill>
                     <a:srgbClr val="000000"/>
                   </a:solidFill>
@@ -2222,7 +2223,7 @@
             </a:ln>
             <a:extLst>
               <a:ext uri="{91240B29-F687-4f45-9708-019B960494DF}">
-                <a14:hiddenLine xmlns="" xmlns:a14="http://schemas.microsoft.com/office/drawing/2010/main" w="9525">
+                <a14:hiddenLine xmlns:a14="http://schemas.microsoft.com/office/drawing/2010/main" xmlns="" w="9525">
                   <a:solidFill>
                     <a:srgbClr val="000000"/>
                   </a:solidFill>
@@ -2312,7 +2313,7 @@
             </a:ln>
             <a:extLst>
               <a:ext uri="{91240B29-F687-4f45-9708-019B960494DF}">
-                <a14:hiddenLine xmlns="" xmlns:a14="http://schemas.microsoft.com/office/drawing/2010/main" w="9525">
+                <a14:hiddenLine xmlns:a14="http://schemas.microsoft.com/office/drawing/2010/main" xmlns="" w="9525">
                   <a:solidFill>
                     <a:srgbClr val="000000"/>
                   </a:solidFill>
@@ -2346,7 +2347,7 @@
             </a:ln>
             <a:extLst>
               <a:ext uri="{91240B29-F687-4f45-9708-019B960494DF}">
-                <a14:hiddenLine xmlns="" xmlns:a14="http://schemas.microsoft.com/office/drawing/2010/main" w="9525">
+                <a14:hiddenLine xmlns:a14="http://schemas.microsoft.com/office/drawing/2010/main" xmlns="" w="9525">
                   <a:solidFill>
                     <a:srgbClr val="000000"/>
                   </a:solidFill>
@@ -2436,7 +2437,7 @@
             </a:ln>
             <a:extLst>
               <a:ext uri="{91240B29-F687-4f45-9708-019B960494DF}">
-                <a14:hiddenLine xmlns="" xmlns:a14="http://schemas.microsoft.com/office/drawing/2010/main" w="9525">
+                <a14:hiddenLine xmlns:a14="http://schemas.microsoft.com/office/drawing/2010/main" xmlns="" w="9525">
                   <a:solidFill>
                     <a:srgbClr val="000000"/>
                   </a:solidFill>
@@ -2498,7 +2499,7 @@
             </a:ln>
             <a:extLst>
               <a:ext uri="{91240B29-F687-4f45-9708-019B960494DF}">
-                <a14:hiddenLine xmlns="" xmlns:a14="http://schemas.microsoft.com/office/drawing/2010/main" w="9525">
+                <a14:hiddenLine xmlns:a14="http://schemas.microsoft.com/office/drawing/2010/main" xmlns="" w="9525">
                   <a:solidFill>
                     <a:srgbClr val="000000"/>
                   </a:solidFill>
@@ -2560,7 +2561,7 @@
             </a:ln>
             <a:extLst>
               <a:ext uri="{91240B29-F687-4f45-9708-019B960494DF}">
-                <a14:hiddenLine xmlns="" xmlns:a14="http://schemas.microsoft.com/office/drawing/2010/main" w="9525">
+                <a14:hiddenLine xmlns:a14="http://schemas.microsoft.com/office/drawing/2010/main" xmlns="" w="9525">
                   <a:solidFill>
                     <a:srgbClr val="000000"/>
                   </a:solidFill>
@@ -2650,7 +2651,7 @@
             </a:ln>
             <a:extLst>
               <a:ext uri="{91240B29-F687-4f45-9708-019B960494DF}">
-                <a14:hiddenLine xmlns="" xmlns:a14="http://schemas.microsoft.com/office/drawing/2010/main" w="9525">
+                <a14:hiddenLine xmlns:a14="http://schemas.microsoft.com/office/drawing/2010/main" xmlns="" w="9525">
                   <a:solidFill>
                     <a:srgbClr val="000000"/>
                   </a:solidFill>
@@ -2718,7 +2719,7 @@
             </a:ln>
             <a:extLst>
               <a:ext uri="{91240B29-F687-4f45-9708-019B960494DF}">
-                <a14:hiddenLine xmlns="" xmlns:a14="http://schemas.microsoft.com/office/drawing/2010/main" w="9525">
+                <a14:hiddenLine xmlns:a14="http://schemas.microsoft.com/office/drawing/2010/main" xmlns="" w="9525">
                   <a:solidFill>
                     <a:srgbClr val="000000"/>
                   </a:solidFill>
@@ -2780,7 +2781,7 @@
             </a:ln>
             <a:extLst>
               <a:ext uri="{91240B29-F687-4f45-9708-019B960494DF}">
-                <a14:hiddenLine xmlns="" xmlns:a14="http://schemas.microsoft.com/office/drawing/2010/main" w="9525">
+                <a14:hiddenLine xmlns:a14="http://schemas.microsoft.com/office/drawing/2010/main" xmlns="" w="9525">
                   <a:solidFill>
                     <a:srgbClr val="000000"/>
                   </a:solidFill>
@@ -2870,7 +2871,7 @@
             </a:ln>
             <a:extLst>
               <a:ext uri="{91240B29-F687-4f45-9708-019B960494DF}">
-                <a14:hiddenLine xmlns="" xmlns:a14="http://schemas.microsoft.com/office/drawing/2010/main" w="9525">
+                <a14:hiddenLine xmlns:a14="http://schemas.microsoft.com/office/drawing/2010/main" xmlns="" w="9525">
                   <a:solidFill>
                     <a:srgbClr val="000000"/>
                   </a:solidFill>
@@ -2932,7 +2933,7 @@
             </a:ln>
             <a:extLst>
               <a:ext uri="{91240B29-F687-4f45-9708-019B960494DF}">
-                <a14:hiddenLine xmlns="" xmlns:a14="http://schemas.microsoft.com/office/drawing/2010/main" w="9525">
+                <a14:hiddenLine xmlns:a14="http://schemas.microsoft.com/office/drawing/2010/main" xmlns="" w="9525">
                   <a:solidFill>
                     <a:srgbClr val="000000"/>
                   </a:solidFill>
@@ -3022,7 +3023,7 @@
             </a:ln>
             <a:extLst>
               <a:ext uri="{91240B29-F687-4f45-9708-019B960494DF}">
-                <a14:hiddenLine xmlns="" xmlns:a14="http://schemas.microsoft.com/office/drawing/2010/main" w="9525">
+                <a14:hiddenLine xmlns:a14="http://schemas.microsoft.com/office/drawing/2010/main" xmlns="" w="9525">
                   <a:solidFill>
                     <a:srgbClr val="000000"/>
                   </a:solidFill>
@@ -3084,7 +3085,7 @@
             </a:ln>
             <a:extLst>
               <a:ext uri="{91240B29-F687-4f45-9708-019B960494DF}">
-                <a14:hiddenLine xmlns="" xmlns:a14="http://schemas.microsoft.com/office/drawing/2010/main" w="9525">
+                <a14:hiddenLine xmlns:a14="http://schemas.microsoft.com/office/drawing/2010/main" xmlns="" w="9525">
                   <a:solidFill>
                     <a:srgbClr val="000000"/>
                   </a:solidFill>
@@ -3174,7 +3175,7 @@
             </a:ln>
             <a:extLst>
               <a:ext uri="{91240B29-F687-4f45-9708-019B960494DF}">
-                <a14:hiddenLine xmlns="" xmlns:a14="http://schemas.microsoft.com/office/drawing/2010/main" w="9525">
+                <a14:hiddenLine xmlns:a14="http://schemas.microsoft.com/office/drawing/2010/main" xmlns="" w="9525">
                   <a:solidFill>
                     <a:srgbClr val="000000"/>
                   </a:solidFill>
@@ -3208,7 +3209,7 @@
             </a:ln>
             <a:extLst>
               <a:ext uri="{91240B29-F687-4f45-9708-019B960494DF}">
-                <a14:hiddenLine xmlns="" xmlns:a14="http://schemas.microsoft.com/office/drawing/2010/main" w="9525">
+                <a14:hiddenLine xmlns:a14="http://schemas.microsoft.com/office/drawing/2010/main" xmlns="" w="9525">
                   <a:solidFill>
                     <a:srgbClr val="000000"/>
                   </a:solidFill>
@@ -3273,7 +3274,7 @@
             </a:ln>
             <a:extLst>
               <a:ext uri="{91240B29-F687-4f45-9708-019B960494DF}">
-                <a14:hiddenLine xmlns="" xmlns:a14="http://schemas.microsoft.com/office/drawing/2010/main" w="9525">
+                <a14:hiddenLine xmlns:a14="http://schemas.microsoft.com/office/drawing/2010/main" xmlns="" w="9525">
                   <a:solidFill>
                     <a:srgbClr val="000000"/>
                   </a:solidFill>
@@ -3363,7 +3364,7 @@
             </a:ln>
             <a:extLst>
               <a:ext uri="{91240B29-F687-4f45-9708-019B960494DF}">
-                <a14:hiddenLine xmlns="" xmlns:a14="http://schemas.microsoft.com/office/drawing/2010/main" w="9525">
+                <a14:hiddenLine xmlns:a14="http://schemas.microsoft.com/office/drawing/2010/main" xmlns="" w="9525">
                   <a:solidFill>
                     <a:srgbClr val="000000"/>
                   </a:solidFill>
@@ -3425,7 +3426,7 @@
             </a:ln>
             <a:extLst>
               <a:ext uri="{91240B29-F687-4f45-9708-019B960494DF}">
-                <a14:hiddenLine xmlns="" xmlns:a14="http://schemas.microsoft.com/office/drawing/2010/main" w="9525">
+                <a14:hiddenLine xmlns:a14="http://schemas.microsoft.com/office/drawing/2010/main" xmlns="" w="9525">
                   <a:solidFill>
                     <a:srgbClr val="000000"/>
                   </a:solidFill>
@@ -3515,7 +3516,7 @@
             </a:ln>
             <a:extLst>
               <a:ext uri="{91240B29-F687-4f45-9708-019B960494DF}">
-                <a14:hiddenLine xmlns="" xmlns:a14="http://schemas.microsoft.com/office/drawing/2010/main" w="9525">
+                <a14:hiddenLine xmlns:a14="http://schemas.microsoft.com/office/drawing/2010/main" xmlns="" w="9525">
                   <a:solidFill>
                     <a:srgbClr val="000000"/>
                   </a:solidFill>
@@ -3605,7 +3606,7 @@
             </a:ln>
             <a:extLst>
               <a:ext uri="{91240B29-F687-4f45-9708-019B960494DF}">
-                <a14:hiddenLine xmlns="" xmlns:a14="http://schemas.microsoft.com/office/drawing/2010/main" w="9525">
+                <a14:hiddenLine xmlns:a14="http://schemas.microsoft.com/office/drawing/2010/main" xmlns="" w="9525">
                   <a:solidFill>
                     <a:srgbClr val="000000"/>
                   </a:solidFill>
@@ -3670,7 +3671,7 @@
             </a:ln>
             <a:extLst>
               <a:ext uri="{91240B29-F687-4f45-9708-019B960494DF}">
-                <a14:hiddenLine xmlns="" xmlns:a14="http://schemas.microsoft.com/office/drawing/2010/main" w="9525">
+                <a14:hiddenLine xmlns:a14="http://schemas.microsoft.com/office/drawing/2010/main" xmlns="" w="9525">
                   <a:solidFill>
                     <a:srgbClr val="000000"/>
                   </a:solidFill>
@@ -3732,7 +3733,7 @@
             </a:ln>
             <a:extLst>
               <a:ext uri="{91240B29-F687-4f45-9708-019B960494DF}">
-                <a14:hiddenLine xmlns="" xmlns:a14="http://schemas.microsoft.com/office/drawing/2010/main" w="9525">
+                <a14:hiddenLine xmlns:a14="http://schemas.microsoft.com/office/drawing/2010/main" xmlns="" w="9525">
                   <a:solidFill>
                     <a:srgbClr val="000000"/>
                   </a:solidFill>
@@ -3822,7 +3823,7 @@
             </a:ln>
             <a:extLst>
               <a:ext uri="{91240B29-F687-4f45-9708-019B960494DF}">
-                <a14:hiddenLine xmlns="" xmlns:a14="http://schemas.microsoft.com/office/drawing/2010/main" w="9525">
+                <a14:hiddenLine xmlns:a14="http://schemas.microsoft.com/office/drawing/2010/main" xmlns="" w="9525">
                   <a:solidFill>
                     <a:srgbClr val="000000"/>
                   </a:solidFill>
@@ -3912,7 +3913,7 @@
             </a:ln>
             <a:extLst>
               <a:ext uri="{91240B29-F687-4f45-9708-019B960494DF}">
-                <a14:hiddenLine xmlns="" xmlns:a14="http://schemas.microsoft.com/office/drawing/2010/main" w="9525">
+                <a14:hiddenLine xmlns:a14="http://schemas.microsoft.com/office/drawing/2010/main" xmlns="" w="9525">
                   <a:solidFill>
                     <a:srgbClr val="000000"/>
                   </a:solidFill>
@@ -3974,7 +3975,7 @@
             </a:ln>
             <a:extLst>
               <a:ext uri="{91240B29-F687-4f45-9708-019B960494DF}">
-                <a14:hiddenLine xmlns="" xmlns:a14="http://schemas.microsoft.com/office/drawing/2010/main" w="9525">
+                <a14:hiddenLine xmlns:a14="http://schemas.microsoft.com/office/drawing/2010/main" xmlns="" w="9525">
                   <a:solidFill>
                     <a:srgbClr val="000000"/>
                   </a:solidFill>
@@ -4094,7 +4095,7 @@
             </a:ln>
             <a:extLst>
               <a:ext uri="{91240B29-F687-4f45-9708-019B960494DF}">
-                <a14:hiddenLine xmlns="" xmlns:a14="http://schemas.microsoft.com/office/drawing/2010/main" w="9525">
+                <a14:hiddenLine xmlns:a14="http://schemas.microsoft.com/office/drawing/2010/main" xmlns="" w="9525">
                   <a:solidFill>
                     <a:srgbClr val="000000"/>
                   </a:solidFill>
@@ -4162,7 +4163,7 @@
             </a:ln>
             <a:extLst>
               <a:ext uri="{91240B29-F687-4f45-9708-019B960494DF}">
-                <a14:hiddenLine xmlns="" xmlns:a14="http://schemas.microsoft.com/office/drawing/2010/main" w="9525">
+                <a14:hiddenLine xmlns:a14="http://schemas.microsoft.com/office/drawing/2010/main" xmlns="" w="9525">
                   <a:solidFill>
                     <a:srgbClr val="000000"/>
                   </a:solidFill>
@@ -4252,7 +4253,7 @@
             </a:ln>
             <a:extLst>
               <a:ext uri="{91240B29-F687-4f45-9708-019B960494DF}">
-                <a14:hiddenLine xmlns="" xmlns:a14="http://schemas.microsoft.com/office/drawing/2010/main" w="9525">
+                <a14:hiddenLine xmlns:a14="http://schemas.microsoft.com/office/drawing/2010/main" xmlns="" w="9525">
                   <a:solidFill>
                     <a:srgbClr val="000000"/>
                   </a:solidFill>
@@ -4392,7 +4393,7 @@
           <a:p>
             <a:fld id="{C3600A06-36DD-406A-821E-53AD92F7ED8A}" type="datetimeFigureOut">
               <a:rPr lang="uk-UA" smtClean="0"/>
-              <a:t>19.02.2021</a:t>
+              <a:t>22.02.2021</a:t>
             </a:fld>
             <a:endParaRPr lang="uk-UA"/>
           </a:p>
@@ -4659,7 +4660,7 @@
           <a:p>
             <a:fld id="{C3600A06-36DD-406A-821E-53AD92F7ED8A}" type="datetimeFigureOut">
               <a:rPr lang="uk-UA" smtClean="0"/>
-              <a:t>19.02.2021</a:t>
+              <a:t>22.02.2021</a:t>
             </a:fld>
             <a:endParaRPr lang="uk-UA"/>
           </a:p>
@@ -4855,7 +4856,7 @@
           <a:p>
             <a:fld id="{C3600A06-36DD-406A-821E-53AD92F7ED8A}" type="datetimeFigureOut">
               <a:rPr lang="uk-UA" smtClean="0"/>
-              <a:t>19.02.2021</a:t>
+              <a:t>22.02.2021</a:t>
             </a:fld>
             <a:endParaRPr lang="uk-UA"/>
           </a:p>
@@ -5118,7 +5119,7 @@
           <a:p>
             <a:fld id="{C3600A06-36DD-406A-821E-53AD92F7ED8A}" type="datetimeFigureOut">
               <a:rPr lang="uk-UA" smtClean="0"/>
-              <a:t>19.02.2021</a:t>
+              <a:t>22.02.2021</a:t>
             </a:fld>
             <a:endParaRPr lang="uk-UA"/>
           </a:p>
@@ -5552,7 +5553,7 @@
           <a:p>
             <a:fld id="{C3600A06-36DD-406A-821E-53AD92F7ED8A}" type="datetimeFigureOut">
               <a:rPr lang="uk-UA" smtClean="0"/>
-              <a:t>19.02.2021</a:t>
+              <a:t>22.02.2021</a:t>
             </a:fld>
             <a:endParaRPr lang="uk-UA"/>
           </a:p>
@@ -6098,7 +6099,7 @@
           <a:p>
             <a:fld id="{C3600A06-36DD-406A-821E-53AD92F7ED8A}" type="datetimeFigureOut">
               <a:rPr lang="uk-UA" smtClean="0"/>
-              <a:t>19.02.2021</a:t>
+              <a:t>22.02.2021</a:t>
             </a:fld>
             <a:endParaRPr lang="uk-UA"/>
           </a:p>
@@ -6818,7 +6819,7 @@
           <a:p>
             <a:fld id="{C3600A06-36DD-406A-821E-53AD92F7ED8A}" type="datetimeFigureOut">
               <a:rPr lang="uk-UA" smtClean="0"/>
-              <a:t>19.02.2021</a:t>
+              <a:t>22.02.2021</a:t>
             </a:fld>
             <a:endParaRPr lang="uk-UA"/>
           </a:p>
@@ -6988,7 +6989,7 @@
           <a:p>
             <a:fld id="{C3600A06-36DD-406A-821E-53AD92F7ED8A}" type="datetimeFigureOut">
               <a:rPr lang="uk-UA" smtClean="0"/>
-              <a:t>19.02.2021</a:t>
+              <a:t>22.02.2021</a:t>
             </a:fld>
             <a:endParaRPr lang="uk-UA"/>
           </a:p>
@@ -7168,7 +7169,7 @@
           <a:p>
             <a:fld id="{C3600A06-36DD-406A-821E-53AD92F7ED8A}" type="datetimeFigureOut">
               <a:rPr lang="uk-UA" smtClean="0"/>
-              <a:t>19.02.2021</a:t>
+              <a:t>22.02.2021</a:t>
             </a:fld>
             <a:endParaRPr lang="uk-UA"/>
           </a:p>
@@ -7338,7 +7339,7 @@
           <a:p>
             <a:fld id="{C3600A06-36DD-406A-821E-53AD92F7ED8A}" type="datetimeFigureOut">
               <a:rPr lang="uk-UA" smtClean="0"/>
-              <a:t>19.02.2021</a:t>
+              <a:t>22.02.2021</a:t>
             </a:fld>
             <a:endParaRPr lang="uk-UA"/>
           </a:p>
@@ -7588,7 +7589,7 @@
           <a:p>
             <a:fld id="{C3600A06-36DD-406A-821E-53AD92F7ED8A}" type="datetimeFigureOut">
               <a:rPr lang="uk-UA" smtClean="0"/>
-              <a:t>19.02.2021</a:t>
+              <a:t>22.02.2021</a:t>
             </a:fld>
             <a:endParaRPr lang="uk-UA"/>
           </a:p>
@@ -7820,7 +7821,7 @@
           <a:p>
             <a:fld id="{C3600A06-36DD-406A-821E-53AD92F7ED8A}" type="datetimeFigureOut">
               <a:rPr lang="uk-UA" smtClean="0"/>
-              <a:t>19.02.2021</a:t>
+              <a:t>22.02.2021</a:t>
             </a:fld>
             <a:endParaRPr lang="uk-UA"/>
           </a:p>
@@ -8201,7 +8202,7 @@
           <a:p>
             <a:fld id="{C3600A06-36DD-406A-821E-53AD92F7ED8A}" type="datetimeFigureOut">
               <a:rPr lang="uk-UA" smtClean="0"/>
-              <a:t>19.02.2021</a:t>
+              <a:t>22.02.2021</a:t>
             </a:fld>
             <a:endParaRPr lang="uk-UA"/>
           </a:p>
@@ -8319,7 +8320,7 @@
           <a:p>
             <a:fld id="{C3600A06-36DD-406A-821E-53AD92F7ED8A}" type="datetimeFigureOut">
               <a:rPr lang="uk-UA" smtClean="0"/>
-              <a:t>19.02.2021</a:t>
+              <a:t>22.02.2021</a:t>
             </a:fld>
             <a:endParaRPr lang="uk-UA"/>
           </a:p>
@@ -8414,7 +8415,7 @@
           <a:p>
             <a:fld id="{C3600A06-36DD-406A-821E-53AD92F7ED8A}" type="datetimeFigureOut">
               <a:rPr lang="uk-UA" smtClean="0"/>
-              <a:t>19.02.2021</a:t>
+              <a:t>22.02.2021</a:t>
             </a:fld>
             <a:endParaRPr lang="uk-UA"/>
           </a:p>
@@ -8663,7 +8664,7 @@
           <a:p>
             <a:fld id="{C3600A06-36DD-406A-821E-53AD92F7ED8A}" type="datetimeFigureOut">
               <a:rPr lang="uk-UA" smtClean="0"/>
-              <a:t>19.02.2021</a:t>
+              <a:t>22.02.2021</a:t>
             </a:fld>
             <a:endParaRPr lang="uk-UA"/>
           </a:p>
@@ -8943,7 +8944,7 @@
           <a:p>
             <a:fld id="{C3600A06-36DD-406A-821E-53AD92F7ED8A}" type="datetimeFigureOut">
               <a:rPr lang="uk-UA" smtClean="0"/>
-              <a:t>19.02.2021</a:t>
+              <a:t>22.02.2021</a:t>
             </a:fld>
             <a:endParaRPr lang="uk-UA"/>
           </a:p>
@@ -9059,7 +9060,7 @@
           <a:noFill/>
           <a:extLst>
             <a:ext uri="{909E8E84-426E-40dd-AFC4-6F175D3DCCD1}">
-              <a14:hiddenFill xmlns="" xmlns:a14="http://schemas.microsoft.com/office/drawing/2010/main">
+              <a14:hiddenFill xmlns:a14="http://schemas.microsoft.com/office/drawing/2010/main" xmlns="">
                 <a:solidFill>
                   <a:srgbClr val="FFFFFF"/>
                 </a:solidFill>
@@ -9133,7 +9134,7 @@
               </a:ln>
               <a:extLst>
                 <a:ext uri="{91240B29-F687-4f45-9708-019B960494DF}">
-                  <a14:hiddenLine xmlns="" xmlns:a14="http://schemas.microsoft.com/office/drawing/2010/main" w="9525">
+                  <a14:hiddenLine xmlns:a14="http://schemas.microsoft.com/office/drawing/2010/main" xmlns="" w="9525">
                     <a:solidFill>
                       <a:srgbClr val="000000"/>
                     </a:solidFill>
@@ -9223,7 +9224,7 @@
               </a:ln>
               <a:extLst>
                 <a:ext uri="{91240B29-F687-4f45-9708-019B960494DF}">
-                  <a14:hiddenLine xmlns="" xmlns:a14="http://schemas.microsoft.com/office/drawing/2010/main" w="9525">
+                  <a14:hiddenLine xmlns:a14="http://schemas.microsoft.com/office/drawing/2010/main" xmlns="" w="9525">
                     <a:solidFill>
                       <a:srgbClr val="000000"/>
                     </a:solidFill>
@@ -9313,7 +9314,7 @@
               </a:ln>
               <a:extLst>
                 <a:ext uri="{91240B29-F687-4f45-9708-019B960494DF}">
-                  <a14:hiddenLine xmlns="" xmlns:a14="http://schemas.microsoft.com/office/drawing/2010/main" w="9525">
+                  <a14:hiddenLine xmlns:a14="http://schemas.microsoft.com/office/drawing/2010/main" xmlns="" w="9525">
                     <a:solidFill>
                       <a:srgbClr val="000000"/>
                     </a:solidFill>
@@ -9375,7 +9376,7 @@
               </a:ln>
               <a:extLst>
                 <a:ext uri="{91240B29-F687-4f45-9708-019B960494DF}">
-                  <a14:hiddenLine xmlns="" xmlns:a14="http://schemas.microsoft.com/office/drawing/2010/main" w="9525">
+                  <a14:hiddenLine xmlns:a14="http://schemas.microsoft.com/office/drawing/2010/main" xmlns="" w="9525">
                     <a:solidFill>
                       <a:srgbClr val="000000"/>
                     </a:solidFill>
@@ -9465,7 +9466,7 @@
               </a:ln>
               <a:extLst>
                 <a:ext uri="{91240B29-F687-4f45-9708-019B960494DF}">
-                  <a14:hiddenLine xmlns="" xmlns:a14="http://schemas.microsoft.com/office/drawing/2010/main" w="9525">
+                  <a14:hiddenLine xmlns:a14="http://schemas.microsoft.com/office/drawing/2010/main" xmlns="" w="9525">
                     <a:solidFill>
                       <a:srgbClr val="000000"/>
                     </a:solidFill>
@@ -9527,7 +9528,7 @@
               </a:ln>
               <a:extLst>
                 <a:ext uri="{91240B29-F687-4f45-9708-019B960494DF}">
-                  <a14:hiddenLine xmlns="" xmlns:a14="http://schemas.microsoft.com/office/drawing/2010/main" w="9525">
+                  <a14:hiddenLine xmlns:a14="http://schemas.microsoft.com/office/drawing/2010/main" xmlns="" w="9525">
                     <a:solidFill>
                       <a:srgbClr val="000000"/>
                     </a:solidFill>
@@ -9589,7 +9590,7 @@
               </a:ln>
               <a:extLst>
                 <a:ext uri="{91240B29-F687-4f45-9708-019B960494DF}">
-                  <a14:hiddenLine xmlns="" xmlns:a14="http://schemas.microsoft.com/office/drawing/2010/main" w="9525">
+                  <a14:hiddenLine xmlns:a14="http://schemas.microsoft.com/office/drawing/2010/main" xmlns="" w="9525">
                     <a:solidFill>
                       <a:srgbClr val="000000"/>
                     </a:solidFill>
@@ -9679,7 +9680,7 @@
               </a:ln>
               <a:extLst>
                 <a:ext uri="{91240B29-F687-4f45-9708-019B960494DF}">
-                  <a14:hiddenLine xmlns="" xmlns:a14="http://schemas.microsoft.com/office/drawing/2010/main" w="9525">
+                  <a14:hiddenLine xmlns:a14="http://schemas.microsoft.com/office/drawing/2010/main" xmlns="" w="9525">
                     <a:solidFill>
                       <a:srgbClr val="000000"/>
                     </a:solidFill>
@@ -9769,7 +9770,7 @@
               </a:ln>
               <a:extLst>
                 <a:ext uri="{91240B29-F687-4f45-9708-019B960494DF}">
-                  <a14:hiddenLine xmlns="" xmlns:a14="http://schemas.microsoft.com/office/drawing/2010/main" w="9525">
+                  <a14:hiddenLine xmlns:a14="http://schemas.microsoft.com/office/drawing/2010/main" xmlns="" w="9525">
                     <a:solidFill>
                       <a:srgbClr val="000000"/>
                     </a:solidFill>
@@ -9831,7 +9832,7 @@
               </a:ln>
               <a:extLst>
                 <a:ext uri="{91240B29-F687-4f45-9708-019B960494DF}">
-                  <a14:hiddenLine xmlns="" xmlns:a14="http://schemas.microsoft.com/office/drawing/2010/main" w="9525">
+                  <a14:hiddenLine xmlns:a14="http://schemas.microsoft.com/office/drawing/2010/main" xmlns="" w="9525">
                     <a:solidFill>
                       <a:srgbClr val="000000"/>
                     </a:solidFill>
@@ -9941,7 +9942,7 @@
               </a:ln>
               <a:extLst>
                 <a:ext uri="{91240B29-F687-4f45-9708-019B960494DF}">
-                  <a14:hiddenLine xmlns="" xmlns:a14="http://schemas.microsoft.com/office/drawing/2010/main" w="9525">
+                  <a14:hiddenLine xmlns:a14="http://schemas.microsoft.com/office/drawing/2010/main" xmlns="" w="9525">
                     <a:solidFill>
                       <a:srgbClr val="000000"/>
                     </a:solidFill>
@@ -10025,7 +10026,7 @@
               </a:ln>
               <a:extLst>
                 <a:ext uri="{91240B29-F687-4f45-9708-019B960494DF}">
-                  <a14:hiddenLine xmlns="" xmlns:a14="http://schemas.microsoft.com/office/drawing/2010/main" w="9525">
+                  <a14:hiddenLine xmlns:a14="http://schemas.microsoft.com/office/drawing/2010/main" xmlns="" w="9525">
                     <a:solidFill>
                       <a:srgbClr val="000000"/>
                     </a:solidFill>
@@ -10087,7 +10088,7 @@
               </a:ln>
               <a:extLst>
                 <a:ext uri="{91240B29-F687-4f45-9708-019B960494DF}">
-                  <a14:hiddenLine xmlns="" xmlns:a14="http://schemas.microsoft.com/office/drawing/2010/main" w="9525">
+                  <a14:hiddenLine xmlns:a14="http://schemas.microsoft.com/office/drawing/2010/main" xmlns="" w="9525">
                     <a:solidFill>
                       <a:srgbClr val="000000"/>
                     </a:solidFill>
@@ -10149,7 +10150,7 @@
               </a:ln>
               <a:extLst>
                 <a:ext uri="{91240B29-F687-4f45-9708-019B960494DF}">
-                  <a14:hiddenLine xmlns="" xmlns:a14="http://schemas.microsoft.com/office/drawing/2010/main" w="9525">
+                  <a14:hiddenLine xmlns:a14="http://schemas.microsoft.com/office/drawing/2010/main" xmlns="" w="9525">
                     <a:solidFill>
                       <a:srgbClr val="000000"/>
                     </a:solidFill>
@@ -10239,7 +10240,7 @@
               </a:ln>
               <a:extLst>
                 <a:ext uri="{91240B29-F687-4f45-9708-019B960494DF}">
-                  <a14:hiddenLine xmlns="" xmlns:a14="http://schemas.microsoft.com/office/drawing/2010/main" w="9525">
+                  <a14:hiddenLine xmlns:a14="http://schemas.microsoft.com/office/drawing/2010/main" xmlns="" w="9525">
                     <a:solidFill>
                       <a:srgbClr val="000000"/>
                     </a:solidFill>
@@ -10273,7 +10274,7 @@
               </a:ln>
               <a:extLst>
                 <a:ext uri="{91240B29-F687-4f45-9708-019B960494DF}">
-                  <a14:hiddenLine xmlns="" xmlns:a14="http://schemas.microsoft.com/office/drawing/2010/main" w="9525">
+                  <a14:hiddenLine xmlns:a14="http://schemas.microsoft.com/office/drawing/2010/main" xmlns="" w="9525">
                     <a:solidFill>
                       <a:srgbClr val="000000"/>
                     </a:solidFill>
@@ -10338,7 +10339,7 @@
               </a:ln>
               <a:extLst>
                 <a:ext uri="{91240B29-F687-4f45-9708-019B960494DF}">
-                  <a14:hiddenLine xmlns="" xmlns:a14="http://schemas.microsoft.com/office/drawing/2010/main" w="9525">
+                  <a14:hiddenLine xmlns:a14="http://schemas.microsoft.com/office/drawing/2010/main" xmlns="" w="9525">
                     <a:solidFill>
                       <a:srgbClr val="000000"/>
                     </a:solidFill>
@@ -10428,7 +10429,7 @@
               </a:ln>
               <a:extLst>
                 <a:ext uri="{91240B29-F687-4f45-9708-019B960494DF}">
-                  <a14:hiddenLine xmlns="" xmlns:a14="http://schemas.microsoft.com/office/drawing/2010/main" w="9525">
+                  <a14:hiddenLine xmlns:a14="http://schemas.microsoft.com/office/drawing/2010/main" xmlns="" w="9525">
                     <a:solidFill>
                       <a:srgbClr val="000000"/>
                     </a:solidFill>
@@ -10490,7 +10491,7 @@
               </a:ln>
               <a:extLst>
                 <a:ext uri="{91240B29-F687-4f45-9708-019B960494DF}">
-                  <a14:hiddenLine xmlns="" xmlns:a14="http://schemas.microsoft.com/office/drawing/2010/main" w="9525">
+                  <a14:hiddenLine xmlns:a14="http://schemas.microsoft.com/office/drawing/2010/main" xmlns="" w="9525">
                     <a:solidFill>
                       <a:srgbClr val="000000"/>
                     </a:solidFill>
@@ -10580,7 +10581,7 @@
               </a:ln>
               <a:extLst>
                 <a:ext uri="{91240B29-F687-4f45-9708-019B960494DF}">
-                  <a14:hiddenLine xmlns="" xmlns:a14="http://schemas.microsoft.com/office/drawing/2010/main" w="9525">
+                  <a14:hiddenLine xmlns:a14="http://schemas.microsoft.com/office/drawing/2010/main" xmlns="" w="9525">
                     <a:solidFill>
                       <a:srgbClr val="000000"/>
                     </a:solidFill>
@@ -10645,7 +10646,7 @@
               </a:ln>
               <a:extLst>
                 <a:ext uri="{91240B29-F687-4f45-9708-019B960494DF}">
-                  <a14:hiddenLine xmlns="" xmlns:a14="http://schemas.microsoft.com/office/drawing/2010/main" w="9525">
+                  <a14:hiddenLine xmlns:a14="http://schemas.microsoft.com/office/drawing/2010/main" xmlns="" w="9525">
                     <a:solidFill>
                       <a:srgbClr val="000000"/>
                     </a:solidFill>
@@ -10707,7 +10708,7 @@
               </a:ln>
               <a:extLst>
                 <a:ext uri="{91240B29-F687-4f45-9708-019B960494DF}">
-                  <a14:hiddenLine xmlns="" xmlns:a14="http://schemas.microsoft.com/office/drawing/2010/main" w="9525">
+                  <a14:hiddenLine xmlns:a14="http://schemas.microsoft.com/office/drawing/2010/main" xmlns="" w="9525">
                     <a:solidFill>
                       <a:srgbClr val="000000"/>
                     </a:solidFill>
@@ -10797,7 +10798,7 @@
               </a:ln>
               <a:extLst>
                 <a:ext uri="{91240B29-F687-4f45-9708-019B960494DF}">
-                  <a14:hiddenLine xmlns="" xmlns:a14="http://schemas.microsoft.com/office/drawing/2010/main" w="9525">
+                  <a14:hiddenLine xmlns:a14="http://schemas.microsoft.com/office/drawing/2010/main" xmlns="" w="9525">
                     <a:solidFill>
                       <a:srgbClr val="000000"/>
                     </a:solidFill>
@@ -10887,7 +10888,7 @@
               </a:ln>
               <a:extLst>
                 <a:ext uri="{91240B29-F687-4f45-9708-019B960494DF}">
-                  <a14:hiddenLine xmlns="" xmlns:a14="http://schemas.microsoft.com/office/drawing/2010/main" w="9525">
+                  <a14:hiddenLine xmlns:a14="http://schemas.microsoft.com/office/drawing/2010/main" xmlns="" w="9525">
                     <a:solidFill>
                       <a:srgbClr val="000000"/>
                     </a:solidFill>
@@ -10952,7 +10953,7 @@
               </a:ln>
               <a:extLst>
                 <a:ext uri="{91240B29-F687-4f45-9708-019B960494DF}">
-                  <a14:hiddenLine xmlns="" xmlns:a14="http://schemas.microsoft.com/office/drawing/2010/main" w="9525">
+                  <a14:hiddenLine xmlns:a14="http://schemas.microsoft.com/office/drawing/2010/main" xmlns="" w="9525">
                     <a:solidFill>
                       <a:srgbClr val="000000"/>
                     </a:solidFill>
@@ -11072,7 +11073,7 @@
               </a:ln>
               <a:extLst>
                 <a:ext uri="{91240B29-F687-4f45-9708-019B960494DF}">
-                  <a14:hiddenLine xmlns="" xmlns:a14="http://schemas.microsoft.com/office/drawing/2010/main" w="9525">
+                  <a14:hiddenLine xmlns:a14="http://schemas.microsoft.com/office/drawing/2010/main" xmlns="" w="9525">
                     <a:solidFill>
                       <a:srgbClr val="000000"/>
                     </a:solidFill>
@@ -11170,7 +11171,7 @@
               </a:ln>
               <a:extLst>
                 <a:ext uri="{91240B29-F687-4f45-9708-019B960494DF}">
-                  <a14:hiddenLine xmlns="" xmlns:a14="http://schemas.microsoft.com/office/drawing/2010/main" w="9525">
+                  <a14:hiddenLine xmlns:a14="http://schemas.microsoft.com/office/drawing/2010/main" xmlns="" w="9525">
                     <a:solidFill>
                       <a:srgbClr val="000000"/>
                     </a:solidFill>
@@ -11285,7 +11286,7 @@
               </a:ln>
               <a:extLst>
                 <a:ext uri="{91240B29-F687-4f45-9708-019B960494DF}">
-                  <a14:hiddenLine xmlns="" xmlns:a14="http://schemas.microsoft.com/office/drawing/2010/main" w="9525">
+                  <a14:hiddenLine xmlns:a14="http://schemas.microsoft.com/office/drawing/2010/main" xmlns="" w="9525">
                     <a:solidFill>
                       <a:srgbClr val="000000"/>
                     </a:solidFill>
@@ -11375,7 +11376,7 @@
               </a:ln>
               <a:extLst>
                 <a:ext uri="{91240B29-F687-4f45-9708-019B960494DF}">
-                  <a14:hiddenLine xmlns="" xmlns:a14="http://schemas.microsoft.com/office/drawing/2010/main" w="9525">
+                  <a14:hiddenLine xmlns:a14="http://schemas.microsoft.com/office/drawing/2010/main" xmlns="" w="9525">
                     <a:solidFill>
                       <a:srgbClr val="000000"/>
                     </a:solidFill>
@@ -11440,7 +11441,7 @@
               </a:ln>
               <a:extLst>
                 <a:ext uri="{91240B29-F687-4f45-9708-019B960494DF}">
-                  <a14:hiddenLine xmlns="" xmlns:a14="http://schemas.microsoft.com/office/drawing/2010/main" w="9525">
+                  <a14:hiddenLine xmlns:a14="http://schemas.microsoft.com/office/drawing/2010/main" xmlns="" w="9525">
                     <a:solidFill>
                       <a:srgbClr val="000000"/>
                     </a:solidFill>
@@ -11530,7 +11531,7 @@
               </a:ln>
               <a:extLst>
                 <a:ext uri="{91240B29-F687-4f45-9708-019B960494DF}">
-                  <a14:hiddenLine xmlns="" xmlns:a14="http://schemas.microsoft.com/office/drawing/2010/main" w="9525">
+                  <a14:hiddenLine xmlns:a14="http://schemas.microsoft.com/office/drawing/2010/main" xmlns="" w="9525">
                     <a:solidFill>
                       <a:srgbClr val="000000"/>
                     </a:solidFill>
@@ -11598,7 +11599,7 @@
               </a:ln>
               <a:extLst>
                 <a:ext uri="{91240B29-F687-4f45-9708-019B960494DF}">
-                  <a14:hiddenLine xmlns="" xmlns:a14="http://schemas.microsoft.com/office/drawing/2010/main" w="9525">
+                  <a14:hiddenLine xmlns:a14="http://schemas.microsoft.com/office/drawing/2010/main" xmlns="" w="9525">
                     <a:solidFill>
                       <a:srgbClr val="000000"/>
                     </a:solidFill>
@@ -11688,7 +11689,7 @@
               </a:ln>
               <a:extLst>
                 <a:ext uri="{91240B29-F687-4f45-9708-019B960494DF}">
-                  <a14:hiddenLine xmlns="" xmlns:a14="http://schemas.microsoft.com/office/drawing/2010/main" w="9525">
+                  <a14:hiddenLine xmlns:a14="http://schemas.microsoft.com/office/drawing/2010/main" xmlns="" w="9525">
                     <a:solidFill>
                       <a:srgbClr val="000000"/>
                     </a:solidFill>
@@ -11756,7 +11757,7 @@
               </a:ln>
               <a:extLst>
                 <a:ext uri="{91240B29-F687-4f45-9708-019B960494DF}">
-                  <a14:hiddenLine xmlns="" xmlns:a14="http://schemas.microsoft.com/office/drawing/2010/main" w="9525">
+                  <a14:hiddenLine xmlns:a14="http://schemas.microsoft.com/office/drawing/2010/main" xmlns="" w="9525">
                     <a:solidFill>
                       <a:srgbClr val="000000"/>
                     </a:solidFill>
@@ -11846,7 +11847,7 @@
               </a:ln>
               <a:extLst>
                 <a:ext uri="{91240B29-F687-4f45-9708-019B960494DF}">
-                  <a14:hiddenLine xmlns="" xmlns:a14="http://schemas.microsoft.com/office/drawing/2010/main" w="9525">
+                  <a14:hiddenLine xmlns:a14="http://schemas.microsoft.com/office/drawing/2010/main" xmlns="" w="9525">
                     <a:solidFill>
                       <a:srgbClr val="000000"/>
                     </a:solidFill>
@@ -11880,7 +11881,7 @@
               </a:ln>
               <a:extLst>
                 <a:ext uri="{91240B29-F687-4f45-9708-019B960494DF}">
-                  <a14:hiddenLine xmlns="" xmlns:a14="http://schemas.microsoft.com/office/drawing/2010/main" w="9525">
+                  <a14:hiddenLine xmlns:a14="http://schemas.microsoft.com/office/drawing/2010/main" xmlns="" w="9525">
                     <a:solidFill>
                       <a:srgbClr val="000000"/>
                     </a:solidFill>
@@ -12020,7 +12021,7 @@
           <a:p>
             <a:fld id="{C3600A06-36DD-406A-821E-53AD92F7ED8A}" type="datetimeFigureOut">
               <a:rPr lang="uk-UA" smtClean="0"/>
-              <a:t>19.02.2021</a:t>
+              <a:t>22.02.2021</a:t>
             </a:fld>
             <a:endParaRPr lang="uk-UA"/>
           </a:p>
@@ -12550,12 +12551,291 @@
   <p:clrMapOvr>
     <a:masterClrMapping/>
   </p:clrMapOvr>
+  <mc:AlternateContent xmlns:mc="http://schemas.openxmlformats.org/markup-compatibility/2006">
+    <mc:Choice xmlns:p14="http://schemas.microsoft.com/office/powerpoint/2010/main" Requires="p14">
+      <p:transition spd="slow" p14:dur="2000" advClick="0" advTm="2000"/>
+    </mc:Choice>
+    <mc:Fallback>
+      <p:transition spd="slow" advClick="0" advTm="2000"/>
+    </mc:Fallback>
+  </mc:AlternateContent>
   <p:timing>
     <p:tnLst>
       <p:par>
-        <p:cTn id="1" dur="indefinite" restart="never" nodeType="tmRoot"/>
+        <p:cTn id="1" dur="indefinite" restart="never" nodeType="tmRoot">
+          <p:childTnLst>
+            <p:seq concurrent="1" nextAc="seek">
+              <p:cTn id="2" dur="indefinite" nodeType="mainSeq">
+                <p:childTnLst>
+                  <p:par>
+                    <p:cTn id="3" fill="hold">
+                      <p:stCondLst>
+                        <p:cond delay="indefinite"/>
+                        <p:cond evt="onBegin" delay="0">
+                          <p:tn val="2"/>
+                        </p:cond>
+                      </p:stCondLst>
+                      <p:childTnLst>
+                        <p:par>
+                          <p:cTn id="4" fill="hold">
+                            <p:stCondLst>
+                              <p:cond delay="1000"/>
+                            </p:stCondLst>
+                            <p:childTnLst>
+                              <p:par>
+                                <p:cTn id="5" presetID="22" presetClass="entr" presetSubtype="1" fill="hold" grpId="0" nodeType="afterEffect">
+                                  <p:stCondLst>
+                                    <p:cond delay="0"/>
+                                  </p:stCondLst>
+                                  <p:childTnLst>
+                                    <p:set>
+                                      <p:cBhvr>
+                                        <p:cTn id="6" dur="1" fill="hold">
+                                          <p:stCondLst>
+                                            <p:cond delay="0"/>
+                                          </p:stCondLst>
+                                        </p:cTn>
+                                        <p:tgtEl>
+                                          <p:spTgt spid="5"/>
+                                        </p:tgtEl>
+                                        <p:attrNameLst>
+                                          <p:attrName>style.visibility</p:attrName>
+                                        </p:attrNameLst>
+                                      </p:cBhvr>
+                                      <p:to>
+                                        <p:strVal val="visible"/>
+                                      </p:to>
+                                    </p:set>
+                                    <p:animEffect transition="in" filter="wipe(up)">
+                                      <p:cBhvr>
+                                        <p:cTn id="7" dur="1000"/>
+                                        <p:tgtEl>
+                                          <p:spTgt spid="5"/>
+                                        </p:tgtEl>
+                                      </p:cBhvr>
+                                    </p:animEffect>
+                                  </p:childTnLst>
+                                </p:cTn>
+                              </p:par>
+                            </p:childTnLst>
+                          </p:cTn>
+                        </p:par>
+                        <p:par>
+                          <p:cTn id="8" fill="hold">
+                            <p:stCondLst>
+                              <p:cond delay="2000"/>
+                            </p:stCondLst>
+                            <p:childTnLst>
+                              <p:par>
+                                <p:cTn id="9" presetID="2" presetClass="entr" presetSubtype="4" fill="hold" grpId="0" nodeType="afterEffect">
+                                  <p:stCondLst>
+                                    <p:cond delay="0"/>
+                                  </p:stCondLst>
+                                  <p:childTnLst>
+                                    <p:set>
+                                      <p:cBhvr>
+                                        <p:cTn id="10" dur="1" fill="hold">
+                                          <p:stCondLst>
+                                            <p:cond delay="0"/>
+                                          </p:stCondLst>
+                                        </p:cTn>
+                                        <p:tgtEl>
+                                          <p:spTgt spid="3">
+                                            <p:txEl>
+                                              <p:pRg st="0" end="0"/>
+                                            </p:txEl>
+                                          </p:spTgt>
+                                        </p:tgtEl>
+                                        <p:attrNameLst>
+                                          <p:attrName>style.visibility</p:attrName>
+                                        </p:attrNameLst>
+                                      </p:cBhvr>
+                                      <p:to>
+                                        <p:strVal val="visible"/>
+                                      </p:to>
+                                    </p:set>
+                                    <p:anim calcmode="lin" valueType="num">
+                                      <p:cBhvr additive="base">
+                                        <p:cTn id="11" dur="500" fill="hold"/>
+                                        <p:tgtEl>
+                                          <p:spTgt spid="3">
+                                            <p:txEl>
+                                              <p:pRg st="0" end="0"/>
+                                            </p:txEl>
+                                          </p:spTgt>
+                                        </p:tgtEl>
+                                        <p:attrNameLst>
+                                          <p:attrName>ppt_x</p:attrName>
+                                        </p:attrNameLst>
+                                      </p:cBhvr>
+                                      <p:tavLst>
+                                        <p:tav tm="0">
+                                          <p:val>
+                                            <p:strVal val="#ppt_x"/>
+                                          </p:val>
+                                        </p:tav>
+                                        <p:tav tm="100000">
+                                          <p:val>
+                                            <p:strVal val="#ppt_x"/>
+                                          </p:val>
+                                        </p:tav>
+                                      </p:tavLst>
+                                    </p:anim>
+                                    <p:anim calcmode="lin" valueType="num">
+                                      <p:cBhvr additive="base">
+                                        <p:cTn id="12" dur="500" fill="hold"/>
+                                        <p:tgtEl>
+                                          <p:spTgt spid="3">
+                                            <p:txEl>
+                                              <p:pRg st="0" end="0"/>
+                                            </p:txEl>
+                                          </p:spTgt>
+                                        </p:tgtEl>
+                                        <p:attrNameLst>
+                                          <p:attrName>ppt_y</p:attrName>
+                                        </p:attrNameLst>
+                                      </p:cBhvr>
+                                      <p:tavLst>
+                                        <p:tav tm="0">
+                                          <p:val>
+                                            <p:strVal val="1+#ppt_h/2"/>
+                                          </p:val>
+                                        </p:tav>
+                                        <p:tav tm="100000">
+                                          <p:val>
+                                            <p:strVal val="#ppt_y"/>
+                                          </p:val>
+                                        </p:tav>
+                                      </p:tavLst>
+                                    </p:anim>
+                                  </p:childTnLst>
+                                </p:cTn>
+                              </p:par>
+                            </p:childTnLst>
+                          </p:cTn>
+                        </p:par>
+                        <p:par>
+                          <p:cTn id="13" fill="hold">
+                            <p:stCondLst>
+                              <p:cond delay="2500"/>
+                            </p:stCondLst>
+                            <p:childTnLst>
+                              <p:par>
+                                <p:cTn id="14" presetID="2" presetClass="entr" presetSubtype="4" fill="hold" grpId="0" nodeType="afterEffect">
+                                  <p:stCondLst>
+                                    <p:cond delay="0"/>
+                                  </p:stCondLst>
+                                  <p:childTnLst>
+                                    <p:set>
+                                      <p:cBhvr>
+                                        <p:cTn id="15" dur="1" fill="hold">
+                                          <p:stCondLst>
+                                            <p:cond delay="0"/>
+                                          </p:stCondLst>
+                                        </p:cTn>
+                                        <p:tgtEl>
+                                          <p:spTgt spid="3">
+                                            <p:txEl>
+                                              <p:pRg st="1" end="1"/>
+                                            </p:txEl>
+                                          </p:spTgt>
+                                        </p:tgtEl>
+                                        <p:attrNameLst>
+                                          <p:attrName>style.visibility</p:attrName>
+                                        </p:attrNameLst>
+                                      </p:cBhvr>
+                                      <p:to>
+                                        <p:strVal val="visible"/>
+                                      </p:to>
+                                    </p:set>
+                                    <p:anim calcmode="lin" valueType="num">
+                                      <p:cBhvr additive="base">
+                                        <p:cTn id="16" dur="500" fill="hold"/>
+                                        <p:tgtEl>
+                                          <p:spTgt spid="3">
+                                            <p:txEl>
+                                              <p:pRg st="1" end="1"/>
+                                            </p:txEl>
+                                          </p:spTgt>
+                                        </p:tgtEl>
+                                        <p:attrNameLst>
+                                          <p:attrName>ppt_x</p:attrName>
+                                        </p:attrNameLst>
+                                      </p:cBhvr>
+                                      <p:tavLst>
+                                        <p:tav tm="0">
+                                          <p:val>
+                                            <p:strVal val="#ppt_x"/>
+                                          </p:val>
+                                        </p:tav>
+                                        <p:tav tm="100000">
+                                          <p:val>
+                                            <p:strVal val="#ppt_x"/>
+                                          </p:val>
+                                        </p:tav>
+                                      </p:tavLst>
+                                    </p:anim>
+                                    <p:anim calcmode="lin" valueType="num">
+                                      <p:cBhvr additive="base">
+                                        <p:cTn id="17" dur="500" fill="hold"/>
+                                        <p:tgtEl>
+                                          <p:spTgt spid="3">
+                                            <p:txEl>
+                                              <p:pRg st="1" end="1"/>
+                                            </p:txEl>
+                                          </p:spTgt>
+                                        </p:tgtEl>
+                                        <p:attrNameLst>
+                                          <p:attrName>ppt_y</p:attrName>
+                                        </p:attrNameLst>
+                                      </p:cBhvr>
+                                      <p:tavLst>
+                                        <p:tav tm="0">
+                                          <p:val>
+                                            <p:strVal val="1+#ppt_h/2"/>
+                                          </p:val>
+                                        </p:tav>
+                                        <p:tav tm="100000">
+                                          <p:val>
+                                            <p:strVal val="#ppt_y"/>
+                                          </p:val>
+                                        </p:tav>
+                                      </p:tavLst>
+                                    </p:anim>
+                                  </p:childTnLst>
+                                </p:cTn>
+                              </p:par>
+                            </p:childTnLst>
+                          </p:cTn>
+                        </p:par>
+                      </p:childTnLst>
+                    </p:cTn>
+                  </p:par>
+                </p:childTnLst>
+              </p:cTn>
+              <p:prevCondLst>
+                <p:cond evt="onPrev" delay="0">
+                  <p:tgtEl>
+                    <p:sldTgt/>
+                  </p:tgtEl>
+                </p:cond>
+              </p:prevCondLst>
+              <p:nextCondLst>
+                <p:cond evt="onNext" delay="0">
+                  <p:tgtEl>
+                    <p:sldTgt/>
+                  </p:tgtEl>
+                </p:cond>
+              </p:nextCondLst>
+            </p:seq>
+          </p:childTnLst>
+        </p:cTn>
       </p:par>
     </p:tnLst>
+    <p:bldLst>
+      <p:bldP spid="3" grpId="0" build="p"/>
+      <p:bldP spid="5" grpId="0"/>
+    </p:bldLst>
   </p:timing>
 </p:sld>
 </file>
@@ -13522,6 +13802,8 @@
                 <a:solidFill>
                   <a:schemeClr val="bg2"/>
                 </a:solidFill>
+                <a:latin typeface="Calibri" panose="020F0502020204030204" pitchFamily="34" charset="0"/>
+                <a:cs typeface="Calibri" panose="020F0502020204030204" pitchFamily="34" charset="0"/>
               </a:rPr>
               <a:t>Topological Sort</a:t>
             </a:r>
@@ -13529,6 +13811,8 @@
               <a:solidFill>
                 <a:schemeClr val="bg2"/>
               </a:solidFill>
+              <a:latin typeface="Calibri" panose="020F0502020204030204" pitchFamily="34" charset="0"/>
+              <a:cs typeface="Calibri" panose="020F0502020204030204" pitchFamily="34" charset="0"/>
             </a:endParaRPr>
           </a:p>
         </p:txBody>
@@ -13545,10 +13829,10 @@
   </p:clrMapOvr>
   <mc:AlternateContent xmlns:mc="http://schemas.openxmlformats.org/markup-compatibility/2006">
     <mc:Choice xmlns:p14="http://schemas.microsoft.com/office/powerpoint/2010/main" Requires="p14">
-      <p:transition spd="slow" p14:dur="2000" advTm="1000"/>
+      <p:transition spd="slow" p14:dur="2000" advClick="0" advTm="2000"/>
     </mc:Choice>
     <mc:Fallback>
-      <p:transition spd="slow" advTm="1000"/>
+      <p:transition spd="slow" advClick="0" advTm="2000"/>
     </mc:Fallback>
   </mc:AlternateContent>
   <p:timing>
@@ -13575,7 +13859,7 @@
                             </p:stCondLst>
                             <p:childTnLst>
                               <p:par>
-                                <p:cTn id="5" presetID="10" presetClass="entr" presetSubtype="0" fill="hold" grpId="0" nodeType="withEffect">
+                                <p:cTn id="5" presetID="22" presetClass="entr" presetSubtype="8" fill="hold" grpId="0" nodeType="afterEffect">
                                   <p:stCondLst>
                                     <p:cond delay="0"/>
                                   </p:stCondLst>
@@ -13588,7 +13872,7 @@
                                           </p:stCondLst>
                                         </p:cTn>
                                         <p:tgtEl>
-                                          <p:spTgt spid="2"/>
+                                          <p:spTgt spid="170"/>
                                         </p:tgtEl>
                                         <p:attrNameLst>
                                           <p:attrName>style.visibility</p:attrName>
@@ -13598,11 +13882,11 @@
                                         <p:strVal val="visible"/>
                                       </p:to>
                                     </p:set>
-                                    <p:animEffect transition="in" filter="fade">
+                                    <p:animEffect transition="in" filter="wipe(left)">
                                       <p:cBhvr>
                                         <p:cTn id="7" dur="500"/>
                                         <p:tgtEl>
-                                          <p:spTgt spid="2"/>
+                                          <p:spTgt spid="170"/>
                                         </p:tgtEl>
                                       </p:cBhvr>
                                     </p:animEffect>
@@ -13632,6 +13916,50 @@
                                           </p:stCondLst>
                                         </p:cTn>
                                         <p:tgtEl>
+                                          <p:spTgt spid="2"/>
+                                        </p:tgtEl>
+                                        <p:attrNameLst>
+                                          <p:attrName>style.visibility</p:attrName>
+                                        </p:attrNameLst>
+                                      </p:cBhvr>
+                                      <p:to>
+                                        <p:strVal val="visible"/>
+                                      </p:to>
+                                    </p:set>
+                                    <p:animEffect transition="in" filter="fade">
+                                      <p:cBhvr>
+                                        <p:cTn id="11" dur="100"/>
+                                        <p:tgtEl>
+                                          <p:spTgt spid="2"/>
+                                        </p:tgtEl>
+                                      </p:cBhvr>
+                                    </p:animEffect>
+                                  </p:childTnLst>
+                                </p:cTn>
+                              </p:par>
+                            </p:childTnLst>
+                          </p:cTn>
+                        </p:par>
+                        <p:par>
+                          <p:cTn id="12" fill="hold">
+                            <p:stCondLst>
+                              <p:cond delay="600"/>
+                            </p:stCondLst>
+                            <p:childTnLst>
+                              <p:par>
+                                <p:cTn id="13" presetID="10" presetClass="entr" presetSubtype="0" fill="hold" grpId="0" nodeType="afterEffect">
+                                  <p:stCondLst>
+                                    <p:cond delay="0"/>
+                                  </p:stCondLst>
+                                  <p:childTnLst>
+                                    <p:set>
+                                      <p:cBhvr>
+                                        <p:cTn id="14" dur="1" fill="hold">
+                                          <p:stCondLst>
+                                            <p:cond delay="0"/>
+                                          </p:stCondLst>
+                                        </p:cTn>
+                                        <p:tgtEl>
                                           <p:spTgt spid="4"/>
                                         </p:tgtEl>
                                         <p:attrNameLst>
@@ -13644,7 +13972,7 @@
                                     </p:set>
                                     <p:animEffect transition="in" filter="fade">
                                       <p:cBhvr>
-                                        <p:cTn id="11" dur="500"/>
+                                        <p:cTn id="15" dur="100"/>
                                         <p:tgtEl>
                                           <p:spTgt spid="4"/>
                                         </p:tgtEl>
@@ -13657,20 +13985,20 @@
                           </p:cTn>
                         </p:par>
                         <p:par>
-                          <p:cTn id="12" fill="hold">
+                          <p:cTn id="16" fill="hold">
                             <p:stCondLst>
-                              <p:cond delay="1000"/>
+                              <p:cond delay="700"/>
                             </p:stCondLst>
                             <p:childTnLst>
                               <p:par>
-                                <p:cTn id="13" presetID="10" presetClass="entr" presetSubtype="0" fill="hold" grpId="0" nodeType="afterEffect">
+                                <p:cTn id="17" presetID="10" presetClass="entr" presetSubtype="0" fill="hold" grpId="0" nodeType="afterEffect">
                                   <p:stCondLst>
                                     <p:cond delay="0"/>
                                   </p:stCondLst>
                                   <p:childTnLst>
                                     <p:set>
                                       <p:cBhvr>
-                                        <p:cTn id="14" dur="1" fill="hold">
+                                        <p:cTn id="18" dur="1" fill="hold">
                                           <p:stCondLst>
                                             <p:cond delay="0"/>
                                           </p:stCondLst>
@@ -13688,7 +14016,7 @@
                                     </p:set>
                                     <p:animEffect transition="in" filter="fade">
                                       <p:cBhvr>
-                                        <p:cTn id="15" dur="500"/>
+                                        <p:cTn id="19" dur="100"/>
                                         <p:tgtEl>
                                           <p:spTgt spid="7"/>
                                         </p:tgtEl>
@@ -13701,20 +14029,20 @@
                           </p:cTn>
                         </p:par>
                         <p:par>
-                          <p:cTn id="16" fill="hold">
+                          <p:cTn id="20" fill="hold">
                             <p:stCondLst>
-                              <p:cond delay="1500"/>
+                              <p:cond delay="800"/>
                             </p:stCondLst>
                             <p:childTnLst>
                               <p:par>
-                                <p:cTn id="17" presetID="10" presetClass="entr" presetSubtype="0" fill="hold" grpId="0" nodeType="afterEffect">
+                                <p:cTn id="21" presetID="10" presetClass="entr" presetSubtype="0" fill="hold" grpId="0" nodeType="afterEffect">
                                   <p:stCondLst>
                                     <p:cond delay="0"/>
                                   </p:stCondLst>
                                   <p:childTnLst>
                                     <p:set>
                                       <p:cBhvr>
-                                        <p:cTn id="18" dur="1" fill="hold">
+                                        <p:cTn id="22" dur="1" fill="hold">
                                           <p:stCondLst>
                                             <p:cond delay="0"/>
                                           </p:stCondLst>
@@ -13732,7 +14060,7 @@
                                     </p:set>
                                     <p:animEffect transition="in" filter="fade">
                                       <p:cBhvr>
-                                        <p:cTn id="19" dur="500"/>
+                                        <p:cTn id="23" dur="100"/>
                                         <p:tgtEl>
                                           <p:spTgt spid="8"/>
                                         </p:tgtEl>
@@ -13745,20 +14073,20 @@
                           </p:cTn>
                         </p:par>
                         <p:par>
-                          <p:cTn id="20" fill="hold">
+                          <p:cTn id="24" fill="hold">
                             <p:stCondLst>
-                              <p:cond delay="2000"/>
+                              <p:cond delay="900"/>
                             </p:stCondLst>
                             <p:childTnLst>
                               <p:par>
-                                <p:cTn id="21" presetID="10" presetClass="entr" presetSubtype="0" fill="hold" grpId="0" nodeType="afterEffect">
+                                <p:cTn id="25" presetID="10" presetClass="entr" presetSubtype="0" fill="hold" grpId="0" nodeType="afterEffect">
                                   <p:stCondLst>
                                     <p:cond delay="0"/>
                                   </p:stCondLst>
                                   <p:childTnLst>
                                     <p:set>
                                       <p:cBhvr>
-                                        <p:cTn id="22" dur="1" fill="hold">
+                                        <p:cTn id="26" dur="1" fill="hold">
                                           <p:stCondLst>
                                             <p:cond delay="0"/>
                                           </p:stCondLst>
@@ -13776,7 +14104,7 @@
                                     </p:set>
                                     <p:animEffect transition="in" filter="fade">
                                       <p:cBhvr>
-                                        <p:cTn id="23" dur="500"/>
+                                        <p:cTn id="27" dur="100"/>
                                         <p:tgtEl>
                                           <p:spTgt spid="5"/>
                                         </p:tgtEl>
@@ -13789,20 +14117,20 @@
                           </p:cTn>
                         </p:par>
                         <p:par>
-                          <p:cTn id="24" fill="hold">
+                          <p:cTn id="28" fill="hold">
                             <p:stCondLst>
-                              <p:cond delay="2500"/>
+                              <p:cond delay="1000"/>
                             </p:stCondLst>
                             <p:childTnLst>
                               <p:par>
-                                <p:cTn id="25" presetID="10" presetClass="entr" presetSubtype="0" fill="hold" grpId="0" nodeType="afterEffect">
+                                <p:cTn id="29" presetID="10" presetClass="entr" presetSubtype="0" fill="hold" grpId="0" nodeType="afterEffect">
                                   <p:stCondLst>
                                     <p:cond delay="0"/>
                                   </p:stCondLst>
                                   <p:childTnLst>
                                     <p:set>
                                       <p:cBhvr>
-                                        <p:cTn id="26" dur="1" fill="hold">
+                                        <p:cTn id="30" dur="1" fill="hold">
                                           <p:stCondLst>
                                             <p:cond delay="0"/>
                                           </p:stCondLst>
@@ -13820,7 +14148,7 @@
                                     </p:set>
                                     <p:animEffect transition="in" filter="fade">
                                       <p:cBhvr>
-                                        <p:cTn id="27" dur="500"/>
+                                        <p:cTn id="31" dur="100"/>
                                         <p:tgtEl>
                                           <p:spTgt spid="6"/>
                                         </p:tgtEl>
@@ -13833,20 +14161,20 @@
                           </p:cTn>
                         </p:par>
                         <p:par>
-                          <p:cTn id="28" fill="hold">
+                          <p:cTn id="32" fill="hold">
                             <p:stCondLst>
-                              <p:cond delay="3000"/>
+                              <p:cond delay="1100"/>
                             </p:stCondLst>
                             <p:childTnLst>
                               <p:par>
-                                <p:cTn id="29" presetID="10" presetClass="entr" presetSubtype="0" fill="hold" grpId="0" nodeType="afterEffect">
+                                <p:cTn id="33" presetID="10" presetClass="entr" presetSubtype="0" fill="hold" grpId="0" nodeType="afterEffect">
                                   <p:stCondLst>
                                     <p:cond delay="0"/>
                                   </p:stCondLst>
                                   <p:childTnLst>
                                     <p:set>
                                       <p:cBhvr>
-                                        <p:cTn id="30" dur="1" fill="hold">
+                                        <p:cTn id="34" dur="1" fill="hold">
                                           <p:stCondLst>
                                             <p:cond delay="0"/>
                                           </p:stCondLst>
@@ -13864,7 +14192,7 @@
                                     </p:set>
                                     <p:animEffect transition="in" filter="fade">
                                       <p:cBhvr>
-                                        <p:cTn id="31" dur="500"/>
+                                        <p:cTn id="35" dur="100"/>
                                         <p:tgtEl>
                                           <p:spTgt spid="20"/>
                                         </p:tgtEl>
@@ -13877,20 +14205,20 @@
                           </p:cTn>
                         </p:par>
                         <p:par>
-                          <p:cTn id="32" fill="hold">
+                          <p:cTn id="36" fill="hold">
                             <p:stCondLst>
-                              <p:cond delay="3500"/>
+                              <p:cond delay="1200"/>
                             </p:stCondLst>
                             <p:childTnLst>
                               <p:par>
-                                <p:cTn id="33" presetID="10" presetClass="entr" presetSubtype="0" fill="hold" grpId="0" nodeType="afterEffect">
+                                <p:cTn id="37" presetID="10" presetClass="entr" presetSubtype="0" fill="hold" grpId="0" nodeType="afterEffect">
                                   <p:stCondLst>
                                     <p:cond delay="0"/>
                                   </p:stCondLst>
                                   <p:childTnLst>
                                     <p:set>
                                       <p:cBhvr>
-                                        <p:cTn id="34" dur="1" fill="hold">
+                                        <p:cTn id="38" dur="1" fill="hold">
                                           <p:stCondLst>
                                             <p:cond delay="0"/>
                                           </p:stCondLst>
@@ -13908,7 +14236,7 @@
                                     </p:set>
                                     <p:animEffect transition="in" filter="fade">
                                       <p:cBhvr>
-                                        <p:cTn id="35" dur="500"/>
+                                        <p:cTn id="39" dur="100"/>
                                         <p:tgtEl>
                                           <p:spTgt spid="21"/>
                                         </p:tgtEl>
@@ -13921,20 +14249,20 @@
                           </p:cTn>
                         </p:par>
                         <p:par>
-                          <p:cTn id="36" fill="hold">
+                          <p:cTn id="40" fill="hold">
                             <p:stCondLst>
-                              <p:cond delay="4000"/>
+                              <p:cond delay="1300"/>
                             </p:stCondLst>
                             <p:childTnLst>
                               <p:par>
-                                <p:cTn id="37" presetID="10" presetClass="entr" presetSubtype="0" fill="hold" grpId="0" nodeType="afterEffect">
+                                <p:cTn id="41" presetID="10" presetClass="entr" presetSubtype="0" fill="hold" grpId="0" nodeType="afterEffect">
                                   <p:stCondLst>
                                     <p:cond delay="0"/>
                                   </p:stCondLst>
                                   <p:childTnLst>
                                     <p:set>
                                       <p:cBhvr>
-                                        <p:cTn id="38" dur="1" fill="hold">
+                                        <p:cTn id="42" dur="1" fill="hold">
                                           <p:stCondLst>
                                             <p:cond delay="0"/>
                                           </p:stCondLst>
@@ -13952,7 +14280,7 @@
                                     </p:set>
                                     <p:animEffect transition="in" filter="fade">
                                       <p:cBhvr>
-                                        <p:cTn id="39" dur="500"/>
+                                        <p:cTn id="43" dur="100"/>
                                         <p:tgtEl>
                                           <p:spTgt spid="66"/>
                                         </p:tgtEl>
@@ -13965,20 +14293,20 @@
                           </p:cTn>
                         </p:par>
                         <p:par>
-                          <p:cTn id="40" fill="hold">
+                          <p:cTn id="44" fill="hold">
                             <p:stCondLst>
-                              <p:cond delay="4500"/>
+                              <p:cond delay="1400"/>
                             </p:stCondLst>
                             <p:childTnLst>
                               <p:par>
-                                <p:cTn id="41" presetID="10" presetClass="entr" presetSubtype="0" fill="hold" nodeType="afterEffect">
+                                <p:cTn id="45" presetID="10" presetClass="entr" presetSubtype="0" fill="hold" nodeType="afterEffect">
                                   <p:stCondLst>
                                     <p:cond delay="0"/>
                                   </p:stCondLst>
                                   <p:childTnLst>
                                     <p:set>
                                       <p:cBhvr>
-                                        <p:cTn id="42" dur="1" fill="hold">
+                                        <p:cTn id="46" dur="1" fill="hold">
                                           <p:stCondLst>
                                             <p:cond delay="0"/>
                                           </p:stCondLst>
@@ -13996,7 +14324,7 @@
                                     </p:set>
                                     <p:animEffect transition="in" filter="fade">
                                       <p:cBhvr>
-                                        <p:cTn id="43" dur="500"/>
+                                        <p:cTn id="47" dur="100"/>
                                         <p:tgtEl>
                                           <p:spTgt spid="10"/>
                                         </p:tgtEl>
@@ -14009,20 +14337,20 @@
                           </p:cTn>
                         </p:par>
                         <p:par>
-                          <p:cTn id="44" fill="hold">
+                          <p:cTn id="48" fill="hold">
                             <p:stCondLst>
-                              <p:cond delay="5000"/>
+                              <p:cond delay="1500"/>
                             </p:stCondLst>
                             <p:childTnLst>
                               <p:par>
-                                <p:cTn id="45" presetID="10" presetClass="entr" presetSubtype="0" fill="hold" nodeType="afterEffect">
+                                <p:cTn id="49" presetID="10" presetClass="entr" presetSubtype="0" fill="hold" nodeType="afterEffect">
                                   <p:stCondLst>
                                     <p:cond delay="0"/>
                                   </p:stCondLst>
                                   <p:childTnLst>
                                     <p:set>
                                       <p:cBhvr>
-                                        <p:cTn id="46" dur="1" fill="hold">
+                                        <p:cTn id="50" dur="1" fill="hold">
                                           <p:stCondLst>
                                             <p:cond delay="0"/>
                                           </p:stCondLst>
@@ -14040,7 +14368,7 @@
                                     </p:set>
                                     <p:animEffect transition="in" filter="fade">
                                       <p:cBhvr>
-                                        <p:cTn id="47" dur="500"/>
+                                        <p:cTn id="51" dur="100"/>
                                         <p:tgtEl>
                                           <p:spTgt spid="16"/>
                                         </p:tgtEl>
@@ -14053,20 +14381,20 @@
                           </p:cTn>
                         </p:par>
                         <p:par>
-                          <p:cTn id="48" fill="hold">
+                          <p:cTn id="52" fill="hold">
                             <p:stCondLst>
-                              <p:cond delay="5500"/>
+                              <p:cond delay="1600"/>
                             </p:stCondLst>
                             <p:childTnLst>
                               <p:par>
-                                <p:cTn id="49" presetID="10" presetClass="entr" presetSubtype="0" fill="hold" nodeType="afterEffect">
+                                <p:cTn id="53" presetID="10" presetClass="entr" presetSubtype="0" fill="hold" nodeType="afterEffect">
                                   <p:stCondLst>
                                     <p:cond delay="0"/>
                                   </p:stCondLst>
                                   <p:childTnLst>
                                     <p:set>
                                       <p:cBhvr>
-                                        <p:cTn id="50" dur="1" fill="hold">
+                                        <p:cTn id="54" dur="1" fill="hold">
                                           <p:stCondLst>
                                             <p:cond delay="0"/>
                                           </p:stCondLst>
@@ -14084,7 +14412,7 @@
                                     </p:set>
                                     <p:animEffect transition="in" filter="fade">
                                       <p:cBhvr>
-                                        <p:cTn id="51" dur="500"/>
+                                        <p:cTn id="55" dur="100"/>
                                         <p:tgtEl>
                                           <p:spTgt spid="37"/>
                                         </p:tgtEl>
@@ -14097,20 +14425,20 @@
                           </p:cTn>
                         </p:par>
                         <p:par>
-                          <p:cTn id="52" fill="hold">
+                          <p:cTn id="56" fill="hold">
                             <p:stCondLst>
-                              <p:cond delay="6000"/>
+                              <p:cond delay="1700"/>
                             </p:stCondLst>
                             <p:childTnLst>
                               <p:par>
-                                <p:cTn id="53" presetID="10" presetClass="entr" presetSubtype="0" fill="hold" nodeType="afterEffect">
+                                <p:cTn id="57" presetID="10" presetClass="entr" presetSubtype="0" fill="hold" nodeType="afterEffect">
                                   <p:stCondLst>
                                     <p:cond delay="0"/>
                                   </p:stCondLst>
                                   <p:childTnLst>
                                     <p:set>
                                       <p:cBhvr>
-                                        <p:cTn id="54" dur="1" fill="hold">
+                                        <p:cTn id="58" dur="1" fill="hold">
                                           <p:stCondLst>
                                             <p:cond delay="0"/>
                                           </p:stCondLst>
@@ -14128,7 +14456,7 @@
                                     </p:set>
                                     <p:animEffect transition="in" filter="fade">
                                       <p:cBhvr>
-                                        <p:cTn id="55" dur="500"/>
+                                        <p:cTn id="59" dur="100"/>
                                         <p:tgtEl>
                                           <p:spTgt spid="26"/>
                                         </p:tgtEl>
@@ -14141,20 +14469,20 @@
                           </p:cTn>
                         </p:par>
                         <p:par>
-                          <p:cTn id="56" fill="hold">
+                          <p:cTn id="60" fill="hold">
                             <p:stCondLst>
-                              <p:cond delay="6500"/>
+                              <p:cond delay="1800"/>
                             </p:stCondLst>
                             <p:childTnLst>
                               <p:par>
-                                <p:cTn id="57" presetID="10" presetClass="entr" presetSubtype="0" fill="hold" nodeType="afterEffect">
+                                <p:cTn id="61" presetID="10" presetClass="entr" presetSubtype="0" fill="hold" nodeType="afterEffect">
                                   <p:stCondLst>
                                     <p:cond delay="0"/>
                                   </p:stCondLst>
                                   <p:childTnLst>
                                     <p:set>
                                       <p:cBhvr>
-                                        <p:cTn id="58" dur="1" fill="hold">
+                                        <p:cTn id="62" dur="1" fill="hold">
                                           <p:stCondLst>
                                             <p:cond delay="0"/>
                                           </p:stCondLst>
@@ -14172,7 +14500,7 @@
                                     </p:set>
                                     <p:animEffect transition="in" filter="fade">
                                       <p:cBhvr>
-                                        <p:cTn id="59" dur="500"/>
+                                        <p:cTn id="63" dur="100"/>
                                         <p:tgtEl>
                                           <p:spTgt spid="30"/>
                                         </p:tgtEl>
@@ -14185,20 +14513,20 @@
                           </p:cTn>
                         </p:par>
                         <p:par>
-                          <p:cTn id="60" fill="hold">
+                          <p:cTn id="64" fill="hold">
                             <p:stCondLst>
-                              <p:cond delay="7000"/>
+                              <p:cond delay="1900"/>
                             </p:stCondLst>
                             <p:childTnLst>
                               <p:par>
-                                <p:cTn id="61" presetID="10" presetClass="entr" presetSubtype="0" fill="hold" nodeType="afterEffect">
+                                <p:cTn id="65" presetID="10" presetClass="entr" presetSubtype="0" fill="hold" nodeType="afterEffect">
                                   <p:stCondLst>
                                     <p:cond delay="0"/>
                                   </p:stCondLst>
                                   <p:childTnLst>
                                     <p:set>
                                       <p:cBhvr>
-                                        <p:cTn id="62" dur="1" fill="hold">
+                                        <p:cTn id="66" dur="1" fill="hold">
                                           <p:stCondLst>
                                             <p:cond delay="0"/>
                                           </p:stCondLst>
@@ -14216,7 +14544,7 @@
                                     </p:set>
                                     <p:animEffect transition="in" filter="fade">
                                       <p:cBhvr>
-                                        <p:cTn id="63" dur="500"/>
+                                        <p:cTn id="67" dur="100"/>
                                         <p:tgtEl>
                                           <p:spTgt spid="28"/>
                                         </p:tgtEl>
@@ -14229,20 +14557,20 @@
                           </p:cTn>
                         </p:par>
                         <p:par>
-                          <p:cTn id="64" fill="hold">
+                          <p:cTn id="68" fill="hold">
                             <p:stCondLst>
-                              <p:cond delay="7500"/>
+                              <p:cond delay="2000"/>
                             </p:stCondLst>
                             <p:childTnLst>
                               <p:par>
-                                <p:cTn id="65" presetID="10" presetClass="entr" presetSubtype="0" fill="hold" nodeType="afterEffect">
+                                <p:cTn id="69" presetID="10" presetClass="entr" presetSubtype="0" fill="hold" nodeType="afterEffect">
                                   <p:stCondLst>
                                     <p:cond delay="0"/>
                                   </p:stCondLst>
                                   <p:childTnLst>
                                     <p:set>
                                       <p:cBhvr>
-                                        <p:cTn id="66" dur="1" fill="hold">
+                                        <p:cTn id="70" dur="1" fill="hold">
                                           <p:stCondLst>
                                             <p:cond delay="0"/>
                                           </p:stCondLst>
@@ -14260,7 +14588,7 @@
                                     </p:set>
                                     <p:animEffect transition="in" filter="fade">
                                       <p:cBhvr>
-                                        <p:cTn id="67" dur="500"/>
+                                        <p:cTn id="71" dur="100"/>
                                         <p:tgtEl>
                                           <p:spTgt spid="34"/>
                                         </p:tgtEl>
@@ -14273,20 +14601,20 @@
                           </p:cTn>
                         </p:par>
                         <p:par>
-                          <p:cTn id="68" fill="hold">
+                          <p:cTn id="72" fill="hold">
                             <p:stCondLst>
-                              <p:cond delay="8000"/>
+                              <p:cond delay="2100"/>
                             </p:stCondLst>
                             <p:childTnLst>
                               <p:par>
-                                <p:cTn id="69" presetID="10" presetClass="entr" presetSubtype="0" fill="hold" nodeType="afterEffect">
+                                <p:cTn id="73" presetID="10" presetClass="entr" presetSubtype="0" fill="hold" nodeType="afterEffect">
                                   <p:stCondLst>
                                     <p:cond delay="0"/>
                                   </p:stCondLst>
                                   <p:childTnLst>
                                     <p:set>
                                       <p:cBhvr>
-                                        <p:cTn id="70" dur="1" fill="hold">
+                                        <p:cTn id="74" dur="1" fill="hold">
                                           <p:stCondLst>
                                             <p:cond delay="0"/>
                                           </p:stCondLst>
@@ -14304,7 +14632,7 @@
                                     </p:set>
                                     <p:animEffect transition="in" filter="fade">
                                       <p:cBhvr>
-                                        <p:cTn id="71" dur="500"/>
+                                        <p:cTn id="75" dur="100"/>
                                         <p:tgtEl>
                                           <p:spTgt spid="70"/>
                                         </p:tgtEl>
@@ -14317,20 +14645,20 @@
                           </p:cTn>
                         </p:par>
                         <p:par>
-                          <p:cTn id="72" fill="hold">
+                          <p:cTn id="76" fill="hold">
                             <p:stCondLst>
-                              <p:cond delay="8500"/>
+                              <p:cond delay="2200"/>
                             </p:stCondLst>
                             <p:childTnLst>
                               <p:par>
-                                <p:cTn id="73" presetID="10" presetClass="entr" presetSubtype="0" fill="hold" nodeType="afterEffect">
+                                <p:cTn id="77" presetID="10" presetClass="entr" presetSubtype="0" fill="hold" nodeType="afterEffect">
                                   <p:stCondLst>
                                     <p:cond delay="0"/>
                                   </p:stCondLst>
                                   <p:childTnLst>
                                     <p:set>
                                       <p:cBhvr>
-                                        <p:cTn id="74" dur="1" fill="hold">
+                                        <p:cTn id="78" dur="1" fill="hold">
                                           <p:stCondLst>
                                             <p:cond delay="0"/>
                                           </p:stCondLst>
@@ -14348,7 +14676,7 @@
                                     </p:set>
                                     <p:animEffect transition="in" filter="fade">
                                       <p:cBhvr>
-                                        <p:cTn id="75" dur="500"/>
+                                        <p:cTn id="79" dur="100"/>
                                         <p:tgtEl>
                                           <p:spTgt spid="68"/>
                                         </p:tgtEl>
@@ -14394,6 +14722,7 @@
       <p:bldP spid="20" grpId="0" animBg="1"/>
       <p:bldP spid="21" grpId="0" animBg="1"/>
       <p:bldP spid="66" grpId="0" animBg="1"/>
+      <p:bldP spid="170" grpId="0"/>
     </p:bldLst>
   </p:timing>
 </p:sld>
@@ -16090,6 +16419,105 @@
           </a:p>
         </p:txBody>
       </p:sp>
+      <p:sp>
+        <p:nvSpPr>
+          <p:cNvPr id="42" name="TextBox 41"/>
+          <p:cNvSpPr txBox="1"/>
+          <p:nvPr/>
+        </p:nvSpPr>
+        <p:spPr>
+          <a:xfrm>
+            <a:off x="4437135" y="173634"/>
+            <a:ext cx="2610202" cy="461665"/>
+          </a:xfrm>
+          <a:prstGeom prst="rect">
+            <a:avLst/>
+          </a:prstGeom>
+          <a:noFill/>
+        </p:spPr>
+        <p:txBody>
+          <a:bodyPr wrap="none" rtlCol="0">
+            <a:spAutoFit/>
+          </a:bodyPr>
+          <a:lstStyle/>
+          <a:p>
+            <a:r>
+              <a:rPr lang="en-US" sz="2400" dirty="0" smtClean="0">
+                <a:solidFill>
+                  <a:schemeClr val="bg2"/>
+                </a:solidFill>
+                <a:latin typeface="Calibri" panose="020F0502020204030204" pitchFamily="34" charset="0"/>
+                <a:cs typeface="Calibri" panose="020F0502020204030204" pitchFamily="34" charset="0"/>
+              </a:rPr>
+              <a:t>Enter and Exit Time</a:t>
+            </a:r>
+            <a:endParaRPr lang="uk-UA" sz="2400" dirty="0">
+              <a:solidFill>
+                <a:schemeClr val="bg2"/>
+              </a:solidFill>
+              <a:latin typeface="Calibri" panose="020F0502020204030204" pitchFamily="34" charset="0"/>
+              <a:cs typeface="Calibri" panose="020F0502020204030204" pitchFamily="34" charset="0"/>
+            </a:endParaRPr>
+          </a:p>
+        </p:txBody>
+      </p:sp>
+      <p:sp>
+        <p:nvSpPr>
+          <p:cNvPr id="44" name="Округлений прямокутник 43">
+            <a:hlinkClick r:id="rId2" action="ppaction://hlinksldjump"/>
+          </p:cNvPr>
+          <p:cNvSpPr/>
+          <p:nvPr/>
+        </p:nvSpPr>
+        <p:spPr>
+          <a:xfrm>
+            <a:off x="9769642" y="6170115"/>
+            <a:ext cx="1453200" cy="458596"/>
+          </a:xfrm>
+          <a:prstGeom prst="roundRect">
+            <a:avLst/>
+          </a:prstGeom>
+          <a:ln/>
+        </p:spPr>
+        <p:style>
+          <a:lnRef idx="1">
+            <a:schemeClr val="accent5"/>
+          </a:lnRef>
+          <a:fillRef idx="2">
+            <a:schemeClr val="accent5"/>
+          </a:fillRef>
+          <a:effectRef idx="1">
+            <a:schemeClr val="accent5"/>
+          </a:effectRef>
+          <a:fontRef idx="minor">
+            <a:schemeClr val="dk1"/>
+          </a:fontRef>
+        </p:style>
+        <p:txBody>
+          <a:bodyPr rtlCol="0" anchor="ctr"/>
+          <a:lstStyle/>
+          <a:p>
+            <a:pPr algn="ctr"/>
+            <a:r>
+              <a:rPr lang="en-US" sz="2800" dirty="0" smtClean="0">
+                <a:solidFill>
+                  <a:schemeClr val="bg2"/>
+                </a:solidFill>
+                <a:latin typeface="Calibri" panose="020F0502020204030204" pitchFamily="34" charset="0"/>
+                <a:cs typeface="Calibri" panose="020F0502020204030204" pitchFamily="34" charset="0"/>
+              </a:rPr>
+              <a:t>Forward</a:t>
+            </a:r>
+            <a:endParaRPr lang="uk-UA" sz="2800" dirty="0">
+              <a:solidFill>
+                <a:schemeClr val="bg2"/>
+              </a:solidFill>
+              <a:latin typeface="Calibri" panose="020F0502020204030204" pitchFamily="34" charset="0"/>
+              <a:cs typeface="Calibri" panose="020F0502020204030204" pitchFamily="34" charset="0"/>
+            </a:endParaRPr>
+          </a:p>
+        </p:txBody>
+      </p:sp>
     </p:spTree>
     <p:extLst>
       <p:ext uri="{BB962C8B-B14F-4D97-AF65-F5344CB8AC3E}">
@@ -16102,10 +16530,10 @@
   </p:clrMapOvr>
   <mc:AlternateContent xmlns:mc="http://schemas.openxmlformats.org/markup-compatibility/2006">
     <mc:Choice xmlns:p14="http://schemas.microsoft.com/office/powerpoint/2010/main" Requires="p14">
-      <p:transition spd="slow" p14:dur="2000" advTm="10000"/>
+      <p:transition spd="slow" p14:dur="2000" advClick="0" advTm="2000"/>
     </mc:Choice>
     <mc:Fallback>
-      <p:transition spd="slow" advTm="10000"/>
+      <p:transition spd="slow" advClick="0" advTm="2000"/>
     </mc:Fallback>
   </mc:AlternateContent>
   <p:timing>
@@ -16132,13 +16560,10 @@
                             </p:stCondLst>
                             <p:childTnLst>
                               <p:par>
-                                <p:cTn id="5" presetID="10" presetClass="entr" presetSubtype="0" fill="hold" grpId="0" nodeType="withEffect">
+                                <p:cTn id="5" presetID="22" presetClass="entr" presetSubtype="4" fill="hold" grpId="0" nodeType="afterEffect">
                                   <p:stCondLst>
                                     <p:cond delay="0"/>
                                   </p:stCondLst>
-                                  <p:iterate type="wd">
-                                    <p:tmPct val="10000"/>
-                                  </p:iterate>
                                   <p:childTnLst>
                                     <p:set>
                                       <p:cBhvr>
@@ -16148,7 +16573,7 @@
                                           </p:stCondLst>
                                         </p:cTn>
                                         <p:tgtEl>
-                                          <p:spTgt spid="3"/>
+                                          <p:spTgt spid="42"/>
                                         </p:tgtEl>
                                         <p:attrNameLst>
                                           <p:attrName>style.visibility</p:attrName>
@@ -16158,11 +16583,11 @@
                                         <p:strVal val="visible"/>
                                       </p:to>
                                     </p:set>
-                                    <p:animEffect transition="in" filter="fade">
+                                    <p:animEffect transition="in" filter="wipe(down)">
                                       <p:cBhvr>
                                         <p:cTn id="7" dur="500"/>
                                         <p:tgtEl>
-                                          <p:spTgt spid="3"/>
+                                          <p:spTgt spid="42"/>
                                         </p:tgtEl>
                                       </p:cBhvr>
                                     </p:animEffect>
@@ -16195,7 +16620,7 @@
                                           </p:stCondLst>
                                         </p:cTn>
                                         <p:tgtEl>
-                                          <p:spTgt spid="9"/>
+                                          <p:spTgt spid="3"/>
                                         </p:tgtEl>
                                         <p:attrNameLst>
                                           <p:attrName>style.visibility</p:attrName>
@@ -16209,7 +16634,7 @@
                                       <p:cBhvr>
                                         <p:cTn id="11" dur="500"/>
                                         <p:tgtEl>
-                                          <p:spTgt spid="9"/>
+                                          <p:spTgt spid="3"/>
                                         </p:tgtEl>
                                       </p:cBhvr>
                                     </p:animEffect>
@@ -16242,7 +16667,7 @@
                                           </p:stCondLst>
                                         </p:cTn>
                                         <p:tgtEl>
-                                          <p:spTgt spid="11"/>
+                                          <p:spTgt spid="9"/>
                                         </p:tgtEl>
                                         <p:attrNameLst>
                                           <p:attrName>style.visibility</p:attrName>
@@ -16256,7 +16681,7 @@
                                       <p:cBhvr>
                                         <p:cTn id="15" dur="500"/>
                                         <p:tgtEl>
-                                          <p:spTgt spid="11"/>
+                                          <p:spTgt spid="9"/>
                                         </p:tgtEl>
                                       </p:cBhvr>
                                     </p:animEffect>
@@ -16289,7 +16714,7 @@
                                           </p:stCondLst>
                                         </p:cTn>
                                         <p:tgtEl>
-                                          <p:spTgt spid="12"/>
+                                          <p:spTgt spid="11"/>
                                         </p:tgtEl>
                                         <p:attrNameLst>
                                           <p:attrName>style.visibility</p:attrName>
@@ -16303,7 +16728,7 @@
                                       <p:cBhvr>
                                         <p:cTn id="19" dur="500"/>
                                         <p:tgtEl>
-                                          <p:spTgt spid="12"/>
+                                          <p:spTgt spid="11"/>
                                         </p:tgtEl>
                                       </p:cBhvr>
                                     </p:animEffect>
@@ -16336,7 +16761,7 @@
                                           </p:stCondLst>
                                         </p:cTn>
                                         <p:tgtEl>
-                                          <p:spTgt spid="13"/>
+                                          <p:spTgt spid="12"/>
                                         </p:tgtEl>
                                         <p:attrNameLst>
                                           <p:attrName>style.visibility</p:attrName>
@@ -16350,7 +16775,7 @@
                                       <p:cBhvr>
                                         <p:cTn id="23" dur="500"/>
                                         <p:tgtEl>
-                                          <p:spTgt spid="13"/>
+                                          <p:spTgt spid="12"/>
                                         </p:tgtEl>
                                       </p:cBhvr>
                                     </p:animEffect>
@@ -16383,7 +16808,7 @@
                                           </p:stCondLst>
                                         </p:cTn>
                                         <p:tgtEl>
-                                          <p:spTgt spid="14"/>
+                                          <p:spTgt spid="13"/>
                                         </p:tgtEl>
                                         <p:attrNameLst>
                                           <p:attrName>style.visibility</p:attrName>
@@ -16397,7 +16822,7 @@
                                       <p:cBhvr>
                                         <p:cTn id="27" dur="500"/>
                                         <p:tgtEl>
-                                          <p:spTgt spid="14"/>
+                                          <p:spTgt spid="13"/>
                                         </p:tgtEl>
                                       </p:cBhvr>
                                     </p:animEffect>
@@ -16410,7 +16835,7 @@
                         <p:par>
                           <p:cTn id="28" fill="hold">
                             <p:stCondLst>
-                              <p:cond delay="3050"/>
+                              <p:cond delay="3000"/>
                             </p:stCondLst>
                             <p:childTnLst>
                               <p:par>
@@ -16430,7 +16855,7 @@
                                           </p:stCondLst>
                                         </p:cTn>
                                         <p:tgtEl>
-                                          <p:spTgt spid="15"/>
+                                          <p:spTgt spid="14"/>
                                         </p:tgtEl>
                                         <p:attrNameLst>
                                           <p:attrName>style.visibility</p:attrName>
@@ -16444,7 +16869,7 @@
                                       <p:cBhvr>
                                         <p:cTn id="31" dur="500"/>
                                         <p:tgtEl>
-                                          <p:spTgt spid="15"/>
+                                          <p:spTgt spid="14"/>
                                         </p:tgtEl>
                                       </p:cBhvr>
                                     </p:animEffect>
@@ -16457,7 +16882,7 @@
                         <p:par>
                           <p:cTn id="32" fill="hold">
                             <p:stCondLst>
-                              <p:cond delay="3600"/>
+                              <p:cond delay="3550"/>
                             </p:stCondLst>
                             <p:childTnLst>
                               <p:par>
@@ -16477,7 +16902,7 @@
                                           </p:stCondLst>
                                         </p:cTn>
                                         <p:tgtEl>
-                                          <p:spTgt spid="19"/>
+                                          <p:spTgt spid="15"/>
                                         </p:tgtEl>
                                         <p:attrNameLst>
                                           <p:attrName>style.visibility</p:attrName>
@@ -16491,7 +16916,7 @@
                                       <p:cBhvr>
                                         <p:cTn id="35" dur="500"/>
                                         <p:tgtEl>
-                                          <p:spTgt spid="19"/>
+                                          <p:spTgt spid="15"/>
                                         </p:tgtEl>
                                       </p:cBhvr>
                                     </p:animEffect>
@@ -16504,7 +16929,7 @@
                         <p:par>
                           <p:cTn id="36" fill="hold">
                             <p:stCondLst>
-                              <p:cond delay="4150"/>
+                              <p:cond delay="4100"/>
                             </p:stCondLst>
                             <p:childTnLst>
                               <p:par>
@@ -16524,7 +16949,7 @@
                                           </p:stCondLst>
                                         </p:cTn>
                                         <p:tgtEl>
-                                          <p:spTgt spid="22"/>
+                                          <p:spTgt spid="19"/>
                                         </p:tgtEl>
                                         <p:attrNameLst>
                                           <p:attrName>style.visibility</p:attrName>
@@ -16538,7 +16963,7 @@
                                       <p:cBhvr>
                                         <p:cTn id="39" dur="500"/>
                                         <p:tgtEl>
-                                          <p:spTgt spid="22"/>
+                                          <p:spTgt spid="19"/>
                                         </p:tgtEl>
                                       </p:cBhvr>
                                     </p:animEffect>
@@ -16551,7 +16976,7 @@
                         <p:par>
                           <p:cTn id="40" fill="hold">
                             <p:stCondLst>
-                              <p:cond delay="4700"/>
+                              <p:cond delay="4650"/>
                             </p:stCondLst>
                             <p:childTnLst>
                               <p:par>
@@ -16571,7 +16996,7 @@
                                           </p:stCondLst>
                                         </p:cTn>
                                         <p:tgtEl>
-                                          <p:spTgt spid="23"/>
+                                          <p:spTgt spid="22"/>
                                         </p:tgtEl>
                                         <p:attrNameLst>
                                           <p:attrName>style.visibility</p:attrName>
@@ -16585,7 +17010,7 @@
                                       <p:cBhvr>
                                         <p:cTn id="43" dur="500"/>
                                         <p:tgtEl>
-                                          <p:spTgt spid="23"/>
+                                          <p:spTgt spid="22"/>
                                         </p:tgtEl>
                                       </p:cBhvr>
                                     </p:animEffect>
@@ -16598,7 +17023,7 @@
                         <p:par>
                           <p:cTn id="44" fill="hold">
                             <p:stCondLst>
-                              <p:cond delay="5250"/>
+                              <p:cond delay="5200"/>
                             </p:stCondLst>
                             <p:childTnLst>
                               <p:par>
@@ -16618,7 +17043,7 @@
                                           </p:stCondLst>
                                         </p:cTn>
                                         <p:tgtEl>
-                                          <p:spTgt spid="32"/>
+                                          <p:spTgt spid="23"/>
                                         </p:tgtEl>
                                         <p:attrNameLst>
                                           <p:attrName>style.visibility</p:attrName>
@@ -16632,7 +17057,7 @@
                                       <p:cBhvr>
                                         <p:cTn id="47" dur="500"/>
                                         <p:tgtEl>
-                                          <p:spTgt spid="32"/>
+                                          <p:spTgt spid="23"/>
                                         </p:tgtEl>
                                       </p:cBhvr>
                                     </p:animEffect>
@@ -16665,7 +17090,7 @@
                                           </p:stCondLst>
                                         </p:cTn>
                                         <p:tgtEl>
-                                          <p:spTgt spid="35"/>
+                                          <p:spTgt spid="32"/>
                                         </p:tgtEl>
                                         <p:attrNameLst>
                                           <p:attrName>style.visibility</p:attrName>
@@ -16679,7 +17104,7 @@
                                       <p:cBhvr>
                                         <p:cTn id="51" dur="500"/>
                                         <p:tgtEl>
-                                          <p:spTgt spid="35"/>
+                                          <p:spTgt spid="32"/>
                                         </p:tgtEl>
                                       </p:cBhvr>
                                     </p:animEffect>
@@ -16712,7 +17137,7 @@
                                           </p:stCondLst>
                                         </p:cTn>
                                         <p:tgtEl>
-                                          <p:spTgt spid="38"/>
+                                          <p:spTgt spid="35"/>
                                         </p:tgtEl>
                                         <p:attrNameLst>
                                           <p:attrName>style.visibility</p:attrName>
@@ -16726,7 +17151,7 @@
                                       <p:cBhvr>
                                         <p:cTn id="55" dur="500"/>
                                         <p:tgtEl>
-                                          <p:spTgt spid="38"/>
+                                          <p:spTgt spid="35"/>
                                         </p:tgtEl>
                                       </p:cBhvr>
                                     </p:animEffect>
@@ -16759,7 +17184,7 @@
                                           </p:stCondLst>
                                         </p:cTn>
                                         <p:tgtEl>
-                                          <p:spTgt spid="40"/>
+                                          <p:spTgt spid="38"/>
                                         </p:tgtEl>
                                         <p:attrNameLst>
                                           <p:attrName>style.visibility</p:attrName>
@@ -16773,7 +17198,7 @@
                                       <p:cBhvr>
                                         <p:cTn id="59" dur="500"/>
                                         <p:tgtEl>
-                                          <p:spTgt spid="40"/>
+                                          <p:spTgt spid="38"/>
                                         </p:tgtEl>
                                       </p:cBhvr>
                                     </p:animEffect>
@@ -16806,7 +17231,7 @@
                                           </p:stCondLst>
                                         </p:cTn>
                                         <p:tgtEl>
-                                          <p:spTgt spid="41"/>
+                                          <p:spTgt spid="40"/>
                                         </p:tgtEl>
                                         <p:attrNameLst>
                                           <p:attrName>style.visibility</p:attrName>
@@ -16820,7 +17245,7 @@
                                       <p:cBhvr>
                                         <p:cTn id="63" dur="500"/>
                                         <p:tgtEl>
-                                          <p:spTgt spid="41"/>
+                                          <p:spTgt spid="40"/>
                                         </p:tgtEl>
                                       </p:cBhvr>
                                     </p:animEffect>
@@ -16833,7 +17258,7 @@
                         <p:par>
                           <p:cTn id="64" fill="hold">
                             <p:stCondLst>
-                              <p:cond delay="7800"/>
+                              <p:cond delay="7750"/>
                             </p:stCondLst>
                             <p:childTnLst>
                               <p:par>
@@ -16853,7 +17278,7 @@
                                           </p:stCondLst>
                                         </p:cTn>
                                         <p:tgtEl>
-                                          <p:spTgt spid="39"/>
+                                          <p:spTgt spid="41"/>
                                         </p:tgtEl>
                                         <p:attrNameLst>
                                           <p:attrName>style.visibility</p:attrName>
@@ -16867,7 +17292,7 @@
                                       <p:cBhvr>
                                         <p:cTn id="67" dur="500"/>
                                         <p:tgtEl>
-                                          <p:spTgt spid="39"/>
+                                          <p:spTgt spid="41"/>
                                         </p:tgtEl>
                                       </p:cBhvr>
                                     </p:animEffect>
@@ -16880,7 +17305,7 @@
                         <p:par>
                           <p:cTn id="68" fill="hold">
                             <p:stCondLst>
-                              <p:cond delay="8350"/>
+                              <p:cond delay="8300"/>
                             </p:stCondLst>
                             <p:childTnLst>
                               <p:par>
@@ -16900,7 +17325,7 @@
                                           </p:stCondLst>
                                         </p:cTn>
                                         <p:tgtEl>
-                                          <p:spTgt spid="36"/>
+                                          <p:spTgt spid="39"/>
                                         </p:tgtEl>
                                         <p:attrNameLst>
                                           <p:attrName>style.visibility</p:attrName>
@@ -16914,7 +17339,7 @@
                                       <p:cBhvr>
                                         <p:cTn id="71" dur="500"/>
                                         <p:tgtEl>
-                                          <p:spTgt spid="36"/>
+                                          <p:spTgt spid="39"/>
                                         </p:tgtEl>
                                       </p:cBhvr>
                                     </p:animEffect>
@@ -16927,7 +17352,7 @@
                         <p:par>
                           <p:cTn id="72" fill="hold">
                             <p:stCondLst>
-                              <p:cond delay="8900"/>
+                              <p:cond delay="8850"/>
                             </p:stCondLst>
                             <p:childTnLst>
                               <p:par>
@@ -16947,7 +17372,7 @@
                                           </p:stCondLst>
                                         </p:cTn>
                                         <p:tgtEl>
-                                          <p:spTgt spid="33"/>
+                                          <p:spTgt spid="36"/>
                                         </p:tgtEl>
                                         <p:attrNameLst>
                                           <p:attrName>style.visibility</p:attrName>
@@ -16961,7 +17386,98 @@
                                       <p:cBhvr>
                                         <p:cTn id="75" dur="500"/>
                                         <p:tgtEl>
+                                          <p:spTgt spid="36"/>
+                                        </p:tgtEl>
+                                      </p:cBhvr>
+                                    </p:animEffect>
+                                  </p:childTnLst>
+                                </p:cTn>
+                              </p:par>
+                            </p:childTnLst>
+                          </p:cTn>
+                        </p:par>
+                        <p:par>
+                          <p:cTn id="76" fill="hold">
+                            <p:stCondLst>
+                              <p:cond delay="9400"/>
+                            </p:stCondLst>
+                            <p:childTnLst>
+                              <p:par>
+                                <p:cTn id="77" presetID="10" presetClass="entr" presetSubtype="0" fill="hold" grpId="0" nodeType="afterEffect">
+                                  <p:stCondLst>
+                                    <p:cond delay="0"/>
+                                  </p:stCondLst>
+                                  <p:iterate type="wd">
+                                    <p:tmPct val="10000"/>
+                                  </p:iterate>
+                                  <p:childTnLst>
+                                    <p:set>
+                                      <p:cBhvr>
+                                        <p:cTn id="78" dur="1" fill="hold">
+                                          <p:stCondLst>
+                                            <p:cond delay="0"/>
+                                          </p:stCondLst>
+                                        </p:cTn>
+                                        <p:tgtEl>
                                           <p:spTgt spid="33"/>
+                                        </p:tgtEl>
+                                        <p:attrNameLst>
+                                          <p:attrName>style.visibility</p:attrName>
+                                        </p:attrNameLst>
+                                      </p:cBhvr>
+                                      <p:to>
+                                        <p:strVal val="visible"/>
+                                      </p:to>
+                                    </p:set>
+                                    <p:animEffect transition="in" filter="fade">
+                                      <p:cBhvr>
+                                        <p:cTn id="79" dur="500"/>
+                                        <p:tgtEl>
+                                          <p:spTgt spid="33"/>
+                                        </p:tgtEl>
+                                      </p:cBhvr>
+                                    </p:animEffect>
+                                  </p:childTnLst>
+                                </p:cTn>
+                              </p:par>
+                            </p:childTnLst>
+                          </p:cTn>
+                        </p:par>
+                        <p:par>
+                          <p:cTn id="80" fill="hold">
+                            <p:stCondLst>
+                              <p:cond delay="9950"/>
+                            </p:stCondLst>
+                            <p:childTnLst>
+                              <p:par>
+                                <p:cTn id="81" presetID="22" presetClass="entr" presetSubtype="1" fill="hold" grpId="0" nodeType="afterEffect">
+                                  <p:stCondLst>
+                                    <p:cond delay="0"/>
+                                  </p:stCondLst>
+                                  <p:childTnLst>
+                                    <p:set>
+                                      <p:cBhvr>
+                                        <p:cTn id="82" dur="1" fill="hold">
+                                          <p:stCondLst>
+                                            <p:cond delay="0"/>
+                                          </p:stCondLst>
+                                        </p:cTn>
+                                        <p:tgtEl>
+                                          <p:spTgt spid="44"/>
+                                        </p:tgtEl>
+                                        <p:attrNameLst>
+                                          <p:attrName>style.visibility</p:attrName>
+                                        </p:attrNameLst>
+                                      </p:cBhvr>
+                                      <p:to>
+                                        <p:strVal val="visible"/>
+                                      </p:to>
+                                    </p:set>
+                                    <p:animEffect transition="in" filter="wipe(up)">
+                                      <p:cBhvr>
+                                        <p:cTn id="83" dur="1000"/>
+                                        <p:tgtEl>
+                                          <p:spTgt spid="44"/>
                                         </p:tgtEl>
                                       </p:cBhvr>
                                     </p:animEffect>
@@ -17014,6 +17530,8 @@
       <p:bldP spid="39" grpId="0"/>
       <p:bldP spid="40" grpId="0"/>
       <p:bldP spid="41" grpId="0"/>
+      <p:bldP spid="42" grpId="0"/>
+      <p:bldP spid="44" grpId="0" animBg="1"/>
     </p:bldLst>
   </p:timing>
 </p:sld>
@@ -18718,7 +19236,7 @@
         </p:nvSpPr>
         <p:spPr>
           <a:xfrm>
-            <a:off x="4854998" y="5929856"/>
+            <a:off x="1119625" y="2643662"/>
             <a:ext cx="393057" cy="584775"/>
           </a:xfrm>
           <a:prstGeom prst="rect">
@@ -18764,7 +19282,7 @@
         </p:nvSpPr>
         <p:spPr>
           <a:xfrm>
-            <a:off x="5604240" y="5929856"/>
+            <a:off x="1112544" y="4320063"/>
             <a:ext cx="393057" cy="584775"/>
           </a:xfrm>
           <a:prstGeom prst="rect">
@@ -18810,7 +19328,7 @@
         </p:nvSpPr>
         <p:spPr>
           <a:xfrm>
-            <a:off x="6353482" y="5929856"/>
+            <a:off x="3402893" y="5242853"/>
             <a:ext cx="393057" cy="584775"/>
           </a:xfrm>
           <a:prstGeom prst="rect">
@@ -18856,7 +19374,7 @@
         </p:nvSpPr>
         <p:spPr>
           <a:xfrm>
-            <a:off x="7106324" y="5926773"/>
+            <a:off x="3399576" y="3253962"/>
             <a:ext cx="393057" cy="584775"/>
           </a:xfrm>
           <a:prstGeom prst="rect">
@@ -18902,7 +19420,7 @@
         </p:nvSpPr>
         <p:spPr>
           <a:xfrm>
-            <a:off x="7855566" y="5926773"/>
+            <a:off x="1119625" y="780956"/>
             <a:ext cx="393057" cy="584775"/>
           </a:xfrm>
           <a:prstGeom prst="rect">
@@ -18948,7 +19466,7 @@
         </p:nvSpPr>
         <p:spPr>
           <a:xfrm>
-            <a:off x="8604808" y="5926772"/>
+            <a:off x="3409621" y="1260711"/>
             <a:ext cx="393057" cy="584775"/>
           </a:xfrm>
           <a:prstGeom prst="rect">
@@ -18994,7 +19512,7 @@
         </p:nvSpPr>
         <p:spPr>
           <a:xfrm>
-            <a:off x="9354050" y="5926771"/>
+            <a:off x="5699467" y="1852913"/>
             <a:ext cx="393057" cy="584775"/>
           </a:xfrm>
           <a:prstGeom prst="rect">
@@ -19040,7 +19558,7 @@
         </p:nvSpPr>
         <p:spPr>
           <a:xfrm>
-            <a:off x="10103292" y="5926770"/>
+            <a:off x="7979465" y="2643661"/>
             <a:ext cx="393057" cy="584775"/>
           </a:xfrm>
           <a:prstGeom prst="rect">
@@ -19086,7 +19604,7 @@
         </p:nvSpPr>
         <p:spPr>
           <a:xfrm>
-            <a:off x="10852534" y="5926769"/>
+            <a:off x="5699467" y="4040081"/>
             <a:ext cx="393057" cy="584775"/>
           </a:xfrm>
           <a:prstGeom prst="rect">
@@ -19124,22 +19642,467 @@
           </a:p>
         </p:txBody>
       </p:sp>
+      <p:sp>
+        <p:nvSpPr>
+          <p:cNvPr id="17" name="TextBox 16"/>
+          <p:cNvSpPr txBox="1"/>
+          <p:nvPr/>
+        </p:nvSpPr>
+        <p:spPr>
+          <a:xfrm>
+            <a:off x="5214811" y="5926768"/>
+            <a:ext cx="320922" cy="584775"/>
+          </a:xfrm>
+          <a:prstGeom prst="rect">
+            <a:avLst/>
+          </a:prstGeom>
+          <a:noFill/>
+        </p:spPr>
+        <p:txBody>
+          <a:bodyPr wrap="none" rtlCol="0">
+            <a:spAutoFit/>
+          </a:bodyPr>
+          <a:lstStyle/>
+          <a:p>
+            <a:r>
+              <a:rPr lang="uk-UA" sz="3200" dirty="0" smtClean="0">
+                <a:solidFill>
+                  <a:schemeClr val="tx2">
+                    <a:lumMod val="75000"/>
+                  </a:schemeClr>
+                </a:solidFill>
+              </a:rPr>
+              <a:t>-</a:t>
+            </a:r>
+            <a:endParaRPr lang="uk-UA" sz="3200" dirty="0">
+              <a:solidFill>
+                <a:schemeClr val="tx2">
+                  <a:lumMod val="75000"/>
+                </a:schemeClr>
+              </a:solidFill>
+            </a:endParaRPr>
+          </a:p>
+        </p:txBody>
+      </p:sp>
+      <p:sp>
+        <p:nvSpPr>
+          <p:cNvPr id="54" name="TextBox 53"/>
+          <p:cNvSpPr txBox="1"/>
+          <p:nvPr/>
+        </p:nvSpPr>
+        <p:spPr>
+          <a:xfrm>
+            <a:off x="5956360" y="5926767"/>
+            <a:ext cx="320922" cy="584775"/>
+          </a:xfrm>
+          <a:prstGeom prst="rect">
+            <a:avLst/>
+          </a:prstGeom>
+          <a:noFill/>
+        </p:spPr>
+        <p:txBody>
+          <a:bodyPr wrap="none" rtlCol="0">
+            <a:spAutoFit/>
+          </a:bodyPr>
+          <a:lstStyle/>
+          <a:p>
+            <a:r>
+              <a:rPr lang="uk-UA" sz="3200" dirty="0" smtClean="0">
+                <a:solidFill>
+                  <a:schemeClr val="tx2">
+                    <a:lumMod val="75000"/>
+                  </a:schemeClr>
+                </a:solidFill>
+              </a:rPr>
+              <a:t>-</a:t>
+            </a:r>
+            <a:endParaRPr lang="uk-UA" sz="3200" dirty="0">
+              <a:solidFill>
+                <a:schemeClr val="tx2">
+                  <a:lumMod val="75000"/>
+                </a:schemeClr>
+              </a:solidFill>
+            </a:endParaRPr>
+          </a:p>
+        </p:txBody>
+      </p:sp>
+      <p:sp>
+        <p:nvSpPr>
+          <p:cNvPr id="55" name="TextBox 54"/>
+          <p:cNvSpPr txBox="1"/>
+          <p:nvPr/>
+        </p:nvSpPr>
+        <p:spPr>
+          <a:xfrm>
+            <a:off x="6707028" y="5926768"/>
+            <a:ext cx="320922" cy="584775"/>
+          </a:xfrm>
+          <a:prstGeom prst="rect">
+            <a:avLst/>
+          </a:prstGeom>
+          <a:noFill/>
+        </p:spPr>
+        <p:txBody>
+          <a:bodyPr wrap="none" rtlCol="0">
+            <a:spAutoFit/>
+          </a:bodyPr>
+          <a:lstStyle/>
+          <a:p>
+            <a:r>
+              <a:rPr lang="uk-UA" sz="3200" dirty="0" smtClean="0">
+                <a:solidFill>
+                  <a:schemeClr val="tx2">
+                    <a:lumMod val="75000"/>
+                  </a:schemeClr>
+                </a:solidFill>
+              </a:rPr>
+              <a:t>-</a:t>
+            </a:r>
+            <a:endParaRPr lang="uk-UA" sz="3200" dirty="0">
+              <a:solidFill>
+                <a:schemeClr val="tx2">
+                  <a:lumMod val="75000"/>
+                </a:schemeClr>
+              </a:solidFill>
+            </a:endParaRPr>
+          </a:p>
+        </p:txBody>
+      </p:sp>
+      <p:sp>
+        <p:nvSpPr>
+          <p:cNvPr id="56" name="TextBox 55"/>
+          <p:cNvSpPr txBox="1"/>
+          <p:nvPr/>
+        </p:nvSpPr>
+        <p:spPr>
+          <a:xfrm>
+            <a:off x="7448577" y="5926767"/>
+            <a:ext cx="320922" cy="584775"/>
+          </a:xfrm>
+          <a:prstGeom prst="rect">
+            <a:avLst/>
+          </a:prstGeom>
+          <a:noFill/>
+        </p:spPr>
+        <p:txBody>
+          <a:bodyPr wrap="none" rtlCol="0">
+            <a:spAutoFit/>
+          </a:bodyPr>
+          <a:lstStyle/>
+          <a:p>
+            <a:r>
+              <a:rPr lang="uk-UA" sz="3200" dirty="0" smtClean="0">
+                <a:solidFill>
+                  <a:schemeClr val="tx2">
+                    <a:lumMod val="75000"/>
+                  </a:schemeClr>
+                </a:solidFill>
+              </a:rPr>
+              <a:t>-</a:t>
+            </a:r>
+            <a:endParaRPr lang="uk-UA" sz="3200" dirty="0">
+              <a:solidFill>
+                <a:schemeClr val="tx2">
+                  <a:lumMod val="75000"/>
+                </a:schemeClr>
+              </a:solidFill>
+            </a:endParaRPr>
+          </a:p>
+        </p:txBody>
+      </p:sp>
+      <p:sp>
+        <p:nvSpPr>
+          <p:cNvPr id="57" name="TextBox 56"/>
+          <p:cNvSpPr txBox="1"/>
+          <p:nvPr/>
+        </p:nvSpPr>
+        <p:spPr>
+          <a:xfrm>
+            <a:off x="8215838" y="5923621"/>
+            <a:ext cx="320922" cy="584775"/>
+          </a:xfrm>
+          <a:prstGeom prst="rect">
+            <a:avLst/>
+          </a:prstGeom>
+          <a:noFill/>
+        </p:spPr>
+        <p:txBody>
+          <a:bodyPr wrap="none" rtlCol="0">
+            <a:spAutoFit/>
+          </a:bodyPr>
+          <a:lstStyle/>
+          <a:p>
+            <a:r>
+              <a:rPr lang="uk-UA" sz="3200" dirty="0" smtClean="0">
+                <a:solidFill>
+                  <a:schemeClr val="tx2">
+                    <a:lumMod val="75000"/>
+                  </a:schemeClr>
+                </a:solidFill>
+              </a:rPr>
+              <a:t>-</a:t>
+            </a:r>
+            <a:endParaRPr lang="uk-UA" sz="3200" dirty="0">
+              <a:solidFill>
+                <a:schemeClr val="tx2">
+                  <a:lumMod val="75000"/>
+                </a:schemeClr>
+              </a:solidFill>
+            </a:endParaRPr>
+          </a:p>
+        </p:txBody>
+      </p:sp>
+      <p:sp>
+        <p:nvSpPr>
+          <p:cNvPr id="58" name="TextBox 57"/>
+          <p:cNvSpPr txBox="1"/>
+          <p:nvPr/>
+        </p:nvSpPr>
+        <p:spPr>
+          <a:xfrm>
+            <a:off x="8957387" y="5923620"/>
+            <a:ext cx="320922" cy="584775"/>
+          </a:xfrm>
+          <a:prstGeom prst="rect">
+            <a:avLst/>
+          </a:prstGeom>
+          <a:noFill/>
+        </p:spPr>
+        <p:txBody>
+          <a:bodyPr wrap="none" rtlCol="0">
+            <a:spAutoFit/>
+          </a:bodyPr>
+          <a:lstStyle/>
+          <a:p>
+            <a:r>
+              <a:rPr lang="uk-UA" sz="3200" dirty="0" smtClean="0">
+                <a:solidFill>
+                  <a:schemeClr val="tx2">
+                    <a:lumMod val="75000"/>
+                  </a:schemeClr>
+                </a:solidFill>
+              </a:rPr>
+              <a:t>-</a:t>
+            </a:r>
+            <a:endParaRPr lang="uk-UA" sz="3200" dirty="0">
+              <a:solidFill>
+                <a:schemeClr val="tx2">
+                  <a:lumMod val="75000"/>
+                </a:schemeClr>
+              </a:solidFill>
+            </a:endParaRPr>
+          </a:p>
+        </p:txBody>
+      </p:sp>
+      <p:sp>
+        <p:nvSpPr>
+          <p:cNvPr id="59" name="TextBox 58"/>
+          <p:cNvSpPr txBox="1"/>
+          <p:nvPr/>
+        </p:nvSpPr>
+        <p:spPr>
+          <a:xfrm>
+            <a:off x="9708055" y="5923621"/>
+            <a:ext cx="320922" cy="584775"/>
+          </a:xfrm>
+          <a:prstGeom prst="rect">
+            <a:avLst/>
+          </a:prstGeom>
+          <a:noFill/>
+        </p:spPr>
+        <p:txBody>
+          <a:bodyPr wrap="none" rtlCol="0">
+            <a:spAutoFit/>
+          </a:bodyPr>
+          <a:lstStyle/>
+          <a:p>
+            <a:r>
+              <a:rPr lang="uk-UA" sz="3200" dirty="0" smtClean="0">
+                <a:solidFill>
+                  <a:schemeClr val="tx2">
+                    <a:lumMod val="75000"/>
+                  </a:schemeClr>
+                </a:solidFill>
+              </a:rPr>
+              <a:t>-</a:t>
+            </a:r>
+            <a:endParaRPr lang="uk-UA" sz="3200" dirty="0">
+              <a:solidFill>
+                <a:schemeClr val="tx2">
+                  <a:lumMod val="75000"/>
+                </a:schemeClr>
+              </a:solidFill>
+            </a:endParaRPr>
+          </a:p>
+        </p:txBody>
+      </p:sp>
+      <p:sp>
+        <p:nvSpPr>
+          <p:cNvPr id="60" name="TextBox 59"/>
+          <p:cNvSpPr txBox="1"/>
+          <p:nvPr/>
+        </p:nvSpPr>
+        <p:spPr>
+          <a:xfrm>
+            <a:off x="10449604" y="5923620"/>
+            <a:ext cx="320922" cy="584775"/>
+          </a:xfrm>
+          <a:prstGeom prst="rect">
+            <a:avLst/>
+          </a:prstGeom>
+          <a:noFill/>
+        </p:spPr>
+        <p:txBody>
+          <a:bodyPr wrap="none" rtlCol="0">
+            <a:spAutoFit/>
+          </a:bodyPr>
+          <a:lstStyle/>
+          <a:p>
+            <a:r>
+              <a:rPr lang="uk-UA" sz="3200" dirty="0" smtClean="0">
+                <a:solidFill>
+                  <a:schemeClr val="tx2">
+                    <a:lumMod val="75000"/>
+                  </a:schemeClr>
+                </a:solidFill>
+              </a:rPr>
+              <a:t>-</a:t>
+            </a:r>
+            <a:endParaRPr lang="uk-UA" sz="3200" dirty="0">
+              <a:solidFill>
+                <a:schemeClr val="tx2">
+                  <a:lumMod val="75000"/>
+                </a:schemeClr>
+              </a:solidFill>
+            </a:endParaRPr>
+          </a:p>
+        </p:txBody>
+      </p:sp>
+      <p:sp>
+        <p:nvSpPr>
+          <p:cNvPr id="18" name="TextBox 17"/>
+          <p:cNvSpPr txBox="1"/>
+          <p:nvPr/>
+        </p:nvSpPr>
+        <p:spPr>
+          <a:xfrm>
+            <a:off x="4437135" y="173634"/>
+            <a:ext cx="3344442" cy="461665"/>
+          </a:xfrm>
+          <a:prstGeom prst="rect">
+            <a:avLst/>
+          </a:prstGeom>
+          <a:noFill/>
+        </p:spPr>
+        <p:txBody>
+          <a:bodyPr wrap="none" rtlCol="0">
+            <a:spAutoFit/>
+          </a:bodyPr>
+          <a:lstStyle/>
+          <a:p>
+            <a:r>
+              <a:rPr lang="en-US" sz="2400" dirty="0">
+                <a:solidFill>
+                  <a:schemeClr val="bg2"/>
+                </a:solidFill>
+                <a:latin typeface="Calibri" panose="020F0502020204030204" pitchFamily="34" charset="0"/>
+                <a:cs typeface="Calibri" panose="020F0502020204030204" pitchFamily="34" charset="0"/>
+              </a:rPr>
+              <a:t>f</a:t>
+            </a:r>
+            <a:r>
+              <a:rPr lang="en-US" sz="2400" dirty="0" smtClean="0">
+                <a:solidFill>
+                  <a:schemeClr val="bg2"/>
+                </a:solidFill>
+                <a:latin typeface="Calibri" panose="020F0502020204030204" pitchFamily="34" charset="0"/>
+                <a:cs typeface="Calibri" panose="020F0502020204030204" pitchFamily="34" charset="0"/>
+              </a:rPr>
+              <a:t>rom high (18) till low (6) </a:t>
+            </a:r>
+            <a:endParaRPr lang="uk-UA" sz="2400" dirty="0">
+              <a:solidFill>
+                <a:schemeClr val="bg2"/>
+              </a:solidFill>
+              <a:latin typeface="Calibri" panose="020F0502020204030204" pitchFamily="34" charset="0"/>
+              <a:cs typeface="Calibri" panose="020F0502020204030204" pitchFamily="34" charset="0"/>
+            </a:endParaRPr>
+          </a:p>
+        </p:txBody>
+      </p:sp>
+      <p:sp>
+        <p:nvSpPr>
+          <p:cNvPr id="24" name="Округлений прямокутник 23">
+            <a:hlinkClick r:id="" action="ppaction://hlinkshowjump?jump=previousslide"/>
+          </p:cNvPr>
+          <p:cNvSpPr/>
+          <p:nvPr/>
+        </p:nvSpPr>
+        <p:spPr>
+          <a:xfrm>
+            <a:off x="1343555" y="6210904"/>
+            <a:ext cx="1711342" cy="458596"/>
+          </a:xfrm>
+          <a:prstGeom prst="roundRect">
+            <a:avLst/>
+          </a:prstGeom>
+          <a:ln/>
+        </p:spPr>
+        <p:style>
+          <a:lnRef idx="1">
+            <a:schemeClr val="accent5"/>
+          </a:lnRef>
+          <a:fillRef idx="2">
+            <a:schemeClr val="accent5"/>
+          </a:fillRef>
+          <a:effectRef idx="1">
+            <a:schemeClr val="accent5"/>
+          </a:effectRef>
+          <a:fontRef idx="minor">
+            <a:schemeClr val="dk1"/>
+          </a:fontRef>
+        </p:style>
+        <p:txBody>
+          <a:bodyPr rtlCol="0" anchor="ctr"/>
+          <a:lstStyle/>
+          <a:p>
+            <a:pPr algn="ctr"/>
+            <a:r>
+              <a:rPr lang="en-US" sz="2800" dirty="0" smtClean="0">
+                <a:solidFill>
+                  <a:schemeClr val="bg2"/>
+                </a:solidFill>
+                <a:latin typeface="Calibri" panose="020F0502020204030204" pitchFamily="34" charset="0"/>
+                <a:cs typeface="Calibri" panose="020F0502020204030204" pitchFamily="34" charset="0"/>
+              </a:rPr>
+              <a:t>Backward</a:t>
+            </a:r>
+            <a:endParaRPr lang="uk-UA" sz="2800" dirty="0">
+              <a:solidFill>
+                <a:schemeClr val="bg2"/>
+              </a:solidFill>
+              <a:latin typeface="Calibri" panose="020F0502020204030204" pitchFamily="34" charset="0"/>
+              <a:cs typeface="Calibri" panose="020F0502020204030204" pitchFamily="34" charset="0"/>
+            </a:endParaRPr>
+          </a:p>
+        </p:txBody>
+      </p:sp>
     </p:spTree>
     <p:extLst>
       <p:ext uri="{BB962C8B-B14F-4D97-AF65-F5344CB8AC3E}">
-        <p14:creationId xmlns:p14="http://schemas.microsoft.com/office/powerpoint/2010/main" val="4290719005"/>
+        <p14:creationId xmlns:p14="http://schemas.microsoft.com/office/powerpoint/2010/main" val="903858488"/>
       </p:ext>
     </p:extLst>
   </p:cSld>
   <p:clrMapOvr>
     <a:masterClrMapping/>
   </p:clrMapOvr>
-  <mc:AlternateContent xmlns:mc="http://schemas.openxmlformats.org/markup-compatibility/2006" xmlns:p14="http://schemas.microsoft.com/office/powerpoint/2010/main">
-    <mc:Choice Requires="p14">
-      <p:transition spd="slow" p14:dur="2000" advTm="2000"/>
+  <mc:AlternateContent xmlns:mc="http://schemas.openxmlformats.org/markup-compatibility/2006">
+    <mc:Choice xmlns:p14="http://schemas.microsoft.com/office/powerpoint/2010/main" Requires="p14">
+      <p:transition spd="slow" p14:dur="2000" advClick="0"/>
     </mc:Choice>
-    <mc:Fallback xmlns="">
-      <p:transition spd="slow" advTm="2000"/>
+    <mc:Fallback>
+      <p:transition spd="slow" advClick="0"/>
     </mc:Fallback>
   </mc:AlternateContent>
   <p:timing>
@@ -19166,7 +20129,7 @@
                             </p:stCondLst>
                             <p:childTnLst>
                               <p:par>
-                                <p:cTn id="5" presetID="10" presetClass="entr" presetSubtype="0" fill="hold" grpId="0" nodeType="afterEffect">
+                                <p:cTn id="5" presetID="22" presetClass="entr" presetSubtype="4" fill="hold" grpId="0" nodeType="afterEffect">
                                   <p:stCondLst>
                                     <p:cond delay="0"/>
                                   </p:stCondLst>
@@ -19179,7 +20142,7 @@
                                           </p:stCondLst>
                                         </p:cTn>
                                         <p:tgtEl>
-                                          <p:spTgt spid="43"/>
+                                          <p:spTgt spid="18"/>
                                         </p:tgtEl>
                                         <p:attrNameLst>
                                           <p:attrName>style.visibility</p:attrName>
@@ -19189,11 +20152,11 @@
                                         <p:strVal val="visible"/>
                                       </p:to>
                                     </p:set>
-                                    <p:animEffect transition="in" filter="fade">
+                                    <p:animEffect transition="in" filter="wipe(down)">
                                       <p:cBhvr>
                                         <p:cTn id="7" dur="500"/>
                                         <p:tgtEl>
-                                          <p:spTgt spid="43"/>
+                                          <p:spTgt spid="18"/>
                                         </p:tgtEl>
                                       </p:cBhvr>
                                     </p:animEffect>
@@ -19210,20 +20173,51 @@
                             </p:stCondLst>
                             <p:childTnLst>
                               <p:par>
-                                <p:cTn id="9" presetID="10" presetClass="entr" presetSubtype="0" fill="hold" grpId="0" nodeType="afterEffect">
+                                <p:cTn id="9" presetID="42" presetClass="path" presetSubtype="0" accel="50000" decel="50000" fill="hold" grpId="0" nodeType="afterEffect">
+                                  <p:stCondLst>
+                                    <p:cond delay="0"/>
+                                  </p:stCondLst>
+                                  <p:childTnLst>
+                                    <p:animMotion origin="layout" path="M 0.00013 7.40741E-7 L 0.30847 0.4838 " pathEditMode="relative" rAng="0" ptsTypes="AA">
+                                      <p:cBhvr>
+                                        <p:cTn id="10" dur="2000" fill="hold"/>
+                                        <p:tgtEl>
+                                          <p:spTgt spid="43"/>
+                                        </p:tgtEl>
+                                        <p:attrNameLst>
+                                          <p:attrName>ppt_x</p:attrName>
+                                          <p:attrName>ppt_y</p:attrName>
+                                        </p:attrNameLst>
+                                      </p:cBhvr>
+                                      <p:rCtr x="15417" y="24190"/>
+                                    </p:animMotion>
+                                  </p:childTnLst>
+                                </p:cTn>
+                              </p:par>
+                            </p:childTnLst>
+                          </p:cTn>
+                        </p:par>
+                        <p:par>
+                          <p:cTn id="11" fill="hold">
+                            <p:stCondLst>
+                              <p:cond delay="2500"/>
+                            </p:stCondLst>
+                            <p:childTnLst>
+                              <p:par>
+                                <p:cTn id="12" presetID="22" presetClass="entr" presetSubtype="4" fill="hold" grpId="0" nodeType="afterEffect">
                                   <p:stCondLst>
                                     <p:cond delay="0"/>
                                   </p:stCondLst>
                                   <p:childTnLst>
                                     <p:set>
                                       <p:cBhvr>
-                                        <p:cTn id="10" dur="1" fill="hold">
+                                        <p:cTn id="13" dur="1" fill="hold">
                                           <p:stCondLst>
                                             <p:cond delay="0"/>
                                           </p:stCondLst>
                                         </p:cTn>
                                         <p:tgtEl>
-                                          <p:spTgt spid="44"/>
+                                          <p:spTgt spid="17"/>
                                         </p:tgtEl>
                                         <p:attrNameLst>
                                           <p:attrName>style.visibility</p:attrName>
@@ -19233,14 +20227,36 @@
                                         <p:strVal val="visible"/>
                                       </p:to>
                                     </p:set>
-                                    <p:animEffect transition="in" filter="fade">
+                                    <p:animEffect transition="in" filter="wipe(down)">
                                       <p:cBhvr>
-                                        <p:cTn id="11" dur="500"/>
+                                        <p:cTn id="14" dur="1000"/>
+                                        <p:tgtEl>
+                                          <p:spTgt spid="17"/>
+                                        </p:tgtEl>
+                                      </p:cBhvr>
+                                    </p:animEffect>
+                                  </p:childTnLst>
+                                </p:cTn>
+                              </p:par>
+                              <p:par>
+                                <p:cTn id="15" presetID="42" presetClass="path" presetSubtype="0" accel="50000" decel="50000" fill="hold" grpId="0" nodeType="withEffect">
+                                  <p:stCondLst>
+                                    <p:cond delay="0"/>
+                                  </p:stCondLst>
+                                  <p:childTnLst>
+                                    <p:animMotion origin="layout" path="M -1.66667E-6 -3.7037E-6 L 0.36315 0.24074 " pathEditMode="relative" rAng="0" ptsTypes="AA">
+                                      <p:cBhvr>
+                                        <p:cTn id="16" dur="2000" fill="hold"/>
                                         <p:tgtEl>
                                           <p:spTgt spid="44"/>
                                         </p:tgtEl>
+                                        <p:attrNameLst>
+                                          <p:attrName>ppt_x</p:attrName>
+                                          <p:attrName>ppt_y</p:attrName>
+                                        </p:attrNameLst>
                                       </p:cBhvr>
-                                    </p:animEffect>
+                                      <p:rCtr x="18151" y="12037"/>
+                                    </p:animMotion>
                                   </p:childTnLst>
                                 </p:cTn>
                               </p:par>
@@ -19248,26 +20264,26 @@
                           </p:cTn>
                         </p:par>
                         <p:par>
-                          <p:cTn id="12" fill="hold">
+                          <p:cTn id="17" fill="hold">
                             <p:stCondLst>
-                              <p:cond delay="1000"/>
+                              <p:cond delay="4500"/>
                             </p:stCondLst>
                             <p:childTnLst>
                               <p:par>
-                                <p:cTn id="13" presetID="10" presetClass="entr" presetSubtype="0" fill="hold" grpId="0" nodeType="afterEffect">
+                                <p:cTn id="18" presetID="22" presetClass="entr" presetSubtype="4" fill="hold" grpId="0" nodeType="afterEffect">
                                   <p:stCondLst>
                                     <p:cond delay="0"/>
                                   </p:stCondLst>
                                   <p:childTnLst>
                                     <p:set>
                                       <p:cBhvr>
-                                        <p:cTn id="14" dur="1" fill="hold">
+                                        <p:cTn id="19" dur="1" fill="hold">
                                           <p:stCondLst>
                                             <p:cond delay="0"/>
                                           </p:stCondLst>
                                         </p:cTn>
                                         <p:tgtEl>
-                                          <p:spTgt spid="47"/>
+                                          <p:spTgt spid="54"/>
                                         </p:tgtEl>
                                         <p:attrNameLst>
                                           <p:attrName>style.visibility</p:attrName>
@@ -19277,14 +20293,36 @@
                                         <p:strVal val="visible"/>
                                       </p:to>
                                     </p:set>
-                                    <p:animEffect transition="in" filter="fade">
+                                    <p:animEffect transition="in" filter="wipe(down)">
                                       <p:cBhvr>
-                                        <p:cTn id="15" dur="500"/>
+                                        <p:cTn id="20" dur="1000"/>
+                                        <p:tgtEl>
+                                          <p:spTgt spid="54"/>
+                                        </p:tgtEl>
+                                      </p:cBhvr>
+                                    </p:animEffect>
+                                  </p:childTnLst>
+                                </p:cTn>
+                              </p:par>
+                              <p:par>
+                                <p:cTn id="21" presetID="42" presetClass="path" presetSubtype="0" accel="50000" decel="50000" fill="hold" grpId="0" nodeType="withEffect">
+                                  <p:stCondLst>
+                                    <p:cond delay="0"/>
+                                  </p:stCondLst>
+                                  <p:childTnLst>
+                                    <p:animMotion origin="layout" path="M -2.29167E-6 4.07407E-6 L 0.23659 0.10046 " pathEditMode="relative" rAng="0" ptsTypes="AA">
+                                      <p:cBhvr>
+                                        <p:cTn id="22" dur="2000" fill="hold"/>
                                         <p:tgtEl>
                                           <p:spTgt spid="47"/>
                                         </p:tgtEl>
+                                        <p:attrNameLst>
+                                          <p:attrName>ppt_x</p:attrName>
+                                          <p:attrName>ppt_y</p:attrName>
+                                        </p:attrNameLst>
                                       </p:cBhvr>
-                                    </p:animEffect>
+                                      <p:rCtr x="11823" y="5023"/>
+                                    </p:animMotion>
                                   </p:childTnLst>
                                 </p:cTn>
                               </p:par>
@@ -19292,26 +20330,26 @@
                           </p:cTn>
                         </p:par>
                         <p:par>
-                          <p:cTn id="16" fill="hold">
+                          <p:cTn id="23" fill="hold">
                             <p:stCondLst>
-                              <p:cond delay="1500"/>
+                              <p:cond delay="6500"/>
                             </p:stCondLst>
                             <p:childTnLst>
                               <p:par>
-                                <p:cTn id="17" presetID="10" presetClass="entr" presetSubtype="0" fill="hold" grpId="0" nodeType="afterEffect">
+                                <p:cTn id="24" presetID="22" presetClass="entr" presetSubtype="4" fill="hold" grpId="0" nodeType="afterEffect">
                                   <p:stCondLst>
                                     <p:cond delay="0"/>
                                   </p:stCondLst>
                                   <p:childTnLst>
                                     <p:set>
                                       <p:cBhvr>
-                                        <p:cTn id="18" dur="1" fill="hold">
+                                        <p:cTn id="25" dur="1" fill="hold">
                                           <p:stCondLst>
                                             <p:cond delay="0"/>
                                           </p:stCondLst>
                                         </p:cTn>
                                         <p:tgtEl>
-                                          <p:spTgt spid="48"/>
+                                          <p:spTgt spid="55"/>
                                         </p:tgtEl>
                                         <p:attrNameLst>
                                           <p:attrName>style.visibility</p:attrName>
@@ -19321,14 +20359,36 @@
                                         <p:strVal val="visible"/>
                                       </p:to>
                                     </p:set>
-                                    <p:animEffect transition="in" filter="fade">
+                                    <p:animEffect transition="in" filter="wipe(down)">
                                       <p:cBhvr>
-                                        <p:cTn id="19" dur="500"/>
+                                        <p:cTn id="26" dur="1000"/>
+                                        <p:tgtEl>
+                                          <p:spTgt spid="55"/>
+                                        </p:tgtEl>
+                                      </p:cBhvr>
+                                    </p:animEffect>
+                                  </p:childTnLst>
+                                </p:cTn>
+                              </p:par>
+                              <p:par>
+                                <p:cTn id="27" presetID="42" presetClass="path" presetSubtype="0" accel="50000" decel="50000" fill="hold" grpId="0" nodeType="withEffect">
+                                  <p:stCondLst>
+                                    <p:cond delay="0"/>
+                                  </p:stCondLst>
+                                  <p:childTnLst>
+                                    <p:animMotion origin="layout" path="M -1.875E-6 3.7037E-7 L 0.29675 0.38889 " pathEditMode="relative" rAng="0" ptsTypes="AA">
+                                      <p:cBhvr>
+                                        <p:cTn id="28" dur="2000" fill="hold"/>
                                         <p:tgtEl>
                                           <p:spTgt spid="48"/>
                                         </p:tgtEl>
+                                        <p:attrNameLst>
+                                          <p:attrName>ppt_x</p:attrName>
+                                          <p:attrName>ppt_y</p:attrName>
+                                        </p:attrNameLst>
                                       </p:cBhvr>
-                                    </p:animEffect>
+                                      <p:rCtr x="14831" y="19444"/>
+                                    </p:animMotion>
                                   </p:childTnLst>
                                 </p:cTn>
                               </p:par>
@@ -19336,26 +20396,26 @@
                           </p:cTn>
                         </p:par>
                         <p:par>
-                          <p:cTn id="20" fill="hold">
+                          <p:cTn id="29" fill="hold">
                             <p:stCondLst>
-                              <p:cond delay="2000"/>
+                              <p:cond delay="8500"/>
                             </p:stCondLst>
                             <p:childTnLst>
                               <p:par>
-                                <p:cTn id="21" presetID="10" presetClass="entr" presetSubtype="0" fill="hold" grpId="0" nodeType="afterEffect">
+                                <p:cTn id="30" presetID="22" presetClass="entr" presetSubtype="4" fill="hold" grpId="0" nodeType="afterEffect">
                                   <p:stCondLst>
                                     <p:cond delay="0"/>
                                   </p:stCondLst>
                                   <p:childTnLst>
                                     <p:set>
                                       <p:cBhvr>
-                                        <p:cTn id="22" dur="1" fill="hold">
+                                        <p:cTn id="31" dur="1" fill="hold">
                                           <p:stCondLst>
                                             <p:cond delay="0"/>
                                           </p:stCondLst>
                                         </p:cTn>
                                         <p:tgtEl>
-                                          <p:spTgt spid="49"/>
+                                          <p:spTgt spid="56"/>
                                         </p:tgtEl>
                                         <p:attrNameLst>
                                           <p:attrName>style.visibility</p:attrName>
@@ -19365,14 +20425,36 @@
                                         <p:strVal val="visible"/>
                                       </p:to>
                                     </p:set>
-                                    <p:animEffect transition="in" filter="fade">
+                                    <p:animEffect transition="in" filter="wipe(down)">
                                       <p:cBhvr>
-                                        <p:cTn id="23" dur="500"/>
+                                        <p:cTn id="32" dur="1000"/>
+                                        <p:tgtEl>
+                                          <p:spTgt spid="56"/>
+                                        </p:tgtEl>
+                                      </p:cBhvr>
+                                    </p:animEffect>
+                                  </p:childTnLst>
+                                </p:cTn>
+                              </p:par>
+                              <p:par>
+                                <p:cTn id="33" presetID="42" presetClass="path" presetSubtype="0" accel="50000" decel="50000" fill="hold" grpId="0" nodeType="withEffect">
+                                  <p:stCondLst>
+                                    <p:cond delay="0"/>
+                                  </p:stCondLst>
+                                  <p:childTnLst>
+                                    <p:animMotion origin="layout" path="M -2.70833E-6 -1.48148E-6 L 0.54987 0.74954 " pathEditMode="relative" rAng="0" ptsTypes="AA">
+                                      <p:cBhvr>
+                                        <p:cTn id="34" dur="2000" fill="hold"/>
                                         <p:tgtEl>
                                           <p:spTgt spid="49"/>
                                         </p:tgtEl>
+                                        <p:attrNameLst>
+                                          <p:attrName>ppt_x</p:attrName>
+                                          <p:attrName>ppt_y</p:attrName>
+                                        </p:attrNameLst>
                                       </p:cBhvr>
-                                    </p:animEffect>
+                                      <p:rCtr x="27487" y="37477"/>
+                                    </p:animMotion>
                                   </p:childTnLst>
                                 </p:cTn>
                               </p:par>
@@ -19380,26 +20462,26 @@
                           </p:cTn>
                         </p:par>
                         <p:par>
-                          <p:cTn id="24" fill="hold">
+                          <p:cTn id="35" fill="hold">
                             <p:stCondLst>
-                              <p:cond delay="2500"/>
+                              <p:cond delay="10500"/>
                             </p:stCondLst>
                             <p:childTnLst>
                               <p:par>
-                                <p:cTn id="25" presetID="10" presetClass="entr" presetSubtype="0" fill="hold" grpId="0" nodeType="afterEffect">
+                                <p:cTn id="36" presetID="22" presetClass="entr" presetSubtype="4" fill="hold" grpId="0" nodeType="afterEffect">
                                   <p:stCondLst>
                                     <p:cond delay="0"/>
                                   </p:stCondLst>
                                   <p:childTnLst>
                                     <p:set>
                                       <p:cBhvr>
-                                        <p:cTn id="26" dur="1" fill="hold">
+                                        <p:cTn id="37" dur="1" fill="hold">
                                           <p:stCondLst>
                                             <p:cond delay="0"/>
                                           </p:stCondLst>
                                         </p:cTn>
                                         <p:tgtEl>
-                                          <p:spTgt spid="50"/>
+                                          <p:spTgt spid="57"/>
                                         </p:tgtEl>
                                         <p:attrNameLst>
                                           <p:attrName>style.visibility</p:attrName>
@@ -19409,14 +20491,36 @@
                                         <p:strVal val="visible"/>
                                       </p:to>
                                     </p:set>
-                                    <p:animEffect transition="in" filter="fade">
+                                    <p:animEffect transition="in" filter="wipe(down)">
                                       <p:cBhvr>
-                                        <p:cTn id="27" dur="500"/>
+                                        <p:cTn id="38" dur="1000"/>
+                                        <p:tgtEl>
+                                          <p:spTgt spid="57"/>
+                                        </p:tgtEl>
+                                      </p:cBhvr>
+                                    </p:animEffect>
+                                  </p:childTnLst>
+                                </p:cTn>
+                              </p:par>
+                              <p:par>
+                                <p:cTn id="39" presetID="42" presetClass="path" presetSubtype="0" accel="50000" decel="50000" fill="hold" grpId="0" nodeType="withEffect">
+                                  <p:stCondLst>
+                                    <p:cond delay="0"/>
+                                  </p:stCondLst>
+                                  <p:childTnLst>
+                                    <p:animMotion origin="layout" path="M -3.125E-6 1.11111E-6 L 0.42214 0.67963 " pathEditMode="relative" rAng="0" ptsTypes="AA">
+                                      <p:cBhvr>
+                                        <p:cTn id="40" dur="2000" fill="hold"/>
                                         <p:tgtEl>
                                           <p:spTgt spid="50"/>
                                         </p:tgtEl>
+                                        <p:attrNameLst>
+                                          <p:attrName>ppt_x</p:attrName>
+                                          <p:attrName>ppt_y</p:attrName>
+                                        </p:attrNameLst>
                                       </p:cBhvr>
-                                    </p:animEffect>
+                                      <p:rCtr x="21107" y="33981"/>
+                                    </p:animMotion>
                                   </p:childTnLst>
                                 </p:cTn>
                               </p:par>
@@ -19424,26 +20528,26 @@
                           </p:cTn>
                         </p:par>
                         <p:par>
-                          <p:cTn id="28" fill="hold">
+                          <p:cTn id="41" fill="hold">
                             <p:stCondLst>
-                              <p:cond delay="3000"/>
+                              <p:cond delay="12500"/>
                             </p:stCondLst>
                             <p:childTnLst>
                               <p:par>
-                                <p:cTn id="29" presetID="10" presetClass="entr" presetSubtype="0" fill="hold" grpId="0" nodeType="afterEffect">
+                                <p:cTn id="42" presetID="22" presetClass="entr" presetSubtype="4" fill="hold" grpId="0" nodeType="afterEffect">
                                   <p:stCondLst>
                                     <p:cond delay="0"/>
                                   </p:stCondLst>
                                   <p:childTnLst>
                                     <p:set>
                                       <p:cBhvr>
-                                        <p:cTn id="30" dur="1" fill="hold">
+                                        <p:cTn id="43" dur="1" fill="hold">
                                           <p:stCondLst>
                                             <p:cond delay="0"/>
                                           </p:stCondLst>
                                         </p:cTn>
                                         <p:tgtEl>
-                                          <p:spTgt spid="51"/>
+                                          <p:spTgt spid="58"/>
                                         </p:tgtEl>
                                         <p:attrNameLst>
                                           <p:attrName>style.visibility</p:attrName>
@@ -19453,14 +20557,36 @@
                                         <p:strVal val="visible"/>
                                       </p:to>
                                     </p:set>
-                                    <p:animEffect transition="in" filter="fade">
+                                    <p:animEffect transition="in" filter="wipe(down)">
                                       <p:cBhvr>
-                                        <p:cTn id="31" dur="500"/>
+                                        <p:cTn id="44" dur="1000"/>
+                                        <p:tgtEl>
+                                          <p:spTgt spid="58"/>
+                                        </p:tgtEl>
+                                      </p:cBhvr>
+                                    </p:animEffect>
+                                  </p:childTnLst>
+                                </p:cTn>
+                              </p:par>
+                              <p:par>
+                                <p:cTn id="45" presetID="42" presetClass="path" presetSubtype="0" accel="50000" decel="50000" fill="hold" grpId="0" nodeType="withEffect">
+                                  <p:stCondLst>
+                                    <p:cond delay="0"/>
+                                  </p:stCondLst>
+                                  <p:childTnLst>
+                                    <p:animMotion origin="layout" path="M -3.75E-6 -1.48148E-6 L 0.29467 0.59491 " pathEditMode="relative" rAng="0" ptsTypes="AA">
+                                      <p:cBhvr>
+                                        <p:cTn id="46" dur="2000" fill="hold"/>
                                         <p:tgtEl>
                                           <p:spTgt spid="51"/>
                                         </p:tgtEl>
+                                        <p:attrNameLst>
+                                          <p:attrName>ppt_x</p:attrName>
+                                          <p:attrName>ppt_y</p:attrName>
+                                        </p:attrNameLst>
                                       </p:cBhvr>
-                                    </p:animEffect>
+                                      <p:rCtr x="14727" y="29745"/>
+                                    </p:animMotion>
                                   </p:childTnLst>
                                 </p:cTn>
                               </p:par>
@@ -19468,26 +20594,26 @@
                           </p:cTn>
                         </p:par>
                         <p:par>
-                          <p:cTn id="32" fill="hold">
+                          <p:cTn id="47" fill="hold">
                             <p:stCondLst>
-                              <p:cond delay="3500"/>
+                              <p:cond delay="14500"/>
                             </p:stCondLst>
                             <p:childTnLst>
                               <p:par>
-                                <p:cTn id="33" presetID="10" presetClass="entr" presetSubtype="0" fill="hold" grpId="0" nodeType="afterEffect">
+                                <p:cTn id="48" presetID="22" presetClass="entr" presetSubtype="4" fill="hold" grpId="0" nodeType="afterEffect">
                                   <p:stCondLst>
                                     <p:cond delay="0"/>
                                   </p:stCondLst>
                                   <p:childTnLst>
                                     <p:set>
                                       <p:cBhvr>
-                                        <p:cTn id="34" dur="1" fill="hold">
+                                        <p:cTn id="49" dur="1" fill="hold">
                                           <p:stCondLst>
                                             <p:cond delay="0"/>
                                           </p:stCondLst>
                                         </p:cTn>
                                         <p:tgtEl>
-                                          <p:spTgt spid="52"/>
+                                          <p:spTgt spid="59"/>
                                         </p:tgtEl>
                                         <p:attrNameLst>
                                           <p:attrName>style.visibility</p:attrName>
@@ -19497,14 +20623,36 @@
                                         <p:strVal val="visible"/>
                                       </p:to>
                                     </p:set>
-                                    <p:animEffect transition="in" filter="fade">
+                                    <p:animEffect transition="in" filter="wipe(down)">
                                       <p:cBhvr>
-                                        <p:cTn id="35" dur="500"/>
+                                        <p:cTn id="50" dur="1000"/>
+                                        <p:tgtEl>
+                                          <p:spTgt spid="59"/>
+                                        </p:tgtEl>
+                                      </p:cBhvr>
+                                    </p:animEffect>
+                                  </p:childTnLst>
+                                </p:cTn>
+                              </p:par>
+                              <p:par>
+                                <p:cTn id="51" presetID="42" presetClass="path" presetSubtype="0" accel="50000" decel="50000" fill="hold" grpId="0" nodeType="withEffect">
+                                  <p:stCondLst>
+                                    <p:cond delay="0"/>
+                                  </p:stCondLst>
+                                  <p:childTnLst>
+                                    <p:animMotion origin="layout" path="M -2.91667E-6 7.40741E-7 L 0.17032 0.47801 " pathEditMode="relative" rAng="0" ptsTypes="AA">
+                                      <p:cBhvr>
+                                        <p:cTn id="52" dur="2000" fill="hold"/>
                                         <p:tgtEl>
                                           <p:spTgt spid="52"/>
                                         </p:tgtEl>
+                                        <p:attrNameLst>
+                                          <p:attrName>ppt_x</p:attrName>
+                                          <p:attrName>ppt_y</p:attrName>
+                                        </p:attrNameLst>
                                       </p:cBhvr>
-                                    </p:animEffect>
+                                      <p:rCtr x="8516" y="23889"/>
+                                    </p:animMotion>
                                   </p:childTnLst>
                                 </p:cTn>
                               </p:par>
@@ -19512,26 +20660,26 @@
                           </p:cTn>
                         </p:par>
                         <p:par>
-                          <p:cTn id="36" fill="hold">
+                          <p:cTn id="53" fill="hold">
                             <p:stCondLst>
-                              <p:cond delay="4000"/>
+                              <p:cond delay="16500"/>
                             </p:stCondLst>
                             <p:childTnLst>
                               <p:par>
-                                <p:cTn id="37" presetID="10" presetClass="entr" presetSubtype="0" fill="hold" grpId="0" nodeType="afterEffect">
+                                <p:cTn id="54" presetID="22" presetClass="entr" presetSubtype="4" fill="hold" grpId="0" nodeType="afterEffect">
                                   <p:stCondLst>
                                     <p:cond delay="0"/>
                                   </p:stCondLst>
                                   <p:childTnLst>
                                     <p:set>
                                       <p:cBhvr>
-                                        <p:cTn id="38" dur="1" fill="hold">
+                                        <p:cTn id="55" dur="1" fill="hold">
                                           <p:stCondLst>
                                             <p:cond delay="0"/>
                                           </p:stCondLst>
                                         </p:cTn>
                                         <p:tgtEl>
-                                          <p:spTgt spid="53"/>
+                                          <p:spTgt spid="60"/>
                                         </p:tgtEl>
                                         <p:attrNameLst>
                                           <p:attrName>style.visibility</p:attrName>
@@ -19541,11 +20689,77 @@
                                         <p:strVal val="visible"/>
                                       </p:to>
                                     </p:set>
-                                    <p:animEffect transition="in" filter="fade">
+                                    <p:animEffect transition="in" filter="wipe(down)">
                                       <p:cBhvr>
-                                        <p:cTn id="39" dur="500"/>
+                                        <p:cTn id="56" dur="1000"/>
+                                        <p:tgtEl>
+                                          <p:spTgt spid="60"/>
+                                        </p:tgtEl>
+                                      </p:cBhvr>
+                                    </p:animEffect>
+                                  </p:childTnLst>
+                                </p:cTn>
+                              </p:par>
+                              <p:par>
+                                <p:cTn id="57" presetID="42" presetClass="path" presetSubtype="0" accel="50000" decel="50000" fill="hold" grpId="0" nodeType="withEffect">
+                                  <p:stCondLst>
+                                    <p:cond delay="0"/>
+                                  </p:stCondLst>
+                                  <p:childTnLst>
+                                    <p:animMotion origin="layout" path="M -3.75E-6 -2.96296E-6 L 0.41498 0.27523 " pathEditMode="relative" rAng="0" ptsTypes="AA">
+                                      <p:cBhvr>
+                                        <p:cTn id="58" dur="2000" fill="hold"/>
                                         <p:tgtEl>
                                           <p:spTgt spid="53"/>
+                                        </p:tgtEl>
+                                        <p:attrNameLst>
+                                          <p:attrName>ppt_x</p:attrName>
+                                          <p:attrName>ppt_y</p:attrName>
+                                        </p:attrNameLst>
+                                      </p:cBhvr>
+                                      <p:rCtr x="20742" y="13750"/>
+                                    </p:animMotion>
+                                  </p:childTnLst>
+                                </p:cTn>
+                              </p:par>
+                            </p:childTnLst>
+                          </p:cTn>
+                        </p:par>
+                        <p:par>
+                          <p:cTn id="59" fill="hold">
+                            <p:stCondLst>
+                              <p:cond delay="18500"/>
+                            </p:stCondLst>
+                            <p:childTnLst>
+                              <p:par>
+                                <p:cTn id="60" presetID="22" presetClass="entr" presetSubtype="1" fill="hold" grpId="0" nodeType="afterEffect">
+                                  <p:stCondLst>
+                                    <p:cond delay="0"/>
+                                  </p:stCondLst>
+                                  <p:childTnLst>
+                                    <p:set>
+                                      <p:cBhvr>
+                                        <p:cTn id="61" dur="1" fill="hold">
+                                          <p:stCondLst>
+                                            <p:cond delay="0"/>
+                                          </p:stCondLst>
+                                        </p:cTn>
+                                        <p:tgtEl>
+                                          <p:spTgt spid="24"/>
+                                        </p:tgtEl>
+                                        <p:attrNameLst>
+                                          <p:attrName>style.visibility</p:attrName>
+                                        </p:attrNameLst>
+                                      </p:cBhvr>
+                                      <p:to>
+                                        <p:strVal val="visible"/>
+                                      </p:to>
+                                    </p:set>
+                                    <p:animEffect transition="in" filter="wipe(up)">
+                                      <p:cBhvr>
+                                        <p:cTn id="62" dur="1000"/>
+                                        <p:tgtEl>
+                                          <p:spTgt spid="24"/>
                                         </p:tgtEl>
                                       </p:cBhvr>
                                     </p:animEffect>
@@ -19589,6 +20803,16 @@
       <p:bldP spid="51" grpId="0"/>
       <p:bldP spid="52" grpId="0"/>
       <p:bldP spid="53" grpId="0"/>
+      <p:bldP spid="17" grpId="0"/>
+      <p:bldP spid="54" grpId="0"/>
+      <p:bldP spid="55" grpId="0"/>
+      <p:bldP spid="56" grpId="0"/>
+      <p:bldP spid="57" grpId="0"/>
+      <p:bldP spid="58" grpId="0"/>
+      <p:bldP spid="59" grpId="0"/>
+      <p:bldP spid="60" grpId="0"/>
+      <p:bldP spid="18" grpId="0"/>
+      <p:bldP spid="24" grpId="0" animBg="1"/>
     </p:bldLst>
   </p:timing>
 </p:sld>
@@ -19611,6 +20835,204 @@
           <a:chExt cx="0" cy="0"/>
         </a:xfrm>
       </p:grpSpPr>
+      <p:sp>
+        <p:nvSpPr>
+          <p:cNvPr id="65" name="Овал 64"/>
+          <p:cNvSpPr/>
+          <p:nvPr/>
+        </p:nvSpPr>
+        <p:spPr>
+          <a:xfrm>
+            <a:off x="6809998" y="5965792"/>
+            <a:ext cx="584774" cy="584774"/>
+          </a:xfrm>
+          <a:prstGeom prst="ellipse">
+            <a:avLst/>
+          </a:prstGeom>
+          <a:solidFill>
+            <a:schemeClr val="bg1"/>
+          </a:solidFill>
+          <a:ln>
+            <a:noFill/>
+          </a:ln>
+        </p:spPr>
+        <p:style>
+          <a:lnRef idx="2">
+            <a:schemeClr val="accent1">
+              <a:shade val="50000"/>
+            </a:schemeClr>
+          </a:lnRef>
+          <a:fillRef idx="1">
+            <a:schemeClr val="accent1"/>
+          </a:fillRef>
+          <a:effectRef idx="0">
+            <a:schemeClr val="accent1"/>
+          </a:effectRef>
+          <a:fontRef idx="minor">
+            <a:schemeClr val="lt1"/>
+          </a:fontRef>
+        </p:style>
+        <p:txBody>
+          <a:bodyPr rtlCol="0" anchor="ctr"/>
+          <a:lstStyle/>
+          <a:p>
+            <a:pPr algn="ctr"/>
+            <a:r>
+              <a:rPr lang="en-US" sz="3200" dirty="0" smtClean="0">
+                <a:solidFill>
+                  <a:schemeClr val="tx2">
+                    <a:lumMod val="75000"/>
+                  </a:schemeClr>
+                </a:solidFill>
+                <a:latin typeface="Calibri" panose="020F0502020204030204" pitchFamily="34" charset="0"/>
+                <a:cs typeface="Calibri" panose="020F0502020204030204" pitchFamily="34" charset="0"/>
+              </a:rPr>
+              <a:t>8</a:t>
+            </a:r>
+            <a:endParaRPr lang="uk-UA" sz="3200" dirty="0">
+              <a:solidFill>
+                <a:schemeClr val="tx2">
+                  <a:lumMod val="75000"/>
+                </a:schemeClr>
+              </a:solidFill>
+              <a:latin typeface="Calibri" panose="020F0502020204030204" pitchFamily="34" charset="0"/>
+              <a:cs typeface="Calibri" panose="020F0502020204030204" pitchFamily="34" charset="0"/>
+            </a:endParaRPr>
+          </a:p>
+        </p:txBody>
+      </p:sp>
+      <p:sp>
+        <p:nvSpPr>
+          <p:cNvPr id="67" name="Овал 66"/>
+          <p:cNvSpPr/>
+          <p:nvPr/>
+        </p:nvSpPr>
+        <p:spPr>
+          <a:xfrm>
+            <a:off x="6177361" y="5937834"/>
+            <a:ext cx="584774" cy="584774"/>
+          </a:xfrm>
+          <a:prstGeom prst="ellipse">
+            <a:avLst/>
+          </a:prstGeom>
+          <a:solidFill>
+            <a:schemeClr val="bg1"/>
+          </a:solidFill>
+          <a:ln>
+            <a:noFill/>
+          </a:ln>
+        </p:spPr>
+        <p:style>
+          <a:lnRef idx="2">
+            <a:schemeClr val="accent1">
+              <a:shade val="50000"/>
+            </a:schemeClr>
+          </a:lnRef>
+          <a:fillRef idx="1">
+            <a:schemeClr val="accent1"/>
+          </a:fillRef>
+          <a:effectRef idx="0">
+            <a:schemeClr val="accent1"/>
+          </a:effectRef>
+          <a:fontRef idx="minor">
+            <a:schemeClr val="lt1"/>
+          </a:fontRef>
+        </p:style>
+        <p:txBody>
+          <a:bodyPr rtlCol="0" anchor="ctr"/>
+          <a:lstStyle/>
+          <a:p>
+            <a:pPr algn="ctr"/>
+            <a:r>
+              <a:rPr lang="en-US" sz="3200" dirty="0">
+                <a:solidFill>
+                  <a:schemeClr val="tx2">
+                    <a:lumMod val="75000"/>
+                  </a:schemeClr>
+                </a:solidFill>
+                <a:latin typeface="Calibri" panose="020F0502020204030204" pitchFamily="34" charset="0"/>
+                <a:cs typeface="Calibri" panose="020F0502020204030204" pitchFamily="34" charset="0"/>
+              </a:rPr>
+              <a:t>7</a:t>
+            </a:r>
+            <a:endParaRPr lang="uk-UA" sz="3200" dirty="0">
+              <a:solidFill>
+                <a:schemeClr val="tx2">
+                  <a:lumMod val="75000"/>
+                </a:schemeClr>
+              </a:solidFill>
+              <a:latin typeface="Calibri" panose="020F0502020204030204" pitchFamily="34" charset="0"/>
+              <a:cs typeface="Calibri" panose="020F0502020204030204" pitchFamily="34" charset="0"/>
+            </a:endParaRPr>
+          </a:p>
+        </p:txBody>
+      </p:sp>
+      <p:sp>
+        <p:nvSpPr>
+          <p:cNvPr id="62" name="Овал 61"/>
+          <p:cNvSpPr/>
+          <p:nvPr/>
+        </p:nvSpPr>
+        <p:spPr>
+          <a:xfrm>
+            <a:off x="5438347" y="5965792"/>
+            <a:ext cx="584774" cy="584774"/>
+          </a:xfrm>
+          <a:prstGeom prst="ellipse">
+            <a:avLst/>
+          </a:prstGeom>
+          <a:solidFill>
+            <a:schemeClr val="bg1"/>
+          </a:solidFill>
+          <a:ln>
+            <a:noFill/>
+          </a:ln>
+        </p:spPr>
+        <p:style>
+          <a:lnRef idx="2">
+            <a:schemeClr val="accent1">
+              <a:shade val="50000"/>
+            </a:schemeClr>
+          </a:lnRef>
+          <a:fillRef idx="1">
+            <a:schemeClr val="accent1"/>
+          </a:fillRef>
+          <a:effectRef idx="0">
+            <a:schemeClr val="accent1"/>
+          </a:effectRef>
+          <a:fontRef idx="minor">
+            <a:schemeClr val="lt1"/>
+          </a:fontRef>
+        </p:style>
+        <p:txBody>
+          <a:bodyPr rtlCol="0" anchor="ctr"/>
+          <a:lstStyle/>
+          <a:p>
+            <a:pPr algn="ctr"/>
+            <a:r>
+              <a:rPr lang="en-US" sz="3200" dirty="0">
+                <a:solidFill>
+                  <a:schemeClr val="tx2">
+                    <a:lumMod val="75000"/>
+                  </a:schemeClr>
+                </a:solidFill>
+                <a:latin typeface="Calibri" panose="020F0502020204030204" pitchFamily="34" charset="0"/>
+                <a:cs typeface="Calibri" panose="020F0502020204030204" pitchFamily="34" charset="0"/>
+              </a:rPr>
+              <a:t>6</a:t>
+            </a:r>
+            <a:endParaRPr lang="uk-UA" sz="3200" dirty="0">
+              <a:solidFill>
+                <a:schemeClr val="tx2">
+                  <a:lumMod val="75000"/>
+                </a:schemeClr>
+              </a:solidFill>
+              <a:latin typeface="Calibri" panose="020F0502020204030204" pitchFamily="34" charset="0"/>
+              <a:cs typeface="Calibri" panose="020F0502020204030204" pitchFamily="34" charset="0"/>
+            </a:endParaRPr>
+          </a:p>
+        </p:txBody>
+      </p:sp>
       <p:sp>
         <p:nvSpPr>
           <p:cNvPr id="2" name="Овал 1"/>
@@ -21287,13 +22709,13 @@
       </p:sp>
       <p:sp>
         <p:nvSpPr>
-          <p:cNvPr id="43" name="Прямокутник 42"/>
+          <p:cNvPr id="44" name="Прямокутник 43"/>
           <p:cNvSpPr/>
           <p:nvPr/>
         </p:nvSpPr>
         <p:spPr>
           <a:xfrm>
-            <a:off x="4854998" y="5929856"/>
+            <a:off x="1112544" y="4320063"/>
             <a:ext cx="393057" cy="584775"/>
           </a:xfrm>
           <a:prstGeom prst="rect">
@@ -21304,6 +22726,446 @@
           <a:bodyPr wrap="none">
             <a:spAutoFit/>
           </a:bodyPr>
+          <a:lstStyle/>
+          <a:p>
+            <a:pPr algn="ctr"/>
+            <a:r>
+              <a:rPr lang="en-US" sz="3200" dirty="0" smtClean="0">
+                <a:solidFill>
+                  <a:schemeClr val="tx2">
+                    <a:lumMod val="75000"/>
+                  </a:schemeClr>
+                </a:solidFill>
+                <a:latin typeface="Calibri" panose="020F0502020204030204" pitchFamily="34" charset="0"/>
+                <a:cs typeface="Calibri" panose="020F0502020204030204" pitchFamily="34" charset="0"/>
+              </a:rPr>
+              <a:t>6</a:t>
+            </a:r>
+            <a:endParaRPr lang="uk-UA" sz="3200" dirty="0">
+              <a:solidFill>
+                <a:schemeClr val="tx2">
+                  <a:lumMod val="75000"/>
+                </a:schemeClr>
+              </a:solidFill>
+              <a:latin typeface="Calibri" panose="020F0502020204030204" pitchFamily="34" charset="0"/>
+              <a:cs typeface="Calibri" panose="020F0502020204030204" pitchFamily="34" charset="0"/>
+            </a:endParaRPr>
+          </a:p>
+        </p:txBody>
+      </p:sp>
+      <p:sp>
+        <p:nvSpPr>
+          <p:cNvPr id="47" name="Прямокутник 46"/>
+          <p:cNvSpPr/>
+          <p:nvPr/>
+        </p:nvSpPr>
+        <p:spPr>
+          <a:xfrm>
+            <a:off x="3402893" y="5242853"/>
+            <a:ext cx="393057" cy="584775"/>
+          </a:xfrm>
+          <a:prstGeom prst="rect">
+            <a:avLst/>
+          </a:prstGeom>
+        </p:spPr>
+        <p:txBody>
+          <a:bodyPr wrap="none">
+            <a:spAutoFit/>
+          </a:bodyPr>
+          <a:lstStyle/>
+          <a:p>
+            <a:pPr algn="ctr"/>
+            <a:r>
+              <a:rPr lang="en-US" sz="3200" dirty="0" smtClean="0">
+                <a:solidFill>
+                  <a:schemeClr val="tx2">
+                    <a:lumMod val="75000"/>
+                  </a:schemeClr>
+                </a:solidFill>
+                <a:latin typeface="Calibri" panose="020F0502020204030204" pitchFamily="34" charset="0"/>
+                <a:cs typeface="Calibri" panose="020F0502020204030204" pitchFamily="34" charset="0"/>
+              </a:rPr>
+              <a:t>7</a:t>
+            </a:r>
+            <a:endParaRPr lang="uk-UA" sz="3200" dirty="0">
+              <a:solidFill>
+                <a:schemeClr val="tx2">
+                  <a:lumMod val="75000"/>
+                </a:schemeClr>
+              </a:solidFill>
+              <a:latin typeface="Calibri" panose="020F0502020204030204" pitchFamily="34" charset="0"/>
+              <a:cs typeface="Calibri" panose="020F0502020204030204" pitchFamily="34" charset="0"/>
+            </a:endParaRPr>
+          </a:p>
+        </p:txBody>
+      </p:sp>
+      <p:sp>
+        <p:nvSpPr>
+          <p:cNvPr id="48" name="Прямокутник 47"/>
+          <p:cNvSpPr/>
+          <p:nvPr/>
+        </p:nvSpPr>
+        <p:spPr>
+          <a:xfrm>
+            <a:off x="3399576" y="3253962"/>
+            <a:ext cx="393057" cy="584775"/>
+          </a:xfrm>
+          <a:prstGeom prst="rect">
+            <a:avLst/>
+          </a:prstGeom>
+        </p:spPr>
+        <p:txBody>
+          <a:bodyPr wrap="none">
+            <a:spAutoFit/>
+          </a:bodyPr>
+          <a:lstStyle/>
+          <a:p>
+            <a:pPr algn="ctr"/>
+            <a:r>
+              <a:rPr lang="en-US" sz="3200" dirty="0" smtClean="0">
+                <a:solidFill>
+                  <a:schemeClr val="tx2">
+                    <a:lumMod val="75000"/>
+                  </a:schemeClr>
+                </a:solidFill>
+                <a:latin typeface="Calibri" panose="020F0502020204030204" pitchFamily="34" charset="0"/>
+                <a:cs typeface="Calibri" panose="020F0502020204030204" pitchFamily="34" charset="0"/>
+              </a:rPr>
+              <a:t>8</a:t>
+            </a:r>
+            <a:endParaRPr lang="uk-UA" sz="3200" dirty="0">
+              <a:solidFill>
+                <a:schemeClr val="tx2">
+                  <a:lumMod val="75000"/>
+                </a:schemeClr>
+              </a:solidFill>
+              <a:latin typeface="Calibri" panose="020F0502020204030204" pitchFamily="34" charset="0"/>
+              <a:cs typeface="Calibri" panose="020F0502020204030204" pitchFamily="34" charset="0"/>
+            </a:endParaRPr>
+          </a:p>
+        </p:txBody>
+      </p:sp>
+      <p:sp>
+        <p:nvSpPr>
+          <p:cNvPr id="49" name="Прямокутник 48"/>
+          <p:cNvSpPr/>
+          <p:nvPr/>
+        </p:nvSpPr>
+        <p:spPr>
+          <a:xfrm>
+            <a:off x="1119625" y="780956"/>
+            <a:ext cx="393057" cy="584775"/>
+          </a:xfrm>
+          <a:prstGeom prst="rect">
+            <a:avLst/>
+          </a:prstGeom>
+        </p:spPr>
+        <p:txBody>
+          <a:bodyPr wrap="none">
+            <a:spAutoFit/>
+          </a:bodyPr>
+          <a:lstStyle/>
+          <a:p>
+            <a:pPr algn="ctr"/>
+            <a:r>
+              <a:rPr lang="en-US" sz="3200" dirty="0" smtClean="0">
+                <a:solidFill>
+                  <a:schemeClr val="tx2">
+                    <a:lumMod val="75000"/>
+                  </a:schemeClr>
+                </a:solidFill>
+                <a:latin typeface="Calibri" panose="020F0502020204030204" pitchFamily="34" charset="0"/>
+                <a:cs typeface="Calibri" panose="020F0502020204030204" pitchFamily="34" charset="0"/>
+              </a:rPr>
+              <a:t>1</a:t>
+            </a:r>
+            <a:endParaRPr lang="uk-UA" sz="3200" dirty="0">
+              <a:solidFill>
+                <a:schemeClr val="tx2">
+                  <a:lumMod val="75000"/>
+                </a:schemeClr>
+              </a:solidFill>
+              <a:latin typeface="Calibri" panose="020F0502020204030204" pitchFamily="34" charset="0"/>
+              <a:cs typeface="Calibri" panose="020F0502020204030204" pitchFamily="34" charset="0"/>
+            </a:endParaRPr>
+          </a:p>
+        </p:txBody>
+      </p:sp>
+      <p:sp>
+        <p:nvSpPr>
+          <p:cNvPr id="50" name="Прямокутник 49"/>
+          <p:cNvSpPr/>
+          <p:nvPr/>
+        </p:nvSpPr>
+        <p:spPr>
+          <a:xfrm>
+            <a:off x="3409621" y="1260711"/>
+            <a:ext cx="393057" cy="584775"/>
+          </a:xfrm>
+          <a:prstGeom prst="rect">
+            <a:avLst/>
+          </a:prstGeom>
+        </p:spPr>
+        <p:txBody>
+          <a:bodyPr wrap="none">
+            <a:spAutoFit/>
+          </a:bodyPr>
+          <a:lstStyle/>
+          <a:p>
+            <a:pPr algn="ctr"/>
+            <a:r>
+              <a:rPr lang="en-US" sz="3200" dirty="0" smtClean="0">
+                <a:solidFill>
+                  <a:schemeClr val="tx2">
+                    <a:lumMod val="75000"/>
+                  </a:schemeClr>
+                </a:solidFill>
+                <a:latin typeface="Calibri" panose="020F0502020204030204" pitchFamily="34" charset="0"/>
+                <a:cs typeface="Calibri" panose="020F0502020204030204" pitchFamily="34" charset="0"/>
+              </a:rPr>
+              <a:t>2</a:t>
+            </a:r>
+            <a:endParaRPr lang="uk-UA" sz="3200" dirty="0">
+              <a:solidFill>
+                <a:schemeClr val="tx2">
+                  <a:lumMod val="75000"/>
+                </a:schemeClr>
+              </a:solidFill>
+              <a:latin typeface="Calibri" panose="020F0502020204030204" pitchFamily="34" charset="0"/>
+              <a:cs typeface="Calibri" panose="020F0502020204030204" pitchFamily="34" charset="0"/>
+            </a:endParaRPr>
+          </a:p>
+        </p:txBody>
+      </p:sp>
+      <p:sp>
+        <p:nvSpPr>
+          <p:cNvPr id="51" name="Прямокутник 50"/>
+          <p:cNvSpPr/>
+          <p:nvPr/>
+        </p:nvSpPr>
+        <p:spPr>
+          <a:xfrm>
+            <a:off x="5699467" y="1852913"/>
+            <a:ext cx="393057" cy="584775"/>
+          </a:xfrm>
+          <a:prstGeom prst="rect">
+            <a:avLst/>
+          </a:prstGeom>
+        </p:spPr>
+        <p:txBody>
+          <a:bodyPr wrap="none">
+            <a:spAutoFit/>
+          </a:bodyPr>
+          <a:lstStyle/>
+          <a:p>
+            <a:pPr algn="ctr"/>
+            <a:r>
+              <a:rPr lang="en-US" sz="3200" dirty="0" smtClean="0">
+                <a:solidFill>
+                  <a:schemeClr val="tx2">
+                    <a:lumMod val="75000"/>
+                  </a:schemeClr>
+                </a:solidFill>
+                <a:latin typeface="Calibri" panose="020F0502020204030204" pitchFamily="34" charset="0"/>
+                <a:cs typeface="Calibri" panose="020F0502020204030204" pitchFamily="34" charset="0"/>
+              </a:rPr>
+              <a:t>3</a:t>
+            </a:r>
+            <a:endParaRPr lang="uk-UA" sz="3200" dirty="0">
+              <a:solidFill>
+                <a:schemeClr val="tx2">
+                  <a:lumMod val="75000"/>
+                </a:schemeClr>
+              </a:solidFill>
+              <a:latin typeface="Calibri" panose="020F0502020204030204" pitchFamily="34" charset="0"/>
+              <a:cs typeface="Calibri" panose="020F0502020204030204" pitchFamily="34" charset="0"/>
+            </a:endParaRPr>
+          </a:p>
+        </p:txBody>
+      </p:sp>
+      <p:sp>
+        <p:nvSpPr>
+          <p:cNvPr id="52" name="Прямокутник 51"/>
+          <p:cNvSpPr/>
+          <p:nvPr/>
+        </p:nvSpPr>
+        <p:spPr>
+          <a:xfrm>
+            <a:off x="7979465" y="2643661"/>
+            <a:ext cx="393057" cy="584775"/>
+          </a:xfrm>
+          <a:prstGeom prst="rect">
+            <a:avLst/>
+          </a:prstGeom>
+        </p:spPr>
+        <p:txBody>
+          <a:bodyPr wrap="none">
+            <a:spAutoFit/>
+          </a:bodyPr>
+          <a:lstStyle/>
+          <a:p>
+            <a:pPr algn="ctr"/>
+            <a:r>
+              <a:rPr lang="en-US" sz="3200" dirty="0" smtClean="0">
+                <a:solidFill>
+                  <a:schemeClr val="tx2">
+                    <a:lumMod val="75000"/>
+                  </a:schemeClr>
+                </a:solidFill>
+                <a:latin typeface="Calibri" panose="020F0502020204030204" pitchFamily="34" charset="0"/>
+                <a:cs typeface="Calibri" panose="020F0502020204030204" pitchFamily="34" charset="0"/>
+              </a:rPr>
+              <a:t>4</a:t>
+            </a:r>
+            <a:endParaRPr lang="uk-UA" sz="3200" dirty="0">
+              <a:solidFill>
+                <a:schemeClr val="tx2">
+                  <a:lumMod val="75000"/>
+                </a:schemeClr>
+              </a:solidFill>
+              <a:latin typeface="Calibri" panose="020F0502020204030204" pitchFamily="34" charset="0"/>
+              <a:cs typeface="Calibri" panose="020F0502020204030204" pitchFamily="34" charset="0"/>
+            </a:endParaRPr>
+          </a:p>
+        </p:txBody>
+      </p:sp>
+      <p:sp>
+        <p:nvSpPr>
+          <p:cNvPr id="53" name="Прямокутник 52"/>
+          <p:cNvSpPr/>
+          <p:nvPr/>
+        </p:nvSpPr>
+        <p:spPr>
+          <a:xfrm>
+            <a:off x="5699467" y="4040081"/>
+            <a:ext cx="393057" cy="584775"/>
+          </a:xfrm>
+          <a:prstGeom prst="rect">
+            <a:avLst/>
+          </a:prstGeom>
+        </p:spPr>
+        <p:txBody>
+          <a:bodyPr wrap="none">
+            <a:spAutoFit/>
+          </a:bodyPr>
+          <a:lstStyle/>
+          <a:p>
+            <a:pPr algn="ctr"/>
+            <a:r>
+              <a:rPr lang="en-US" sz="3200" dirty="0" smtClean="0">
+                <a:solidFill>
+                  <a:schemeClr val="tx2">
+                    <a:lumMod val="75000"/>
+                  </a:schemeClr>
+                </a:solidFill>
+                <a:latin typeface="Calibri" panose="020F0502020204030204" pitchFamily="34" charset="0"/>
+                <a:cs typeface="Calibri" panose="020F0502020204030204" pitchFamily="34" charset="0"/>
+              </a:rPr>
+              <a:t>9</a:t>
+            </a:r>
+            <a:endParaRPr lang="uk-UA" sz="3200" dirty="0">
+              <a:solidFill>
+                <a:schemeClr val="tx2">
+                  <a:lumMod val="75000"/>
+                </a:schemeClr>
+              </a:solidFill>
+              <a:latin typeface="Calibri" panose="020F0502020204030204" pitchFamily="34" charset="0"/>
+              <a:cs typeface="Calibri" panose="020F0502020204030204" pitchFamily="34" charset="0"/>
+            </a:endParaRPr>
+          </a:p>
+        </p:txBody>
+      </p:sp>
+      <p:sp>
+        <p:nvSpPr>
+          <p:cNvPr id="18" name="TextBox 17"/>
+          <p:cNvSpPr txBox="1"/>
+          <p:nvPr/>
+        </p:nvSpPr>
+        <p:spPr>
+          <a:xfrm>
+            <a:off x="4437135" y="173634"/>
+            <a:ext cx="3344442" cy="461665"/>
+          </a:xfrm>
+          <a:prstGeom prst="rect">
+            <a:avLst/>
+          </a:prstGeom>
+          <a:noFill/>
+        </p:spPr>
+        <p:txBody>
+          <a:bodyPr wrap="none" rtlCol="0">
+            <a:spAutoFit/>
+          </a:bodyPr>
+          <a:lstStyle/>
+          <a:p>
+            <a:r>
+              <a:rPr lang="en-US" sz="2400" dirty="0">
+                <a:solidFill>
+                  <a:schemeClr val="bg2"/>
+                </a:solidFill>
+                <a:latin typeface="Calibri" panose="020F0502020204030204" pitchFamily="34" charset="0"/>
+                <a:cs typeface="Calibri" panose="020F0502020204030204" pitchFamily="34" charset="0"/>
+              </a:rPr>
+              <a:t>f</a:t>
+            </a:r>
+            <a:r>
+              <a:rPr lang="en-US" sz="2400" dirty="0" smtClean="0">
+                <a:solidFill>
+                  <a:schemeClr val="bg2"/>
+                </a:solidFill>
+                <a:latin typeface="Calibri" panose="020F0502020204030204" pitchFamily="34" charset="0"/>
+                <a:cs typeface="Calibri" panose="020F0502020204030204" pitchFamily="34" charset="0"/>
+              </a:rPr>
+              <a:t>rom high (18) till low (6) </a:t>
+            </a:r>
+            <a:endParaRPr lang="uk-UA" sz="2400" dirty="0">
+              <a:solidFill>
+                <a:schemeClr val="bg2"/>
+              </a:solidFill>
+              <a:latin typeface="Calibri" panose="020F0502020204030204" pitchFamily="34" charset="0"/>
+              <a:cs typeface="Calibri" panose="020F0502020204030204" pitchFamily="34" charset="0"/>
+            </a:endParaRPr>
+          </a:p>
+        </p:txBody>
+      </p:sp>
+      <p:sp>
+        <p:nvSpPr>
+          <p:cNvPr id="61" name="Овал 60"/>
+          <p:cNvSpPr/>
+          <p:nvPr/>
+        </p:nvSpPr>
+        <p:spPr>
+          <a:xfrm>
+            <a:off x="4786254" y="5967018"/>
+            <a:ext cx="584774" cy="584774"/>
+          </a:xfrm>
+          <a:prstGeom prst="ellipse">
+            <a:avLst/>
+          </a:prstGeom>
+          <a:solidFill>
+            <a:schemeClr val="bg1"/>
+          </a:solidFill>
+          <a:ln>
+            <a:noFill/>
+          </a:ln>
+        </p:spPr>
+        <p:style>
+          <a:lnRef idx="2">
+            <a:schemeClr val="accent1">
+              <a:shade val="50000"/>
+            </a:schemeClr>
+          </a:lnRef>
+          <a:fillRef idx="1">
+            <a:schemeClr val="accent1"/>
+          </a:fillRef>
+          <a:effectRef idx="0">
+            <a:schemeClr val="accent1"/>
+          </a:effectRef>
+          <a:fontRef idx="minor">
+            <a:schemeClr val="lt1"/>
+          </a:fontRef>
+        </p:style>
+        <p:txBody>
+          <a:bodyPr rtlCol="0" anchor="ctr"/>
           <a:lstStyle/>
           <a:p>
             <a:pPr algn="ctr"/>
@@ -21333,13 +23195,70 @@
       </p:sp>
       <p:sp>
         <p:nvSpPr>
-          <p:cNvPr id="44" name="Прямокутник 43"/>
+          <p:cNvPr id="24" name="Округлений прямокутник 23">
+            <a:hlinkClick r:id="" action="ppaction://hlinkshowjump?jump=previousslide"/>
+          </p:cNvPr>
           <p:cNvSpPr/>
           <p:nvPr/>
         </p:nvSpPr>
         <p:spPr>
           <a:xfrm>
-            <a:off x="5604240" y="5929856"/>
+            <a:off x="1343555" y="6210904"/>
+            <a:ext cx="1711342" cy="458596"/>
+          </a:xfrm>
+          <a:prstGeom prst="roundRect">
+            <a:avLst/>
+          </a:prstGeom>
+          <a:ln/>
+        </p:spPr>
+        <p:style>
+          <a:lnRef idx="1">
+            <a:schemeClr val="accent5"/>
+          </a:lnRef>
+          <a:fillRef idx="2">
+            <a:schemeClr val="accent5"/>
+          </a:fillRef>
+          <a:effectRef idx="1">
+            <a:schemeClr val="accent5"/>
+          </a:effectRef>
+          <a:fontRef idx="minor">
+            <a:schemeClr val="dk1"/>
+          </a:fontRef>
+        </p:style>
+        <p:txBody>
+          <a:bodyPr rtlCol="0" anchor="ctr"/>
+          <a:lstStyle/>
+          <a:p>
+            <a:pPr algn="ctr"/>
+            <a:r>
+              <a:rPr lang="en-US" sz="2800" dirty="0" smtClean="0">
+                <a:solidFill>
+                  <a:schemeClr val="bg2"/>
+                </a:solidFill>
+                <a:latin typeface="Calibri" panose="020F0502020204030204" pitchFamily="34" charset="0"/>
+                <a:cs typeface="Calibri" panose="020F0502020204030204" pitchFamily="34" charset="0"/>
+              </a:rPr>
+              <a:t>Backward</a:t>
+            </a:r>
+            <a:endParaRPr lang="uk-UA" sz="2800" dirty="0">
+              <a:solidFill>
+                <a:schemeClr val="bg2"/>
+              </a:solidFill>
+              <a:latin typeface="Calibri" panose="020F0502020204030204" pitchFamily="34" charset="0"/>
+              <a:cs typeface="Calibri" panose="020F0502020204030204" pitchFamily="34" charset="0"/>
+            </a:endParaRPr>
+          </a:p>
+        </p:txBody>
+      </p:sp>
+      <p:sp>
+        <p:nvSpPr>
+          <p:cNvPr id="43" name="Прямокутник 42"/>
+          <p:cNvSpPr/>
+          <p:nvPr/>
+        </p:nvSpPr>
+        <p:spPr>
+          <a:xfrm>
+            <a:off x="1119625" y="2643662"/>
             <a:ext cx="393057" cy="584775"/>
           </a:xfrm>
           <a:prstGeom prst="rect">
@@ -21363,7 +23282,7 @@
                 <a:latin typeface="Calibri" panose="020F0502020204030204" pitchFamily="34" charset="0"/>
                 <a:cs typeface="Calibri" panose="020F0502020204030204" pitchFamily="34" charset="0"/>
               </a:rPr>
-              <a:t>6</a:t>
+              <a:t>5</a:t>
             </a:r>
             <a:endParaRPr lang="uk-UA" sz="3200" dirty="0">
               <a:solidFill>
@@ -21379,23 +23298,43 @@
       </p:sp>
       <p:sp>
         <p:nvSpPr>
-          <p:cNvPr id="47" name="Прямокутник 46"/>
+          <p:cNvPr id="69" name="Овал 68"/>
           <p:cNvSpPr/>
           <p:nvPr/>
         </p:nvSpPr>
         <p:spPr>
           <a:xfrm>
-            <a:off x="6353482" y="5929856"/>
-            <a:ext cx="393057" cy="584775"/>
+            <a:off x="9553300" y="5965792"/>
+            <a:ext cx="584774" cy="584774"/>
           </a:xfrm>
-          <a:prstGeom prst="rect">
+          <a:prstGeom prst="ellipse">
             <a:avLst/>
           </a:prstGeom>
+          <a:solidFill>
+            <a:schemeClr val="bg1"/>
+          </a:solidFill>
+          <a:ln>
+            <a:noFill/>
+          </a:ln>
         </p:spPr>
+        <p:style>
+          <a:lnRef idx="2">
+            <a:schemeClr val="accent1">
+              <a:shade val="50000"/>
+            </a:schemeClr>
+          </a:lnRef>
+          <a:fillRef idx="1">
+            <a:schemeClr val="accent1"/>
+          </a:fillRef>
+          <a:effectRef idx="0">
+            <a:schemeClr val="accent1"/>
+          </a:effectRef>
+          <a:fontRef idx="minor">
+            <a:schemeClr val="lt1"/>
+          </a:fontRef>
+        </p:style>
         <p:txBody>
-          <a:bodyPr wrap="none">
-            <a:spAutoFit/>
-          </a:bodyPr>
+          <a:bodyPr rtlCol="0" anchor="ctr"/>
           <a:lstStyle/>
           <a:p>
             <a:pPr algn="ctr"/>
@@ -21409,7 +23348,7 @@
                 <a:latin typeface="Calibri" panose="020F0502020204030204" pitchFamily="34" charset="0"/>
                 <a:cs typeface="Calibri" panose="020F0502020204030204" pitchFamily="34" charset="0"/>
               </a:rPr>
-              <a:t>7</a:t>
+              <a:t>4</a:t>
             </a:r>
             <a:endParaRPr lang="uk-UA" sz="3200" dirty="0">
               <a:solidFill>
@@ -21425,23 +23364,43 @@
       </p:sp>
       <p:sp>
         <p:nvSpPr>
-          <p:cNvPr id="48" name="Прямокутник 47"/>
+          <p:cNvPr id="71" name="Овал 70"/>
           <p:cNvSpPr/>
           <p:nvPr/>
         </p:nvSpPr>
         <p:spPr>
           <a:xfrm>
-            <a:off x="7106324" y="5926773"/>
-            <a:ext cx="393057" cy="584775"/>
+            <a:off x="8901207" y="5967018"/>
+            <a:ext cx="584774" cy="584774"/>
           </a:xfrm>
-          <a:prstGeom prst="rect">
+          <a:prstGeom prst="ellipse">
             <a:avLst/>
           </a:prstGeom>
+          <a:solidFill>
+            <a:schemeClr val="bg1"/>
+          </a:solidFill>
+          <a:ln>
+            <a:noFill/>
+          </a:ln>
         </p:spPr>
+        <p:style>
+          <a:lnRef idx="2">
+            <a:schemeClr val="accent1">
+              <a:shade val="50000"/>
+            </a:schemeClr>
+          </a:lnRef>
+          <a:fillRef idx="1">
+            <a:schemeClr val="accent1"/>
+          </a:fillRef>
+          <a:effectRef idx="0">
+            <a:schemeClr val="accent1"/>
+          </a:effectRef>
+          <a:fontRef idx="minor">
+            <a:schemeClr val="lt1"/>
+          </a:fontRef>
+        </p:style>
         <p:txBody>
-          <a:bodyPr wrap="none">
-            <a:spAutoFit/>
-          </a:bodyPr>
+          <a:bodyPr rtlCol="0" anchor="ctr"/>
           <a:lstStyle/>
           <a:p>
             <a:pPr algn="ctr"/>
@@ -21455,7 +23414,7 @@
                 <a:latin typeface="Calibri" panose="020F0502020204030204" pitchFamily="34" charset="0"/>
                 <a:cs typeface="Calibri" panose="020F0502020204030204" pitchFamily="34" charset="0"/>
               </a:rPr>
-              <a:t>8</a:t>
+              <a:t>3</a:t>
             </a:r>
             <a:endParaRPr lang="uk-UA" sz="3200" dirty="0">
               <a:solidFill>
@@ -21471,23 +23430,109 @@
       </p:sp>
       <p:sp>
         <p:nvSpPr>
-          <p:cNvPr id="49" name="Прямокутник 48"/>
+          <p:cNvPr id="72" name="Овал 71"/>
           <p:cNvSpPr/>
           <p:nvPr/>
         </p:nvSpPr>
         <p:spPr>
           <a:xfrm>
-            <a:off x="7855566" y="5926773"/>
-            <a:ext cx="393057" cy="584775"/>
+            <a:off x="8181649" y="5965792"/>
+            <a:ext cx="584774" cy="584774"/>
           </a:xfrm>
-          <a:prstGeom prst="rect">
+          <a:prstGeom prst="ellipse">
             <a:avLst/>
           </a:prstGeom>
+          <a:solidFill>
+            <a:schemeClr val="bg1"/>
+          </a:solidFill>
+          <a:ln>
+            <a:noFill/>
+          </a:ln>
         </p:spPr>
+        <p:style>
+          <a:lnRef idx="2">
+            <a:schemeClr val="accent1">
+              <a:shade val="50000"/>
+            </a:schemeClr>
+          </a:lnRef>
+          <a:fillRef idx="1">
+            <a:schemeClr val="accent1"/>
+          </a:fillRef>
+          <a:effectRef idx="0">
+            <a:schemeClr val="accent1"/>
+          </a:effectRef>
+          <a:fontRef idx="minor">
+            <a:schemeClr val="lt1"/>
+          </a:fontRef>
+        </p:style>
         <p:txBody>
-          <a:bodyPr wrap="none">
-            <a:spAutoFit/>
-          </a:bodyPr>
+          <a:bodyPr rtlCol="0" anchor="ctr"/>
+          <a:lstStyle/>
+          <a:p>
+            <a:pPr algn="ctr"/>
+            <a:r>
+              <a:rPr lang="en-US" sz="3200" dirty="0" smtClean="0">
+                <a:solidFill>
+                  <a:schemeClr val="tx2">
+                    <a:lumMod val="75000"/>
+                  </a:schemeClr>
+                </a:solidFill>
+                <a:latin typeface="Calibri" panose="020F0502020204030204" pitchFamily="34" charset="0"/>
+                <a:cs typeface="Calibri" panose="020F0502020204030204" pitchFamily="34" charset="0"/>
+              </a:rPr>
+              <a:t>2</a:t>
+            </a:r>
+            <a:endParaRPr lang="uk-UA" sz="3200" dirty="0">
+              <a:solidFill>
+                <a:schemeClr val="tx2">
+                  <a:lumMod val="75000"/>
+                </a:schemeClr>
+              </a:solidFill>
+              <a:latin typeface="Calibri" panose="020F0502020204030204" pitchFamily="34" charset="0"/>
+              <a:cs typeface="Calibri" panose="020F0502020204030204" pitchFamily="34" charset="0"/>
+            </a:endParaRPr>
+          </a:p>
+        </p:txBody>
+      </p:sp>
+      <p:sp>
+        <p:nvSpPr>
+          <p:cNvPr id="73" name="Овал 72"/>
+          <p:cNvSpPr/>
+          <p:nvPr/>
+        </p:nvSpPr>
+        <p:spPr>
+          <a:xfrm>
+            <a:off x="7529556" y="5967018"/>
+            <a:ext cx="584774" cy="584774"/>
+          </a:xfrm>
+          <a:prstGeom prst="ellipse">
+            <a:avLst/>
+          </a:prstGeom>
+          <a:solidFill>
+            <a:schemeClr val="bg1"/>
+          </a:solidFill>
+          <a:ln>
+            <a:noFill/>
+          </a:ln>
+        </p:spPr>
+        <p:style>
+          <a:lnRef idx="2">
+            <a:schemeClr val="accent1">
+              <a:shade val="50000"/>
+            </a:schemeClr>
+          </a:lnRef>
+          <a:fillRef idx="1">
+            <a:schemeClr val="accent1"/>
+          </a:fillRef>
+          <a:effectRef idx="0">
+            <a:schemeClr val="accent1"/>
+          </a:effectRef>
+          <a:fontRef idx="minor">
+            <a:schemeClr val="lt1"/>
+          </a:fontRef>
+        </p:style>
+        <p:txBody>
+          <a:bodyPr rtlCol="0" anchor="ctr"/>
           <a:lstStyle/>
           <a:p>
             <a:pPr algn="ctr"/>
@@ -21517,161 +23562,43 @@
       </p:sp>
       <p:sp>
         <p:nvSpPr>
-          <p:cNvPr id="50" name="Прямокутник 49"/>
+          <p:cNvPr id="74" name="Овал 73"/>
           <p:cNvSpPr/>
           <p:nvPr/>
         </p:nvSpPr>
         <p:spPr>
           <a:xfrm>
-            <a:off x="8604808" y="5926772"/>
-            <a:ext cx="393057" cy="584775"/>
+            <a:off x="10272858" y="5965792"/>
+            <a:ext cx="584774" cy="584774"/>
           </a:xfrm>
-          <a:prstGeom prst="rect">
+          <a:prstGeom prst="ellipse">
             <a:avLst/>
           </a:prstGeom>
+          <a:solidFill>
+            <a:schemeClr val="bg1"/>
+          </a:solidFill>
+          <a:ln>
+            <a:noFill/>
+          </a:ln>
         </p:spPr>
+        <p:style>
+          <a:lnRef idx="2">
+            <a:schemeClr val="accent1">
+              <a:shade val="50000"/>
+            </a:schemeClr>
+          </a:lnRef>
+          <a:fillRef idx="1">
+            <a:schemeClr val="accent1"/>
+          </a:fillRef>
+          <a:effectRef idx="0">
+            <a:schemeClr val="accent1"/>
+          </a:effectRef>
+          <a:fontRef idx="minor">
+            <a:schemeClr val="lt1"/>
+          </a:fontRef>
+        </p:style>
         <p:txBody>
-          <a:bodyPr wrap="none">
-            <a:spAutoFit/>
-          </a:bodyPr>
-          <a:lstStyle/>
-          <a:p>
-            <a:pPr algn="ctr"/>
-            <a:r>
-              <a:rPr lang="en-US" sz="3200" dirty="0" smtClean="0">
-                <a:solidFill>
-                  <a:schemeClr val="tx2">
-                    <a:lumMod val="75000"/>
-                  </a:schemeClr>
-                </a:solidFill>
-                <a:latin typeface="Calibri" panose="020F0502020204030204" pitchFamily="34" charset="0"/>
-                <a:cs typeface="Calibri" panose="020F0502020204030204" pitchFamily="34" charset="0"/>
-              </a:rPr>
-              <a:t>2</a:t>
-            </a:r>
-            <a:endParaRPr lang="uk-UA" sz="3200" dirty="0">
-              <a:solidFill>
-                <a:schemeClr val="tx2">
-                  <a:lumMod val="75000"/>
-                </a:schemeClr>
-              </a:solidFill>
-              <a:latin typeface="Calibri" panose="020F0502020204030204" pitchFamily="34" charset="0"/>
-              <a:cs typeface="Calibri" panose="020F0502020204030204" pitchFamily="34" charset="0"/>
-            </a:endParaRPr>
-          </a:p>
-        </p:txBody>
-      </p:sp>
-      <p:sp>
-        <p:nvSpPr>
-          <p:cNvPr id="51" name="Прямокутник 50"/>
-          <p:cNvSpPr/>
-          <p:nvPr/>
-        </p:nvSpPr>
-        <p:spPr>
-          <a:xfrm>
-            <a:off x="9354050" y="5926771"/>
-            <a:ext cx="393057" cy="584775"/>
-          </a:xfrm>
-          <a:prstGeom prst="rect">
-            <a:avLst/>
-          </a:prstGeom>
-        </p:spPr>
-        <p:txBody>
-          <a:bodyPr wrap="none">
-            <a:spAutoFit/>
-          </a:bodyPr>
-          <a:lstStyle/>
-          <a:p>
-            <a:pPr algn="ctr"/>
-            <a:r>
-              <a:rPr lang="en-US" sz="3200" dirty="0" smtClean="0">
-                <a:solidFill>
-                  <a:schemeClr val="tx2">
-                    <a:lumMod val="75000"/>
-                  </a:schemeClr>
-                </a:solidFill>
-                <a:latin typeface="Calibri" panose="020F0502020204030204" pitchFamily="34" charset="0"/>
-                <a:cs typeface="Calibri" panose="020F0502020204030204" pitchFamily="34" charset="0"/>
-              </a:rPr>
-              <a:t>3</a:t>
-            </a:r>
-            <a:endParaRPr lang="uk-UA" sz="3200" dirty="0">
-              <a:solidFill>
-                <a:schemeClr val="tx2">
-                  <a:lumMod val="75000"/>
-                </a:schemeClr>
-              </a:solidFill>
-              <a:latin typeface="Calibri" panose="020F0502020204030204" pitchFamily="34" charset="0"/>
-              <a:cs typeface="Calibri" panose="020F0502020204030204" pitchFamily="34" charset="0"/>
-            </a:endParaRPr>
-          </a:p>
-        </p:txBody>
-      </p:sp>
-      <p:sp>
-        <p:nvSpPr>
-          <p:cNvPr id="52" name="Прямокутник 51"/>
-          <p:cNvSpPr/>
-          <p:nvPr/>
-        </p:nvSpPr>
-        <p:spPr>
-          <a:xfrm>
-            <a:off x="10103292" y="5926770"/>
-            <a:ext cx="393057" cy="584775"/>
-          </a:xfrm>
-          <a:prstGeom prst="rect">
-            <a:avLst/>
-          </a:prstGeom>
-        </p:spPr>
-        <p:txBody>
-          <a:bodyPr wrap="none">
-            <a:spAutoFit/>
-          </a:bodyPr>
-          <a:lstStyle/>
-          <a:p>
-            <a:pPr algn="ctr"/>
-            <a:r>
-              <a:rPr lang="en-US" sz="3200" dirty="0" smtClean="0">
-                <a:solidFill>
-                  <a:schemeClr val="tx2">
-                    <a:lumMod val="75000"/>
-                  </a:schemeClr>
-                </a:solidFill>
-                <a:latin typeface="Calibri" panose="020F0502020204030204" pitchFamily="34" charset="0"/>
-                <a:cs typeface="Calibri" panose="020F0502020204030204" pitchFamily="34" charset="0"/>
-              </a:rPr>
-              <a:t>4</a:t>
-            </a:r>
-            <a:endParaRPr lang="uk-UA" sz="3200" dirty="0">
-              <a:solidFill>
-                <a:schemeClr val="tx2">
-                  <a:lumMod val="75000"/>
-                </a:schemeClr>
-              </a:solidFill>
-              <a:latin typeface="Calibri" panose="020F0502020204030204" pitchFamily="34" charset="0"/>
-              <a:cs typeface="Calibri" panose="020F0502020204030204" pitchFamily="34" charset="0"/>
-            </a:endParaRPr>
-          </a:p>
-        </p:txBody>
-      </p:sp>
-      <p:sp>
-        <p:nvSpPr>
-          <p:cNvPr id="53" name="Прямокутник 52"/>
-          <p:cNvSpPr/>
-          <p:nvPr/>
-        </p:nvSpPr>
-        <p:spPr>
-          <a:xfrm>
-            <a:off x="10852534" y="5926769"/>
-            <a:ext cx="393057" cy="584775"/>
-          </a:xfrm>
-          <a:prstGeom prst="rect">
-            <a:avLst/>
-          </a:prstGeom>
-        </p:spPr>
-        <p:txBody>
-          <a:bodyPr wrap="none">
-            <a:spAutoFit/>
-          </a:bodyPr>
+          <a:bodyPr rtlCol="0" anchor="ctr"/>
           <a:lstStyle/>
           <a:p>
             <a:pPr algn="ctr"/>
@@ -21702,7 +23629,7 @@
     </p:spTree>
     <p:extLst>
       <p:ext uri="{BB962C8B-B14F-4D97-AF65-F5344CB8AC3E}">
-        <p14:creationId xmlns:p14="http://schemas.microsoft.com/office/powerpoint/2010/main" val="903858488"/>
+        <p14:creationId xmlns:p14="http://schemas.microsoft.com/office/powerpoint/2010/main" val="924760950"/>
       </p:ext>
     </p:extLst>
   </p:cSld>
@@ -21711,18 +23638,619 @@
   </p:clrMapOvr>
   <mc:AlternateContent xmlns:mc="http://schemas.openxmlformats.org/markup-compatibility/2006">
     <mc:Choice xmlns:p14="http://schemas.microsoft.com/office/powerpoint/2010/main" Requires="p14">
-      <p:transition spd="slow" p14:dur="2000"/>
+      <p:transition spd="slow" p14:dur="2000" advClick="0"/>
     </mc:Choice>
     <mc:Fallback>
-      <p:transition spd="slow"/>
+      <p:transition spd="slow" advClick="0"/>
     </mc:Fallback>
   </mc:AlternateContent>
   <p:timing>
     <p:tnLst>
       <p:par>
-        <p:cTn id="1" dur="indefinite" restart="never" nodeType="tmRoot"/>
+        <p:cTn id="1" dur="indefinite" restart="never" nodeType="tmRoot">
+          <p:childTnLst>
+            <p:seq concurrent="1" nextAc="seek">
+              <p:cTn id="2" dur="indefinite" nodeType="mainSeq">
+                <p:childTnLst>
+                  <p:par>
+                    <p:cTn id="3" fill="hold">
+                      <p:stCondLst>
+                        <p:cond delay="indefinite"/>
+                        <p:cond evt="onBegin" delay="0">
+                          <p:tn val="2"/>
+                        </p:cond>
+                      </p:stCondLst>
+                      <p:childTnLst>
+                        <p:par>
+                          <p:cTn id="4" fill="hold">
+                            <p:stCondLst>
+                              <p:cond delay="0"/>
+                            </p:stCondLst>
+                            <p:childTnLst>
+                              <p:par>
+                                <p:cTn id="5" presetID="22" presetClass="entr" presetSubtype="4" fill="hold" grpId="0" nodeType="afterEffect">
+                                  <p:stCondLst>
+                                    <p:cond delay="0"/>
+                                  </p:stCondLst>
+                                  <p:childTnLst>
+                                    <p:set>
+                                      <p:cBhvr>
+                                        <p:cTn id="6" dur="1" fill="hold">
+                                          <p:stCondLst>
+                                            <p:cond delay="0"/>
+                                          </p:stCondLst>
+                                        </p:cTn>
+                                        <p:tgtEl>
+                                          <p:spTgt spid="18"/>
+                                        </p:tgtEl>
+                                        <p:attrNameLst>
+                                          <p:attrName>style.visibility</p:attrName>
+                                        </p:attrNameLst>
+                                      </p:cBhvr>
+                                      <p:to>
+                                        <p:strVal val="visible"/>
+                                      </p:to>
+                                    </p:set>
+                                    <p:animEffect transition="in" filter="wipe(down)">
+                                      <p:cBhvr>
+                                        <p:cTn id="7" dur="500"/>
+                                        <p:tgtEl>
+                                          <p:spTgt spid="18"/>
+                                        </p:tgtEl>
+                                      </p:cBhvr>
+                                    </p:animEffect>
+                                  </p:childTnLst>
+                                </p:cTn>
+                              </p:par>
+                            </p:childTnLst>
+                          </p:cTn>
+                        </p:par>
+                        <p:par>
+                          <p:cTn id="8" fill="hold">
+                            <p:stCondLst>
+                              <p:cond delay="500"/>
+                            </p:stCondLst>
+                            <p:childTnLst>
+                              <p:par>
+                                <p:cTn id="9" presetID="42" presetClass="path" presetSubtype="0" accel="50000" decel="50000" fill="hold" grpId="0" nodeType="afterEffect">
+                                  <p:stCondLst>
+                                    <p:cond delay="0"/>
+                                  </p:stCondLst>
+                                  <p:childTnLst>
+                                    <p:animMotion origin="layout" path="M 0.00013 7.40741E-7 L 0.30847 0.4838 " pathEditMode="relative" rAng="0" ptsTypes="AA">
+                                      <p:cBhvr>
+                                        <p:cTn id="10" dur="2000" fill="hold"/>
+                                        <p:tgtEl>
+                                          <p:spTgt spid="43"/>
+                                        </p:tgtEl>
+                                        <p:attrNameLst>
+                                          <p:attrName>ppt_x</p:attrName>
+                                          <p:attrName>ppt_y</p:attrName>
+                                        </p:attrNameLst>
+                                      </p:cBhvr>
+                                      <p:rCtr x="15417" y="24190"/>
+                                    </p:animMotion>
+                                  </p:childTnLst>
+                                </p:cTn>
+                              </p:par>
+                              <p:par>
+                                <p:cTn id="11" presetID="42" presetClass="path" presetSubtype="0" accel="50000" decel="50000" fill="hold" grpId="0" nodeType="withEffect">
+                                  <p:stCondLst>
+                                    <p:cond delay="0"/>
+                                  </p:stCondLst>
+                                  <p:childTnLst>
+                                    <p:animMotion origin="layout" path="M -1.66667E-6 -3.7037E-6 L 0.36315 0.24074 " pathEditMode="relative" rAng="0" ptsTypes="AA">
+                                      <p:cBhvr>
+                                        <p:cTn id="12" dur="2000" fill="hold"/>
+                                        <p:tgtEl>
+                                          <p:spTgt spid="44"/>
+                                        </p:tgtEl>
+                                        <p:attrNameLst>
+                                          <p:attrName>ppt_x</p:attrName>
+                                          <p:attrName>ppt_y</p:attrName>
+                                        </p:attrNameLst>
+                                      </p:cBhvr>
+                                      <p:rCtr x="18151" y="12037"/>
+                                    </p:animMotion>
+                                  </p:childTnLst>
+                                </p:cTn>
+                              </p:par>
+                              <p:par>
+                                <p:cTn id="13" presetID="42" presetClass="path" presetSubtype="0" accel="50000" decel="50000" fill="hold" grpId="0" nodeType="withEffect">
+                                  <p:stCondLst>
+                                    <p:cond delay="0"/>
+                                  </p:stCondLst>
+                                  <p:childTnLst>
+                                    <p:animMotion origin="layout" path="M -2.29167E-6 4.07407E-6 L 0.23659 0.10046 " pathEditMode="relative" rAng="0" ptsTypes="AA">
+                                      <p:cBhvr>
+                                        <p:cTn id="14" dur="2000" fill="hold"/>
+                                        <p:tgtEl>
+                                          <p:spTgt spid="47"/>
+                                        </p:tgtEl>
+                                        <p:attrNameLst>
+                                          <p:attrName>ppt_x</p:attrName>
+                                          <p:attrName>ppt_y</p:attrName>
+                                        </p:attrNameLst>
+                                      </p:cBhvr>
+                                      <p:rCtr x="11823" y="5023"/>
+                                    </p:animMotion>
+                                  </p:childTnLst>
+                                </p:cTn>
+                              </p:par>
+                              <p:par>
+                                <p:cTn id="15" presetID="42" presetClass="path" presetSubtype="0" accel="50000" decel="50000" fill="hold" grpId="0" nodeType="withEffect">
+                                  <p:stCondLst>
+                                    <p:cond delay="0"/>
+                                  </p:stCondLst>
+                                  <p:childTnLst>
+                                    <p:animMotion origin="layout" path="M -1.875E-6 3.7037E-7 L 0.29675 0.38889 " pathEditMode="relative" rAng="0" ptsTypes="AA">
+                                      <p:cBhvr>
+                                        <p:cTn id="16" dur="2000" fill="hold"/>
+                                        <p:tgtEl>
+                                          <p:spTgt spid="48"/>
+                                        </p:tgtEl>
+                                        <p:attrNameLst>
+                                          <p:attrName>ppt_x</p:attrName>
+                                          <p:attrName>ppt_y</p:attrName>
+                                        </p:attrNameLst>
+                                      </p:cBhvr>
+                                      <p:rCtr x="14831" y="19444"/>
+                                    </p:animMotion>
+                                  </p:childTnLst>
+                                </p:cTn>
+                              </p:par>
+                              <p:par>
+                                <p:cTn id="17" presetID="42" presetClass="path" presetSubtype="0" accel="50000" decel="50000" fill="hold" grpId="0" nodeType="withEffect">
+                                  <p:stCondLst>
+                                    <p:cond delay="0"/>
+                                  </p:stCondLst>
+                                  <p:childTnLst>
+                                    <p:animMotion origin="layout" path="M -2.70833E-6 -1.48148E-6 L 0.54987 0.74954 " pathEditMode="relative" rAng="0" ptsTypes="AA">
+                                      <p:cBhvr>
+                                        <p:cTn id="18" dur="2000" fill="hold"/>
+                                        <p:tgtEl>
+                                          <p:spTgt spid="49"/>
+                                        </p:tgtEl>
+                                        <p:attrNameLst>
+                                          <p:attrName>ppt_x</p:attrName>
+                                          <p:attrName>ppt_y</p:attrName>
+                                        </p:attrNameLst>
+                                      </p:cBhvr>
+                                      <p:rCtr x="27487" y="37477"/>
+                                    </p:animMotion>
+                                  </p:childTnLst>
+                                </p:cTn>
+                              </p:par>
+                              <p:par>
+                                <p:cTn id="19" presetID="42" presetClass="path" presetSubtype="0" accel="50000" decel="50000" fill="hold" grpId="0" nodeType="withEffect">
+                                  <p:stCondLst>
+                                    <p:cond delay="0"/>
+                                  </p:stCondLst>
+                                  <p:childTnLst>
+                                    <p:animMotion origin="layout" path="M -3.125E-6 1.11111E-6 L 0.42214 0.67963 " pathEditMode="relative" rAng="0" ptsTypes="AA">
+                                      <p:cBhvr>
+                                        <p:cTn id="20" dur="2000" fill="hold"/>
+                                        <p:tgtEl>
+                                          <p:spTgt spid="50"/>
+                                        </p:tgtEl>
+                                        <p:attrNameLst>
+                                          <p:attrName>ppt_x</p:attrName>
+                                          <p:attrName>ppt_y</p:attrName>
+                                        </p:attrNameLst>
+                                      </p:cBhvr>
+                                      <p:rCtr x="21107" y="33981"/>
+                                    </p:animMotion>
+                                  </p:childTnLst>
+                                </p:cTn>
+                              </p:par>
+                              <p:par>
+                                <p:cTn id="21" presetID="42" presetClass="path" presetSubtype="0" accel="50000" decel="50000" fill="hold" grpId="0" nodeType="withEffect">
+                                  <p:stCondLst>
+                                    <p:cond delay="0"/>
+                                  </p:stCondLst>
+                                  <p:childTnLst>
+                                    <p:animMotion origin="layout" path="M -3.75E-6 -1.48148E-6 L 0.29467 0.59491 " pathEditMode="relative" rAng="0" ptsTypes="AA">
+                                      <p:cBhvr>
+                                        <p:cTn id="22" dur="2000" fill="hold"/>
+                                        <p:tgtEl>
+                                          <p:spTgt spid="51"/>
+                                        </p:tgtEl>
+                                        <p:attrNameLst>
+                                          <p:attrName>ppt_x</p:attrName>
+                                          <p:attrName>ppt_y</p:attrName>
+                                        </p:attrNameLst>
+                                      </p:cBhvr>
+                                      <p:rCtr x="14727" y="29745"/>
+                                    </p:animMotion>
+                                  </p:childTnLst>
+                                </p:cTn>
+                              </p:par>
+                              <p:par>
+                                <p:cTn id="23" presetID="42" presetClass="path" presetSubtype="0" accel="50000" decel="50000" fill="hold" grpId="0" nodeType="withEffect">
+                                  <p:stCondLst>
+                                    <p:cond delay="0"/>
+                                  </p:stCondLst>
+                                  <p:childTnLst>
+                                    <p:animMotion origin="layout" path="M -2.91667E-6 7.40741E-7 L 0.17032 0.47801 " pathEditMode="relative" rAng="0" ptsTypes="AA">
+                                      <p:cBhvr>
+                                        <p:cTn id="24" dur="2000" fill="hold"/>
+                                        <p:tgtEl>
+                                          <p:spTgt spid="52"/>
+                                        </p:tgtEl>
+                                        <p:attrNameLst>
+                                          <p:attrName>ppt_x</p:attrName>
+                                          <p:attrName>ppt_y</p:attrName>
+                                        </p:attrNameLst>
+                                      </p:cBhvr>
+                                      <p:rCtr x="8516" y="23889"/>
+                                    </p:animMotion>
+                                  </p:childTnLst>
+                                </p:cTn>
+                              </p:par>
+                              <p:par>
+                                <p:cTn id="25" presetID="42" presetClass="path" presetSubtype="0" accel="50000" decel="50000" fill="hold" grpId="0" nodeType="withEffect">
+                                  <p:stCondLst>
+                                    <p:cond delay="0"/>
+                                  </p:stCondLst>
+                                  <p:childTnLst>
+                                    <p:animMotion origin="layout" path="M -3.75E-6 -2.96296E-6 L 0.41498 0.27523 " pathEditMode="relative" rAng="0" ptsTypes="AA">
+                                      <p:cBhvr>
+                                        <p:cTn id="26" dur="2000" fill="hold"/>
+                                        <p:tgtEl>
+                                          <p:spTgt spid="53"/>
+                                        </p:tgtEl>
+                                        <p:attrNameLst>
+                                          <p:attrName>ppt_x</p:attrName>
+                                          <p:attrName>ppt_y</p:attrName>
+                                        </p:attrNameLst>
+                                      </p:cBhvr>
+                                      <p:rCtr x="20742" y="13750"/>
+                                    </p:animMotion>
+                                  </p:childTnLst>
+                                </p:cTn>
+                              </p:par>
+                            </p:childTnLst>
+                          </p:cTn>
+                        </p:par>
+                        <p:par>
+                          <p:cTn id="27" fill="hold">
+                            <p:stCondLst>
+                              <p:cond delay="2500"/>
+                            </p:stCondLst>
+                            <p:childTnLst>
+                              <p:par>
+                                <p:cTn id="28" presetID="22" presetClass="entr" presetSubtype="1" fill="hold" grpId="0" nodeType="afterEffect">
+                                  <p:stCondLst>
+                                    <p:cond delay="0"/>
+                                  </p:stCondLst>
+                                  <p:childTnLst>
+                                    <p:set>
+                                      <p:cBhvr>
+                                        <p:cTn id="29" dur="1" fill="hold">
+                                          <p:stCondLst>
+                                            <p:cond delay="0"/>
+                                          </p:stCondLst>
+                                        </p:cTn>
+                                        <p:tgtEl>
+                                          <p:spTgt spid="24"/>
+                                        </p:tgtEl>
+                                        <p:attrNameLst>
+                                          <p:attrName>style.visibility</p:attrName>
+                                        </p:attrNameLst>
+                                      </p:cBhvr>
+                                      <p:to>
+                                        <p:strVal val="visible"/>
+                                      </p:to>
+                                    </p:set>
+                                    <p:animEffect transition="in" filter="wipe(up)">
+                                      <p:cBhvr>
+                                        <p:cTn id="30" dur="1000"/>
+                                        <p:tgtEl>
+                                          <p:spTgt spid="24"/>
+                                        </p:tgtEl>
+                                      </p:cBhvr>
+                                    </p:animEffect>
+                                  </p:childTnLst>
+                                </p:cTn>
+                              </p:par>
+                            </p:childTnLst>
+                          </p:cTn>
+                        </p:par>
+                      </p:childTnLst>
+                    </p:cTn>
+                  </p:par>
+                </p:childTnLst>
+              </p:cTn>
+              <p:prevCondLst>
+                <p:cond evt="onPrev" delay="0">
+                  <p:tgtEl>
+                    <p:sldTgt/>
+                  </p:tgtEl>
+                </p:cond>
+              </p:prevCondLst>
+              <p:nextCondLst>
+                <p:cond evt="onNext" delay="0">
+                  <p:tgtEl>
+                    <p:sldTgt/>
+                  </p:tgtEl>
+                </p:cond>
+              </p:nextCondLst>
+            </p:seq>
+          </p:childTnLst>
+        </p:cTn>
       </p:par>
     </p:tnLst>
+    <p:bldLst>
+      <p:bldP spid="44" grpId="0"/>
+      <p:bldP spid="47" grpId="0"/>
+      <p:bldP spid="48" grpId="0"/>
+      <p:bldP spid="49" grpId="0"/>
+      <p:bldP spid="50" grpId="0"/>
+      <p:bldP spid="51" grpId="0"/>
+      <p:bldP spid="52" grpId="0"/>
+      <p:bldP spid="53" grpId="0"/>
+      <p:bldP spid="18" grpId="0"/>
+      <p:bldP spid="24" grpId="0" animBg="1"/>
+      <p:bldP spid="43" grpId="0"/>
+    </p:bldLst>
+  </p:timing>
+</p:sld>
+</file>
+
+<file path=ppt/slides/slide6.xml><?xml version="1.0" encoding="utf-8"?>
+<p:sld xmlns:a="http://schemas.openxmlformats.org/drawingml/2006/main" xmlns:r="http://schemas.openxmlformats.org/officeDocument/2006/relationships" xmlns:p="http://schemas.openxmlformats.org/presentationml/2006/main">
+  <p:cSld>
+    <p:spTree>
+      <p:nvGrpSpPr>
+        <p:cNvPr id="1" name=""/>
+        <p:cNvGrpSpPr/>
+        <p:nvPr/>
+      </p:nvGrpSpPr>
+      <p:grpSpPr>
+        <a:xfrm>
+          <a:off x="0" y="0"/>
+          <a:ext cx="0" cy="0"/>
+          <a:chOff x="0" y="0"/>
+          <a:chExt cx="0" cy="0"/>
+        </a:xfrm>
+      </p:grpSpPr>
+      <p:sp>
+        <p:nvSpPr>
+          <p:cNvPr id="2" name="TextBox 1"/>
+          <p:cNvSpPr txBox="1"/>
+          <p:nvPr/>
+        </p:nvSpPr>
+        <p:spPr>
+          <a:xfrm>
+            <a:off x="3741821" y="625642"/>
+            <a:ext cx="4078809" cy="584775"/>
+          </a:xfrm>
+          <a:prstGeom prst="rect">
+            <a:avLst/>
+          </a:prstGeom>
+          <a:noFill/>
+        </p:spPr>
+        <p:txBody>
+          <a:bodyPr wrap="none" rtlCol="0">
+            <a:spAutoFit/>
+          </a:bodyPr>
+          <a:lstStyle/>
+          <a:p>
+            <a:r>
+              <a:rPr lang="en-US" sz="3200" dirty="0" smtClean="0">
+                <a:solidFill>
+                  <a:schemeClr val="bg2"/>
+                </a:solidFill>
+                <a:latin typeface="Calibri" panose="020F0502020204030204" pitchFamily="34" charset="0"/>
+                <a:cs typeface="Calibri" panose="020F0502020204030204" pitchFamily="34" charset="0"/>
+              </a:rPr>
+              <a:t>Thank you for watching</a:t>
+            </a:r>
+            <a:endParaRPr lang="uk-UA" sz="3200" dirty="0">
+              <a:solidFill>
+                <a:schemeClr val="bg2"/>
+              </a:solidFill>
+              <a:latin typeface="Calibri" panose="020F0502020204030204" pitchFamily="34" charset="0"/>
+              <a:cs typeface="Calibri" panose="020F0502020204030204" pitchFamily="34" charset="0"/>
+            </a:endParaRPr>
+          </a:p>
+        </p:txBody>
+      </p:sp>
+      <p:pic>
+        <p:nvPicPr>
+          <p:cNvPr id="3" name="Рисунок 2"/>
+          <p:cNvPicPr>
+            <a:picLocks noChangeAspect="1"/>
+          </p:cNvPicPr>
+          <p:nvPr/>
+        </p:nvPicPr>
+        <p:blipFill>
+          <a:blip r:embed="rId2">
+            <a:extLst>
+              <a:ext uri="{28A0092B-C50C-407E-A947-70E740481C1C}">
+                <a14:useLocalDpi xmlns:a14="http://schemas.microsoft.com/office/drawing/2010/main" val="0"/>
+              </a:ext>
+            </a:extLst>
+          </a:blip>
+          <a:stretch>
+            <a:fillRect/>
+          </a:stretch>
+        </p:blipFill>
+        <p:spPr>
+          <a:xfrm>
+            <a:off x="3334804" y="1790867"/>
+            <a:ext cx="4892842" cy="4383170"/>
+          </a:xfrm>
+          <a:prstGeom prst="rect">
+            <a:avLst/>
+          </a:prstGeom>
+          <a:ln>
+            <a:noFill/>
+          </a:ln>
+          <a:effectLst>
+            <a:outerShdw blurRad="292100" dist="139700" dir="2700000" algn="tl" rotWithShape="0">
+              <a:srgbClr val="333333">
+                <a:alpha val="65000"/>
+              </a:srgbClr>
+            </a:outerShdw>
+          </a:effectLst>
+        </p:spPr>
+      </p:pic>
+      <p:sp>
+        <p:nvSpPr>
+          <p:cNvPr id="4" name="Округлений прямокутник 3">
+            <a:hlinkClick r:id="rId3" action="ppaction://hlinksldjump"/>
+          </p:cNvPr>
+          <p:cNvSpPr/>
+          <p:nvPr/>
+        </p:nvSpPr>
+        <p:spPr>
+          <a:xfrm>
+            <a:off x="1678845" y="6188883"/>
+            <a:ext cx="1127677" cy="458596"/>
+          </a:xfrm>
+          <a:prstGeom prst="roundRect">
+            <a:avLst/>
+          </a:prstGeom>
+          <a:ln/>
+        </p:spPr>
+        <p:style>
+          <a:lnRef idx="1">
+            <a:schemeClr val="accent5"/>
+          </a:lnRef>
+          <a:fillRef idx="2">
+            <a:schemeClr val="accent5"/>
+          </a:fillRef>
+          <a:effectRef idx="1">
+            <a:schemeClr val="accent5"/>
+          </a:effectRef>
+          <a:fontRef idx="minor">
+            <a:schemeClr val="dk1"/>
+          </a:fontRef>
+        </p:style>
+        <p:txBody>
+          <a:bodyPr rtlCol="0" anchor="ctr"/>
+          <a:lstStyle/>
+          <a:p>
+            <a:pPr algn="ctr"/>
+            <a:r>
+              <a:rPr lang="en-US" sz="2800" dirty="0" smtClean="0">
+                <a:solidFill>
+                  <a:schemeClr val="bg2"/>
+                </a:solidFill>
+                <a:latin typeface="Calibri" panose="020F0502020204030204" pitchFamily="34" charset="0"/>
+                <a:cs typeface="Calibri" panose="020F0502020204030204" pitchFamily="34" charset="0"/>
+              </a:rPr>
+              <a:t>Finish</a:t>
+            </a:r>
+            <a:endParaRPr lang="uk-UA" sz="2800" dirty="0">
+              <a:solidFill>
+                <a:schemeClr val="bg2"/>
+              </a:solidFill>
+              <a:latin typeface="Calibri" panose="020F0502020204030204" pitchFamily="34" charset="0"/>
+              <a:cs typeface="Calibri" panose="020F0502020204030204" pitchFamily="34" charset="0"/>
+            </a:endParaRPr>
+          </a:p>
+        </p:txBody>
+      </p:sp>
+    </p:spTree>
+    <p:extLst>
+      <p:ext uri="{BB962C8B-B14F-4D97-AF65-F5344CB8AC3E}">
+        <p14:creationId xmlns:p14="http://schemas.microsoft.com/office/powerpoint/2010/main" val="4197224560"/>
+      </p:ext>
+    </p:extLst>
+  </p:cSld>
+  <p:clrMapOvr>
+    <a:masterClrMapping/>
+  </p:clrMapOvr>
+  <p:timing>
+    <p:tnLst>
+      <p:par>
+        <p:cTn id="1" dur="indefinite" restart="never" nodeType="tmRoot">
+          <p:childTnLst>
+            <p:seq concurrent="1" nextAc="seek">
+              <p:cTn id="2" dur="indefinite" nodeType="mainSeq">
+                <p:childTnLst>
+                  <p:par>
+                    <p:cTn id="3" fill="hold">
+                      <p:stCondLst>
+                        <p:cond delay="indefinite"/>
+                        <p:cond evt="onBegin" delay="0">
+                          <p:tn val="2"/>
+                        </p:cond>
+                      </p:stCondLst>
+                      <p:childTnLst>
+                        <p:par>
+                          <p:cTn id="4" fill="hold">
+                            <p:stCondLst>
+                              <p:cond delay="0"/>
+                            </p:stCondLst>
+                            <p:childTnLst>
+                              <p:par>
+                                <p:cTn id="5" presetID="22" presetClass="entr" presetSubtype="1" fill="hold" grpId="0" nodeType="afterEffect">
+                                  <p:stCondLst>
+                                    <p:cond delay="0"/>
+                                  </p:stCondLst>
+                                  <p:childTnLst>
+                                    <p:set>
+                                      <p:cBhvr>
+                                        <p:cTn id="6" dur="1" fill="hold">
+                                          <p:stCondLst>
+                                            <p:cond delay="0"/>
+                                          </p:stCondLst>
+                                        </p:cTn>
+                                        <p:tgtEl>
+                                          <p:spTgt spid="4"/>
+                                        </p:tgtEl>
+                                        <p:attrNameLst>
+                                          <p:attrName>style.visibility</p:attrName>
+                                        </p:attrNameLst>
+                                      </p:cBhvr>
+                                      <p:to>
+                                        <p:strVal val="visible"/>
+                                      </p:to>
+                                    </p:set>
+                                    <p:animEffect transition="in" filter="wipe(up)">
+                                      <p:cBhvr>
+                                        <p:cTn id="7" dur="1000"/>
+                                        <p:tgtEl>
+                                          <p:spTgt spid="4"/>
+                                        </p:tgtEl>
+                                      </p:cBhvr>
+                                    </p:animEffect>
+                                  </p:childTnLst>
+                                </p:cTn>
+                              </p:par>
+                            </p:childTnLst>
+                          </p:cTn>
+                        </p:par>
+                      </p:childTnLst>
+                    </p:cTn>
+                  </p:par>
+                </p:childTnLst>
+              </p:cTn>
+              <p:prevCondLst>
+                <p:cond evt="onPrev" delay="0">
+                  <p:tgtEl>
+                    <p:sldTgt/>
+                  </p:tgtEl>
+                </p:cond>
+              </p:prevCondLst>
+              <p:nextCondLst>
+                <p:cond evt="onNext" delay="0">
+                  <p:tgtEl>
+                    <p:sldTgt/>
+                  </p:tgtEl>
+                </p:cond>
+              </p:nextCondLst>
+            </p:seq>
+          </p:childTnLst>
+        </p:cTn>
+      </p:par>
+    </p:tnLst>
+    <p:bldLst>
+      <p:bldP spid="4" grpId="0" animBg="1"/>
+    </p:bldLst>
   </p:timing>
 </p:sld>
 </file>

--- a/top_sort.pptx
+++ b/top_sort.pptx
@@ -167,7 +167,7 @@
           <a:noFill/>
           <a:extLst>
             <a:ext uri="{909E8E84-426E-40dd-AFC4-6F175D3DCCD1}">
-              <a14:hiddenFill xmlns:a14="http://schemas.microsoft.com/office/drawing/2010/main" xmlns="">
+              <a14:hiddenFill xmlns="" xmlns:a14="http://schemas.microsoft.com/office/drawing/2010/main">
                 <a:solidFill>
                   <a:srgbClr val="FFFFFF"/>
                 </a:solidFill>
@@ -227,7 +227,7 @@
             </a:ln>
             <a:extLst>
               <a:ext uri="{91240B29-F687-4f45-9708-019B960494DF}">
-                <a14:hiddenLine xmlns:a14="http://schemas.microsoft.com/office/drawing/2010/main" xmlns="" w="9525">
+                <a14:hiddenLine xmlns="" xmlns:a14="http://schemas.microsoft.com/office/drawing/2010/main" w="9525">
                   <a:solidFill>
                     <a:srgbClr val="000000"/>
                   </a:solidFill>
@@ -317,7 +317,7 @@
             </a:ln>
             <a:extLst>
               <a:ext uri="{91240B29-F687-4f45-9708-019B960494DF}">
-                <a14:hiddenLine xmlns:a14="http://schemas.microsoft.com/office/drawing/2010/main" xmlns="" w="9525">
+                <a14:hiddenLine xmlns="" xmlns:a14="http://schemas.microsoft.com/office/drawing/2010/main" w="9525">
                   <a:solidFill>
                     <a:srgbClr val="000000"/>
                   </a:solidFill>
@@ -407,7 +407,7 @@
             </a:ln>
             <a:extLst>
               <a:ext uri="{91240B29-F687-4f45-9708-019B960494DF}">
-                <a14:hiddenLine xmlns:a14="http://schemas.microsoft.com/office/drawing/2010/main" xmlns="" w="9525">
+                <a14:hiddenLine xmlns="" xmlns:a14="http://schemas.microsoft.com/office/drawing/2010/main" w="9525">
                   <a:solidFill>
                     <a:srgbClr val="000000"/>
                   </a:solidFill>
@@ -441,7 +441,7 @@
             </a:ln>
             <a:extLst>
               <a:ext uri="{91240B29-F687-4f45-9708-019B960494DF}">
-                <a14:hiddenLine xmlns:a14="http://schemas.microsoft.com/office/drawing/2010/main" xmlns="" w="9525">
+                <a14:hiddenLine xmlns="" xmlns:a14="http://schemas.microsoft.com/office/drawing/2010/main" w="9525">
                   <a:solidFill>
                     <a:srgbClr val="000000"/>
                   </a:solidFill>
@@ -531,7 +531,7 @@
             </a:ln>
             <a:extLst>
               <a:ext uri="{91240B29-F687-4f45-9708-019B960494DF}">
-                <a14:hiddenLine xmlns:a14="http://schemas.microsoft.com/office/drawing/2010/main" xmlns="" w="9525">
+                <a14:hiddenLine xmlns="" xmlns:a14="http://schemas.microsoft.com/office/drawing/2010/main" w="9525">
                   <a:solidFill>
                     <a:srgbClr val="000000"/>
                   </a:solidFill>
@@ -593,7 +593,7 @@
             </a:ln>
             <a:extLst>
               <a:ext uri="{91240B29-F687-4f45-9708-019B960494DF}">
-                <a14:hiddenLine xmlns:a14="http://schemas.microsoft.com/office/drawing/2010/main" xmlns="" w="9525">
+                <a14:hiddenLine xmlns="" xmlns:a14="http://schemas.microsoft.com/office/drawing/2010/main" w="9525">
                   <a:solidFill>
                     <a:srgbClr val="000000"/>
                   </a:solidFill>
@@ -655,7 +655,7 @@
             </a:ln>
             <a:extLst>
               <a:ext uri="{91240B29-F687-4f45-9708-019B960494DF}">
-                <a14:hiddenLine xmlns:a14="http://schemas.microsoft.com/office/drawing/2010/main" xmlns="" w="9525">
+                <a14:hiddenLine xmlns="" xmlns:a14="http://schemas.microsoft.com/office/drawing/2010/main" w="9525">
                   <a:solidFill>
                     <a:srgbClr val="000000"/>
                   </a:solidFill>
@@ -745,7 +745,7 @@
             </a:ln>
             <a:extLst>
               <a:ext uri="{91240B29-F687-4f45-9708-019B960494DF}">
-                <a14:hiddenLine xmlns:a14="http://schemas.microsoft.com/office/drawing/2010/main" xmlns="" w="9525">
+                <a14:hiddenLine xmlns="" xmlns:a14="http://schemas.microsoft.com/office/drawing/2010/main" w="9525">
                   <a:solidFill>
                     <a:srgbClr val="000000"/>
                   </a:solidFill>
@@ -807,7 +807,7 @@
             </a:ln>
             <a:extLst>
               <a:ext uri="{91240B29-F687-4f45-9708-019B960494DF}">
-                <a14:hiddenLine xmlns:a14="http://schemas.microsoft.com/office/drawing/2010/main" xmlns="" w="9525">
+                <a14:hiddenLine xmlns="" xmlns:a14="http://schemas.microsoft.com/office/drawing/2010/main" w="9525">
                   <a:solidFill>
                     <a:srgbClr val="000000"/>
                   </a:solidFill>
@@ -869,7 +869,7 @@
             </a:ln>
             <a:extLst>
               <a:ext uri="{91240B29-F687-4f45-9708-019B960494DF}">
-                <a14:hiddenLine xmlns:a14="http://schemas.microsoft.com/office/drawing/2010/main" xmlns="" w="9525">
+                <a14:hiddenLine xmlns="" xmlns:a14="http://schemas.microsoft.com/office/drawing/2010/main" w="9525">
                   <a:solidFill>
                     <a:srgbClr val="000000"/>
                   </a:solidFill>
@@ -959,7 +959,7 @@
             </a:ln>
             <a:extLst>
               <a:ext uri="{91240B29-F687-4f45-9708-019B960494DF}">
-                <a14:hiddenLine xmlns:a14="http://schemas.microsoft.com/office/drawing/2010/main" xmlns="" w="9525">
+                <a14:hiddenLine xmlns="" xmlns:a14="http://schemas.microsoft.com/office/drawing/2010/main" w="9525">
                   <a:solidFill>
                     <a:srgbClr val="000000"/>
                   </a:solidFill>
@@ -1049,7 +1049,7 @@
             </a:ln>
             <a:extLst>
               <a:ext uri="{91240B29-F687-4f45-9708-019B960494DF}">
-                <a14:hiddenLine xmlns:a14="http://schemas.microsoft.com/office/drawing/2010/main" xmlns="" w="9525">
+                <a14:hiddenLine xmlns="" xmlns:a14="http://schemas.microsoft.com/office/drawing/2010/main" w="9525">
                   <a:solidFill>
                     <a:srgbClr val="000000"/>
                   </a:solidFill>
@@ -1111,7 +1111,7 @@
             </a:ln>
             <a:extLst>
               <a:ext uri="{91240B29-F687-4f45-9708-019B960494DF}">
-                <a14:hiddenLine xmlns:a14="http://schemas.microsoft.com/office/drawing/2010/main" xmlns="" w="9525">
+                <a14:hiddenLine xmlns="" xmlns:a14="http://schemas.microsoft.com/office/drawing/2010/main" w="9525">
                   <a:solidFill>
                     <a:srgbClr val="000000"/>
                   </a:solidFill>
@@ -1221,7 +1221,7 @@
             </a:ln>
             <a:extLst>
               <a:ext uri="{91240B29-F687-4f45-9708-019B960494DF}">
-                <a14:hiddenLine xmlns:a14="http://schemas.microsoft.com/office/drawing/2010/main" xmlns="" w="9525">
+                <a14:hiddenLine xmlns="" xmlns:a14="http://schemas.microsoft.com/office/drawing/2010/main" w="9525">
                   <a:solidFill>
                     <a:srgbClr val="000000"/>
                   </a:solidFill>
@@ -1283,7 +1283,7 @@
             </a:ln>
             <a:extLst>
               <a:ext uri="{91240B29-F687-4f45-9708-019B960494DF}">
-                <a14:hiddenLine xmlns:a14="http://schemas.microsoft.com/office/drawing/2010/main" xmlns="" w="9525">
+                <a14:hiddenLine xmlns="" xmlns:a14="http://schemas.microsoft.com/office/drawing/2010/main" w="9525">
                   <a:solidFill>
                     <a:srgbClr val="000000"/>
                   </a:solidFill>
@@ -1373,7 +1373,7 @@
             </a:ln>
             <a:extLst>
               <a:ext uri="{91240B29-F687-4f45-9708-019B960494DF}">
-                <a14:hiddenLine xmlns:a14="http://schemas.microsoft.com/office/drawing/2010/main" xmlns="" w="9525">
+                <a14:hiddenLine xmlns="" xmlns:a14="http://schemas.microsoft.com/office/drawing/2010/main" w="9525">
                   <a:solidFill>
                     <a:srgbClr val="000000"/>
                   </a:solidFill>
@@ -1463,7 +1463,7 @@
             </a:ln>
             <a:extLst>
               <a:ext uri="{91240B29-F687-4f45-9708-019B960494DF}">
-                <a14:hiddenLine xmlns:a14="http://schemas.microsoft.com/office/drawing/2010/main" xmlns="" w="9525">
+                <a14:hiddenLine xmlns="" xmlns:a14="http://schemas.microsoft.com/office/drawing/2010/main" w="9525">
                   <a:solidFill>
                     <a:srgbClr val="000000"/>
                   </a:solidFill>
@@ -1525,7 +1525,7 @@
             </a:ln>
             <a:extLst>
               <a:ext uri="{91240B29-F687-4f45-9708-019B960494DF}">
-                <a14:hiddenLine xmlns:a14="http://schemas.microsoft.com/office/drawing/2010/main" xmlns="" w="9525">
+                <a14:hiddenLine xmlns="" xmlns:a14="http://schemas.microsoft.com/office/drawing/2010/main" w="9525">
                   <a:solidFill>
                     <a:srgbClr val="000000"/>
                   </a:solidFill>
@@ -1615,7 +1615,7 @@
             </a:ln>
             <a:extLst>
               <a:ext uri="{91240B29-F687-4f45-9708-019B960494DF}">
-                <a14:hiddenLine xmlns:a14="http://schemas.microsoft.com/office/drawing/2010/main" xmlns="" w="9525">
+                <a14:hiddenLine xmlns="" xmlns:a14="http://schemas.microsoft.com/office/drawing/2010/main" w="9525">
                   <a:solidFill>
                     <a:srgbClr val="000000"/>
                   </a:solidFill>
@@ -1705,7 +1705,7 @@
             </a:ln>
             <a:extLst>
               <a:ext uri="{91240B29-F687-4f45-9708-019B960494DF}">
-                <a14:hiddenLine xmlns:a14="http://schemas.microsoft.com/office/drawing/2010/main" xmlns="" w="9525">
+                <a14:hiddenLine xmlns="" xmlns:a14="http://schemas.microsoft.com/office/drawing/2010/main" w="9525">
                   <a:solidFill>
                     <a:srgbClr val="000000"/>
                   </a:solidFill>
@@ -1761,7 +1761,7 @@
             </a:ln>
             <a:extLst>
               <a:ext uri="{91240B29-F687-4f45-9708-019B960494DF}">
-                <a14:hiddenLine xmlns:a14="http://schemas.microsoft.com/office/drawing/2010/main" xmlns="" w="9525">
+                <a14:hiddenLine xmlns="" xmlns:a14="http://schemas.microsoft.com/office/drawing/2010/main" w="9525">
                   <a:solidFill>
                     <a:srgbClr val="000000"/>
                   </a:solidFill>
@@ -1851,7 +1851,7 @@
             </a:ln>
             <a:extLst>
               <a:ext uri="{91240B29-F687-4f45-9708-019B960494DF}">
-                <a14:hiddenLine xmlns:a14="http://schemas.microsoft.com/office/drawing/2010/main" xmlns="" w="9525">
+                <a14:hiddenLine xmlns="" xmlns:a14="http://schemas.microsoft.com/office/drawing/2010/main" w="9525">
                   <a:solidFill>
                     <a:srgbClr val="000000"/>
                   </a:solidFill>
@@ -1907,7 +1907,7 @@
             </a:ln>
             <a:extLst>
               <a:ext uri="{91240B29-F687-4f45-9708-019B960494DF}">
-                <a14:hiddenLine xmlns:a14="http://schemas.microsoft.com/office/drawing/2010/main" xmlns="" w="9525">
+                <a14:hiddenLine xmlns="" xmlns:a14="http://schemas.microsoft.com/office/drawing/2010/main" w="9525">
                   <a:solidFill>
                     <a:srgbClr val="000000"/>
                   </a:solidFill>
@@ -1997,7 +1997,7 @@
             </a:ln>
             <a:extLst>
               <a:ext uri="{91240B29-F687-4f45-9708-019B960494DF}">
-                <a14:hiddenLine xmlns:a14="http://schemas.microsoft.com/office/drawing/2010/main" xmlns="" w="9525">
+                <a14:hiddenLine xmlns="" xmlns:a14="http://schemas.microsoft.com/office/drawing/2010/main" w="9525">
                   <a:solidFill>
                     <a:srgbClr val="000000"/>
                   </a:solidFill>
@@ -2065,7 +2065,7 @@
             </a:ln>
             <a:extLst>
               <a:ext uri="{91240B29-F687-4f45-9708-019B960494DF}">
-                <a14:hiddenLine xmlns:a14="http://schemas.microsoft.com/office/drawing/2010/main" xmlns="" w="9525">
+                <a14:hiddenLine xmlns="" xmlns:a14="http://schemas.microsoft.com/office/drawing/2010/main" w="9525">
                   <a:solidFill>
                     <a:srgbClr val="000000"/>
                   </a:solidFill>
@@ -2155,7 +2155,7 @@
             </a:ln>
             <a:extLst>
               <a:ext uri="{91240B29-F687-4f45-9708-019B960494DF}">
-                <a14:hiddenLine xmlns:a14="http://schemas.microsoft.com/office/drawing/2010/main" xmlns="" w="9525">
+                <a14:hiddenLine xmlns="" xmlns:a14="http://schemas.microsoft.com/office/drawing/2010/main" w="9525">
                   <a:solidFill>
                     <a:srgbClr val="000000"/>
                   </a:solidFill>
@@ -2223,7 +2223,7 @@
             </a:ln>
             <a:extLst>
               <a:ext uri="{91240B29-F687-4f45-9708-019B960494DF}">
-                <a14:hiddenLine xmlns:a14="http://schemas.microsoft.com/office/drawing/2010/main" xmlns="" w="9525">
+                <a14:hiddenLine xmlns="" xmlns:a14="http://schemas.microsoft.com/office/drawing/2010/main" w="9525">
                   <a:solidFill>
                     <a:srgbClr val="000000"/>
                   </a:solidFill>
@@ -2313,7 +2313,7 @@
             </a:ln>
             <a:extLst>
               <a:ext uri="{91240B29-F687-4f45-9708-019B960494DF}">
-                <a14:hiddenLine xmlns:a14="http://schemas.microsoft.com/office/drawing/2010/main" xmlns="" w="9525">
+                <a14:hiddenLine xmlns="" xmlns:a14="http://schemas.microsoft.com/office/drawing/2010/main" w="9525">
                   <a:solidFill>
                     <a:srgbClr val="000000"/>
                   </a:solidFill>
@@ -2347,7 +2347,7 @@
             </a:ln>
             <a:extLst>
               <a:ext uri="{91240B29-F687-4f45-9708-019B960494DF}">
-                <a14:hiddenLine xmlns:a14="http://schemas.microsoft.com/office/drawing/2010/main" xmlns="" w="9525">
+                <a14:hiddenLine xmlns="" xmlns:a14="http://schemas.microsoft.com/office/drawing/2010/main" w="9525">
                   <a:solidFill>
                     <a:srgbClr val="000000"/>
                   </a:solidFill>
@@ -2437,7 +2437,7 @@
             </a:ln>
             <a:extLst>
               <a:ext uri="{91240B29-F687-4f45-9708-019B960494DF}">
-                <a14:hiddenLine xmlns:a14="http://schemas.microsoft.com/office/drawing/2010/main" xmlns="" w="9525">
+                <a14:hiddenLine xmlns="" xmlns:a14="http://schemas.microsoft.com/office/drawing/2010/main" w="9525">
                   <a:solidFill>
                     <a:srgbClr val="000000"/>
                   </a:solidFill>
@@ -2499,7 +2499,7 @@
             </a:ln>
             <a:extLst>
               <a:ext uri="{91240B29-F687-4f45-9708-019B960494DF}">
-                <a14:hiddenLine xmlns:a14="http://schemas.microsoft.com/office/drawing/2010/main" xmlns="" w="9525">
+                <a14:hiddenLine xmlns="" xmlns:a14="http://schemas.microsoft.com/office/drawing/2010/main" w="9525">
                   <a:solidFill>
                     <a:srgbClr val="000000"/>
                   </a:solidFill>
@@ -2561,7 +2561,7 @@
             </a:ln>
             <a:extLst>
               <a:ext uri="{91240B29-F687-4f45-9708-019B960494DF}">
-                <a14:hiddenLine xmlns:a14="http://schemas.microsoft.com/office/drawing/2010/main" xmlns="" w="9525">
+                <a14:hiddenLine xmlns="" xmlns:a14="http://schemas.microsoft.com/office/drawing/2010/main" w="9525">
                   <a:solidFill>
                     <a:srgbClr val="000000"/>
                   </a:solidFill>
@@ -2651,7 +2651,7 @@
             </a:ln>
             <a:extLst>
               <a:ext uri="{91240B29-F687-4f45-9708-019B960494DF}">
-                <a14:hiddenLine xmlns:a14="http://schemas.microsoft.com/office/drawing/2010/main" xmlns="" w="9525">
+                <a14:hiddenLine xmlns="" xmlns:a14="http://schemas.microsoft.com/office/drawing/2010/main" w="9525">
                   <a:solidFill>
                     <a:srgbClr val="000000"/>
                   </a:solidFill>
@@ -2719,7 +2719,7 @@
             </a:ln>
             <a:extLst>
               <a:ext uri="{91240B29-F687-4f45-9708-019B960494DF}">
-                <a14:hiddenLine xmlns:a14="http://schemas.microsoft.com/office/drawing/2010/main" xmlns="" w="9525">
+                <a14:hiddenLine xmlns="" xmlns:a14="http://schemas.microsoft.com/office/drawing/2010/main" w="9525">
                   <a:solidFill>
                     <a:srgbClr val="000000"/>
                   </a:solidFill>
@@ -2781,7 +2781,7 @@
             </a:ln>
             <a:extLst>
               <a:ext uri="{91240B29-F687-4f45-9708-019B960494DF}">
-                <a14:hiddenLine xmlns:a14="http://schemas.microsoft.com/office/drawing/2010/main" xmlns="" w="9525">
+                <a14:hiddenLine xmlns="" xmlns:a14="http://schemas.microsoft.com/office/drawing/2010/main" w="9525">
                   <a:solidFill>
                     <a:srgbClr val="000000"/>
                   </a:solidFill>
@@ -2871,7 +2871,7 @@
             </a:ln>
             <a:extLst>
               <a:ext uri="{91240B29-F687-4f45-9708-019B960494DF}">
-                <a14:hiddenLine xmlns:a14="http://schemas.microsoft.com/office/drawing/2010/main" xmlns="" w="9525">
+                <a14:hiddenLine xmlns="" xmlns:a14="http://schemas.microsoft.com/office/drawing/2010/main" w="9525">
                   <a:solidFill>
                     <a:srgbClr val="000000"/>
                   </a:solidFill>
@@ -2933,7 +2933,7 @@
             </a:ln>
             <a:extLst>
               <a:ext uri="{91240B29-F687-4f45-9708-019B960494DF}">
-                <a14:hiddenLine xmlns:a14="http://schemas.microsoft.com/office/drawing/2010/main" xmlns="" w="9525">
+                <a14:hiddenLine xmlns="" xmlns:a14="http://schemas.microsoft.com/office/drawing/2010/main" w="9525">
                   <a:solidFill>
                     <a:srgbClr val="000000"/>
                   </a:solidFill>
@@ -3023,7 +3023,7 @@
             </a:ln>
             <a:extLst>
               <a:ext uri="{91240B29-F687-4f45-9708-019B960494DF}">
-                <a14:hiddenLine xmlns:a14="http://schemas.microsoft.com/office/drawing/2010/main" xmlns="" w="9525">
+                <a14:hiddenLine xmlns="" xmlns:a14="http://schemas.microsoft.com/office/drawing/2010/main" w="9525">
                   <a:solidFill>
                     <a:srgbClr val="000000"/>
                   </a:solidFill>
@@ -3085,7 +3085,7 @@
             </a:ln>
             <a:extLst>
               <a:ext uri="{91240B29-F687-4f45-9708-019B960494DF}">
-                <a14:hiddenLine xmlns:a14="http://schemas.microsoft.com/office/drawing/2010/main" xmlns="" w="9525">
+                <a14:hiddenLine xmlns="" xmlns:a14="http://schemas.microsoft.com/office/drawing/2010/main" w="9525">
                   <a:solidFill>
                     <a:srgbClr val="000000"/>
                   </a:solidFill>
@@ -3175,7 +3175,7 @@
             </a:ln>
             <a:extLst>
               <a:ext uri="{91240B29-F687-4f45-9708-019B960494DF}">
-                <a14:hiddenLine xmlns:a14="http://schemas.microsoft.com/office/drawing/2010/main" xmlns="" w="9525">
+                <a14:hiddenLine xmlns="" xmlns:a14="http://schemas.microsoft.com/office/drawing/2010/main" w="9525">
                   <a:solidFill>
                     <a:srgbClr val="000000"/>
                   </a:solidFill>
@@ -3209,7 +3209,7 @@
             </a:ln>
             <a:extLst>
               <a:ext uri="{91240B29-F687-4f45-9708-019B960494DF}">
-                <a14:hiddenLine xmlns:a14="http://schemas.microsoft.com/office/drawing/2010/main" xmlns="" w="9525">
+                <a14:hiddenLine xmlns="" xmlns:a14="http://schemas.microsoft.com/office/drawing/2010/main" w="9525">
                   <a:solidFill>
                     <a:srgbClr val="000000"/>
                   </a:solidFill>
@@ -3274,7 +3274,7 @@
             </a:ln>
             <a:extLst>
               <a:ext uri="{91240B29-F687-4f45-9708-019B960494DF}">
-                <a14:hiddenLine xmlns:a14="http://schemas.microsoft.com/office/drawing/2010/main" xmlns="" w="9525">
+                <a14:hiddenLine xmlns="" xmlns:a14="http://schemas.microsoft.com/office/drawing/2010/main" w="9525">
                   <a:solidFill>
                     <a:srgbClr val="000000"/>
                   </a:solidFill>
@@ -3364,7 +3364,7 @@
             </a:ln>
             <a:extLst>
               <a:ext uri="{91240B29-F687-4f45-9708-019B960494DF}">
-                <a14:hiddenLine xmlns:a14="http://schemas.microsoft.com/office/drawing/2010/main" xmlns="" w="9525">
+                <a14:hiddenLine xmlns="" xmlns:a14="http://schemas.microsoft.com/office/drawing/2010/main" w="9525">
                   <a:solidFill>
                     <a:srgbClr val="000000"/>
                   </a:solidFill>
@@ -3426,7 +3426,7 @@
             </a:ln>
             <a:extLst>
               <a:ext uri="{91240B29-F687-4f45-9708-019B960494DF}">
-                <a14:hiddenLine xmlns:a14="http://schemas.microsoft.com/office/drawing/2010/main" xmlns="" w="9525">
+                <a14:hiddenLine xmlns="" xmlns:a14="http://schemas.microsoft.com/office/drawing/2010/main" w="9525">
                   <a:solidFill>
                     <a:srgbClr val="000000"/>
                   </a:solidFill>
@@ -3516,7 +3516,7 @@
             </a:ln>
             <a:extLst>
               <a:ext uri="{91240B29-F687-4f45-9708-019B960494DF}">
-                <a14:hiddenLine xmlns:a14="http://schemas.microsoft.com/office/drawing/2010/main" xmlns="" w="9525">
+                <a14:hiddenLine xmlns="" xmlns:a14="http://schemas.microsoft.com/office/drawing/2010/main" w="9525">
                   <a:solidFill>
                     <a:srgbClr val="000000"/>
                   </a:solidFill>
@@ -3606,7 +3606,7 @@
             </a:ln>
             <a:extLst>
               <a:ext uri="{91240B29-F687-4f45-9708-019B960494DF}">
-                <a14:hiddenLine xmlns:a14="http://schemas.microsoft.com/office/drawing/2010/main" xmlns="" w="9525">
+                <a14:hiddenLine xmlns="" xmlns:a14="http://schemas.microsoft.com/office/drawing/2010/main" w="9525">
                   <a:solidFill>
                     <a:srgbClr val="000000"/>
                   </a:solidFill>
@@ -3671,7 +3671,7 @@
             </a:ln>
             <a:extLst>
               <a:ext uri="{91240B29-F687-4f45-9708-019B960494DF}">
-                <a14:hiddenLine xmlns:a14="http://schemas.microsoft.com/office/drawing/2010/main" xmlns="" w="9525">
+                <a14:hiddenLine xmlns="" xmlns:a14="http://schemas.microsoft.com/office/drawing/2010/main" w="9525">
                   <a:solidFill>
                     <a:srgbClr val="000000"/>
                   </a:solidFill>
@@ -3733,7 +3733,7 @@
             </a:ln>
             <a:extLst>
               <a:ext uri="{91240B29-F687-4f45-9708-019B960494DF}">
-                <a14:hiddenLine xmlns:a14="http://schemas.microsoft.com/office/drawing/2010/main" xmlns="" w="9525">
+                <a14:hiddenLine xmlns="" xmlns:a14="http://schemas.microsoft.com/office/drawing/2010/main" w="9525">
                   <a:solidFill>
                     <a:srgbClr val="000000"/>
                   </a:solidFill>
@@ -3823,7 +3823,7 @@
             </a:ln>
             <a:extLst>
               <a:ext uri="{91240B29-F687-4f45-9708-019B960494DF}">
-                <a14:hiddenLine xmlns:a14="http://schemas.microsoft.com/office/drawing/2010/main" xmlns="" w="9525">
+                <a14:hiddenLine xmlns="" xmlns:a14="http://schemas.microsoft.com/office/drawing/2010/main" w="9525">
                   <a:solidFill>
                     <a:srgbClr val="000000"/>
                   </a:solidFill>
@@ -3913,7 +3913,7 @@
             </a:ln>
             <a:extLst>
               <a:ext uri="{91240B29-F687-4f45-9708-019B960494DF}">
-                <a14:hiddenLine xmlns:a14="http://schemas.microsoft.com/office/drawing/2010/main" xmlns="" w="9525">
+                <a14:hiddenLine xmlns="" xmlns:a14="http://schemas.microsoft.com/office/drawing/2010/main" w="9525">
                   <a:solidFill>
                     <a:srgbClr val="000000"/>
                   </a:solidFill>
@@ -3975,7 +3975,7 @@
             </a:ln>
             <a:extLst>
               <a:ext uri="{91240B29-F687-4f45-9708-019B960494DF}">
-                <a14:hiddenLine xmlns:a14="http://schemas.microsoft.com/office/drawing/2010/main" xmlns="" w="9525">
+                <a14:hiddenLine xmlns="" xmlns:a14="http://schemas.microsoft.com/office/drawing/2010/main" w="9525">
                   <a:solidFill>
                     <a:srgbClr val="000000"/>
                   </a:solidFill>
@@ -4095,7 +4095,7 @@
             </a:ln>
             <a:extLst>
               <a:ext uri="{91240B29-F687-4f45-9708-019B960494DF}">
-                <a14:hiddenLine xmlns:a14="http://schemas.microsoft.com/office/drawing/2010/main" xmlns="" w="9525">
+                <a14:hiddenLine xmlns="" xmlns:a14="http://schemas.microsoft.com/office/drawing/2010/main" w="9525">
                   <a:solidFill>
                     <a:srgbClr val="000000"/>
                   </a:solidFill>
@@ -4163,7 +4163,7 @@
             </a:ln>
             <a:extLst>
               <a:ext uri="{91240B29-F687-4f45-9708-019B960494DF}">
-                <a14:hiddenLine xmlns:a14="http://schemas.microsoft.com/office/drawing/2010/main" xmlns="" w="9525">
+                <a14:hiddenLine xmlns="" xmlns:a14="http://schemas.microsoft.com/office/drawing/2010/main" w="9525">
                   <a:solidFill>
                     <a:srgbClr val="000000"/>
                   </a:solidFill>
@@ -4253,7 +4253,7 @@
             </a:ln>
             <a:extLst>
               <a:ext uri="{91240B29-F687-4f45-9708-019B960494DF}">
-                <a14:hiddenLine xmlns:a14="http://schemas.microsoft.com/office/drawing/2010/main" xmlns="" w="9525">
+                <a14:hiddenLine xmlns="" xmlns:a14="http://schemas.microsoft.com/office/drawing/2010/main" w="9525">
                   <a:solidFill>
                     <a:srgbClr val="000000"/>
                   </a:solidFill>
@@ -4393,7 +4393,7 @@
           <a:p>
             <a:fld id="{C3600A06-36DD-406A-821E-53AD92F7ED8A}" type="datetimeFigureOut">
               <a:rPr lang="uk-UA" smtClean="0"/>
-              <a:t>22.02.2021</a:t>
+              <a:t>26.02.2021</a:t>
             </a:fld>
             <a:endParaRPr lang="uk-UA"/>
           </a:p>
@@ -4660,7 +4660,7 @@
           <a:p>
             <a:fld id="{C3600A06-36DD-406A-821E-53AD92F7ED8A}" type="datetimeFigureOut">
               <a:rPr lang="uk-UA" smtClean="0"/>
-              <a:t>22.02.2021</a:t>
+              <a:t>26.02.2021</a:t>
             </a:fld>
             <a:endParaRPr lang="uk-UA"/>
           </a:p>
@@ -4856,7 +4856,7 @@
           <a:p>
             <a:fld id="{C3600A06-36DD-406A-821E-53AD92F7ED8A}" type="datetimeFigureOut">
               <a:rPr lang="uk-UA" smtClean="0"/>
-              <a:t>22.02.2021</a:t>
+              <a:t>26.02.2021</a:t>
             </a:fld>
             <a:endParaRPr lang="uk-UA"/>
           </a:p>
@@ -5119,7 +5119,7 @@
           <a:p>
             <a:fld id="{C3600A06-36DD-406A-821E-53AD92F7ED8A}" type="datetimeFigureOut">
               <a:rPr lang="uk-UA" smtClean="0"/>
-              <a:t>22.02.2021</a:t>
+              <a:t>26.02.2021</a:t>
             </a:fld>
             <a:endParaRPr lang="uk-UA"/>
           </a:p>
@@ -5553,7 +5553,7 @@
           <a:p>
             <a:fld id="{C3600A06-36DD-406A-821E-53AD92F7ED8A}" type="datetimeFigureOut">
               <a:rPr lang="uk-UA" smtClean="0"/>
-              <a:t>22.02.2021</a:t>
+              <a:t>26.02.2021</a:t>
             </a:fld>
             <a:endParaRPr lang="uk-UA"/>
           </a:p>
@@ -6099,7 +6099,7 @@
           <a:p>
             <a:fld id="{C3600A06-36DD-406A-821E-53AD92F7ED8A}" type="datetimeFigureOut">
               <a:rPr lang="uk-UA" smtClean="0"/>
-              <a:t>22.02.2021</a:t>
+              <a:t>26.02.2021</a:t>
             </a:fld>
             <a:endParaRPr lang="uk-UA"/>
           </a:p>
@@ -6819,7 +6819,7 @@
           <a:p>
             <a:fld id="{C3600A06-36DD-406A-821E-53AD92F7ED8A}" type="datetimeFigureOut">
               <a:rPr lang="uk-UA" smtClean="0"/>
-              <a:t>22.02.2021</a:t>
+              <a:t>26.02.2021</a:t>
             </a:fld>
             <a:endParaRPr lang="uk-UA"/>
           </a:p>
@@ -6989,7 +6989,7 @@
           <a:p>
             <a:fld id="{C3600A06-36DD-406A-821E-53AD92F7ED8A}" type="datetimeFigureOut">
               <a:rPr lang="uk-UA" smtClean="0"/>
-              <a:t>22.02.2021</a:t>
+              <a:t>26.02.2021</a:t>
             </a:fld>
             <a:endParaRPr lang="uk-UA"/>
           </a:p>
@@ -7169,7 +7169,7 @@
           <a:p>
             <a:fld id="{C3600A06-36DD-406A-821E-53AD92F7ED8A}" type="datetimeFigureOut">
               <a:rPr lang="uk-UA" smtClean="0"/>
-              <a:t>22.02.2021</a:t>
+              <a:t>26.02.2021</a:t>
             </a:fld>
             <a:endParaRPr lang="uk-UA"/>
           </a:p>
@@ -7339,7 +7339,7 @@
           <a:p>
             <a:fld id="{C3600A06-36DD-406A-821E-53AD92F7ED8A}" type="datetimeFigureOut">
               <a:rPr lang="uk-UA" smtClean="0"/>
-              <a:t>22.02.2021</a:t>
+              <a:t>26.02.2021</a:t>
             </a:fld>
             <a:endParaRPr lang="uk-UA"/>
           </a:p>
@@ -7589,7 +7589,7 @@
           <a:p>
             <a:fld id="{C3600A06-36DD-406A-821E-53AD92F7ED8A}" type="datetimeFigureOut">
               <a:rPr lang="uk-UA" smtClean="0"/>
-              <a:t>22.02.2021</a:t>
+              <a:t>26.02.2021</a:t>
             </a:fld>
             <a:endParaRPr lang="uk-UA"/>
           </a:p>
@@ -7821,7 +7821,7 @@
           <a:p>
             <a:fld id="{C3600A06-36DD-406A-821E-53AD92F7ED8A}" type="datetimeFigureOut">
               <a:rPr lang="uk-UA" smtClean="0"/>
-              <a:t>22.02.2021</a:t>
+              <a:t>26.02.2021</a:t>
             </a:fld>
             <a:endParaRPr lang="uk-UA"/>
           </a:p>
@@ -8202,7 +8202,7 @@
           <a:p>
             <a:fld id="{C3600A06-36DD-406A-821E-53AD92F7ED8A}" type="datetimeFigureOut">
               <a:rPr lang="uk-UA" smtClean="0"/>
-              <a:t>22.02.2021</a:t>
+              <a:t>26.02.2021</a:t>
             </a:fld>
             <a:endParaRPr lang="uk-UA"/>
           </a:p>
@@ -8320,7 +8320,7 @@
           <a:p>
             <a:fld id="{C3600A06-36DD-406A-821E-53AD92F7ED8A}" type="datetimeFigureOut">
               <a:rPr lang="uk-UA" smtClean="0"/>
-              <a:t>22.02.2021</a:t>
+              <a:t>26.02.2021</a:t>
             </a:fld>
             <a:endParaRPr lang="uk-UA"/>
           </a:p>
@@ -8415,7 +8415,7 @@
           <a:p>
             <a:fld id="{C3600A06-36DD-406A-821E-53AD92F7ED8A}" type="datetimeFigureOut">
               <a:rPr lang="uk-UA" smtClean="0"/>
-              <a:t>22.02.2021</a:t>
+              <a:t>26.02.2021</a:t>
             </a:fld>
             <a:endParaRPr lang="uk-UA"/>
           </a:p>
@@ -8664,7 +8664,7 @@
           <a:p>
             <a:fld id="{C3600A06-36DD-406A-821E-53AD92F7ED8A}" type="datetimeFigureOut">
               <a:rPr lang="uk-UA" smtClean="0"/>
-              <a:t>22.02.2021</a:t>
+              <a:t>26.02.2021</a:t>
             </a:fld>
             <a:endParaRPr lang="uk-UA"/>
           </a:p>
@@ -8944,7 +8944,7 @@
           <a:p>
             <a:fld id="{C3600A06-36DD-406A-821E-53AD92F7ED8A}" type="datetimeFigureOut">
               <a:rPr lang="uk-UA" smtClean="0"/>
-              <a:t>22.02.2021</a:t>
+              <a:t>26.02.2021</a:t>
             </a:fld>
             <a:endParaRPr lang="uk-UA"/>
           </a:p>
@@ -9060,7 +9060,7 @@
           <a:noFill/>
           <a:extLst>
             <a:ext uri="{909E8E84-426E-40dd-AFC4-6F175D3DCCD1}">
-              <a14:hiddenFill xmlns:a14="http://schemas.microsoft.com/office/drawing/2010/main" xmlns="">
+              <a14:hiddenFill xmlns="" xmlns:a14="http://schemas.microsoft.com/office/drawing/2010/main">
                 <a:solidFill>
                   <a:srgbClr val="FFFFFF"/>
                 </a:solidFill>
@@ -9134,7 +9134,7 @@
               </a:ln>
               <a:extLst>
                 <a:ext uri="{91240B29-F687-4f45-9708-019B960494DF}">
-                  <a14:hiddenLine xmlns:a14="http://schemas.microsoft.com/office/drawing/2010/main" xmlns="" w="9525">
+                  <a14:hiddenLine xmlns="" xmlns:a14="http://schemas.microsoft.com/office/drawing/2010/main" w="9525">
                     <a:solidFill>
                       <a:srgbClr val="000000"/>
                     </a:solidFill>
@@ -9224,7 +9224,7 @@
               </a:ln>
               <a:extLst>
                 <a:ext uri="{91240B29-F687-4f45-9708-019B960494DF}">
-                  <a14:hiddenLine xmlns:a14="http://schemas.microsoft.com/office/drawing/2010/main" xmlns="" w="9525">
+                  <a14:hiddenLine xmlns="" xmlns:a14="http://schemas.microsoft.com/office/drawing/2010/main" w="9525">
                     <a:solidFill>
                       <a:srgbClr val="000000"/>
                     </a:solidFill>
@@ -9314,7 +9314,7 @@
               </a:ln>
               <a:extLst>
                 <a:ext uri="{91240B29-F687-4f45-9708-019B960494DF}">
-                  <a14:hiddenLine xmlns:a14="http://schemas.microsoft.com/office/drawing/2010/main" xmlns="" w="9525">
+                  <a14:hiddenLine xmlns="" xmlns:a14="http://schemas.microsoft.com/office/drawing/2010/main" w="9525">
                     <a:solidFill>
                       <a:srgbClr val="000000"/>
                     </a:solidFill>
@@ -9376,7 +9376,7 @@
               </a:ln>
               <a:extLst>
                 <a:ext uri="{91240B29-F687-4f45-9708-019B960494DF}">
-                  <a14:hiddenLine xmlns:a14="http://schemas.microsoft.com/office/drawing/2010/main" xmlns="" w="9525">
+                  <a14:hiddenLine xmlns="" xmlns:a14="http://schemas.microsoft.com/office/drawing/2010/main" w="9525">
                     <a:solidFill>
                       <a:srgbClr val="000000"/>
                     </a:solidFill>
@@ -9466,7 +9466,7 @@
               </a:ln>
               <a:extLst>
                 <a:ext uri="{91240B29-F687-4f45-9708-019B960494DF}">
-                  <a14:hiddenLine xmlns:a14="http://schemas.microsoft.com/office/drawing/2010/main" xmlns="" w="9525">
+                  <a14:hiddenLine xmlns="" xmlns:a14="http://schemas.microsoft.com/office/drawing/2010/main" w="9525">
                     <a:solidFill>
                       <a:srgbClr val="000000"/>
                     </a:solidFill>
@@ -9528,7 +9528,7 @@
               </a:ln>
               <a:extLst>
                 <a:ext uri="{91240B29-F687-4f45-9708-019B960494DF}">
-                  <a14:hiddenLine xmlns:a14="http://schemas.microsoft.com/office/drawing/2010/main" xmlns="" w="9525">
+                  <a14:hiddenLine xmlns="" xmlns:a14="http://schemas.microsoft.com/office/drawing/2010/main" w="9525">
                     <a:solidFill>
                       <a:srgbClr val="000000"/>
                     </a:solidFill>
@@ -9590,7 +9590,7 @@
               </a:ln>
               <a:extLst>
                 <a:ext uri="{91240B29-F687-4f45-9708-019B960494DF}">
-                  <a14:hiddenLine xmlns:a14="http://schemas.microsoft.com/office/drawing/2010/main" xmlns="" w="9525">
+                  <a14:hiddenLine xmlns="" xmlns:a14="http://schemas.microsoft.com/office/drawing/2010/main" w="9525">
                     <a:solidFill>
                       <a:srgbClr val="000000"/>
                     </a:solidFill>
@@ -9680,7 +9680,7 @@
               </a:ln>
               <a:extLst>
                 <a:ext uri="{91240B29-F687-4f45-9708-019B960494DF}">
-                  <a14:hiddenLine xmlns:a14="http://schemas.microsoft.com/office/drawing/2010/main" xmlns="" w="9525">
+                  <a14:hiddenLine xmlns="" xmlns:a14="http://schemas.microsoft.com/office/drawing/2010/main" w="9525">
                     <a:solidFill>
                       <a:srgbClr val="000000"/>
                     </a:solidFill>
@@ -9770,7 +9770,7 @@
               </a:ln>
               <a:extLst>
                 <a:ext uri="{91240B29-F687-4f45-9708-019B960494DF}">
-                  <a14:hiddenLine xmlns:a14="http://schemas.microsoft.com/office/drawing/2010/main" xmlns="" w="9525">
+                  <a14:hiddenLine xmlns="" xmlns:a14="http://schemas.microsoft.com/office/drawing/2010/main" w="9525">
                     <a:solidFill>
                       <a:srgbClr val="000000"/>
                     </a:solidFill>
@@ -9832,7 +9832,7 @@
               </a:ln>
               <a:extLst>
                 <a:ext uri="{91240B29-F687-4f45-9708-019B960494DF}">
-                  <a14:hiddenLine xmlns:a14="http://schemas.microsoft.com/office/drawing/2010/main" xmlns="" w="9525">
+                  <a14:hiddenLine xmlns="" xmlns:a14="http://schemas.microsoft.com/office/drawing/2010/main" w="9525">
                     <a:solidFill>
                       <a:srgbClr val="000000"/>
                     </a:solidFill>
@@ -9942,7 +9942,7 @@
               </a:ln>
               <a:extLst>
                 <a:ext uri="{91240B29-F687-4f45-9708-019B960494DF}">
-                  <a14:hiddenLine xmlns:a14="http://schemas.microsoft.com/office/drawing/2010/main" xmlns="" w="9525">
+                  <a14:hiddenLine xmlns="" xmlns:a14="http://schemas.microsoft.com/office/drawing/2010/main" w="9525">
                     <a:solidFill>
                       <a:srgbClr val="000000"/>
                     </a:solidFill>
@@ -10026,7 +10026,7 @@
               </a:ln>
               <a:extLst>
                 <a:ext uri="{91240B29-F687-4f45-9708-019B960494DF}">
-                  <a14:hiddenLine xmlns:a14="http://schemas.microsoft.com/office/drawing/2010/main" xmlns="" w="9525">
+                  <a14:hiddenLine xmlns="" xmlns:a14="http://schemas.microsoft.com/office/drawing/2010/main" w="9525">
                     <a:solidFill>
                       <a:srgbClr val="000000"/>
                     </a:solidFill>
@@ -10088,7 +10088,7 @@
               </a:ln>
               <a:extLst>
                 <a:ext uri="{91240B29-F687-4f45-9708-019B960494DF}">
-                  <a14:hiddenLine xmlns:a14="http://schemas.microsoft.com/office/drawing/2010/main" xmlns="" w="9525">
+                  <a14:hiddenLine xmlns="" xmlns:a14="http://schemas.microsoft.com/office/drawing/2010/main" w="9525">
                     <a:solidFill>
                       <a:srgbClr val="000000"/>
                     </a:solidFill>
@@ -10150,7 +10150,7 @@
               </a:ln>
               <a:extLst>
                 <a:ext uri="{91240B29-F687-4f45-9708-019B960494DF}">
-                  <a14:hiddenLine xmlns:a14="http://schemas.microsoft.com/office/drawing/2010/main" xmlns="" w="9525">
+                  <a14:hiddenLine xmlns="" xmlns:a14="http://schemas.microsoft.com/office/drawing/2010/main" w="9525">
                     <a:solidFill>
                       <a:srgbClr val="000000"/>
                     </a:solidFill>
@@ -10240,7 +10240,7 @@
               </a:ln>
               <a:extLst>
                 <a:ext uri="{91240B29-F687-4f45-9708-019B960494DF}">
-                  <a14:hiddenLine xmlns:a14="http://schemas.microsoft.com/office/drawing/2010/main" xmlns="" w="9525">
+                  <a14:hiddenLine xmlns="" xmlns:a14="http://schemas.microsoft.com/office/drawing/2010/main" w="9525">
                     <a:solidFill>
                       <a:srgbClr val="000000"/>
                     </a:solidFill>
@@ -10274,7 +10274,7 @@
               </a:ln>
               <a:extLst>
                 <a:ext uri="{91240B29-F687-4f45-9708-019B960494DF}">
-                  <a14:hiddenLine xmlns:a14="http://schemas.microsoft.com/office/drawing/2010/main" xmlns="" w="9525">
+                  <a14:hiddenLine xmlns="" xmlns:a14="http://schemas.microsoft.com/office/drawing/2010/main" w="9525">
                     <a:solidFill>
                       <a:srgbClr val="000000"/>
                     </a:solidFill>
@@ -10339,7 +10339,7 @@
               </a:ln>
               <a:extLst>
                 <a:ext uri="{91240B29-F687-4f45-9708-019B960494DF}">
-                  <a14:hiddenLine xmlns:a14="http://schemas.microsoft.com/office/drawing/2010/main" xmlns="" w="9525">
+                  <a14:hiddenLine xmlns="" xmlns:a14="http://schemas.microsoft.com/office/drawing/2010/main" w="9525">
                     <a:solidFill>
                       <a:srgbClr val="000000"/>
                     </a:solidFill>
@@ -10429,7 +10429,7 @@
               </a:ln>
               <a:extLst>
                 <a:ext uri="{91240B29-F687-4f45-9708-019B960494DF}">
-                  <a14:hiddenLine xmlns:a14="http://schemas.microsoft.com/office/drawing/2010/main" xmlns="" w="9525">
+                  <a14:hiddenLine xmlns="" xmlns:a14="http://schemas.microsoft.com/office/drawing/2010/main" w="9525">
                     <a:solidFill>
                       <a:srgbClr val="000000"/>
                     </a:solidFill>
@@ -10491,7 +10491,7 @@
               </a:ln>
               <a:extLst>
                 <a:ext uri="{91240B29-F687-4f45-9708-019B960494DF}">
-                  <a14:hiddenLine xmlns:a14="http://schemas.microsoft.com/office/drawing/2010/main" xmlns="" w="9525">
+                  <a14:hiddenLine xmlns="" xmlns:a14="http://schemas.microsoft.com/office/drawing/2010/main" w="9525">
                     <a:solidFill>
                       <a:srgbClr val="000000"/>
                     </a:solidFill>
@@ -10581,7 +10581,7 @@
               </a:ln>
               <a:extLst>
                 <a:ext uri="{91240B29-F687-4f45-9708-019B960494DF}">
-                  <a14:hiddenLine xmlns:a14="http://schemas.microsoft.com/office/drawing/2010/main" xmlns="" w="9525">
+                  <a14:hiddenLine xmlns="" xmlns:a14="http://schemas.microsoft.com/office/drawing/2010/main" w="9525">
                     <a:solidFill>
                       <a:srgbClr val="000000"/>
                     </a:solidFill>
@@ -10646,7 +10646,7 @@
               </a:ln>
               <a:extLst>
                 <a:ext uri="{91240B29-F687-4f45-9708-019B960494DF}">
-                  <a14:hiddenLine xmlns:a14="http://schemas.microsoft.com/office/drawing/2010/main" xmlns="" w="9525">
+                  <a14:hiddenLine xmlns="" xmlns:a14="http://schemas.microsoft.com/office/drawing/2010/main" w="9525">
                     <a:solidFill>
                       <a:srgbClr val="000000"/>
                     </a:solidFill>
@@ -10708,7 +10708,7 @@
               </a:ln>
               <a:extLst>
                 <a:ext uri="{91240B29-F687-4f45-9708-019B960494DF}">
-                  <a14:hiddenLine xmlns:a14="http://schemas.microsoft.com/office/drawing/2010/main" xmlns="" w="9525">
+                  <a14:hiddenLine xmlns="" xmlns:a14="http://schemas.microsoft.com/office/drawing/2010/main" w="9525">
                     <a:solidFill>
                       <a:srgbClr val="000000"/>
                     </a:solidFill>
@@ -10798,7 +10798,7 @@
               </a:ln>
               <a:extLst>
                 <a:ext uri="{91240B29-F687-4f45-9708-019B960494DF}">
-                  <a14:hiddenLine xmlns:a14="http://schemas.microsoft.com/office/drawing/2010/main" xmlns="" w="9525">
+                  <a14:hiddenLine xmlns="" xmlns:a14="http://schemas.microsoft.com/office/drawing/2010/main" w="9525">
                     <a:solidFill>
                       <a:srgbClr val="000000"/>
                     </a:solidFill>
@@ -10888,7 +10888,7 @@
               </a:ln>
               <a:extLst>
                 <a:ext uri="{91240B29-F687-4f45-9708-019B960494DF}">
-                  <a14:hiddenLine xmlns:a14="http://schemas.microsoft.com/office/drawing/2010/main" xmlns="" w="9525">
+                  <a14:hiddenLine xmlns="" xmlns:a14="http://schemas.microsoft.com/office/drawing/2010/main" w="9525">
                     <a:solidFill>
                       <a:srgbClr val="000000"/>
                     </a:solidFill>
@@ -10953,7 +10953,7 @@
               </a:ln>
               <a:extLst>
                 <a:ext uri="{91240B29-F687-4f45-9708-019B960494DF}">
-                  <a14:hiddenLine xmlns:a14="http://schemas.microsoft.com/office/drawing/2010/main" xmlns="" w="9525">
+                  <a14:hiddenLine xmlns="" xmlns:a14="http://schemas.microsoft.com/office/drawing/2010/main" w="9525">
                     <a:solidFill>
                       <a:srgbClr val="000000"/>
                     </a:solidFill>
@@ -11073,7 +11073,7 @@
               </a:ln>
               <a:extLst>
                 <a:ext uri="{91240B29-F687-4f45-9708-019B960494DF}">
-                  <a14:hiddenLine xmlns:a14="http://schemas.microsoft.com/office/drawing/2010/main" xmlns="" w="9525">
+                  <a14:hiddenLine xmlns="" xmlns:a14="http://schemas.microsoft.com/office/drawing/2010/main" w="9525">
                     <a:solidFill>
                       <a:srgbClr val="000000"/>
                     </a:solidFill>
@@ -11171,7 +11171,7 @@
               </a:ln>
               <a:extLst>
                 <a:ext uri="{91240B29-F687-4f45-9708-019B960494DF}">
-                  <a14:hiddenLine xmlns:a14="http://schemas.microsoft.com/office/drawing/2010/main" xmlns="" w="9525">
+                  <a14:hiddenLine xmlns="" xmlns:a14="http://schemas.microsoft.com/office/drawing/2010/main" w="9525">
                     <a:solidFill>
                       <a:srgbClr val="000000"/>
                     </a:solidFill>
@@ -11286,7 +11286,7 @@
               </a:ln>
               <a:extLst>
                 <a:ext uri="{91240B29-F687-4f45-9708-019B960494DF}">
-                  <a14:hiddenLine xmlns:a14="http://schemas.microsoft.com/office/drawing/2010/main" xmlns="" w="9525">
+                  <a14:hiddenLine xmlns="" xmlns:a14="http://schemas.microsoft.com/office/drawing/2010/main" w="9525">
                     <a:solidFill>
                       <a:srgbClr val="000000"/>
                     </a:solidFill>
@@ -11376,7 +11376,7 @@
               </a:ln>
               <a:extLst>
                 <a:ext uri="{91240B29-F687-4f45-9708-019B960494DF}">
-                  <a14:hiddenLine xmlns:a14="http://schemas.microsoft.com/office/drawing/2010/main" xmlns="" w="9525">
+                  <a14:hiddenLine xmlns="" xmlns:a14="http://schemas.microsoft.com/office/drawing/2010/main" w="9525">
                     <a:solidFill>
                       <a:srgbClr val="000000"/>
                     </a:solidFill>
@@ -11441,7 +11441,7 @@
               </a:ln>
               <a:extLst>
                 <a:ext uri="{91240B29-F687-4f45-9708-019B960494DF}">
-                  <a14:hiddenLine xmlns:a14="http://schemas.microsoft.com/office/drawing/2010/main" xmlns="" w="9525">
+                  <a14:hiddenLine xmlns="" xmlns:a14="http://schemas.microsoft.com/office/drawing/2010/main" w="9525">
                     <a:solidFill>
                       <a:srgbClr val="000000"/>
                     </a:solidFill>
@@ -11531,7 +11531,7 @@
               </a:ln>
               <a:extLst>
                 <a:ext uri="{91240B29-F687-4f45-9708-019B960494DF}">
-                  <a14:hiddenLine xmlns:a14="http://schemas.microsoft.com/office/drawing/2010/main" xmlns="" w="9525">
+                  <a14:hiddenLine xmlns="" xmlns:a14="http://schemas.microsoft.com/office/drawing/2010/main" w="9525">
                     <a:solidFill>
                       <a:srgbClr val="000000"/>
                     </a:solidFill>
@@ -11599,7 +11599,7 @@
               </a:ln>
               <a:extLst>
                 <a:ext uri="{91240B29-F687-4f45-9708-019B960494DF}">
-                  <a14:hiddenLine xmlns:a14="http://schemas.microsoft.com/office/drawing/2010/main" xmlns="" w="9525">
+                  <a14:hiddenLine xmlns="" xmlns:a14="http://schemas.microsoft.com/office/drawing/2010/main" w="9525">
                     <a:solidFill>
                       <a:srgbClr val="000000"/>
                     </a:solidFill>
@@ -11689,7 +11689,7 @@
               </a:ln>
               <a:extLst>
                 <a:ext uri="{91240B29-F687-4f45-9708-019B960494DF}">
-                  <a14:hiddenLine xmlns:a14="http://schemas.microsoft.com/office/drawing/2010/main" xmlns="" w="9525">
+                  <a14:hiddenLine xmlns="" xmlns:a14="http://schemas.microsoft.com/office/drawing/2010/main" w="9525">
                     <a:solidFill>
                       <a:srgbClr val="000000"/>
                     </a:solidFill>
@@ -11757,7 +11757,7 @@
               </a:ln>
               <a:extLst>
                 <a:ext uri="{91240B29-F687-4f45-9708-019B960494DF}">
-                  <a14:hiddenLine xmlns:a14="http://schemas.microsoft.com/office/drawing/2010/main" xmlns="" w="9525">
+                  <a14:hiddenLine xmlns="" xmlns:a14="http://schemas.microsoft.com/office/drawing/2010/main" w="9525">
                     <a:solidFill>
                       <a:srgbClr val="000000"/>
                     </a:solidFill>
@@ -11847,7 +11847,7 @@
               </a:ln>
               <a:extLst>
                 <a:ext uri="{91240B29-F687-4f45-9708-019B960494DF}">
-                  <a14:hiddenLine xmlns:a14="http://schemas.microsoft.com/office/drawing/2010/main" xmlns="" w="9525">
+                  <a14:hiddenLine xmlns="" xmlns:a14="http://schemas.microsoft.com/office/drawing/2010/main" w="9525">
                     <a:solidFill>
                       <a:srgbClr val="000000"/>
                     </a:solidFill>
@@ -11881,7 +11881,7 @@
               </a:ln>
               <a:extLst>
                 <a:ext uri="{91240B29-F687-4f45-9708-019B960494DF}">
-                  <a14:hiddenLine xmlns:a14="http://schemas.microsoft.com/office/drawing/2010/main" xmlns="" w="9525">
+                  <a14:hiddenLine xmlns="" xmlns:a14="http://schemas.microsoft.com/office/drawing/2010/main" w="9525">
                     <a:solidFill>
                       <a:srgbClr val="000000"/>
                     </a:solidFill>
@@ -12021,7 +12021,7 @@
           <a:p>
             <a:fld id="{C3600A06-36DD-406A-821E-53AD92F7ED8A}" type="datetimeFigureOut">
               <a:rPr lang="uk-UA" smtClean="0"/>
-              <a:t>22.02.2021</a:t>
+              <a:t>26.02.2021</a:t>
             </a:fld>
             <a:endParaRPr lang="uk-UA"/>
           </a:p>
@@ -12553,10 +12553,14 @@
   </p:clrMapOvr>
   <mc:AlternateContent xmlns:mc="http://schemas.openxmlformats.org/markup-compatibility/2006">
     <mc:Choice xmlns:p14="http://schemas.microsoft.com/office/powerpoint/2010/main" Requires="p14">
-      <p:transition spd="slow" p14:dur="2000" advClick="0" advTm="2000"/>
+      <p:transition spd="med" p14:dur="700" advClick="0" advTm="2000">
+        <p:fade/>
+      </p:transition>
     </mc:Choice>
     <mc:Fallback>
-      <p:transition spd="slow" advClick="0" advTm="2000"/>
+      <p:transition spd="med" advClick="0" advTm="2000">
+        <p:fade/>
+      </p:transition>
     </mc:Fallback>
   </mc:AlternateContent>
   <p:timing>
@@ -13827,11 +13831,11 @@
   <p:clrMapOvr>
     <a:masterClrMapping/>
   </p:clrMapOvr>
-  <mc:AlternateContent xmlns:mc="http://schemas.openxmlformats.org/markup-compatibility/2006">
-    <mc:Choice xmlns:p14="http://schemas.microsoft.com/office/powerpoint/2010/main" Requires="p14">
+  <mc:AlternateContent xmlns:mc="http://schemas.openxmlformats.org/markup-compatibility/2006" xmlns:p14="http://schemas.microsoft.com/office/powerpoint/2010/main">
+    <mc:Choice Requires="p14">
       <p:transition spd="slow" p14:dur="2000" advClick="0" advTm="2000"/>
     </mc:Choice>
-    <mc:Fallback>
+    <mc:Fallback xmlns="">
       <p:transition spd="slow" advClick="0" advTm="2000"/>
     </mc:Fallback>
   </mc:AlternateContent>
@@ -13928,7 +13932,7 @@
                                     </p:set>
                                     <p:animEffect transition="in" filter="fade">
                                       <p:cBhvr>
-                                        <p:cTn id="11" dur="100"/>
+                                        <p:cTn id="11" dur="1000"/>
                                         <p:tgtEl>
                                           <p:spTgt spid="2"/>
                                         </p:tgtEl>
@@ -13937,24 +13941,15 @@
                                   </p:childTnLst>
                                 </p:cTn>
                               </p:par>
-                            </p:childTnLst>
-                          </p:cTn>
-                        </p:par>
-                        <p:par>
-                          <p:cTn id="12" fill="hold">
-                            <p:stCondLst>
-                              <p:cond delay="600"/>
-                            </p:stCondLst>
-                            <p:childTnLst>
                               <p:par>
-                                <p:cTn id="13" presetID="10" presetClass="entr" presetSubtype="0" fill="hold" grpId="0" nodeType="afterEffect">
+                                <p:cTn id="12" presetID="10" presetClass="entr" presetSubtype="0" fill="hold" grpId="0" nodeType="withEffect">
                                   <p:stCondLst>
                                     <p:cond delay="0"/>
                                   </p:stCondLst>
                                   <p:childTnLst>
                                     <p:set>
                                       <p:cBhvr>
-                                        <p:cTn id="14" dur="1" fill="hold">
+                                        <p:cTn id="13" dur="1" fill="hold">
                                           <p:stCondLst>
                                             <p:cond delay="0"/>
                                           </p:stCondLst>
@@ -13972,7 +13967,7 @@
                                     </p:set>
                                     <p:animEffect transition="in" filter="fade">
                                       <p:cBhvr>
-                                        <p:cTn id="15" dur="100"/>
+                                        <p:cTn id="14" dur="1000"/>
                                         <p:tgtEl>
                                           <p:spTgt spid="4"/>
                                         </p:tgtEl>
@@ -13981,24 +13976,15 @@
                                   </p:childTnLst>
                                 </p:cTn>
                               </p:par>
-                            </p:childTnLst>
-                          </p:cTn>
-                        </p:par>
-                        <p:par>
-                          <p:cTn id="16" fill="hold">
-                            <p:stCondLst>
-                              <p:cond delay="700"/>
-                            </p:stCondLst>
-                            <p:childTnLst>
                               <p:par>
-                                <p:cTn id="17" presetID="10" presetClass="entr" presetSubtype="0" fill="hold" grpId="0" nodeType="afterEffect">
+                                <p:cTn id="15" presetID="10" presetClass="entr" presetSubtype="0" fill="hold" grpId="0" nodeType="withEffect">
                                   <p:stCondLst>
                                     <p:cond delay="0"/>
                                   </p:stCondLst>
                                   <p:childTnLst>
                                     <p:set>
                                       <p:cBhvr>
-                                        <p:cTn id="18" dur="1" fill="hold">
+                                        <p:cTn id="16" dur="1" fill="hold">
                                           <p:stCondLst>
                                             <p:cond delay="0"/>
                                           </p:stCondLst>
@@ -14016,7 +14002,7 @@
                                     </p:set>
                                     <p:animEffect transition="in" filter="fade">
                                       <p:cBhvr>
-                                        <p:cTn id="19" dur="100"/>
+                                        <p:cTn id="17" dur="1000"/>
                                         <p:tgtEl>
                                           <p:spTgt spid="7"/>
                                         </p:tgtEl>
@@ -14025,24 +14011,15 @@
                                   </p:childTnLst>
                                 </p:cTn>
                               </p:par>
-                            </p:childTnLst>
-                          </p:cTn>
-                        </p:par>
-                        <p:par>
-                          <p:cTn id="20" fill="hold">
-                            <p:stCondLst>
-                              <p:cond delay="800"/>
-                            </p:stCondLst>
-                            <p:childTnLst>
                               <p:par>
-                                <p:cTn id="21" presetID="10" presetClass="entr" presetSubtype="0" fill="hold" grpId="0" nodeType="afterEffect">
+                                <p:cTn id="18" presetID="10" presetClass="entr" presetSubtype="0" fill="hold" grpId="0" nodeType="withEffect">
                                   <p:stCondLst>
                                     <p:cond delay="0"/>
                                   </p:stCondLst>
                                   <p:childTnLst>
                                     <p:set>
                                       <p:cBhvr>
-                                        <p:cTn id="22" dur="1" fill="hold">
+                                        <p:cTn id="19" dur="1" fill="hold">
                                           <p:stCondLst>
                                             <p:cond delay="0"/>
                                           </p:stCondLst>
@@ -14060,7 +14037,7 @@
                                     </p:set>
                                     <p:animEffect transition="in" filter="fade">
                                       <p:cBhvr>
-                                        <p:cTn id="23" dur="100"/>
+                                        <p:cTn id="20" dur="1000"/>
                                         <p:tgtEl>
                                           <p:spTgt spid="8"/>
                                         </p:tgtEl>
@@ -14069,24 +14046,15 @@
                                   </p:childTnLst>
                                 </p:cTn>
                               </p:par>
-                            </p:childTnLst>
-                          </p:cTn>
-                        </p:par>
-                        <p:par>
-                          <p:cTn id="24" fill="hold">
-                            <p:stCondLst>
-                              <p:cond delay="900"/>
-                            </p:stCondLst>
-                            <p:childTnLst>
                               <p:par>
-                                <p:cTn id="25" presetID="10" presetClass="entr" presetSubtype="0" fill="hold" grpId="0" nodeType="afterEffect">
+                                <p:cTn id="21" presetID="10" presetClass="entr" presetSubtype="0" fill="hold" grpId="0" nodeType="withEffect">
                                   <p:stCondLst>
                                     <p:cond delay="0"/>
                                   </p:stCondLst>
                                   <p:childTnLst>
                                     <p:set>
                                       <p:cBhvr>
-                                        <p:cTn id="26" dur="1" fill="hold">
+                                        <p:cTn id="22" dur="1" fill="hold">
                                           <p:stCondLst>
                                             <p:cond delay="0"/>
                                           </p:stCondLst>
@@ -14104,7 +14072,7 @@
                                     </p:set>
                                     <p:animEffect transition="in" filter="fade">
                                       <p:cBhvr>
-                                        <p:cTn id="27" dur="100"/>
+                                        <p:cTn id="23" dur="1000"/>
                                         <p:tgtEl>
                                           <p:spTgt spid="5"/>
                                         </p:tgtEl>
@@ -14113,24 +14081,15 @@
                                   </p:childTnLst>
                                 </p:cTn>
                               </p:par>
-                            </p:childTnLst>
-                          </p:cTn>
-                        </p:par>
-                        <p:par>
-                          <p:cTn id="28" fill="hold">
-                            <p:stCondLst>
-                              <p:cond delay="1000"/>
-                            </p:stCondLst>
-                            <p:childTnLst>
                               <p:par>
-                                <p:cTn id="29" presetID="10" presetClass="entr" presetSubtype="0" fill="hold" grpId="0" nodeType="afterEffect">
+                                <p:cTn id="24" presetID="10" presetClass="entr" presetSubtype="0" fill="hold" grpId="0" nodeType="withEffect">
                                   <p:stCondLst>
                                     <p:cond delay="0"/>
                                   </p:stCondLst>
                                   <p:childTnLst>
                                     <p:set>
                                       <p:cBhvr>
-                                        <p:cTn id="30" dur="1" fill="hold">
+                                        <p:cTn id="25" dur="1" fill="hold">
                                           <p:stCondLst>
                                             <p:cond delay="0"/>
                                           </p:stCondLst>
@@ -14148,7 +14107,7 @@
                                     </p:set>
                                     <p:animEffect transition="in" filter="fade">
                                       <p:cBhvr>
-                                        <p:cTn id="31" dur="100"/>
+                                        <p:cTn id="26" dur="1000"/>
                                         <p:tgtEl>
                                           <p:spTgt spid="6"/>
                                         </p:tgtEl>
@@ -14157,24 +14116,15 @@
                                   </p:childTnLst>
                                 </p:cTn>
                               </p:par>
-                            </p:childTnLst>
-                          </p:cTn>
-                        </p:par>
-                        <p:par>
-                          <p:cTn id="32" fill="hold">
-                            <p:stCondLst>
-                              <p:cond delay="1100"/>
-                            </p:stCondLst>
-                            <p:childTnLst>
                               <p:par>
-                                <p:cTn id="33" presetID="10" presetClass="entr" presetSubtype="0" fill="hold" grpId="0" nodeType="afterEffect">
+                                <p:cTn id="27" presetID="10" presetClass="entr" presetSubtype="0" fill="hold" grpId="0" nodeType="withEffect">
                                   <p:stCondLst>
                                     <p:cond delay="0"/>
                                   </p:stCondLst>
                                   <p:childTnLst>
                                     <p:set>
                                       <p:cBhvr>
-                                        <p:cTn id="34" dur="1" fill="hold">
+                                        <p:cTn id="28" dur="1" fill="hold">
                                           <p:stCondLst>
                                             <p:cond delay="0"/>
                                           </p:stCondLst>
@@ -14192,7 +14142,7 @@
                                     </p:set>
                                     <p:animEffect transition="in" filter="fade">
                                       <p:cBhvr>
-                                        <p:cTn id="35" dur="100"/>
+                                        <p:cTn id="29" dur="1000"/>
                                         <p:tgtEl>
                                           <p:spTgt spid="20"/>
                                         </p:tgtEl>
@@ -14201,24 +14151,15 @@
                                   </p:childTnLst>
                                 </p:cTn>
                               </p:par>
-                            </p:childTnLst>
-                          </p:cTn>
-                        </p:par>
-                        <p:par>
-                          <p:cTn id="36" fill="hold">
-                            <p:stCondLst>
-                              <p:cond delay="1200"/>
-                            </p:stCondLst>
-                            <p:childTnLst>
                               <p:par>
-                                <p:cTn id="37" presetID="10" presetClass="entr" presetSubtype="0" fill="hold" grpId="0" nodeType="afterEffect">
+                                <p:cTn id="30" presetID="10" presetClass="entr" presetSubtype="0" fill="hold" grpId="0" nodeType="withEffect">
                                   <p:stCondLst>
                                     <p:cond delay="0"/>
                                   </p:stCondLst>
                                   <p:childTnLst>
                                     <p:set>
                                       <p:cBhvr>
-                                        <p:cTn id="38" dur="1" fill="hold">
+                                        <p:cTn id="31" dur="1" fill="hold">
                                           <p:stCondLst>
                                             <p:cond delay="0"/>
                                           </p:stCondLst>
@@ -14236,7 +14177,7 @@
                                     </p:set>
                                     <p:animEffect transition="in" filter="fade">
                                       <p:cBhvr>
-                                        <p:cTn id="39" dur="100"/>
+                                        <p:cTn id="32" dur="1000"/>
                                         <p:tgtEl>
                                           <p:spTgt spid="21"/>
                                         </p:tgtEl>
@@ -14245,24 +14186,15 @@
                                   </p:childTnLst>
                                 </p:cTn>
                               </p:par>
-                            </p:childTnLst>
-                          </p:cTn>
-                        </p:par>
-                        <p:par>
-                          <p:cTn id="40" fill="hold">
-                            <p:stCondLst>
-                              <p:cond delay="1300"/>
-                            </p:stCondLst>
-                            <p:childTnLst>
                               <p:par>
-                                <p:cTn id="41" presetID="10" presetClass="entr" presetSubtype="0" fill="hold" grpId="0" nodeType="afterEffect">
+                                <p:cTn id="33" presetID="10" presetClass="entr" presetSubtype="0" fill="hold" grpId="0" nodeType="withEffect">
                                   <p:stCondLst>
                                     <p:cond delay="0"/>
                                   </p:stCondLst>
                                   <p:childTnLst>
                                     <p:set>
                                       <p:cBhvr>
-                                        <p:cTn id="42" dur="1" fill="hold">
+                                        <p:cTn id="34" dur="1" fill="hold">
                                           <p:stCondLst>
                                             <p:cond delay="0"/>
                                           </p:stCondLst>
@@ -14280,7 +14212,7 @@
                                     </p:set>
                                     <p:animEffect transition="in" filter="fade">
                                       <p:cBhvr>
-                                        <p:cTn id="43" dur="100"/>
+                                        <p:cTn id="35" dur="1000"/>
                                         <p:tgtEl>
                                           <p:spTgt spid="66"/>
                                         </p:tgtEl>
@@ -14293,20 +14225,20 @@
                           </p:cTn>
                         </p:par>
                         <p:par>
-                          <p:cTn id="44" fill="hold">
+                          <p:cTn id="36" fill="hold">
                             <p:stCondLst>
-                              <p:cond delay="1400"/>
+                              <p:cond delay="1500"/>
                             </p:stCondLst>
                             <p:childTnLst>
                               <p:par>
-                                <p:cTn id="45" presetID="10" presetClass="entr" presetSubtype="0" fill="hold" nodeType="afterEffect">
+                                <p:cTn id="37" presetID="22" presetClass="entr" presetSubtype="8" fill="hold" nodeType="afterEffect">
                                   <p:stCondLst>
                                     <p:cond delay="0"/>
                                   </p:stCondLst>
                                   <p:childTnLst>
                                     <p:set>
                                       <p:cBhvr>
-                                        <p:cTn id="46" dur="1" fill="hold">
+                                        <p:cTn id="38" dur="1" fill="hold">
                                           <p:stCondLst>
                                             <p:cond delay="0"/>
                                           </p:stCondLst>
@@ -14322,9 +14254,9 @@
                                         <p:strVal val="visible"/>
                                       </p:to>
                                     </p:set>
-                                    <p:animEffect transition="in" filter="fade">
+                                    <p:animEffect transition="in" filter="wipe(left)">
                                       <p:cBhvr>
-                                        <p:cTn id="47" dur="100"/>
+                                        <p:cTn id="39" dur="500"/>
                                         <p:tgtEl>
                                           <p:spTgt spid="10"/>
                                         </p:tgtEl>
@@ -14337,20 +14269,20 @@
                           </p:cTn>
                         </p:par>
                         <p:par>
-                          <p:cTn id="48" fill="hold">
+                          <p:cTn id="40" fill="hold">
                             <p:stCondLst>
-                              <p:cond delay="1500"/>
+                              <p:cond delay="2000"/>
                             </p:stCondLst>
                             <p:childTnLst>
                               <p:par>
-                                <p:cTn id="49" presetID="10" presetClass="entr" presetSubtype="0" fill="hold" nodeType="afterEffect">
+                                <p:cTn id="41" presetID="22" presetClass="entr" presetSubtype="8" fill="hold" nodeType="afterEffect">
                                   <p:stCondLst>
                                     <p:cond delay="0"/>
                                   </p:stCondLst>
                                   <p:childTnLst>
                                     <p:set>
                                       <p:cBhvr>
-                                        <p:cTn id="50" dur="1" fill="hold">
+                                        <p:cTn id="42" dur="1" fill="hold">
                                           <p:stCondLst>
                                             <p:cond delay="0"/>
                                           </p:stCondLst>
@@ -14366,9 +14298,9 @@
                                         <p:strVal val="visible"/>
                                       </p:to>
                                     </p:set>
-                                    <p:animEffect transition="in" filter="fade">
+                                    <p:animEffect transition="in" filter="wipe(left)">
                                       <p:cBhvr>
-                                        <p:cTn id="51" dur="100"/>
+                                        <p:cTn id="43" dur="500"/>
                                         <p:tgtEl>
                                           <p:spTgt spid="16"/>
                                         </p:tgtEl>
@@ -14381,20 +14313,20 @@
                           </p:cTn>
                         </p:par>
                         <p:par>
-                          <p:cTn id="52" fill="hold">
+                          <p:cTn id="44" fill="hold">
                             <p:stCondLst>
-                              <p:cond delay="1600"/>
+                              <p:cond delay="2500"/>
                             </p:stCondLst>
                             <p:childTnLst>
                               <p:par>
-                                <p:cTn id="53" presetID="10" presetClass="entr" presetSubtype="0" fill="hold" nodeType="afterEffect">
+                                <p:cTn id="45" presetID="22" presetClass="entr" presetSubtype="8" fill="hold" nodeType="afterEffect">
                                   <p:stCondLst>
                                     <p:cond delay="0"/>
                                   </p:stCondLst>
                                   <p:childTnLst>
                                     <p:set>
                                       <p:cBhvr>
-                                        <p:cTn id="54" dur="1" fill="hold">
+                                        <p:cTn id="46" dur="1" fill="hold">
                                           <p:stCondLst>
                                             <p:cond delay="0"/>
                                           </p:stCondLst>
@@ -14410,9 +14342,9 @@
                                         <p:strVal val="visible"/>
                                       </p:to>
                                     </p:set>
-                                    <p:animEffect transition="in" filter="fade">
+                                    <p:animEffect transition="in" filter="wipe(left)">
                                       <p:cBhvr>
-                                        <p:cTn id="55" dur="100"/>
+                                        <p:cTn id="47" dur="500"/>
                                         <p:tgtEl>
                                           <p:spTgt spid="37"/>
                                         </p:tgtEl>
@@ -14425,20 +14357,64 @@
                           </p:cTn>
                         </p:par>
                         <p:par>
-                          <p:cTn id="56" fill="hold">
+                          <p:cTn id="48" fill="hold">
                             <p:stCondLst>
-                              <p:cond delay="1700"/>
+                              <p:cond delay="3000"/>
                             </p:stCondLst>
                             <p:childTnLst>
                               <p:par>
-                                <p:cTn id="57" presetID="10" presetClass="entr" presetSubtype="0" fill="hold" nodeType="afterEffect">
+                                <p:cTn id="49" presetID="22" presetClass="entr" presetSubtype="2" fill="hold" nodeType="afterEffect">
                                   <p:stCondLst>
                                     <p:cond delay="0"/>
                                   </p:stCondLst>
                                   <p:childTnLst>
                                     <p:set>
                                       <p:cBhvr>
-                                        <p:cTn id="58" dur="1" fill="hold">
+                                        <p:cTn id="50" dur="1" fill="hold">
+                                          <p:stCondLst>
+                                            <p:cond delay="0"/>
+                                          </p:stCondLst>
+                                        </p:cTn>
+                                        <p:tgtEl>
+                                          <p:spTgt spid="68"/>
+                                        </p:tgtEl>
+                                        <p:attrNameLst>
+                                          <p:attrName>style.visibility</p:attrName>
+                                        </p:attrNameLst>
+                                      </p:cBhvr>
+                                      <p:to>
+                                        <p:strVal val="visible"/>
+                                      </p:to>
+                                    </p:set>
+                                    <p:animEffect transition="in" filter="wipe(right)">
+                                      <p:cBhvr>
+                                        <p:cTn id="51" dur="500"/>
+                                        <p:tgtEl>
+                                          <p:spTgt spid="68"/>
+                                        </p:tgtEl>
+                                      </p:cBhvr>
+                                    </p:animEffect>
+                                  </p:childTnLst>
+                                </p:cTn>
+                              </p:par>
+                            </p:childTnLst>
+                          </p:cTn>
+                        </p:par>
+                        <p:par>
+                          <p:cTn id="52" fill="hold">
+                            <p:stCondLst>
+                              <p:cond delay="3500"/>
+                            </p:stCondLst>
+                            <p:childTnLst>
+                              <p:par>
+                                <p:cTn id="53" presetID="22" presetClass="entr" presetSubtype="1" fill="hold" nodeType="afterEffect">
+                                  <p:stCondLst>
+                                    <p:cond delay="0"/>
+                                  </p:stCondLst>
+                                  <p:childTnLst>
+                                    <p:set>
+                                      <p:cBhvr>
+                                        <p:cTn id="54" dur="1" fill="hold">
                                           <p:stCondLst>
                                             <p:cond delay="0"/>
                                           </p:stCondLst>
@@ -14454,9 +14430,9 @@
                                         <p:strVal val="visible"/>
                                       </p:to>
                                     </p:set>
-                                    <p:animEffect transition="in" filter="fade">
+                                    <p:animEffect transition="in" filter="wipe(up)">
                                       <p:cBhvr>
-                                        <p:cTn id="59" dur="100"/>
+                                        <p:cTn id="55" dur="500"/>
                                         <p:tgtEl>
                                           <p:spTgt spid="26"/>
                                         </p:tgtEl>
@@ -14469,20 +14445,55 @@
                           </p:cTn>
                         </p:par>
                         <p:par>
-                          <p:cTn id="60" fill="hold">
+                          <p:cTn id="56" fill="hold">
                             <p:stCondLst>
-                              <p:cond delay="1800"/>
+                              <p:cond delay="4000"/>
                             </p:stCondLst>
                             <p:childTnLst>
                               <p:par>
-                                <p:cTn id="61" presetID="10" presetClass="entr" presetSubtype="0" fill="hold" nodeType="afterEffect">
+                                <p:cTn id="57" presetID="22" presetClass="entr" presetSubtype="8" fill="hold" nodeType="afterEffect">
                                   <p:stCondLst>
                                     <p:cond delay="0"/>
                                   </p:stCondLst>
                                   <p:childTnLst>
                                     <p:set>
                                       <p:cBhvr>
-                                        <p:cTn id="62" dur="1" fill="hold">
+                                        <p:cTn id="58" dur="1" fill="hold">
+                                          <p:stCondLst>
+                                            <p:cond delay="0"/>
+                                          </p:stCondLst>
+                                        </p:cTn>
+                                        <p:tgtEl>
+                                          <p:spTgt spid="28"/>
+                                        </p:tgtEl>
+                                        <p:attrNameLst>
+                                          <p:attrName>style.visibility</p:attrName>
+                                        </p:attrNameLst>
+                                      </p:cBhvr>
+                                      <p:to>
+                                        <p:strVal val="visible"/>
+                                      </p:to>
+                                    </p:set>
+                                    <p:animEffect transition="in" filter="wipe(left)">
+                                      <p:cBhvr>
+                                        <p:cTn id="59" dur="500"/>
+                                        <p:tgtEl>
+                                          <p:spTgt spid="28"/>
+                                        </p:tgtEl>
+                                      </p:cBhvr>
+                                    </p:animEffect>
+                                  </p:childTnLst>
+                                </p:cTn>
+                              </p:par>
+                              <p:par>
+                                <p:cTn id="60" presetID="22" presetClass="entr" presetSubtype="8" fill="hold" nodeType="withEffect">
+                                  <p:stCondLst>
+                                    <p:cond delay="0"/>
+                                  </p:stCondLst>
+                                  <p:childTnLst>
+                                    <p:set>
+                                      <p:cBhvr>
+                                        <p:cTn id="61" dur="1" fill="hold">
                                           <p:stCondLst>
                                             <p:cond delay="0"/>
                                           </p:stCondLst>
@@ -14498,9 +14509,9 @@
                                         <p:strVal val="visible"/>
                                       </p:to>
                                     </p:set>
-                                    <p:animEffect transition="in" filter="fade">
+                                    <p:animEffect transition="in" filter="wipe(left)">
                                       <p:cBhvr>
-                                        <p:cTn id="63" dur="100"/>
+                                        <p:cTn id="62" dur="500"/>
                                         <p:tgtEl>
                                           <p:spTgt spid="30"/>
                                         </p:tgtEl>
@@ -14513,64 +14524,20 @@
                           </p:cTn>
                         </p:par>
                         <p:par>
-                          <p:cTn id="64" fill="hold">
+                          <p:cTn id="63" fill="hold">
                             <p:stCondLst>
-                              <p:cond delay="1900"/>
+                              <p:cond delay="4500"/>
                             </p:stCondLst>
                             <p:childTnLst>
                               <p:par>
-                                <p:cTn id="65" presetID="10" presetClass="entr" presetSubtype="0" fill="hold" nodeType="afterEffect">
+                                <p:cTn id="64" presetID="22" presetClass="entr" presetSubtype="4" fill="hold" nodeType="afterEffect">
                                   <p:stCondLst>
                                     <p:cond delay="0"/>
                                   </p:stCondLst>
                                   <p:childTnLst>
                                     <p:set>
                                       <p:cBhvr>
-                                        <p:cTn id="66" dur="1" fill="hold">
-                                          <p:stCondLst>
-                                            <p:cond delay="0"/>
-                                          </p:stCondLst>
-                                        </p:cTn>
-                                        <p:tgtEl>
-                                          <p:spTgt spid="28"/>
-                                        </p:tgtEl>
-                                        <p:attrNameLst>
-                                          <p:attrName>style.visibility</p:attrName>
-                                        </p:attrNameLst>
-                                      </p:cBhvr>
-                                      <p:to>
-                                        <p:strVal val="visible"/>
-                                      </p:to>
-                                    </p:set>
-                                    <p:animEffect transition="in" filter="fade">
-                                      <p:cBhvr>
-                                        <p:cTn id="67" dur="100"/>
-                                        <p:tgtEl>
-                                          <p:spTgt spid="28"/>
-                                        </p:tgtEl>
-                                      </p:cBhvr>
-                                    </p:animEffect>
-                                  </p:childTnLst>
-                                </p:cTn>
-                              </p:par>
-                            </p:childTnLst>
-                          </p:cTn>
-                        </p:par>
-                        <p:par>
-                          <p:cTn id="68" fill="hold">
-                            <p:stCondLst>
-                              <p:cond delay="2000"/>
-                            </p:stCondLst>
-                            <p:childTnLst>
-                              <p:par>
-                                <p:cTn id="69" presetID="10" presetClass="entr" presetSubtype="0" fill="hold" nodeType="afterEffect">
-                                  <p:stCondLst>
-                                    <p:cond delay="0"/>
-                                  </p:stCondLst>
-                                  <p:childTnLst>
-                                    <p:set>
-                                      <p:cBhvr>
-                                        <p:cTn id="70" dur="1" fill="hold">
+                                        <p:cTn id="65" dur="1" fill="hold">
                                           <p:stCondLst>
                                             <p:cond delay="0"/>
                                           </p:stCondLst>
@@ -14586,9 +14553,9 @@
                                         <p:strVal val="visible"/>
                                       </p:to>
                                     </p:set>
-                                    <p:animEffect transition="in" filter="fade">
+                                    <p:animEffect transition="in" filter="wipe(down)">
                                       <p:cBhvr>
-                                        <p:cTn id="71" dur="100"/>
+                                        <p:cTn id="66" dur="500"/>
                                         <p:tgtEl>
                                           <p:spTgt spid="34"/>
                                         </p:tgtEl>
@@ -14601,20 +14568,20 @@
                           </p:cTn>
                         </p:par>
                         <p:par>
-                          <p:cTn id="72" fill="hold">
+                          <p:cTn id="67" fill="hold">
                             <p:stCondLst>
-                              <p:cond delay="2100"/>
+                              <p:cond delay="5000"/>
                             </p:stCondLst>
                             <p:childTnLst>
                               <p:par>
-                                <p:cTn id="73" presetID="10" presetClass="entr" presetSubtype="0" fill="hold" nodeType="afterEffect">
+                                <p:cTn id="68" presetID="22" presetClass="entr" presetSubtype="8" fill="hold" nodeType="afterEffect">
                                   <p:stCondLst>
                                     <p:cond delay="0"/>
                                   </p:stCondLst>
                                   <p:childTnLst>
                                     <p:set>
                                       <p:cBhvr>
-                                        <p:cTn id="74" dur="1" fill="hold">
+                                        <p:cTn id="69" dur="1" fill="hold">
                                           <p:stCondLst>
                                             <p:cond delay="0"/>
                                           </p:stCondLst>
@@ -14630,55 +14597,11 @@
                                         <p:strVal val="visible"/>
                                       </p:to>
                                     </p:set>
-                                    <p:animEffect transition="in" filter="fade">
+                                    <p:animEffect transition="in" filter="wipe(left)">
                                       <p:cBhvr>
-                                        <p:cTn id="75" dur="100"/>
+                                        <p:cTn id="70" dur="500"/>
                                         <p:tgtEl>
                                           <p:spTgt spid="70"/>
-                                        </p:tgtEl>
-                                      </p:cBhvr>
-                                    </p:animEffect>
-                                  </p:childTnLst>
-                                </p:cTn>
-                              </p:par>
-                            </p:childTnLst>
-                          </p:cTn>
-                        </p:par>
-                        <p:par>
-                          <p:cTn id="76" fill="hold">
-                            <p:stCondLst>
-                              <p:cond delay="2200"/>
-                            </p:stCondLst>
-                            <p:childTnLst>
-                              <p:par>
-                                <p:cTn id="77" presetID="10" presetClass="entr" presetSubtype="0" fill="hold" nodeType="afterEffect">
-                                  <p:stCondLst>
-                                    <p:cond delay="0"/>
-                                  </p:stCondLst>
-                                  <p:childTnLst>
-                                    <p:set>
-                                      <p:cBhvr>
-                                        <p:cTn id="78" dur="1" fill="hold">
-                                          <p:stCondLst>
-                                            <p:cond delay="0"/>
-                                          </p:stCondLst>
-                                        </p:cTn>
-                                        <p:tgtEl>
-                                          <p:spTgt spid="68"/>
-                                        </p:tgtEl>
-                                        <p:attrNameLst>
-                                          <p:attrName>style.visibility</p:attrName>
-                                        </p:attrNameLst>
-                                      </p:cBhvr>
-                                      <p:to>
-                                        <p:strVal val="visible"/>
-                                      </p:to>
-                                    </p:set>
-                                    <p:animEffect transition="in" filter="fade">
-                                      <p:cBhvr>
-                                        <p:cTn id="79" dur="100"/>
-                                        <p:tgtEl>
-                                          <p:spTgt spid="68"/>
                                         </p:tgtEl>
                                       </p:cBhvr>
                                     </p:animEffect>
@@ -16463,15 +16386,15 @@
       </p:sp>
       <p:sp>
         <p:nvSpPr>
-          <p:cNvPr id="44" name="Округлений прямокутник 43">
-            <a:hlinkClick r:id="rId2" action="ppaction://hlinksldjump"/>
+          <p:cNvPr id="43" name="Округлений прямокутник 42">
+            <a:hlinkClick r:id="" action="ppaction://hlinkshowjump?jump=nextslide"/>
           </p:cNvPr>
           <p:cNvSpPr/>
           <p:nvPr/>
         </p:nvSpPr>
         <p:spPr>
           <a:xfrm>
-            <a:off x="9769642" y="6170115"/>
+            <a:off x="10677765" y="6282241"/>
             <a:ext cx="1453200" cy="458596"/>
           </a:xfrm>
           <a:prstGeom prst="roundRect">
@@ -16528,11 +16451,11 @@
   <p:clrMapOvr>
     <a:masterClrMapping/>
   </p:clrMapOvr>
-  <mc:AlternateContent xmlns:mc="http://schemas.openxmlformats.org/markup-compatibility/2006">
-    <mc:Choice xmlns:p14="http://schemas.microsoft.com/office/powerpoint/2010/main" Requires="p14">
+  <mc:AlternateContent xmlns:mc="http://schemas.openxmlformats.org/markup-compatibility/2006" xmlns:p14="http://schemas.microsoft.com/office/powerpoint/2010/main">
+    <mc:Choice Requires="p14">
       <p:transition spd="slow" p14:dur="2000" advClick="0" advTm="2000"/>
     </mc:Choice>
-    <mc:Fallback>
+    <mc:Fallback xmlns="">
       <p:transition spd="slow" advClick="0" advTm="2000"/>
     </mc:Fallback>
   </mc:AlternateContent>
@@ -17463,7 +17386,7 @@
                                           </p:stCondLst>
                                         </p:cTn>
                                         <p:tgtEl>
-                                          <p:spTgt spid="44"/>
+                                          <p:spTgt spid="43"/>
                                         </p:tgtEl>
                                         <p:attrNameLst>
                                           <p:attrName>style.visibility</p:attrName>
@@ -17475,9 +17398,9 @@
                                     </p:set>
                                     <p:animEffect transition="in" filter="wipe(up)">
                                       <p:cBhvr>
-                                        <p:cTn id="83" dur="1000"/>
+                                        <p:cTn id="83" dur="500"/>
                                         <p:tgtEl>
-                                          <p:spTgt spid="44"/>
+                                          <p:spTgt spid="43"/>
                                         </p:tgtEl>
                                       </p:cBhvr>
                                     </p:animEffect>
@@ -17531,7 +17454,7 @@
       <p:bldP spid="40" grpId="0"/>
       <p:bldP spid="41" grpId="0"/>
       <p:bldP spid="42" grpId="0"/>
-      <p:bldP spid="44" grpId="0" animBg="1"/>
+      <p:bldP spid="43" grpId="0" animBg="1"/>
     </p:bldLst>
   </p:timing>
 </p:sld>
@@ -19230,420 +19153,6 @@
       </p:sp>
       <p:sp>
         <p:nvSpPr>
-          <p:cNvPr id="43" name="Прямокутник 42"/>
-          <p:cNvSpPr/>
-          <p:nvPr/>
-        </p:nvSpPr>
-        <p:spPr>
-          <a:xfrm>
-            <a:off x="1119625" y="2643662"/>
-            <a:ext cx="393057" cy="584775"/>
-          </a:xfrm>
-          <a:prstGeom prst="rect">
-            <a:avLst/>
-          </a:prstGeom>
-        </p:spPr>
-        <p:txBody>
-          <a:bodyPr wrap="none">
-            <a:spAutoFit/>
-          </a:bodyPr>
-          <a:lstStyle/>
-          <a:p>
-            <a:pPr algn="ctr"/>
-            <a:r>
-              <a:rPr lang="en-US" sz="3200" dirty="0" smtClean="0">
-                <a:solidFill>
-                  <a:schemeClr val="tx2">
-                    <a:lumMod val="75000"/>
-                  </a:schemeClr>
-                </a:solidFill>
-                <a:latin typeface="Calibri" panose="020F0502020204030204" pitchFamily="34" charset="0"/>
-                <a:cs typeface="Calibri" panose="020F0502020204030204" pitchFamily="34" charset="0"/>
-              </a:rPr>
-              <a:t>5</a:t>
-            </a:r>
-            <a:endParaRPr lang="uk-UA" sz="3200" dirty="0">
-              <a:solidFill>
-                <a:schemeClr val="tx2">
-                  <a:lumMod val="75000"/>
-                </a:schemeClr>
-              </a:solidFill>
-              <a:latin typeface="Calibri" panose="020F0502020204030204" pitchFamily="34" charset="0"/>
-              <a:cs typeface="Calibri" panose="020F0502020204030204" pitchFamily="34" charset="0"/>
-            </a:endParaRPr>
-          </a:p>
-        </p:txBody>
-      </p:sp>
-      <p:sp>
-        <p:nvSpPr>
-          <p:cNvPr id="44" name="Прямокутник 43"/>
-          <p:cNvSpPr/>
-          <p:nvPr/>
-        </p:nvSpPr>
-        <p:spPr>
-          <a:xfrm>
-            <a:off x="1112544" y="4320063"/>
-            <a:ext cx="393057" cy="584775"/>
-          </a:xfrm>
-          <a:prstGeom prst="rect">
-            <a:avLst/>
-          </a:prstGeom>
-        </p:spPr>
-        <p:txBody>
-          <a:bodyPr wrap="none">
-            <a:spAutoFit/>
-          </a:bodyPr>
-          <a:lstStyle/>
-          <a:p>
-            <a:pPr algn="ctr"/>
-            <a:r>
-              <a:rPr lang="en-US" sz="3200" dirty="0" smtClean="0">
-                <a:solidFill>
-                  <a:schemeClr val="tx2">
-                    <a:lumMod val="75000"/>
-                  </a:schemeClr>
-                </a:solidFill>
-                <a:latin typeface="Calibri" panose="020F0502020204030204" pitchFamily="34" charset="0"/>
-                <a:cs typeface="Calibri" panose="020F0502020204030204" pitchFamily="34" charset="0"/>
-              </a:rPr>
-              <a:t>6</a:t>
-            </a:r>
-            <a:endParaRPr lang="uk-UA" sz="3200" dirty="0">
-              <a:solidFill>
-                <a:schemeClr val="tx2">
-                  <a:lumMod val="75000"/>
-                </a:schemeClr>
-              </a:solidFill>
-              <a:latin typeface="Calibri" panose="020F0502020204030204" pitchFamily="34" charset="0"/>
-              <a:cs typeface="Calibri" panose="020F0502020204030204" pitchFamily="34" charset="0"/>
-            </a:endParaRPr>
-          </a:p>
-        </p:txBody>
-      </p:sp>
-      <p:sp>
-        <p:nvSpPr>
-          <p:cNvPr id="47" name="Прямокутник 46"/>
-          <p:cNvSpPr/>
-          <p:nvPr/>
-        </p:nvSpPr>
-        <p:spPr>
-          <a:xfrm>
-            <a:off x="3402893" y="5242853"/>
-            <a:ext cx="393057" cy="584775"/>
-          </a:xfrm>
-          <a:prstGeom prst="rect">
-            <a:avLst/>
-          </a:prstGeom>
-        </p:spPr>
-        <p:txBody>
-          <a:bodyPr wrap="none">
-            <a:spAutoFit/>
-          </a:bodyPr>
-          <a:lstStyle/>
-          <a:p>
-            <a:pPr algn="ctr"/>
-            <a:r>
-              <a:rPr lang="en-US" sz="3200" dirty="0" smtClean="0">
-                <a:solidFill>
-                  <a:schemeClr val="tx2">
-                    <a:lumMod val="75000"/>
-                  </a:schemeClr>
-                </a:solidFill>
-                <a:latin typeface="Calibri" panose="020F0502020204030204" pitchFamily="34" charset="0"/>
-                <a:cs typeface="Calibri" panose="020F0502020204030204" pitchFamily="34" charset="0"/>
-              </a:rPr>
-              <a:t>7</a:t>
-            </a:r>
-            <a:endParaRPr lang="uk-UA" sz="3200" dirty="0">
-              <a:solidFill>
-                <a:schemeClr val="tx2">
-                  <a:lumMod val="75000"/>
-                </a:schemeClr>
-              </a:solidFill>
-              <a:latin typeface="Calibri" panose="020F0502020204030204" pitchFamily="34" charset="0"/>
-              <a:cs typeface="Calibri" panose="020F0502020204030204" pitchFamily="34" charset="0"/>
-            </a:endParaRPr>
-          </a:p>
-        </p:txBody>
-      </p:sp>
-      <p:sp>
-        <p:nvSpPr>
-          <p:cNvPr id="48" name="Прямокутник 47"/>
-          <p:cNvSpPr/>
-          <p:nvPr/>
-        </p:nvSpPr>
-        <p:spPr>
-          <a:xfrm>
-            <a:off x="3399576" y="3253962"/>
-            <a:ext cx="393057" cy="584775"/>
-          </a:xfrm>
-          <a:prstGeom prst="rect">
-            <a:avLst/>
-          </a:prstGeom>
-        </p:spPr>
-        <p:txBody>
-          <a:bodyPr wrap="none">
-            <a:spAutoFit/>
-          </a:bodyPr>
-          <a:lstStyle/>
-          <a:p>
-            <a:pPr algn="ctr"/>
-            <a:r>
-              <a:rPr lang="en-US" sz="3200" dirty="0" smtClean="0">
-                <a:solidFill>
-                  <a:schemeClr val="tx2">
-                    <a:lumMod val="75000"/>
-                  </a:schemeClr>
-                </a:solidFill>
-                <a:latin typeface="Calibri" panose="020F0502020204030204" pitchFamily="34" charset="0"/>
-                <a:cs typeface="Calibri" panose="020F0502020204030204" pitchFamily="34" charset="0"/>
-              </a:rPr>
-              <a:t>8</a:t>
-            </a:r>
-            <a:endParaRPr lang="uk-UA" sz="3200" dirty="0">
-              <a:solidFill>
-                <a:schemeClr val="tx2">
-                  <a:lumMod val="75000"/>
-                </a:schemeClr>
-              </a:solidFill>
-              <a:latin typeface="Calibri" panose="020F0502020204030204" pitchFamily="34" charset="0"/>
-              <a:cs typeface="Calibri" panose="020F0502020204030204" pitchFamily="34" charset="0"/>
-            </a:endParaRPr>
-          </a:p>
-        </p:txBody>
-      </p:sp>
-      <p:sp>
-        <p:nvSpPr>
-          <p:cNvPr id="49" name="Прямокутник 48"/>
-          <p:cNvSpPr/>
-          <p:nvPr/>
-        </p:nvSpPr>
-        <p:spPr>
-          <a:xfrm>
-            <a:off x="1119625" y="780956"/>
-            <a:ext cx="393057" cy="584775"/>
-          </a:xfrm>
-          <a:prstGeom prst="rect">
-            <a:avLst/>
-          </a:prstGeom>
-        </p:spPr>
-        <p:txBody>
-          <a:bodyPr wrap="none">
-            <a:spAutoFit/>
-          </a:bodyPr>
-          <a:lstStyle/>
-          <a:p>
-            <a:pPr algn="ctr"/>
-            <a:r>
-              <a:rPr lang="en-US" sz="3200" dirty="0" smtClean="0">
-                <a:solidFill>
-                  <a:schemeClr val="tx2">
-                    <a:lumMod val="75000"/>
-                  </a:schemeClr>
-                </a:solidFill>
-                <a:latin typeface="Calibri" panose="020F0502020204030204" pitchFamily="34" charset="0"/>
-                <a:cs typeface="Calibri" panose="020F0502020204030204" pitchFamily="34" charset="0"/>
-              </a:rPr>
-              <a:t>1</a:t>
-            </a:r>
-            <a:endParaRPr lang="uk-UA" sz="3200" dirty="0">
-              <a:solidFill>
-                <a:schemeClr val="tx2">
-                  <a:lumMod val="75000"/>
-                </a:schemeClr>
-              </a:solidFill>
-              <a:latin typeface="Calibri" panose="020F0502020204030204" pitchFamily="34" charset="0"/>
-              <a:cs typeface="Calibri" panose="020F0502020204030204" pitchFamily="34" charset="0"/>
-            </a:endParaRPr>
-          </a:p>
-        </p:txBody>
-      </p:sp>
-      <p:sp>
-        <p:nvSpPr>
-          <p:cNvPr id="50" name="Прямокутник 49"/>
-          <p:cNvSpPr/>
-          <p:nvPr/>
-        </p:nvSpPr>
-        <p:spPr>
-          <a:xfrm>
-            <a:off x="3409621" y="1260711"/>
-            <a:ext cx="393057" cy="584775"/>
-          </a:xfrm>
-          <a:prstGeom prst="rect">
-            <a:avLst/>
-          </a:prstGeom>
-        </p:spPr>
-        <p:txBody>
-          <a:bodyPr wrap="none">
-            <a:spAutoFit/>
-          </a:bodyPr>
-          <a:lstStyle/>
-          <a:p>
-            <a:pPr algn="ctr"/>
-            <a:r>
-              <a:rPr lang="en-US" sz="3200" dirty="0" smtClean="0">
-                <a:solidFill>
-                  <a:schemeClr val="tx2">
-                    <a:lumMod val="75000"/>
-                  </a:schemeClr>
-                </a:solidFill>
-                <a:latin typeface="Calibri" panose="020F0502020204030204" pitchFamily="34" charset="0"/>
-                <a:cs typeface="Calibri" panose="020F0502020204030204" pitchFamily="34" charset="0"/>
-              </a:rPr>
-              <a:t>2</a:t>
-            </a:r>
-            <a:endParaRPr lang="uk-UA" sz="3200" dirty="0">
-              <a:solidFill>
-                <a:schemeClr val="tx2">
-                  <a:lumMod val="75000"/>
-                </a:schemeClr>
-              </a:solidFill>
-              <a:latin typeface="Calibri" panose="020F0502020204030204" pitchFamily="34" charset="0"/>
-              <a:cs typeface="Calibri" panose="020F0502020204030204" pitchFamily="34" charset="0"/>
-            </a:endParaRPr>
-          </a:p>
-        </p:txBody>
-      </p:sp>
-      <p:sp>
-        <p:nvSpPr>
-          <p:cNvPr id="51" name="Прямокутник 50"/>
-          <p:cNvSpPr/>
-          <p:nvPr/>
-        </p:nvSpPr>
-        <p:spPr>
-          <a:xfrm>
-            <a:off x="5699467" y="1852913"/>
-            <a:ext cx="393057" cy="584775"/>
-          </a:xfrm>
-          <a:prstGeom prst="rect">
-            <a:avLst/>
-          </a:prstGeom>
-        </p:spPr>
-        <p:txBody>
-          <a:bodyPr wrap="none">
-            <a:spAutoFit/>
-          </a:bodyPr>
-          <a:lstStyle/>
-          <a:p>
-            <a:pPr algn="ctr"/>
-            <a:r>
-              <a:rPr lang="en-US" sz="3200" dirty="0" smtClean="0">
-                <a:solidFill>
-                  <a:schemeClr val="tx2">
-                    <a:lumMod val="75000"/>
-                  </a:schemeClr>
-                </a:solidFill>
-                <a:latin typeface="Calibri" panose="020F0502020204030204" pitchFamily="34" charset="0"/>
-                <a:cs typeface="Calibri" panose="020F0502020204030204" pitchFamily="34" charset="0"/>
-              </a:rPr>
-              <a:t>3</a:t>
-            </a:r>
-            <a:endParaRPr lang="uk-UA" sz="3200" dirty="0">
-              <a:solidFill>
-                <a:schemeClr val="tx2">
-                  <a:lumMod val="75000"/>
-                </a:schemeClr>
-              </a:solidFill>
-              <a:latin typeface="Calibri" panose="020F0502020204030204" pitchFamily="34" charset="0"/>
-              <a:cs typeface="Calibri" panose="020F0502020204030204" pitchFamily="34" charset="0"/>
-            </a:endParaRPr>
-          </a:p>
-        </p:txBody>
-      </p:sp>
-      <p:sp>
-        <p:nvSpPr>
-          <p:cNvPr id="52" name="Прямокутник 51"/>
-          <p:cNvSpPr/>
-          <p:nvPr/>
-        </p:nvSpPr>
-        <p:spPr>
-          <a:xfrm>
-            <a:off x="7979465" y="2643661"/>
-            <a:ext cx="393057" cy="584775"/>
-          </a:xfrm>
-          <a:prstGeom prst="rect">
-            <a:avLst/>
-          </a:prstGeom>
-        </p:spPr>
-        <p:txBody>
-          <a:bodyPr wrap="none">
-            <a:spAutoFit/>
-          </a:bodyPr>
-          <a:lstStyle/>
-          <a:p>
-            <a:pPr algn="ctr"/>
-            <a:r>
-              <a:rPr lang="en-US" sz="3200" dirty="0" smtClean="0">
-                <a:solidFill>
-                  <a:schemeClr val="tx2">
-                    <a:lumMod val="75000"/>
-                  </a:schemeClr>
-                </a:solidFill>
-                <a:latin typeface="Calibri" panose="020F0502020204030204" pitchFamily="34" charset="0"/>
-                <a:cs typeface="Calibri" panose="020F0502020204030204" pitchFamily="34" charset="0"/>
-              </a:rPr>
-              <a:t>4</a:t>
-            </a:r>
-            <a:endParaRPr lang="uk-UA" sz="3200" dirty="0">
-              <a:solidFill>
-                <a:schemeClr val="tx2">
-                  <a:lumMod val="75000"/>
-                </a:schemeClr>
-              </a:solidFill>
-              <a:latin typeface="Calibri" panose="020F0502020204030204" pitchFamily="34" charset="0"/>
-              <a:cs typeface="Calibri" panose="020F0502020204030204" pitchFamily="34" charset="0"/>
-            </a:endParaRPr>
-          </a:p>
-        </p:txBody>
-      </p:sp>
-      <p:sp>
-        <p:nvSpPr>
-          <p:cNvPr id="53" name="Прямокутник 52"/>
-          <p:cNvSpPr/>
-          <p:nvPr/>
-        </p:nvSpPr>
-        <p:spPr>
-          <a:xfrm>
-            <a:off x="5699467" y="4040081"/>
-            <a:ext cx="393057" cy="584775"/>
-          </a:xfrm>
-          <a:prstGeom prst="rect">
-            <a:avLst/>
-          </a:prstGeom>
-        </p:spPr>
-        <p:txBody>
-          <a:bodyPr wrap="none">
-            <a:spAutoFit/>
-          </a:bodyPr>
-          <a:lstStyle/>
-          <a:p>
-            <a:pPr algn="ctr"/>
-            <a:r>
-              <a:rPr lang="en-US" sz="3200" dirty="0" smtClean="0">
-                <a:solidFill>
-                  <a:schemeClr val="tx2">
-                    <a:lumMod val="75000"/>
-                  </a:schemeClr>
-                </a:solidFill>
-                <a:latin typeface="Calibri" panose="020F0502020204030204" pitchFamily="34" charset="0"/>
-                <a:cs typeface="Calibri" panose="020F0502020204030204" pitchFamily="34" charset="0"/>
-              </a:rPr>
-              <a:t>9</a:t>
-            </a:r>
-            <a:endParaRPr lang="uk-UA" sz="3200" dirty="0">
-              <a:solidFill>
-                <a:schemeClr val="tx2">
-                  <a:lumMod val="75000"/>
-                </a:schemeClr>
-              </a:solidFill>
-              <a:latin typeface="Calibri" panose="020F0502020204030204" pitchFamily="34" charset="0"/>
-              <a:cs typeface="Calibri" panose="020F0502020204030204" pitchFamily="34" charset="0"/>
-            </a:endParaRPr>
-          </a:p>
-        </p:txBody>
-      </p:sp>
-      <p:sp>
-        <p:nvSpPr>
           <p:cNvPr id="17" name="TextBox 16"/>
           <p:cNvSpPr txBox="1"/>
           <p:nvPr/>
@@ -19692,7 +19201,7 @@
         </p:nvSpPr>
         <p:spPr>
           <a:xfrm>
-            <a:off x="5956360" y="5926767"/>
+            <a:off x="5880491" y="5930922"/>
             <a:ext cx="320922" cy="584775"/>
           </a:xfrm>
           <a:prstGeom prst="rect">
@@ -19734,7 +19243,7 @@
         </p:nvSpPr>
         <p:spPr>
           <a:xfrm>
-            <a:off x="6707028" y="5926768"/>
+            <a:off x="6542008" y="5926766"/>
             <a:ext cx="320922" cy="584775"/>
           </a:xfrm>
           <a:prstGeom prst="rect">
@@ -19776,7 +19285,7 @@
         </p:nvSpPr>
         <p:spPr>
           <a:xfrm>
-            <a:off x="7448577" y="5926767"/>
+            <a:off x="7203525" y="5926765"/>
             <a:ext cx="320922" cy="584775"/>
           </a:xfrm>
           <a:prstGeom prst="rect">
@@ -19818,7 +19327,7 @@
         </p:nvSpPr>
         <p:spPr>
           <a:xfrm>
-            <a:off x="8215838" y="5923621"/>
+            <a:off x="7873764" y="5930922"/>
             <a:ext cx="320922" cy="584775"/>
           </a:xfrm>
           <a:prstGeom prst="rect">
@@ -19860,7 +19369,7 @@
         </p:nvSpPr>
         <p:spPr>
           <a:xfrm>
-            <a:off x="8957387" y="5923620"/>
+            <a:off x="8541516" y="5930922"/>
             <a:ext cx="320922" cy="584775"/>
           </a:xfrm>
           <a:prstGeom prst="rect">
@@ -19902,7 +19411,7 @@
         </p:nvSpPr>
         <p:spPr>
           <a:xfrm>
-            <a:off x="9708055" y="5923621"/>
+            <a:off x="9124444" y="5930922"/>
             <a:ext cx="320922" cy="584775"/>
           </a:xfrm>
           <a:prstGeom prst="rect">
@@ -19944,7 +19453,7 @@
         </p:nvSpPr>
         <p:spPr>
           <a:xfrm>
-            <a:off x="10449604" y="5923620"/>
+            <a:off x="9867037" y="5926764"/>
             <a:ext cx="320922" cy="584775"/>
           </a:xfrm>
           <a:prstGeom prst="rect">
@@ -20040,7 +19549,7 @@
         </p:nvSpPr>
         <p:spPr>
           <a:xfrm>
-            <a:off x="1343555" y="6210904"/>
+            <a:off x="50917" y="6282241"/>
             <a:ext cx="1711342" cy="458596"/>
           </a:xfrm>
           <a:prstGeom prst="roundRect">
@@ -20087,6 +19596,477 @@
           </a:p>
         </p:txBody>
       </p:sp>
+      <p:sp>
+        <p:nvSpPr>
+          <p:cNvPr id="73" name="Прямокутник 72"/>
+          <p:cNvSpPr/>
+          <p:nvPr/>
+        </p:nvSpPr>
+        <p:spPr>
+          <a:xfrm>
+            <a:off x="1112544" y="4320063"/>
+            <a:ext cx="393057" cy="584775"/>
+          </a:xfrm>
+          <a:prstGeom prst="rect">
+            <a:avLst/>
+          </a:prstGeom>
+        </p:spPr>
+        <p:txBody>
+          <a:bodyPr wrap="none">
+            <a:spAutoFit/>
+          </a:bodyPr>
+          <a:lstStyle/>
+          <a:p>
+            <a:pPr algn="ctr"/>
+            <a:r>
+              <a:rPr lang="en-US" sz="3200" dirty="0" smtClean="0">
+                <a:solidFill>
+                  <a:schemeClr val="tx2">
+                    <a:lumMod val="75000"/>
+                  </a:schemeClr>
+                </a:solidFill>
+                <a:latin typeface="Calibri" panose="020F0502020204030204" pitchFamily="34" charset="0"/>
+                <a:cs typeface="Calibri" panose="020F0502020204030204" pitchFamily="34" charset="0"/>
+              </a:rPr>
+              <a:t>6</a:t>
+            </a:r>
+            <a:endParaRPr lang="uk-UA" sz="3200" dirty="0">
+              <a:solidFill>
+                <a:schemeClr val="tx2">
+                  <a:lumMod val="75000"/>
+                </a:schemeClr>
+              </a:solidFill>
+              <a:latin typeface="Calibri" panose="020F0502020204030204" pitchFamily="34" charset="0"/>
+              <a:cs typeface="Calibri" panose="020F0502020204030204" pitchFamily="34" charset="0"/>
+            </a:endParaRPr>
+          </a:p>
+        </p:txBody>
+      </p:sp>
+      <p:sp>
+        <p:nvSpPr>
+          <p:cNvPr id="74" name="Прямокутник 73"/>
+          <p:cNvSpPr/>
+          <p:nvPr/>
+        </p:nvSpPr>
+        <p:spPr>
+          <a:xfrm>
+            <a:off x="3402893" y="5242853"/>
+            <a:ext cx="393057" cy="584775"/>
+          </a:xfrm>
+          <a:prstGeom prst="rect">
+            <a:avLst/>
+          </a:prstGeom>
+        </p:spPr>
+        <p:txBody>
+          <a:bodyPr wrap="none">
+            <a:spAutoFit/>
+          </a:bodyPr>
+          <a:lstStyle/>
+          <a:p>
+            <a:pPr algn="ctr"/>
+            <a:r>
+              <a:rPr lang="en-US" sz="3200" dirty="0" smtClean="0">
+                <a:solidFill>
+                  <a:schemeClr val="tx2">
+                    <a:lumMod val="75000"/>
+                  </a:schemeClr>
+                </a:solidFill>
+                <a:latin typeface="Calibri" panose="020F0502020204030204" pitchFamily="34" charset="0"/>
+                <a:cs typeface="Calibri" panose="020F0502020204030204" pitchFamily="34" charset="0"/>
+              </a:rPr>
+              <a:t>7</a:t>
+            </a:r>
+            <a:endParaRPr lang="uk-UA" sz="3200" dirty="0">
+              <a:solidFill>
+                <a:schemeClr val="tx2">
+                  <a:lumMod val="75000"/>
+                </a:schemeClr>
+              </a:solidFill>
+              <a:latin typeface="Calibri" panose="020F0502020204030204" pitchFamily="34" charset="0"/>
+              <a:cs typeface="Calibri" panose="020F0502020204030204" pitchFamily="34" charset="0"/>
+            </a:endParaRPr>
+          </a:p>
+        </p:txBody>
+      </p:sp>
+      <p:sp>
+        <p:nvSpPr>
+          <p:cNvPr id="75" name="Прямокутник 74"/>
+          <p:cNvSpPr/>
+          <p:nvPr/>
+        </p:nvSpPr>
+        <p:spPr>
+          <a:xfrm>
+            <a:off x="3399576" y="3253962"/>
+            <a:ext cx="393057" cy="584775"/>
+          </a:xfrm>
+          <a:prstGeom prst="rect">
+            <a:avLst/>
+          </a:prstGeom>
+        </p:spPr>
+        <p:txBody>
+          <a:bodyPr wrap="none">
+            <a:spAutoFit/>
+          </a:bodyPr>
+          <a:lstStyle/>
+          <a:p>
+            <a:pPr algn="ctr"/>
+            <a:r>
+              <a:rPr lang="en-US" sz="3200" dirty="0" smtClean="0">
+                <a:solidFill>
+                  <a:schemeClr val="tx2">
+                    <a:lumMod val="75000"/>
+                  </a:schemeClr>
+                </a:solidFill>
+                <a:latin typeface="Calibri" panose="020F0502020204030204" pitchFamily="34" charset="0"/>
+                <a:cs typeface="Calibri" panose="020F0502020204030204" pitchFamily="34" charset="0"/>
+              </a:rPr>
+              <a:t>8</a:t>
+            </a:r>
+            <a:endParaRPr lang="uk-UA" sz="3200" dirty="0">
+              <a:solidFill>
+                <a:schemeClr val="tx2">
+                  <a:lumMod val="75000"/>
+                </a:schemeClr>
+              </a:solidFill>
+              <a:latin typeface="Calibri" panose="020F0502020204030204" pitchFamily="34" charset="0"/>
+              <a:cs typeface="Calibri" panose="020F0502020204030204" pitchFamily="34" charset="0"/>
+            </a:endParaRPr>
+          </a:p>
+        </p:txBody>
+      </p:sp>
+      <p:sp>
+        <p:nvSpPr>
+          <p:cNvPr id="76" name="Прямокутник 75"/>
+          <p:cNvSpPr/>
+          <p:nvPr/>
+        </p:nvSpPr>
+        <p:spPr>
+          <a:xfrm>
+            <a:off x="1119625" y="780956"/>
+            <a:ext cx="393057" cy="584775"/>
+          </a:xfrm>
+          <a:prstGeom prst="rect">
+            <a:avLst/>
+          </a:prstGeom>
+        </p:spPr>
+        <p:txBody>
+          <a:bodyPr wrap="none">
+            <a:spAutoFit/>
+          </a:bodyPr>
+          <a:lstStyle/>
+          <a:p>
+            <a:pPr algn="ctr"/>
+            <a:r>
+              <a:rPr lang="en-US" sz="3200" dirty="0" smtClean="0">
+                <a:solidFill>
+                  <a:schemeClr val="tx2">
+                    <a:lumMod val="75000"/>
+                  </a:schemeClr>
+                </a:solidFill>
+                <a:latin typeface="Calibri" panose="020F0502020204030204" pitchFamily="34" charset="0"/>
+                <a:cs typeface="Calibri" panose="020F0502020204030204" pitchFamily="34" charset="0"/>
+              </a:rPr>
+              <a:t>1</a:t>
+            </a:r>
+            <a:endParaRPr lang="uk-UA" sz="3200" dirty="0">
+              <a:solidFill>
+                <a:schemeClr val="tx2">
+                  <a:lumMod val="75000"/>
+                </a:schemeClr>
+              </a:solidFill>
+              <a:latin typeface="Calibri" panose="020F0502020204030204" pitchFamily="34" charset="0"/>
+              <a:cs typeface="Calibri" panose="020F0502020204030204" pitchFamily="34" charset="0"/>
+            </a:endParaRPr>
+          </a:p>
+        </p:txBody>
+      </p:sp>
+      <p:sp>
+        <p:nvSpPr>
+          <p:cNvPr id="77" name="Прямокутник 76"/>
+          <p:cNvSpPr/>
+          <p:nvPr/>
+        </p:nvSpPr>
+        <p:spPr>
+          <a:xfrm>
+            <a:off x="3409621" y="1260711"/>
+            <a:ext cx="393057" cy="584775"/>
+          </a:xfrm>
+          <a:prstGeom prst="rect">
+            <a:avLst/>
+          </a:prstGeom>
+        </p:spPr>
+        <p:txBody>
+          <a:bodyPr wrap="none">
+            <a:spAutoFit/>
+          </a:bodyPr>
+          <a:lstStyle/>
+          <a:p>
+            <a:pPr algn="ctr"/>
+            <a:r>
+              <a:rPr lang="en-US" sz="3200" dirty="0" smtClean="0">
+                <a:solidFill>
+                  <a:schemeClr val="tx2">
+                    <a:lumMod val="75000"/>
+                  </a:schemeClr>
+                </a:solidFill>
+                <a:latin typeface="Calibri" panose="020F0502020204030204" pitchFamily="34" charset="0"/>
+                <a:cs typeface="Calibri" panose="020F0502020204030204" pitchFamily="34" charset="0"/>
+              </a:rPr>
+              <a:t>2</a:t>
+            </a:r>
+            <a:endParaRPr lang="uk-UA" sz="3200" dirty="0">
+              <a:solidFill>
+                <a:schemeClr val="tx2">
+                  <a:lumMod val="75000"/>
+                </a:schemeClr>
+              </a:solidFill>
+              <a:latin typeface="Calibri" panose="020F0502020204030204" pitchFamily="34" charset="0"/>
+              <a:cs typeface="Calibri" panose="020F0502020204030204" pitchFamily="34" charset="0"/>
+            </a:endParaRPr>
+          </a:p>
+        </p:txBody>
+      </p:sp>
+      <p:sp>
+        <p:nvSpPr>
+          <p:cNvPr id="78" name="Прямокутник 77"/>
+          <p:cNvSpPr/>
+          <p:nvPr/>
+        </p:nvSpPr>
+        <p:spPr>
+          <a:xfrm>
+            <a:off x="5699467" y="1852913"/>
+            <a:ext cx="393057" cy="584775"/>
+          </a:xfrm>
+          <a:prstGeom prst="rect">
+            <a:avLst/>
+          </a:prstGeom>
+        </p:spPr>
+        <p:txBody>
+          <a:bodyPr wrap="none">
+            <a:spAutoFit/>
+          </a:bodyPr>
+          <a:lstStyle/>
+          <a:p>
+            <a:pPr algn="ctr"/>
+            <a:r>
+              <a:rPr lang="en-US" sz="3200" dirty="0" smtClean="0">
+                <a:solidFill>
+                  <a:schemeClr val="tx2">
+                    <a:lumMod val="75000"/>
+                  </a:schemeClr>
+                </a:solidFill>
+                <a:latin typeface="Calibri" panose="020F0502020204030204" pitchFamily="34" charset="0"/>
+                <a:cs typeface="Calibri" panose="020F0502020204030204" pitchFamily="34" charset="0"/>
+              </a:rPr>
+              <a:t>3</a:t>
+            </a:r>
+            <a:endParaRPr lang="uk-UA" sz="3200" dirty="0">
+              <a:solidFill>
+                <a:schemeClr val="tx2">
+                  <a:lumMod val="75000"/>
+                </a:schemeClr>
+              </a:solidFill>
+              <a:latin typeface="Calibri" panose="020F0502020204030204" pitchFamily="34" charset="0"/>
+              <a:cs typeface="Calibri" panose="020F0502020204030204" pitchFamily="34" charset="0"/>
+            </a:endParaRPr>
+          </a:p>
+        </p:txBody>
+      </p:sp>
+      <p:sp>
+        <p:nvSpPr>
+          <p:cNvPr id="79" name="Прямокутник 78"/>
+          <p:cNvSpPr/>
+          <p:nvPr/>
+        </p:nvSpPr>
+        <p:spPr>
+          <a:xfrm>
+            <a:off x="7979465" y="2643661"/>
+            <a:ext cx="393057" cy="584775"/>
+          </a:xfrm>
+          <a:prstGeom prst="rect">
+            <a:avLst/>
+          </a:prstGeom>
+        </p:spPr>
+        <p:txBody>
+          <a:bodyPr wrap="none">
+            <a:spAutoFit/>
+          </a:bodyPr>
+          <a:lstStyle/>
+          <a:p>
+            <a:pPr algn="ctr"/>
+            <a:r>
+              <a:rPr lang="en-US" sz="3200" dirty="0" smtClean="0">
+                <a:solidFill>
+                  <a:schemeClr val="tx2">
+                    <a:lumMod val="75000"/>
+                  </a:schemeClr>
+                </a:solidFill>
+                <a:latin typeface="Calibri" panose="020F0502020204030204" pitchFamily="34" charset="0"/>
+                <a:cs typeface="Calibri" panose="020F0502020204030204" pitchFamily="34" charset="0"/>
+              </a:rPr>
+              <a:t>4</a:t>
+            </a:r>
+            <a:endParaRPr lang="uk-UA" sz="3200" dirty="0">
+              <a:solidFill>
+                <a:schemeClr val="tx2">
+                  <a:lumMod val="75000"/>
+                </a:schemeClr>
+              </a:solidFill>
+              <a:latin typeface="Calibri" panose="020F0502020204030204" pitchFamily="34" charset="0"/>
+              <a:cs typeface="Calibri" panose="020F0502020204030204" pitchFamily="34" charset="0"/>
+            </a:endParaRPr>
+          </a:p>
+        </p:txBody>
+      </p:sp>
+      <p:sp>
+        <p:nvSpPr>
+          <p:cNvPr id="80" name="Прямокутник 79"/>
+          <p:cNvSpPr/>
+          <p:nvPr/>
+        </p:nvSpPr>
+        <p:spPr>
+          <a:xfrm>
+            <a:off x="5699467" y="4040081"/>
+            <a:ext cx="393057" cy="584775"/>
+          </a:xfrm>
+          <a:prstGeom prst="rect">
+            <a:avLst/>
+          </a:prstGeom>
+        </p:spPr>
+        <p:txBody>
+          <a:bodyPr wrap="none">
+            <a:spAutoFit/>
+          </a:bodyPr>
+          <a:lstStyle/>
+          <a:p>
+            <a:pPr algn="ctr"/>
+            <a:r>
+              <a:rPr lang="en-US" sz="3200" dirty="0" smtClean="0">
+                <a:solidFill>
+                  <a:schemeClr val="tx2">
+                    <a:lumMod val="75000"/>
+                  </a:schemeClr>
+                </a:solidFill>
+                <a:latin typeface="Calibri" panose="020F0502020204030204" pitchFamily="34" charset="0"/>
+                <a:cs typeface="Calibri" panose="020F0502020204030204" pitchFamily="34" charset="0"/>
+              </a:rPr>
+              <a:t>9</a:t>
+            </a:r>
+            <a:endParaRPr lang="uk-UA" sz="3200" dirty="0">
+              <a:solidFill>
+                <a:schemeClr val="tx2">
+                  <a:lumMod val="75000"/>
+                </a:schemeClr>
+              </a:solidFill>
+              <a:latin typeface="Calibri" panose="020F0502020204030204" pitchFamily="34" charset="0"/>
+              <a:cs typeface="Calibri" panose="020F0502020204030204" pitchFamily="34" charset="0"/>
+            </a:endParaRPr>
+          </a:p>
+        </p:txBody>
+      </p:sp>
+      <p:sp>
+        <p:nvSpPr>
+          <p:cNvPr id="81" name="Прямокутник 80"/>
+          <p:cNvSpPr/>
+          <p:nvPr/>
+        </p:nvSpPr>
+        <p:spPr>
+          <a:xfrm>
+            <a:off x="1119625" y="2643662"/>
+            <a:ext cx="393057" cy="584775"/>
+          </a:xfrm>
+          <a:prstGeom prst="rect">
+            <a:avLst/>
+          </a:prstGeom>
+        </p:spPr>
+        <p:txBody>
+          <a:bodyPr wrap="none">
+            <a:spAutoFit/>
+          </a:bodyPr>
+          <a:lstStyle/>
+          <a:p>
+            <a:pPr algn="ctr"/>
+            <a:r>
+              <a:rPr lang="en-US" sz="3200" dirty="0" smtClean="0">
+                <a:solidFill>
+                  <a:schemeClr val="tx2">
+                    <a:lumMod val="75000"/>
+                  </a:schemeClr>
+                </a:solidFill>
+                <a:latin typeface="Calibri" panose="020F0502020204030204" pitchFamily="34" charset="0"/>
+                <a:cs typeface="Calibri" panose="020F0502020204030204" pitchFamily="34" charset="0"/>
+              </a:rPr>
+              <a:t>5</a:t>
+            </a:r>
+            <a:endParaRPr lang="uk-UA" sz="3200" dirty="0">
+              <a:solidFill>
+                <a:schemeClr val="tx2">
+                  <a:lumMod val="75000"/>
+                </a:schemeClr>
+              </a:solidFill>
+              <a:latin typeface="Calibri" panose="020F0502020204030204" pitchFamily="34" charset="0"/>
+              <a:cs typeface="Calibri" panose="020F0502020204030204" pitchFamily="34" charset="0"/>
+            </a:endParaRPr>
+          </a:p>
+        </p:txBody>
+      </p:sp>
+      <p:sp>
+        <p:nvSpPr>
+          <p:cNvPr id="82" name="Округлений прямокутник 81">
+            <a:hlinkClick r:id="" action="ppaction://hlinkshowjump?jump=nextslide"/>
+          </p:cNvPr>
+          <p:cNvSpPr/>
+          <p:nvPr/>
+        </p:nvSpPr>
+        <p:spPr>
+          <a:xfrm>
+            <a:off x="10677765" y="6282241"/>
+            <a:ext cx="1453200" cy="458596"/>
+          </a:xfrm>
+          <a:prstGeom prst="roundRect">
+            <a:avLst/>
+          </a:prstGeom>
+          <a:ln/>
+        </p:spPr>
+        <p:style>
+          <a:lnRef idx="1">
+            <a:schemeClr val="accent5"/>
+          </a:lnRef>
+          <a:fillRef idx="2">
+            <a:schemeClr val="accent5"/>
+          </a:fillRef>
+          <a:effectRef idx="1">
+            <a:schemeClr val="accent5"/>
+          </a:effectRef>
+          <a:fontRef idx="minor">
+            <a:schemeClr val="dk1"/>
+          </a:fontRef>
+        </p:style>
+        <p:txBody>
+          <a:bodyPr rtlCol="0" anchor="ctr"/>
+          <a:lstStyle/>
+          <a:p>
+            <a:pPr algn="ctr"/>
+            <a:r>
+              <a:rPr lang="en-US" sz="2800" dirty="0" smtClean="0">
+                <a:solidFill>
+                  <a:schemeClr val="bg2"/>
+                </a:solidFill>
+                <a:latin typeface="Calibri" panose="020F0502020204030204" pitchFamily="34" charset="0"/>
+                <a:cs typeface="Calibri" panose="020F0502020204030204" pitchFamily="34" charset="0"/>
+              </a:rPr>
+              <a:t>Forward</a:t>
+            </a:r>
+            <a:endParaRPr lang="uk-UA" sz="2800" dirty="0">
+              <a:solidFill>
+                <a:schemeClr val="bg2"/>
+              </a:solidFill>
+              <a:latin typeface="Calibri" panose="020F0502020204030204" pitchFamily="34" charset="0"/>
+              <a:cs typeface="Calibri" panose="020F0502020204030204" pitchFamily="34" charset="0"/>
+            </a:endParaRPr>
+          </a:p>
+        </p:txBody>
+      </p:sp>
     </p:spTree>
     <p:extLst>
       <p:ext uri="{BB962C8B-B14F-4D97-AF65-F5344CB8AC3E}">
@@ -20099,10 +20079,10 @@
   </p:clrMapOvr>
   <mc:AlternateContent xmlns:mc="http://schemas.openxmlformats.org/markup-compatibility/2006">
     <mc:Choice xmlns:p14="http://schemas.microsoft.com/office/powerpoint/2010/main" Requires="p14">
-      <p:transition spd="slow" p14:dur="2000" advClick="0"/>
+      <p:transition spd="slow" p14:dur="2000" advClick="0" advTm="1000"/>
     </mc:Choice>
     <mc:Fallback>
-      <p:transition spd="slow" advClick="0"/>
+      <p:transition spd="slow" advClick="0" advTm="1000"/>
     </mc:Fallback>
   </mc:AlternateContent>
   <p:timing>
@@ -20163,26 +20143,17 @@
                                   </p:childTnLst>
                                 </p:cTn>
                               </p:par>
-                            </p:childTnLst>
-                          </p:cTn>
-                        </p:par>
-                        <p:par>
-                          <p:cTn id="8" fill="hold">
-                            <p:stCondLst>
-                              <p:cond delay="500"/>
-                            </p:stCondLst>
-                            <p:childTnLst>
                               <p:par>
-                                <p:cTn id="9" presetID="42" presetClass="path" presetSubtype="0" accel="50000" decel="50000" fill="hold" grpId="0" nodeType="afterEffect">
+                                <p:cTn id="8" presetID="42" presetClass="path" presetSubtype="0" accel="50000" decel="50000" fill="hold" grpId="0" nodeType="withEffect">
                                   <p:stCondLst>
                                     <p:cond delay="0"/>
                                   </p:stCondLst>
                                   <p:childTnLst>
                                     <p:animMotion origin="layout" path="M 0.00013 7.40741E-7 L 0.30847 0.4838 " pathEditMode="relative" rAng="0" ptsTypes="AA">
                                       <p:cBhvr>
-                                        <p:cTn id="10" dur="2000" fill="hold"/>
+                                        <p:cTn id="9" dur="1500" fill="hold"/>
                                         <p:tgtEl>
-                                          <p:spTgt spid="43"/>
+                                          <p:spTgt spid="81"/>
                                         </p:tgtEl>
                                         <p:attrNameLst>
                                           <p:attrName>ppt_x</p:attrName>
@@ -20198,20 +20169,20 @@
                           </p:cTn>
                         </p:par>
                         <p:par>
-                          <p:cTn id="11" fill="hold">
+                          <p:cTn id="10" fill="hold">
                             <p:stCondLst>
-                              <p:cond delay="2500"/>
+                              <p:cond delay="1500"/>
                             </p:stCondLst>
                             <p:childTnLst>
                               <p:par>
-                                <p:cTn id="12" presetID="22" presetClass="entr" presetSubtype="4" fill="hold" grpId="0" nodeType="afterEffect">
+                                <p:cTn id="11" presetID="22" presetClass="entr" presetSubtype="4" fill="hold" grpId="0" nodeType="afterEffect">
                                   <p:stCondLst>
                                     <p:cond delay="0"/>
                                   </p:stCondLst>
                                   <p:childTnLst>
                                     <p:set>
                                       <p:cBhvr>
-                                        <p:cTn id="13" dur="1" fill="hold">
+                                        <p:cTn id="12" dur="1" fill="hold">
                                           <p:stCondLst>
                                             <p:cond delay="0"/>
                                           </p:stCondLst>
@@ -20229,7 +20200,7 @@
                                     </p:set>
                                     <p:animEffect transition="in" filter="wipe(down)">
                                       <p:cBhvr>
-                                        <p:cTn id="14" dur="1000"/>
+                                        <p:cTn id="13" dur="1000"/>
                                         <p:tgtEl>
                                           <p:spTgt spid="17"/>
                                         </p:tgtEl>
@@ -20239,16 +20210,16 @@
                                 </p:cTn>
                               </p:par>
                               <p:par>
-                                <p:cTn id="15" presetID="42" presetClass="path" presetSubtype="0" accel="50000" decel="50000" fill="hold" grpId="0" nodeType="withEffect">
+                                <p:cTn id="14" presetID="42" presetClass="path" presetSubtype="0" accel="50000" decel="50000" fill="hold" grpId="0" nodeType="withEffect">
                                   <p:stCondLst>
                                     <p:cond delay="0"/>
                                   </p:stCondLst>
                                   <p:childTnLst>
                                     <p:animMotion origin="layout" path="M -1.66667E-6 -3.7037E-6 L 0.36315 0.24074 " pathEditMode="relative" rAng="0" ptsTypes="AA">
                                       <p:cBhvr>
-                                        <p:cTn id="16" dur="2000" fill="hold"/>
+                                        <p:cTn id="15" dur="1500" fill="hold"/>
                                         <p:tgtEl>
-                                          <p:spTgt spid="44"/>
+                                          <p:spTgt spid="73"/>
                                         </p:tgtEl>
                                         <p:attrNameLst>
                                           <p:attrName>ppt_x</p:attrName>
@@ -20264,20 +20235,20 @@
                           </p:cTn>
                         </p:par>
                         <p:par>
-                          <p:cTn id="17" fill="hold">
+                          <p:cTn id="16" fill="hold">
                             <p:stCondLst>
-                              <p:cond delay="4500"/>
+                              <p:cond delay="3000"/>
                             </p:stCondLst>
                             <p:childTnLst>
                               <p:par>
-                                <p:cTn id="18" presetID="22" presetClass="entr" presetSubtype="4" fill="hold" grpId="0" nodeType="afterEffect">
+                                <p:cTn id="17" presetID="22" presetClass="entr" presetSubtype="4" fill="hold" grpId="0" nodeType="afterEffect">
                                   <p:stCondLst>
                                     <p:cond delay="0"/>
                                   </p:stCondLst>
                                   <p:childTnLst>
                                     <p:set>
                                       <p:cBhvr>
-                                        <p:cTn id="19" dur="1" fill="hold">
+                                        <p:cTn id="18" dur="1" fill="hold">
                                           <p:stCondLst>
                                             <p:cond delay="0"/>
                                           </p:stCondLst>
@@ -20295,7 +20266,7 @@
                                     </p:set>
                                     <p:animEffect transition="in" filter="wipe(down)">
                                       <p:cBhvr>
-                                        <p:cTn id="20" dur="1000"/>
+                                        <p:cTn id="19" dur="1000"/>
                                         <p:tgtEl>
                                           <p:spTgt spid="54"/>
                                         </p:tgtEl>
@@ -20305,23 +20276,23 @@
                                 </p:cTn>
                               </p:par>
                               <p:par>
-                                <p:cTn id="21" presetID="42" presetClass="path" presetSubtype="0" accel="50000" decel="50000" fill="hold" grpId="0" nodeType="withEffect">
+                                <p:cTn id="20" presetID="42" presetClass="path" presetSubtype="0" accel="50000" decel="50000" fill="hold" grpId="0" nodeType="withEffect">
                                   <p:stCondLst>
                                     <p:cond delay="0"/>
                                   </p:stCondLst>
                                   <p:childTnLst>
-                                    <p:animMotion origin="layout" path="M -2.29167E-6 4.07407E-6 L 0.23659 0.10046 " pathEditMode="relative" rAng="0" ptsTypes="AA">
+                                    <p:animMotion origin="layout" path="M -2.29167E-6 4.07407E-6 L 0.22878 0.10463 " pathEditMode="relative" rAng="0" ptsTypes="AA">
                                       <p:cBhvr>
-                                        <p:cTn id="22" dur="2000" fill="hold"/>
+                                        <p:cTn id="21" dur="1500" fill="hold"/>
                                         <p:tgtEl>
-                                          <p:spTgt spid="47"/>
+                                          <p:spTgt spid="74"/>
                                         </p:tgtEl>
                                         <p:attrNameLst>
                                           <p:attrName>ppt_x</p:attrName>
                                           <p:attrName>ppt_y</p:attrName>
                                         </p:attrNameLst>
                                       </p:cBhvr>
-                                      <p:rCtr x="11823" y="5023"/>
+                                      <p:rCtr x="11432" y="5231"/>
                                     </p:animMotion>
                                   </p:childTnLst>
                                 </p:cTn>
@@ -20330,20 +20301,20 @@
                           </p:cTn>
                         </p:par>
                         <p:par>
-                          <p:cTn id="23" fill="hold">
+                          <p:cTn id="22" fill="hold">
                             <p:stCondLst>
-                              <p:cond delay="6500"/>
+                              <p:cond delay="4500"/>
                             </p:stCondLst>
                             <p:childTnLst>
                               <p:par>
-                                <p:cTn id="24" presetID="22" presetClass="entr" presetSubtype="4" fill="hold" grpId="0" nodeType="afterEffect">
+                                <p:cTn id="23" presetID="22" presetClass="entr" presetSubtype="4" fill="hold" grpId="0" nodeType="afterEffect">
                                   <p:stCondLst>
                                     <p:cond delay="0"/>
                                   </p:stCondLst>
                                   <p:childTnLst>
                                     <p:set>
                                       <p:cBhvr>
-                                        <p:cTn id="25" dur="1" fill="hold">
+                                        <p:cTn id="24" dur="1" fill="hold">
                                           <p:stCondLst>
                                             <p:cond delay="0"/>
                                           </p:stCondLst>
@@ -20361,7 +20332,7 @@
                                     </p:set>
                                     <p:animEffect transition="in" filter="wipe(down)">
                                       <p:cBhvr>
-                                        <p:cTn id="26" dur="1000"/>
+                                        <p:cTn id="25" dur="1000"/>
                                         <p:tgtEl>
                                           <p:spTgt spid="55"/>
                                         </p:tgtEl>
@@ -20371,23 +20342,23 @@
                                 </p:cTn>
                               </p:par>
                               <p:par>
-                                <p:cTn id="27" presetID="42" presetClass="path" presetSubtype="0" accel="50000" decel="50000" fill="hold" grpId="0" nodeType="withEffect">
+                                <p:cTn id="26" presetID="42" presetClass="path" presetSubtype="0" accel="50000" decel="50000" fill="hold" grpId="0" nodeType="withEffect">
                                   <p:stCondLst>
                                     <p:cond delay="0"/>
                                   </p:stCondLst>
                                   <p:childTnLst>
-                                    <p:animMotion origin="layout" path="M -1.875E-6 3.7037E-7 L 0.29675 0.38889 " pathEditMode="relative" rAng="0" ptsTypes="AA">
+                                    <p:animMotion origin="layout" path="M -2.29167E-6 3.7037E-7 L 0.28151 0.39398 " pathEditMode="relative" rAng="0" ptsTypes="AA">
                                       <p:cBhvr>
-                                        <p:cTn id="28" dur="2000" fill="hold"/>
+                                        <p:cTn id="27" dur="1500" fill="hold"/>
                                         <p:tgtEl>
-                                          <p:spTgt spid="48"/>
+                                          <p:spTgt spid="75"/>
                                         </p:tgtEl>
                                         <p:attrNameLst>
                                           <p:attrName>ppt_x</p:attrName>
                                           <p:attrName>ppt_y</p:attrName>
                                         </p:attrNameLst>
                                       </p:cBhvr>
-                                      <p:rCtr x="14831" y="19444"/>
+                                      <p:rCtr x="14063" y="19699"/>
                                     </p:animMotion>
                                   </p:childTnLst>
                                 </p:cTn>
@@ -20396,20 +20367,20 @@
                           </p:cTn>
                         </p:par>
                         <p:par>
-                          <p:cTn id="29" fill="hold">
+                          <p:cTn id="28" fill="hold">
                             <p:stCondLst>
-                              <p:cond delay="8500"/>
+                              <p:cond delay="6000"/>
                             </p:stCondLst>
                             <p:childTnLst>
                               <p:par>
-                                <p:cTn id="30" presetID="22" presetClass="entr" presetSubtype="4" fill="hold" grpId="0" nodeType="afterEffect">
+                                <p:cTn id="29" presetID="22" presetClass="entr" presetSubtype="4" fill="hold" grpId="0" nodeType="afterEffect">
                                   <p:stCondLst>
                                     <p:cond delay="0"/>
                                   </p:stCondLst>
                                   <p:childTnLst>
                                     <p:set>
                                       <p:cBhvr>
-                                        <p:cTn id="31" dur="1" fill="hold">
+                                        <p:cTn id="30" dur="1" fill="hold">
                                           <p:stCondLst>
                                             <p:cond delay="0"/>
                                           </p:stCondLst>
@@ -20427,7 +20398,7 @@
                                     </p:set>
                                     <p:animEffect transition="in" filter="wipe(down)">
                                       <p:cBhvr>
-                                        <p:cTn id="32" dur="1000"/>
+                                        <p:cTn id="31" dur="1000"/>
                                         <p:tgtEl>
                                           <p:spTgt spid="56"/>
                                         </p:tgtEl>
@@ -20437,23 +20408,23 @@
                                 </p:cTn>
                               </p:par>
                               <p:par>
-                                <p:cTn id="33" presetID="42" presetClass="path" presetSubtype="0" accel="50000" decel="50000" fill="hold" grpId="0" nodeType="withEffect">
+                                <p:cTn id="32" presetID="42" presetClass="path" presetSubtype="0" accel="50000" decel="50000" fill="hold" grpId="0" nodeType="withEffect">
                                   <p:stCondLst>
                                     <p:cond delay="0"/>
                                   </p:stCondLst>
                                   <p:childTnLst>
-                                    <p:animMotion origin="layout" path="M -2.70833E-6 -1.48148E-6 L 0.54987 0.74954 " pathEditMode="relative" rAng="0" ptsTypes="AA">
+                                    <p:animMotion origin="layout" path="M -2.29167E-6 -1.48148E-6 L 0.52331 0.75509 " pathEditMode="relative" rAng="0" ptsTypes="AA">
                                       <p:cBhvr>
-                                        <p:cTn id="34" dur="2000" fill="hold"/>
+                                        <p:cTn id="33" dur="1500" fill="hold"/>
                                         <p:tgtEl>
-                                          <p:spTgt spid="49"/>
+                                          <p:spTgt spid="76"/>
                                         </p:tgtEl>
                                         <p:attrNameLst>
                                           <p:attrName>ppt_x</p:attrName>
                                           <p:attrName>ppt_y</p:attrName>
                                         </p:attrNameLst>
                                       </p:cBhvr>
-                                      <p:rCtr x="27487" y="37477"/>
+                                      <p:rCtr x="26172" y="37755"/>
                                     </p:animMotion>
                                   </p:childTnLst>
                                 </p:cTn>
@@ -20462,20 +20433,20 @@
                           </p:cTn>
                         </p:par>
                         <p:par>
-                          <p:cTn id="35" fill="hold">
+                          <p:cTn id="34" fill="hold">
                             <p:stCondLst>
-                              <p:cond delay="10500"/>
+                              <p:cond delay="7500"/>
                             </p:stCondLst>
                             <p:childTnLst>
                               <p:par>
-                                <p:cTn id="36" presetID="22" presetClass="entr" presetSubtype="4" fill="hold" grpId="0" nodeType="afterEffect">
+                                <p:cTn id="35" presetID="22" presetClass="entr" presetSubtype="4" fill="hold" grpId="0" nodeType="afterEffect">
                                   <p:stCondLst>
                                     <p:cond delay="0"/>
                                   </p:stCondLst>
                                   <p:childTnLst>
                                     <p:set>
                                       <p:cBhvr>
-                                        <p:cTn id="37" dur="1" fill="hold">
+                                        <p:cTn id="36" dur="1" fill="hold">
                                           <p:stCondLst>
                                             <p:cond delay="0"/>
                                           </p:stCondLst>
@@ -20493,7 +20464,7 @@
                                     </p:set>
                                     <p:animEffect transition="in" filter="wipe(down)">
                                       <p:cBhvr>
-                                        <p:cTn id="38" dur="1000"/>
+                                        <p:cTn id="37" dur="1000"/>
                                         <p:tgtEl>
                                           <p:spTgt spid="57"/>
                                         </p:tgtEl>
@@ -20503,23 +20474,23 @@
                                 </p:cTn>
                               </p:par>
                               <p:par>
-                                <p:cTn id="39" presetID="42" presetClass="path" presetSubtype="0" accel="50000" decel="50000" fill="hold" grpId="0" nodeType="withEffect">
+                                <p:cTn id="38" presetID="42" presetClass="path" presetSubtype="0" accel="50000" decel="50000" fill="hold" grpId="0" nodeType="withEffect">
                                   <p:stCondLst>
                                     <p:cond delay="0"/>
                                   </p:stCondLst>
                                   <p:childTnLst>
-                                    <p:animMotion origin="layout" path="M -3.125E-6 1.11111E-6 L 0.42214 0.67963 " pathEditMode="relative" rAng="0" ptsTypes="AA">
+                                    <p:animMotion origin="layout" path="M -2.29167E-6 -2.96296E-6 L 0.38868 0.68611 " pathEditMode="relative" rAng="0" ptsTypes="AA">
                                       <p:cBhvr>
-                                        <p:cTn id="40" dur="2000" fill="hold"/>
+                                        <p:cTn id="39" dur="1500" fill="hold"/>
                                         <p:tgtEl>
-                                          <p:spTgt spid="50"/>
+                                          <p:spTgt spid="77"/>
                                         </p:tgtEl>
                                         <p:attrNameLst>
                                           <p:attrName>ppt_x</p:attrName>
                                           <p:attrName>ppt_y</p:attrName>
                                         </p:attrNameLst>
                                       </p:cBhvr>
-                                      <p:rCtr x="21107" y="33981"/>
+                                      <p:rCtr x="19453" y="34352"/>
                                     </p:animMotion>
                                   </p:childTnLst>
                                 </p:cTn>
@@ -20528,20 +20499,20 @@
                           </p:cTn>
                         </p:par>
                         <p:par>
-                          <p:cTn id="41" fill="hold">
+                          <p:cTn id="40" fill="hold">
                             <p:stCondLst>
-                              <p:cond delay="12500"/>
+                              <p:cond delay="9000"/>
                             </p:stCondLst>
                             <p:childTnLst>
                               <p:par>
-                                <p:cTn id="42" presetID="22" presetClass="entr" presetSubtype="4" fill="hold" grpId="0" nodeType="afterEffect">
+                                <p:cTn id="41" presetID="22" presetClass="entr" presetSubtype="4" fill="hold" grpId="0" nodeType="afterEffect">
                                   <p:stCondLst>
                                     <p:cond delay="0"/>
                                   </p:stCondLst>
                                   <p:childTnLst>
                                     <p:set>
                                       <p:cBhvr>
-                                        <p:cTn id="43" dur="1" fill="hold">
+                                        <p:cTn id="42" dur="1" fill="hold">
                                           <p:stCondLst>
                                             <p:cond delay="0"/>
                                           </p:stCondLst>
@@ -20559,7 +20530,7 @@
                                     </p:set>
                                     <p:animEffect transition="in" filter="wipe(down)">
                                       <p:cBhvr>
-                                        <p:cTn id="44" dur="1000"/>
+                                        <p:cTn id="43" dur="1000"/>
                                         <p:tgtEl>
                                           <p:spTgt spid="58"/>
                                         </p:tgtEl>
@@ -20569,23 +20540,23 @@
                                 </p:cTn>
                               </p:par>
                               <p:par>
-                                <p:cTn id="45" presetID="42" presetClass="path" presetSubtype="0" accel="50000" decel="50000" fill="hold" grpId="0" nodeType="withEffect">
+                                <p:cTn id="44" presetID="42" presetClass="path" presetSubtype="0" accel="50000" decel="50000" fill="hold" grpId="0" nodeType="withEffect">
                                   <p:stCondLst>
                                     <p:cond delay="0"/>
                                   </p:stCondLst>
                                   <p:childTnLst>
-                                    <p:animMotion origin="layout" path="M -3.75E-6 -1.48148E-6 L 0.29467 0.59491 " pathEditMode="relative" rAng="0" ptsTypes="AA">
+                                    <p:animMotion origin="layout" path="M -2.91667E-6 3.78387E-17 L 0.25365 0.60116 " pathEditMode="relative" rAng="0" ptsTypes="AA">
                                       <p:cBhvr>
-                                        <p:cTn id="46" dur="2000" fill="hold"/>
+                                        <p:cTn id="45" dur="1500" fill="hold"/>
                                         <p:tgtEl>
-                                          <p:spTgt spid="51"/>
+                                          <p:spTgt spid="78"/>
                                         </p:tgtEl>
                                         <p:attrNameLst>
                                           <p:attrName>ppt_x</p:attrName>
                                           <p:attrName>ppt_y</p:attrName>
                                         </p:attrNameLst>
                                       </p:cBhvr>
-                                      <p:rCtr x="14727" y="29745"/>
+                                      <p:rCtr x="12708" y="30069"/>
                                     </p:animMotion>
                                   </p:childTnLst>
                                 </p:cTn>
@@ -20594,20 +20565,20 @@
                           </p:cTn>
                         </p:par>
                         <p:par>
-                          <p:cTn id="47" fill="hold">
+                          <p:cTn id="46" fill="hold">
                             <p:stCondLst>
-                              <p:cond delay="14500"/>
+                              <p:cond delay="10500"/>
                             </p:stCondLst>
                             <p:childTnLst>
                               <p:par>
-                                <p:cTn id="48" presetID="22" presetClass="entr" presetSubtype="4" fill="hold" grpId="0" nodeType="afterEffect">
+                                <p:cTn id="47" presetID="22" presetClass="entr" presetSubtype="4" fill="hold" grpId="0" nodeType="afterEffect">
                                   <p:stCondLst>
                                     <p:cond delay="0"/>
                                   </p:stCondLst>
                                   <p:childTnLst>
                                     <p:set>
                                       <p:cBhvr>
-                                        <p:cTn id="49" dur="1" fill="hold">
+                                        <p:cTn id="48" dur="1" fill="hold">
                                           <p:stCondLst>
                                             <p:cond delay="0"/>
                                           </p:stCondLst>
@@ -20625,7 +20596,7 @@
                                     </p:set>
                                     <p:animEffect transition="in" filter="wipe(down)">
                                       <p:cBhvr>
-                                        <p:cTn id="50" dur="1000"/>
+                                        <p:cTn id="49" dur="1000"/>
                                         <p:tgtEl>
                                           <p:spTgt spid="59"/>
                                         </p:tgtEl>
@@ -20635,23 +20606,23 @@
                                 </p:cTn>
                               </p:par>
                               <p:par>
-                                <p:cTn id="51" presetID="42" presetClass="path" presetSubtype="0" accel="50000" decel="50000" fill="hold" grpId="0" nodeType="withEffect">
+                                <p:cTn id="50" presetID="42" presetClass="path" presetSubtype="0" accel="50000" decel="50000" fill="hold" grpId="0" nodeType="withEffect">
                                   <p:stCondLst>
                                     <p:cond delay="0"/>
                                   </p:stCondLst>
                                   <p:childTnLst>
-                                    <p:animMotion origin="layout" path="M -2.91667E-6 7.40741E-7 L 0.17032 0.47801 " pathEditMode="relative" rAng="0" ptsTypes="AA">
+                                    <p:animMotion origin="layout" path="M 0.00052 7.40741E-7 L 0.12032 0.48542 " pathEditMode="relative" rAng="0" ptsTypes="AA">
                                       <p:cBhvr>
-                                        <p:cTn id="52" dur="2000" fill="hold"/>
+                                        <p:cTn id="51" dur="1500" fill="hold"/>
                                         <p:tgtEl>
-                                          <p:spTgt spid="52"/>
+                                          <p:spTgt spid="79"/>
                                         </p:tgtEl>
                                         <p:attrNameLst>
                                           <p:attrName>ppt_x</p:attrName>
                                           <p:attrName>ppt_y</p:attrName>
                                         </p:attrNameLst>
                                       </p:cBhvr>
-                                      <p:rCtr x="8516" y="23889"/>
+                                      <p:rCtr x="5990" y="24259"/>
                                     </p:animMotion>
                                   </p:childTnLst>
                                 </p:cTn>
@@ -20660,20 +20631,20 @@
                           </p:cTn>
                         </p:par>
                         <p:par>
-                          <p:cTn id="53" fill="hold">
+                          <p:cTn id="52" fill="hold">
                             <p:stCondLst>
-                              <p:cond delay="16500"/>
+                              <p:cond delay="12000"/>
                             </p:stCondLst>
                             <p:childTnLst>
                               <p:par>
-                                <p:cTn id="54" presetID="22" presetClass="entr" presetSubtype="4" fill="hold" grpId="0" nodeType="afterEffect">
+                                <p:cTn id="53" presetID="22" presetClass="entr" presetSubtype="4" fill="hold" grpId="0" nodeType="afterEffect">
                                   <p:stCondLst>
                                     <p:cond delay="0"/>
                                   </p:stCondLst>
                                   <p:childTnLst>
                                     <p:set>
                                       <p:cBhvr>
-                                        <p:cTn id="55" dur="1" fill="hold">
+                                        <p:cTn id="54" dur="1" fill="hold">
                                           <p:stCondLst>
                                             <p:cond delay="0"/>
                                           </p:stCondLst>
@@ -20691,7 +20662,7 @@
                                     </p:set>
                                     <p:animEffect transition="in" filter="wipe(down)">
                                       <p:cBhvr>
-                                        <p:cTn id="56" dur="1000"/>
+                                        <p:cTn id="55" dur="1000"/>
                                         <p:tgtEl>
                                           <p:spTgt spid="60"/>
                                         </p:tgtEl>
@@ -20701,23 +20672,23 @@
                                 </p:cTn>
                               </p:par>
                               <p:par>
-                                <p:cTn id="57" presetID="42" presetClass="path" presetSubtype="0" accel="50000" decel="50000" fill="hold" grpId="0" nodeType="withEffect">
+                                <p:cTn id="56" presetID="42" presetClass="path" presetSubtype="0" accel="50000" decel="50000" fill="hold" grpId="0" nodeType="withEffect">
                                   <p:stCondLst>
                                     <p:cond delay="0"/>
                                   </p:stCondLst>
                                   <p:childTnLst>
-                                    <p:animMotion origin="layout" path="M -3.75E-6 -2.96296E-6 L 0.41498 0.27523 " pathEditMode="relative" rAng="0" ptsTypes="AA">
+                                    <p:animMotion origin="layout" path="M 0.00079 -2.96296E-6 L 0.36055 0.28079 " pathEditMode="relative" rAng="0" ptsTypes="AA">
                                       <p:cBhvr>
-                                        <p:cTn id="58" dur="2000" fill="hold"/>
+                                        <p:cTn id="57" dur="1500" fill="hold"/>
                                         <p:tgtEl>
-                                          <p:spTgt spid="53"/>
+                                          <p:spTgt spid="80"/>
                                         </p:tgtEl>
                                         <p:attrNameLst>
                                           <p:attrName>ppt_x</p:attrName>
                                           <p:attrName>ppt_y</p:attrName>
                                         </p:attrNameLst>
                                       </p:cBhvr>
-                                      <p:rCtr x="20742" y="13750"/>
+                                      <p:rCtr x="17982" y="14028"/>
                                     </p:animMotion>
                                   </p:childTnLst>
                                 </p:cTn>
@@ -20726,20 +20697,20 @@
                           </p:cTn>
                         </p:par>
                         <p:par>
-                          <p:cTn id="59" fill="hold">
+                          <p:cTn id="58" fill="hold">
                             <p:stCondLst>
-                              <p:cond delay="18500"/>
+                              <p:cond delay="13500"/>
                             </p:stCondLst>
                             <p:childTnLst>
                               <p:par>
-                                <p:cTn id="60" presetID="22" presetClass="entr" presetSubtype="1" fill="hold" grpId="0" nodeType="afterEffect">
+                                <p:cTn id="59" presetID="22" presetClass="entr" presetSubtype="1" fill="hold" grpId="0" nodeType="afterEffect">
                                   <p:stCondLst>
                                     <p:cond delay="0"/>
                                   </p:stCondLst>
                                   <p:childTnLst>
                                     <p:set>
                                       <p:cBhvr>
-                                        <p:cTn id="61" dur="1" fill="hold">
+                                        <p:cTn id="60" dur="1" fill="hold">
                                           <p:stCondLst>
                                             <p:cond delay="0"/>
                                           </p:stCondLst>
@@ -20757,9 +20728,44 @@
                                     </p:set>
                                     <p:animEffect transition="in" filter="wipe(up)">
                                       <p:cBhvr>
-                                        <p:cTn id="62" dur="1000"/>
+                                        <p:cTn id="61" dur="500"/>
                                         <p:tgtEl>
                                           <p:spTgt spid="24"/>
+                                        </p:tgtEl>
+                                      </p:cBhvr>
+                                    </p:animEffect>
+                                  </p:childTnLst>
+                                </p:cTn>
+                              </p:par>
+                              <p:par>
+                                <p:cTn id="62" presetID="22" presetClass="entr" presetSubtype="1" fill="hold" grpId="0" nodeType="withEffect">
+                                  <p:stCondLst>
+                                    <p:cond delay="0"/>
+                                  </p:stCondLst>
+                                  <p:childTnLst>
+                                    <p:set>
+                                      <p:cBhvr>
+                                        <p:cTn id="63" dur="1" fill="hold">
+                                          <p:stCondLst>
+                                            <p:cond delay="0"/>
+                                          </p:stCondLst>
+                                        </p:cTn>
+                                        <p:tgtEl>
+                                          <p:spTgt spid="82"/>
+                                        </p:tgtEl>
+                                        <p:attrNameLst>
+                                          <p:attrName>style.visibility</p:attrName>
+                                        </p:attrNameLst>
+                                      </p:cBhvr>
+                                      <p:to>
+                                        <p:strVal val="visible"/>
+                                      </p:to>
+                                    </p:set>
+                                    <p:animEffect transition="in" filter="wipe(up)">
+                                      <p:cBhvr>
+                                        <p:cTn id="64" dur="500"/>
+                                        <p:tgtEl>
+                                          <p:spTgt spid="82"/>
                                         </p:tgtEl>
                                       </p:cBhvr>
                                     </p:animEffect>
@@ -20794,15 +20800,6 @@
       </p:par>
     </p:tnLst>
     <p:bldLst>
-      <p:bldP spid="43" grpId="0"/>
-      <p:bldP spid="44" grpId="0"/>
-      <p:bldP spid="47" grpId="0"/>
-      <p:bldP spid="48" grpId="0"/>
-      <p:bldP spid="49" grpId="0"/>
-      <p:bldP spid="50" grpId="0"/>
-      <p:bldP spid="51" grpId="0"/>
-      <p:bldP spid="52" grpId="0"/>
-      <p:bldP spid="53" grpId="0"/>
       <p:bldP spid="17" grpId="0"/>
       <p:bldP spid="54" grpId="0"/>
       <p:bldP spid="55" grpId="0"/>
@@ -20813,6 +20810,16 @@
       <p:bldP spid="60" grpId="0"/>
       <p:bldP spid="18" grpId="0"/>
       <p:bldP spid="24" grpId="0" animBg="1"/>
+      <p:bldP spid="73" grpId="0"/>
+      <p:bldP spid="74" grpId="0"/>
+      <p:bldP spid="75" grpId="0"/>
+      <p:bldP spid="76" grpId="0"/>
+      <p:bldP spid="77" grpId="0"/>
+      <p:bldP spid="78" grpId="0"/>
+      <p:bldP spid="79" grpId="0"/>
+      <p:bldP spid="80" grpId="0"/>
+      <p:bldP spid="81" grpId="0"/>
+      <p:bldP spid="82" grpId="0" animBg="1"/>
     </p:bldLst>
   </p:timing>
 </p:sld>
@@ -20843,7 +20850,7 @@
         </p:nvSpPr>
         <p:spPr>
           <a:xfrm>
-            <a:off x="6809998" y="5965792"/>
+            <a:off x="6742533" y="5965792"/>
             <a:ext cx="584774" cy="584774"/>
           </a:xfrm>
           <a:prstGeom prst="ellipse">
@@ -20909,7 +20916,7 @@
         </p:nvSpPr>
         <p:spPr>
           <a:xfrm>
-            <a:off x="6177361" y="5937834"/>
+            <a:off x="6090440" y="5965792"/>
             <a:ext cx="584774" cy="584774"/>
           </a:xfrm>
           <a:prstGeom prst="ellipse">
@@ -21020,6 +21027,402 @@
                 <a:cs typeface="Calibri" panose="020F0502020204030204" pitchFamily="34" charset="0"/>
               </a:rPr>
               <a:t>6</a:t>
+            </a:r>
+            <a:endParaRPr lang="uk-UA" sz="3200" dirty="0">
+              <a:solidFill>
+                <a:schemeClr val="tx2">
+                  <a:lumMod val="75000"/>
+                </a:schemeClr>
+              </a:solidFill>
+              <a:latin typeface="Calibri" panose="020F0502020204030204" pitchFamily="34" charset="0"/>
+              <a:cs typeface="Calibri" panose="020F0502020204030204" pitchFamily="34" charset="0"/>
+            </a:endParaRPr>
+          </a:p>
+        </p:txBody>
+      </p:sp>
+      <p:sp>
+        <p:nvSpPr>
+          <p:cNvPr id="61" name="Овал 60"/>
+          <p:cNvSpPr/>
+          <p:nvPr/>
+        </p:nvSpPr>
+        <p:spPr>
+          <a:xfrm>
+            <a:off x="4786254" y="5967018"/>
+            <a:ext cx="584774" cy="584774"/>
+          </a:xfrm>
+          <a:prstGeom prst="ellipse">
+            <a:avLst/>
+          </a:prstGeom>
+          <a:solidFill>
+            <a:schemeClr val="bg1"/>
+          </a:solidFill>
+          <a:ln>
+            <a:noFill/>
+          </a:ln>
+        </p:spPr>
+        <p:style>
+          <a:lnRef idx="2">
+            <a:schemeClr val="accent1">
+              <a:shade val="50000"/>
+            </a:schemeClr>
+          </a:lnRef>
+          <a:fillRef idx="1">
+            <a:schemeClr val="accent1"/>
+          </a:fillRef>
+          <a:effectRef idx="0">
+            <a:schemeClr val="accent1"/>
+          </a:effectRef>
+          <a:fontRef idx="minor">
+            <a:schemeClr val="lt1"/>
+          </a:fontRef>
+        </p:style>
+        <p:txBody>
+          <a:bodyPr rtlCol="0" anchor="ctr"/>
+          <a:lstStyle/>
+          <a:p>
+            <a:pPr algn="ctr"/>
+            <a:r>
+              <a:rPr lang="en-US" sz="3200" dirty="0" smtClean="0">
+                <a:solidFill>
+                  <a:schemeClr val="tx2">
+                    <a:lumMod val="75000"/>
+                  </a:schemeClr>
+                </a:solidFill>
+                <a:latin typeface="Calibri" panose="020F0502020204030204" pitchFamily="34" charset="0"/>
+                <a:cs typeface="Calibri" panose="020F0502020204030204" pitchFamily="34" charset="0"/>
+              </a:rPr>
+              <a:t>5</a:t>
+            </a:r>
+            <a:endParaRPr lang="uk-UA" sz="3200" dirty="0">
+              <a:solidFill>
+                <a:schemeClr val="tx2">
+                  <a:lumMod val="75000"/>
+                </a:schemeClr>
+              </a:solidFill>
+              <a:latin typeface="Calibri" panose="020F0502020204030204" pitchFamily="34" charset="0"/>
+              <a:cs typeface="Calibri" panose="020F0502020204030204" pitchFamily="34" charset="0"/>
+            </a:endParaRPr>
+          </a:p>
+        </p:txBody>
+      </p:sp>
+      <p:sp>
+        <p:nvSpPr>
+          <p:cNvPr id="69" name="Овал 68"/>
+          <p:cNvSpPr/>
+          <p:nvPr/>
+        </p:nvSpPr>
+        <p:spPr>
+          <a:xfrm>
+            <a:off x="9350905" y="5965792"/>
+            <a:ext cx="584774" cy="584774"/>
+          </a:xfrm>
+          <a:prstGeom prst="ellipse">
+            <a:avLst/>
+          </a:prstGeom>
+          <a:solidFill>
+            <a:schemeClr val="bg1"/>
+          </a:solidFill>
+          <a:ln>
+            <a:noFill/>
+          </a:ln>
+        </p:spPr>
+        <p:style>
+          <a:lnRef idx="2">
+            <a:schemeClr val="accent1">
+              <a:shade val="50000"/>
+            </a:schemeClr>
+          </a:lnRef>
+          <a:fillRef idx="1">
+            <a:schemeClr val="accent1"/>
+          </a:fillRef>
+          <a:effectRef idx="0">
+            <a:schemeClr val="accent1"/>
+          </a:effectRef>
+          <a:fontRef idx="minor">
+            <a:schemeClr val="lt1"/>
+          </a:fontRef>
+        </p:style>
+        <p:txBody>
+          <a:bodyPr rtlCol="0" anchor="ctr"/>
+          <a:lstStyle/>
+          <a:p>
+            <a:pPr algn="ctr"/>
+            <a:r>
+              <a:rPr lang="en-US" sz="3200" dirty="0" smtClean="0">
+                <a:solidFill>
+                  <a:schemeClr val="tx2">
+                    <a:lumMod val="75000"/>
+                  </a:schemeClr>
+                </a:solidFill>
+                <a:latin typeface="Calibri" panose="020F0502020204030204" pitchFamily="34" charset="0"/>
+                <a:cs typeface="Calibri" panose="020F0502020204030204" pitchFamily="34" charset="0"/>
+              </a:rPr>
+              <a:t>4</a:t>
+            </a:r>
+            <a:endParaRPr lang="uk-UA" sz="3200" dirty="0">
+              <a:solidFill>
+                <a:schemeClr val="tx2">
+                  <a:lumMod val="75000"/>
+                </a:schemeClr>
+              </a:solidFill>
+              <a:latin typeface="Calibri" panose="020F0502020204030204" pitchFamily="34" charset="0"/>
+              <a:cs typeface="Calibri" panose="020F0502020204030204" pitchFamily="34" charset="0"/>
+            </a:endParaRPr>
+          </a:p>
+        </p:txBody>
+      </p:sp>
+      <p:sp>
+        <p:nvSpPr>
+          <p:cNvPr id="71" name="Овал 70"/>
+          <p:cNvSpPr/>
+          <p:nvPr/>
+        </p:nvSpPr>
+        <p:spPr>
+          <a:xfrm>
+            <a:off x="8698812" y="5970324"/>
+            <a:ext cx="584774" cy="584774"/>
+          </a:xfrm>
+          <a:prstGeom prst="ellipse">
+            <a:avLst/>
+          </a:prstGeom>
+          <a:solidFill>
+            <a:schemeClr val="bg1"/>
+          </a:solidFill>
+          <a:ln>
+            <a:noFill/>
+          </a:ln>
+        </p:spPr>
+        <p:style>
+          <a:lnRef idx="2">
+            <a:schemeClr val="accent1">
+              <a:shade val="50000"/>
+            </a:schemeClr>
+          </a:lnRef>
+          <a:fillRef idx="1">
+            <a:schemeClr val="accent1"/>
+          </a:fillRef>
+          <a:effectRef idx="0">
+            <a:schemeClr val="accent1"/>
+          </a:effectRef>
+          <a:fontRef idx="minor">
+            <a:schemeClr val="lt1"/>
+          </a:fontRef>
+        </p:style>
+        <p:txBody>
+          <a:bodyPr rtlCol="0" anchor="ctr"/>
+          <a:lstStyle/>
+          <a:p>
+            <a:pPr algn="ctr"/>
+            <a:r>
+              <a:rPr lang="en-US" sz="3200" dirty="0" smtClean="0">
+                <a:solidFill>
+                  <a:schemeClr val="tx2">
+                    <a:lumMod val="75000"/>
+                  </a:schemeClr>
+                </a:solidFill>
+                <a:latin typeface="Calibri" panose="020F0502020204030204" pitchFamily="34" charset="0"/>
+                <a:cs typeface="Calibri" panose="020F0502020204030204" pitchFamily="34" charset="0"/>
+              </a:rPr>
+              <a:t>3</a:t>
+            </a:r>
+            <a:endParaRPr lang="uk-UA" sz="3200" dirty="0">
+              <a:solidFill>
+                <a:schemeClr val="tx2">
+                  <a:lumMod val="75000"/>
+                </a:schemeClr>
+              </a:solidFill>
+              <a:latin typeface="Calibri" panose="020F0502020204030204" pitchFamily="34" charset="0"/>
+              <a:cs typeface="Calibri" panose="020F0502020204030204" pitchFamily="34" charset="0"/>
+            </a:endParaRPr>
+          </a:p>
+        </p:txBody>
+      </p:sp>
+      <p:sp>
+        <p:nvSpPr>
+          <p:cNvPr id="72" name="Овал 71"/>
+          <p:cNvSpPr/>
+          <p:nvPr/>
+        </p:nvSpPr>
+        <p:spPr>
+          <a:xfrm>
+            <a:off x="8046719" y="5965792"/>
+            <a:ext cx="584774" cy="584774"/>
+          </a:xfrm>
+          <a:prstGeom prst="ellipse">
+            <a:avLst/>
+          </a:prstGeom>
+          <a:solidFill>
+            <a:schemeClr val="bg1"/>
+          </a:solidFill>
+          <a:ln>
+            <a:noFill/>
+          </a:ln>
+        </p:spPr>
+        <p:style>
+          <a:lnRef idx="2">
+            <a:schemeClr val="accent1">
+              <a:shade val="50000"/>
+            </a:schemeClr>
+          </a:lnRef>
+          <a:fillRef idx="1">
+            <a:schemeClr val="accent1"/>
+          </a:fillRef>
+          <a:effectRef idx="0">
+            <a:schemeClr val="accent1"/>
+          </a:effectRef>
+          <a:fontRef idx="minor">
+            <a:schemeClr val="lt1"/>
+          </a:fontRef>
+        </p:style>
+        <p:txBody>
+          <a:bodyPr rtlCol="0" anchor="ctr"/>
+          <a:lstStyle/>
+          <a:p>
+            <a:pPr algn="ctr"/>
+            <a:r>
+              <a:rPr lang="en-US" sz="3200" dirty="0" smtClean="0">
+                <a:solidFill>
+                  <a:schemeClr val="tx2">
+                    <a:lumMod val="75000"/>
+                  </a:schemeClr>
+                </a:solidFill>
+                <a:latin typeface="Calibri" panose="020F0502020204030204" pitchFamily="34" charset="0"/>
+                <a:cs typeface="Calibri" panose="020F0502020204030204" pitchFamily="34" charset="0"/>
+              </a:rPr>
+              <a:t>2</a:t>
+            </a:r>
+            <a:endParaRPr lang="uk-UA" sz="3200" dirty="0">
+              <a:solidFill>
+                <a:schemeClr val="tx2">
+                  <a:lumMod val="75000"/>
+                </a:schemeClr>
+              </a:solidFill>
+              <a:latin typeface="Calibri" panose="020F0502020204030204" pitchFamily="34" charset="0"/>
+              <a:cs typeface="Calibri" panose="020F0502020204030204" pitchFamily="34" charset="0"/>
+            </a:endParaRPr>
+          </a:p>
+        </p:txBody>
+      </p:sp>
+      <p:sp>
+        <p:nvSpPr>
+          <p:cNvPr id="73" name="Овал 72"/>
+          <p:cNvSpPr/>
+          <p:nvPr/>
+        </p:nvSpPr>
+        <p:spPr>
+          <a:xfrm>
+            <a:off x="7394626" y="5965792"/>
+            <a:ext cx="584774" cy="584774"/>
+          </a:xfrm>
+          <a:prstGeom prst="ellipse">
+            <a:avLst/>
+          </a:prstGeom>
+          <a:solidFill>
+            <a:schemeClr val="bg1"/>
+          </a:solidFill>
+          <a:ln>
+            <a:noFill/>
+          </a:ln>
+        </p:spPr>
+        <p:style>
+          <a:lnRef idx="2">
+            <a:schemeClr val="accent1">
+              <a:shade val="50000"/>
+            </a:schemeClr>
+          </a:lnRef>
+          <a:fillRef idx="1">
+            <a:schemeClr val="accent1"/>
+          </a:fillRef>
+          <a:effectRef idx="0">
+            <a:schemeClr val="accent1"/>
+          </a:effectRef>
+          <a:fontRef idx="minor">
+            <a:schemeClr val="lt1"/>
+          </a:fontRef>
+        </p:style>
+        <p:txBody>
+          <a:bodyPr rtlCol="0" anchor="ctr"/>
+          <a:lstStyle/>
+          <a:p>
+            <a:pPr algn="ctr"/>
+            <a:r>
+              <a:rPr lang="en-US" sz="3200" dirty="0" smtClean="0">
+                <a:solidFill>
+                  <a:schemeClr val="tx2">
+                    <a:lumMod val="75000"/>
+                  </a:schemeClr>
+                </a:solidFill>
+                <a:latin typeface="Calibri" panose="020F0502020204030204" pitchFamily="34" charset="0"/>
+                <a:cs typeface="Calibri" panose="020F0502020204030204" pitchFamily="34" charset="0"/>
+              </a:rPr>
+              <a:t>1</a:t>
+            </a:r>
+            <a:endParaRPr lang="uk-UA" sz="3200" dirty="0">
+              <a:solidFill>
+                <a:schemeClr val="tx2">
+                  <a:lumMod val="75000"/>
+                </a:schemeClr>
+              </a:solidFill>
+              <a:latin typeface="Calibri" panose="020F0502020204030204" pitchFamily="34" charset="0"/>
+              <a:cs typeface="Calibri" panose="020F0502020204030204" pitchFamily="34" charset="0"/>
+            </a:endParaRPr>
+          </a:p>
+        </p:txBody>
+      </p:sp>
+      <p:sp>
+        <p:nvSpPr>
+          <p:cNvPr id="74" name="Овал 73"/>
+          <p:cNvSpPr/>
+          <p:nvPr/>
+        </p:nvSpPr>
+        <p:spPr>
+          <a:xfrm>
+            <a:off x="10002998" y="5965792"/>
+            <a:ext cx="584774" cy="584774"/>
+          </a:xfrm>
+          <a:prstGeom prst="ellipse">
+            <a:avLst/>
+          </a:prstGeom>
+          <a:solidFill>
+            <a:schemeClr val="bg1"/>
+          </a:solidFill>
+          <a:ln>
+            <a:noFill/>
+          </a:ln>
+        </p:spPr>
+        <p:style>
+          <a:lnRef idx="2">
+            <a:schemeClr val="accent1">
+              <a:shade val="50000"/>
+            </a:schemeClr>
+          </a:lnRef>
+          <a:fillRef idx="1">
+            <a:schemeClr val="accent1"/>
+          </a:fillRef>
+          <a:effectRef idx="0">
+            <a:schemeClr val="accent1"/>
+          </a:effectRef>
+          <a:fontRef idx="minor">
+            <a:schemeClr val="lt1"/>
+          </a:fontRef>
+        </p:style>
+        <p:txBody>
+          <a:bodyPr rtlCol="0" anchor="ctr"/>
+          <a:lstStyle/>
+          <a:p>
+            <a:pPr algn="ctr"/>
+            <a:r>
+              <a:rPr lang="en-US" sz="3200" dirty="0" smtClean="0">
+                <a:solidFill>
+                  <a:schemeClr val="tx2">
+                    <a:lumMod val="75000"/>
+                  </a:schemeClr>
+                </a:solidFill>
+                <a:latin typeface="Calibri" panose="020F0502020204030204" pitchFamily="34" charset="0"/>
+                <a:cs typeface="Calibri" panose="020F0502020204030204" pitchFamily="34" charset="0"/>
+              </a:rPr>
+              <a:t>9</a:t>
             </a:r>
             <a:endParaRPr lang="uk-UA" sz="3200" dirty="0">
               <a:solidFill>
@@ -23084,7 +23487,7 @@
         <p:spPr>
           <a:xfrm>
             <a:off x="4437135" y="173634"/>
-            <a:ext cx="3344442" cy="461665"/>
+            <a:ext cx="1714700" cy="461665"/>
           </a:xfrm>
           <a:prstGeom prst="rect">
             <a:avLst/>
@@ -23098,16 +23501,6 @@
           <a:lstStyle/>
           <a:p>
             <a:r>
-              <a:rPr lang="en-US" sz="2400" dirty="0">
-                <a:solidFill>
-                  <a:schemeClr val="bg2"/>
-                </a:solidFill>
-                <a:latin typeface="Calibri" panose="020F0502020204030204" pitchFamily="34" charset="0"/>
-                <a:cs typeface="Calibri" panose="020F0502020204030204" pitchFamily="34" charset="0"/>
-              </a:rPr>
-              <a:t>f</a:t>
-            </a:r>
-            <a:r>
               <a:rPr lang="en-US" sz="2400" dirty="0" smtClean="0">
                 <a:solidFill>
                   <a:schemeClr val="bg2"/>
@@ -23115,7 +23508,7 @@
                 <a:latin typeface="Calibri" panose="020F0502020204030204" pitchFamily="34" charset="0"/>
                 <a:cs typeface="Calibri" panose="020F0502020204030204" pitchFamily="34" charset="0"/>
               </a:rPr>
-              <a:t>rom high (18) till low (6) </a:t>
+              <a:t>Check result</a:t>
             </a:r>
             <a:endParaRPr lang="uk-UA" sz="2400" dirty="0">
               <a:solidFill>
@@ -23129,43 +23522,23 @@
       </p:sp>
       <p:sp>
         <p:nvSpPr>
-          <p:cNvPr id="61" name="Овал 60"/>
+          <p:cNvPr id="43" name="Прямокутник 42"/>
           <p:cNvSpPr/>
           <p:nvPr/>
         </p:nvSpPr>
         <p:spPr>
           <a:xfrm>
-            <a:off x="4786254" y="5967018"/>
-            <a:ext cx="584774" cy="584774"/>
+            <a:off x="1119625" y="2643662"/>
+            <a:ext cx="393057" cy="584775"/>
           </a:xfrm>
-          <a:prstGeom prst="ellipse">
+          <a:prstGeom prst="rect">
             <a:avLst/>
           </a:prstGeom>
-          <a:solidFill>
-            <a:schemeClr val="bg1"/>
-          </a:solidFill>
-          <a:ln>
-            <a:noFill/>
-          </a:ln>
         </p:spPr>
-        <p:style>
-          <a:lnRef idx="2">
-            <a:schemeClr val="accent1">
-              <a:shade val="50000"/>
-            </a:schemeClr>
-          </a:lnRef>
-          <a:fillRef idx="1">
-            <a:schemeClr val="accent1"/>
-          </a:fillRef>
-          <a:effectRef idx="0">
-            <a:schemeClr val="accent1"/>
-          </a:effectRef>
-          <a:fontRef idx="minor">
-            <a:schemeClr val="lt1"/>
-          </a:fontRef>
-        </p:style>
         <p:txBody>
-          <a:bodyPr rtlCol="0" anchor="ctr"/>
+          <a:bodyPr wrap="none">
+            <a:spAutoFit/>
+          </a:bodyPr>
           <a:lstStyle/>
           <a:p>
             <a:pPr algn="ctr"/>
@@ -23195,7 +23568,7 @@
       </p:sp>
       <p:sp>
         <p:nvSpPr>
-          <p:cNvPr id="24" name="Округлений прямокутник 23">
+          <p:cNvPr id="59" name="Округлений прямокутник 58">
             <a:hlinkClick r:id="" action="ppaction://hlinkshowjump?jump=previousslide"/>
           </p:cNvPr>
           <p:cNvSpPr/>
@@ -23203,7 +23576,7 @@
         </p:nvSpPr>
         <p:spPr>
           <a:xfrm>
-            <a:off x="1343555" y="6210904"/>
+            <a:off x="50917" y="6282241"/>
             <a:ext cx="1711342" cy="458596"/>
           </a:xfrm>
           <a:prstGeom prst="roundRect">
@@ -23252,85 +23625,34 @@
       </p:sp>
       <p:sp>
         <p:nvSpPr>
-          <p:cNvPr id="43" name="Прямокутник 42"/>
+          <p:cNvPr id="60" name="Округлений прямокутник 59">
+            <a:hlinkClick r:id="" action="ppaction://hlinkshowjump?jump=lastslide"/>
+          </p:cNvPr>
           <p:cNvSpPr/>
           <p:nvPr/>
         </p:nvSpPr>
         <p:spPr>
           <a:xfrm>
-            <a:off x="1119625" y="2643662"/>
-            <a:ext cx="393057" cy="584775"/>
+            <a:off x="10677765" y="6282241"/>
+            <a:ext cx="1453200" cy="458596"/>
           </a:xfrm>
-          <a:prstGeom prst="rect">
+          <a:prstGeom prst="roundRect">
             <a:avLst/>
           </a:prstGeom>
-        </p:spPr>
-        <p:txBody>
-          <a:bodyPr wrap="none">
-            <a:spAutoFit/>
-          </a:bodyPr>
-          <a:lstStyle/>
-          <a:p>
-            <a:pPr algn="ctr"/>
-            <a:r>
-              <a:rPr lang="en-US" sz="3200" dirty="0" smtClean="0">
-                <a:solidFill>
-                  <a:schemeClr val="tx2">
-                    <a:lumMod val="75000"/>
-                  </a:schemeClr>
-                </a:solidFill>
-                <a:latin typeface="Calibri" panose="020F0502020204030204" pitchFamily="34" charset="0"/>
-                <a:cs typeface="Calibri" panose="020F0502020204030204" pitchFamily="34" charset="0"/>
-              </a:rPr>
-              <a:t>5</a:t>
-            </a:r>
-            <a:endParaRPr lang="uk-UA" sz="3200" dirty="0">
-              <a:solidFill>
-                <a:schemeClr val="tx2">
-                  <a:lumMod val="75000"/>
-                </a:schemeClr>
-              </a:solidFill>
-              <a:latin typeface="Calibri" panose="020F0502020204030204" pitchFamily="34" charset="0"/>
-              <a:cs typeface="Calibri" panose="020F0502020204030204" pitchFamily="34" charset="0"/>
-            </a:endParaRPr>
-          </a:p>
-        </p:txBody>
-      </p:sp>
-      <p:sp>
-        <p:nvSpPr>
-          <p:cNvPr id="69" name="Овал 68"/>
-          <p:cNvSpPr/>
-          <p:nvPr/>
-        </p:nvSpPr>
-        <p:spPr>
-          <a:xfrm>
-            <a:off x="9553300" y="5965792"/>
-            <a:ext cx="584774" cy="584774"/>
-          </a:xfrm>
-          <a:prstGeom prst="ellipse">
-            <a:avLst/>
-          </a:prstGeom>
-          <a:solidFill>
-            <a:schemeClr val="bg1"/>
-          </a:solidFill>
-          <a:ln>
-            <a:noFill/>
-          </a:ln>
+          <a:ln/>
         </p:spPr>
         <p:style>
-          <a:lnRef idx="2">
-            <a:schemeClr val="accent1">
-              <a:shade val="50000"/>
-            </a:schemeClr>
+          <a:lnRef idx="1">
+            <a:schemeClr val="accent5"/>
           </a:lnRef>
-          <a:fillRef idx="1">
-            <a:schemeClr val="accent1"/>
+          <a:fillRef idx="2">
+            <a:schemeClr val="accent5"/>
           </a:fillRef>
-          <a:effectRef idx="0">
-            <a:schemeClr val="accent1"/>
+          <a:effectRef idx="1">
+            <a:schemeClr val="accent5"/>
           </a:effectRef>
           <a:fontRef idx="minor">
-            <a:schemeClr val="lt1"/>
+            <a:schemeClr val="dk1"/>
           </a:fontRef>
         </p:style>
         <p:txBody>
@@ -23339,22 +23661,28 @@
           <a:p>
             <a:pPr algn="ctr"/>
             <a:r>
-              <a:rPr lang="en-US" sz="3200" dirty="0" smtClean="0">
+              <a:rPr lang="en-US" sz="2800" dirty="0" smtClean="0">
                 <a:solidFill>
-                  <a:schemeClr val="tx2">
-                    <a:lumMod val="75000"/>
-                  </a:schemeClr>
+                  <a:schemeClr val="bg2"/>
                 </a:solidFill>
                 <a:latin typeface="Calibri" panose="020F0502020204030204" pitchFamily="34" charset="0"/>
                 <a:cs typeface="Calibri" panose="020F0502020204030204" pitchFamily="34" charset="0"/>
               </a:rPr>
-              <a:t>4</a:t>
+              <a:t>F</a:t>
             </a:r>
-            <a:endParaRPr lang="uk-UA" sz="3200" dirty="0">
+            <a:r>
+              <a:rPr lang="en-US" sz="2800" dirty="0" smtClean="0">
+                <a:solidFill>
+                  <a:schemeClr val="bg2"/>
+                </a:solidFill>
+                <a:latin typeface="Calibri" panose="020F0502020204030204" pitchFamily="34" charset="0"/>
+                <a:cs typeface="Calibri" panose="020F0502020204030204" pitchFamily="34" charset="0"/>
+              </a:rPr>
+              <a:t>inish</a:t>
+            </a:r>
+            <a:endParaRPr lang="uk-UA" sz="2800" dirty="0">
               <a:solidFill>
-                <a:schemeClr val="tx2">
-                  <a:lumMod val="75000"/>
-                </a:schemeClr>
+                <a:schemeClr val="bg2"/>
               </a:solidFill>
               <a:latin typeface="Calibri" panose="020F0502020204030204" pitchFamily="34" charset="0"/>
               <a:cs typeface="Calibri" panose="020F0502020204030204" pitchFamily="34" charset="0"/>
@@ -23362,270 +23690,348 @@
           </a:p>
         </p:txBody>
       </p:sp>
-      <p:sp>
-        <p:nvSpPr>
-          <p:cNvPr id="71" name="Овал 70"/>
-          <p:cNvSpPr/>
+      <p:cxnSp>
+        <p:nvCxnSpPr>
+          <p:cNvPr id="25" name="Заокруглена сполучна лінія 24"/>
+          <p:cNvCxnSpPr>
+            <a:stCxn id="61" idx="0"/>
+            <a:endCxn id="62" idx="0"/>
+          </p:cNvCxnSpPr>
           <p:nvPr/>
-        </p:nvSpPr>
+        </p:nvCxnSpPr>
         <p:spPr>
-          <a:xfrm>
-            <a:off x="8901207" y="5967018"/>
-            <a:ext cx="584774" cy="584774"/>
+          <a:xfrm rot="5400000" flipH="1" flipV="1">
+            <a:off x="5404074" y="5640359"/>
+            <a:ext cx="1226" cy="652093"/>
           </a:xfrm>
-          <a:prstGeom prst="ellipse">
-            <a:avLst/>
+          <a:prstGeom prst="curvedConnector3">
+            <a:avLst>
+              <a:gd name="adj1" fmla="val 15572023"/>
+            </a:avLst>
           </a:prstGeom>
-          <a:solidFill>
-            <a:schemeClr val="bg1"/>
-          </a:solidFill>
           <a:ln>
-            <a:noFill/>
+            <a:tailEnd type="triangle"/>
           </a:ln>
         </p:spPr>
         <p:style>
-          <a:lnRef idx="2">
-            <a:schemeClr val="accent1">
-              <a:shade val="50000"/>
-            </a:schemeClr>
+          <a:lnRef idx="3">
+            <a:schemeClr val="dk1"/>
           </a:lnRef>
-          <a:fillRef idx="1">
-            <a:schemeClr val="accent1"/>
+          <a:fillRef idx="0">
+            <a:schemeClr val="dk1"/>
           </a:fillRef>
-          <a:effectRef idx="0">
-            <a:schemeClr val="accent1"/>
+          <a:effectRef idx="2">
+            <a:schemeClr val="dk1"/>
           </a:effectRef>
           <a:fontRef idx="minor">
-            <a:schemeClr val="lt1"/>
+            <a:schemeClr val="tx1"/>
           </a:fontRef>
         </p:style>
-        <p:txBody>
-          <a:bodyPr rtlCol="0" anchor="ctr"/>
-          <a:lstStyle/>
-          <a:p>
-            <a:pPr algn="ctr"/>
-            <a:r>
-              <a:rPr lang="en-US" sz="3200" dirty="0" smtClean="0">
-                <a:solidFill>
-                  <a:schemeClr val="tx2">
-                    <a:lumMod val="75000"/>
-                  </a:schemeClr>
-                </a:solidFill>
-                <a:latin typeface="Calibri" panose="020F0502020204030204" pitchFamily="34" charset="0"/>
-                <a:cs typeface="Calibri" panose="020F0502020204030204" pitchFamily="34" charset="0"/>
-              </a:rPr>
-              <a:t>3</a:t>
-            </a:r>
-            <a:endParaRPr lang="uk-UA" sz="3200" dirty="0">
-              <a:solidFill>
-                <a:schemeClr val="tx2">
-                  <a:lumMod val="75000"/>
-                </a:schemeClr>
-              </a:solidFill>
-              <a:latin typeface="Calibri" panose="020F0502020204030204" pitchFamily="34" charset="0"/>
-              <a:cs typeface="Calibri" panose="020F0502020204030204" pitchFamily="34" charset="0"/>
-            </a:endParaRPr>
-          </a:p>
-        </p:txBody>
-      </p:sp>
-      <p:sp>
-        <p:nvSpPr>
-          <p:cNvPr id="72" name="Овал 71"/>
-          <p:cNvSpPr/>
+      </p:cxnSp>
+      <p:cxnSp>
+        <p:nvCxnSpPr>
+          <p:cNvPr id="75" name="Заокруглена сполучна лінія 74"/>
+          <p:cNvCxnSpPr>
+            <a:stCxn id="62" idx="0"/>
+            <a:endCxn id="67" idx="0"/>
+          </p:cNvCxnSpPr>
           <p:nvPr/>
-        </p:nvSpPr>
+        </p:nvCxnSpPr>
         <p:spPr>
-          <a:xfrm>
-            <a:off x="8181649" y="5965792"/>
-            <a:ext cx="584774" cy="584774"/>
+          <a:xfrm rot="5400000" flipH="1" flipV="1">
+            <a:off x="6056780" y="5639746"/>
+            <a:ext cx="12700" cy="652093"/>
           </a:xfrm>
-          <a:prstGeom prst="ellipse">
-            <a:avLst/>
+          <a:prstGeom prst="curvedConnector3">
+            <a:avLst>
+              <a:gd name="adj1" fmla="val 1800000"/>
+            </a:avLst>
           </a:prstGeom>
-          <a:solidFill>
-            <a:schemeClr val="bg1"/>
-          </a:solidFill>
           <a:ln>
-            <a:noFill/>
+            <a:tailEnd type="triangle"/>
           </a:ln>
         </p:spPr>
         <p:style>
-          <a:lnRef idx="2">
-            <a:schemeClr val="accent1">
-              <a:shade val="50000"/>
-            </a:schemeClr>
+          <a:lnRef idx="3">
+            <a:schemeClr val="dk1"/>
           </a:lnRef>
-          <a:fillRef idx="1">
-            <a:schemeClr val="accent1"/>
+          <a:fillRef idx="0">
+            <a:schemeClr val="dk1"/>
           </a:fillRef>
-          <a:effectRef idx="0">
-            <a:schemeClr val="accent1"/>
+          <a:effectRef idx="2">
+            <a:schemeClr val="dk1"/>
           </a:effectRef>
           <a:fontRef idx="minor">
-            <a:schemeClr val="lt1"/>
+            <a:schemeClr val="tx1"/>
           </a:fontRef>
         </p:style>
-        <p:txBody>
-          <a:bodyPr rtlCol="0" anchor="ctr"/>
-          <a:lstStyle/>
-          <a:p>
-            <a:pPr algn="ctr"/>
-            <a:r>
-              <a:rPr lang="en-US" sz="3200" dirty="0" smtClean="0">
-                <a:solidFill>
-                  <a:schemeClr val="tx2">
-                    <a:lumMod val="75000"/>
-                  </a:schemeClr>
-                </a:solidFill>
-                <a:latin typeface="Calibri" panose="020F0502020204030204" pitchFamily="34" charset="0"/>
-                <a:cs typeface="Calibri" panose="020F0502020204030204" pitchFamily="34" charset="0"/>
-              </a:rPr>
-              <a:t>2</a:t>
-            </a:r>
-            <a:endParaRPr lang="uk-UA" sz="3200" dirty="0">
-              <a:solidFill>
-                <a:schemeClr val="tx2">
-                  <a:lumMod val="75000"/>
-                </a:schemeClr>
-              </a:solidFill>
-              <a:latin typeface="Calibri" panose="020F0502020204030204" pitchFamily="34" charset="0"/>
-              <a:cs typeface="Calibri" panose="020F0502020204030204" pitchFamily="34" charset="0"/>
-            </a:endParaRPr>
-          </a:p>
-        </p:txBody>
-      </p:sp>
-      <p:sp>
-        <p:nvSpPr>
-          <p:cNvPr id="73" name="Овал 72"/>
-          <p:cNvSpPr/>
+      </p:cxnSp>
+      <p:cxnSp>
+        <p:nvCxnSpPr>
+          <p:cNvPr id="77" name="Заокруглена сполучна лінія 76"/>
+          <p:cNvCxnSpPr>
+            <a:stCxn id="62" idx="0"/>
+            <a:endCxn id="65" idx="0"/>
+          </p:cNvCxnSpPr>
           <p:nvPr/>
-        </p:nvSpPr>
+        </p:nvCxnSpPr>
         <p:spPr>
-          <a:xfrm>
-            <a:off x="7529556" y="5967018"/>
-            <a:ext cx="584774" cy="584774"/>
+          <a:xfrm rot="5400000" flipH="1" flipV="1">
+            <a:off x="6382827" y="5313699"/>
+            <a:ext cx="12700" cy="1304186"/>
           </a:xfrm>
-          <a:prstGeom prst="ellipse">
-            <a:avLst/>
+          <a:prstGeom prst="curvedConnector3">
+            <a:avLst>
+              <a:gd name="adj1" fmla="val 4142843"/>
+            </a:avLst>
           </a:prstGeom>
-          <a:solidFill>
-            <a:schemeClr val="bg1"/>
-          </a:solidFill>
           <a:ln>
-            <a:noFill/>
+            <a:tailEnd type="triangle"/>
           </a:ln>
         </p:spPr>
         <p:style>
-          <a:lnRef idx="2">
-            <a:schemeClr val="accent1">
-              <a:shade val="50000"/>
-            </a:schemeClr>
+          <a:lnRef idx="3">
+            <a:schemeClr val="dk1"/>
           </a:lnRef>
-          <a:fillRef idx="1">
-            <a:schemeClr val="accent1"/>
+          <a:fillRef idx="0">
+            <a:schemeClr val="dk1"/>
           </a:fillRef>
-          <a:effectRef idx="0">
-            <a:schemeClr val="accent1"/>
+          <a:effectRef idx="2">
+            <a:schemeClr val="dk1"/>
           </a:effectRef>
           <a:fontRef idx="minor">
-            <a:schemeClr val="lt1"/>
+            <a:schemeClr val="tx1"/>
           </a:fontRef>
         </p:style>
-        <p:txBody>
-          <a:bodyPr rtlCol="0" anchor="ctr"/>
-          <a:lstStyle/>
-          <a:p>
-            <a:pPr algn="ctr"/>
-            <a:r>
-              <a:rPr lang="en-US" sz="3200" dirty="0" smtClean="0">
-                <a:solidFill>
-                  <a:schemeClr val="tx2">
-                    <a:lumMod val="75000"/>
-                  </a:schemeClr>
-                </a:solidFill>
-                <a:latin typeface="Calibri" panose="020F0502020204030204" pitchFamily="34" charset="0"/>
-                <a:cs typeface="Calibri" panose="020F0502020204030204" pitchFamily="34" charset="0"/>
-              </a:rPr>
-              <a:t>1</a:t>
-            </a:r>
-            <a:endParaRPr lang="uk-UA" sz="3200" dirty="0">
-              <a:solidFill>
-                <a:schemeClr val="tx2">
-                  <a:lumMod val="75000"/>
-                </a:schemeClr>
-              </a:solidFill>
-              <a:latin typeface="Calibri" panose="020F0502020204030204" pitchFamily="34" charset="0"/>
-              <a:cs typeface="Calibri" panose="020F0502020204030204" pitchFamily="34" charset="0"/>
-            </a:endParaRPr>
-          </a:p>
-        </p:txBody>
-      </p:sp>
-      <p:sp>
-        <p:nvSpPr>
-          <p:cNvPr id="74" name="Овал 73"/>
-          <p:cNvSpPr/>
+      </p:cxnSp>
+      <p:cxnSp>
+        <p:nvCxnSpPr>
+          <p:cNvPr id="86" name="Заокруглена сполучна лінія 85"/>
+          <p:cNvCxnSpPr>
+            <a:stCxn id="67" idx="0"/>
+            <a:endCxn id="65" idx="0"/>
+          </p:cNvCxnSpPr>
           <p:nvPr/>
-        </p:nvSpPr>
+        </p:nvCxnSpPr>
         <p:spPr>
-          <a:xfrm>
-            <a:off x="10272858" y="5965792"/>
-            <a:ext cx="584774" cy="584774"/>
+          <a:xfrm rot="5400000" flipH="1" flipV="1">
+            <a:off x="6708873" y="5639746"/>
+            <a:ext cx="12700" cy="652093"/>
           </a:xfrm>
-          <a:prstGeom prst="ellipse">
-            <a:avLst/>
+          <a:prstGeom prst="curvedConnector3">
+            <a:avLst>
+              <a:gd name="adj1" fmla="val 1800000"/>
+            </a:avLst>
           </a:prstGeom>
-          <a:solidFill>
-            <a:schemeClr val="bg1"/>
-          </a:solidFill>
           <a:ln>
-            <a:noFill/>
+            <a:tailEnd type="triangle"/>
           </a:ln>
         </p:spPr>
         <p:style>
-          <a:lnRef idx="2">
-            <a:schemeClr val="accent1">
-              <a:shade val="50000"/>
-            </a:schemeClr>
+          <a:lnRef idx="3">
+            <a:schemeClr val="dk1"/>
           </a:lnRef>
-          <a:fillRef idx="1">
-            <a:schemeClr val="accent1"/>
+          <a:fillRef idx="0">
+            <a:schemeClr val="dk1"/>
           </a:fillRef>
-          <a:effectRef idx="0">
-            <a:schemeClr val="accent1"/>
+          <a:effectRef idx="2">
+            <a:schemeClr val="dk1"/>
           </a:effectRef>
           <a:fontRef idx="minor">
-            <a:schemeClr val="lt1"/>
+            <a:schemeClr val="tx1"/>
           </a:fontRef>
         </p:style>
-        <p:txBody>
-          <a:bodyPr rtlCol="0" anchor="ctr"/>
-          <a:lstStyle/>
-          <a:p>
-            <a:pPr algn="ctr"/>
-            <a:r>
-              <a:rPr lang="en-US" sz="3200" dirty="0" smtClean="0">
-                <a:solidFill>
-                  <a:schemeClr val="tx2">
-                    <a:lumMod val="75000"/>
-                  </a:schemeClr>
-                </a:solidFill>
-                <a:latin typeface="Calibri" panose="020F0502020204030204" pitchFamily="34" charset="0"/>
-                <a:cs typeface="Calibri" panose="020F0502020204030204" pitchFamily="34" charset="0"/>
-              </a:rPr>
-              <a:t>9</a:t>
-            </a:r>
-            <a:endParaRPr lang="uk-UA" sz="3200" dirty="0">
-              <a:solidFill>
-                <a:schemeClr val="tx2">
-                  <a:lumMod val="75000"/>
-                </a:schemeClr>
-              </a:solidFill>
-              <a:latin typeface="Calibri" panose="020F0502020204030204" pitchFamily="34" charset="0"/>
-              <a:cs typeface="Calibri" panose="020F0502020204030204" pitchFamily="34" charset="0"/>
-            </a:endParaRPr>
-          </a:p>
-        </p:txBody>
-      </p:sp>
+      </p:cxnSp>
+      <p:cxnSp>
+        <p:nvCxnSpPr>
+          <p:cNvPr id="89" name="Заокруглена сполучна лінія 88"/>
+          <p:cNvCxnSpPr>
+            <a:stCxn id="65" idx="0"/>
+            <a:endCxn id="74" idx="0"/>
+          </p:cNvCxnSpPr>
+          <p:nvPr/>
+        </p:nvCxnSpPr>
+        <p:spPr>
+          <a:xfrm rot="5400000" flipH="1" flipV="1">
+            <a:off x="8665152" y="4335560"/>
+            <a:ext cx="12700" cy="3260465"/>
+          </a:xfrm>
+          <a:prstGeom prst="curvedConnector3">
+            <a:avLst>
+              <a:gd name="adj1" fmla="val 4787220"/>
+            </a:avLst>
+          </a:prstGeom>
+          <a:ln>
+            <a:tailEnd type="triangle"/>
+          </a:ln>
+        </p:spPr>
+        <p:style>
+          <a:lnRef idx="3">
+            <a:schemeClr val="dk1"/>
+          </a:lnRef>
+          <a:fillRef idx="0">
+            <a:schemeClr val="dk1"/>
+          </a:fillRef>
+          <a:effectRef idx="2">
+            <a:schemeClr val="dk1"/>
+          </a:effectRef>
+          <a:fontRef idx="minor">
+            <a:schemeClr val="tx1"/>
+          </a:fontRef>
+        </p:style>
+      </p:cxnSp>
+      <p:cxnSp>
+        <p:nvCxnSpPr>
+          <p:cNvPr id="93" name="Заокруглена сполучна лінія 92"/>
+          <p:cNvCxnSpPr>
+            <a:stCxn id="73" idx="0"/>
+            <a:endCxn id="72" idx="0"/>
+          </p:cNvCxnSpPr>
+          <p:nvPr/>
+        </p:nvCxnSpPr>
+        <p:spPr>
+          <a:xfrm rot="5400000" flipH="1" flipV="1">
+            <a:off x="8013059" y="5639746"/>
+            <a:ext cx="12700" cy="652093"/>
+          </a:xfrm>
+          <a:prstGeom prst="curvedConnector3">
+            <a:avLst>
+              <a:gd name="adj1" fmla="val 1800000"/>
+            </a:avLst>
+          </a:prstGeom>
+          <a:ln>
+            <a:tailEnd type="triangle"/>
+          </a:ln>
+        </p:spPr>
+        <p:style>
+          <a:lnRef idx="3">
+            <a:schemeClr val="dk1"/>
+          </a:lnRef>
+          <a:fillRef idx="0">
+            <a:schemeClr val="dk1"/>
+          </a:fillRef>
+          <a:effectRef idx="2">
+            <a:schemeClr val="dk1"/>
+          </a:effectRef>
+          <a:fontRef idx="minor">
+            <a:schemeClr val="tx1"/>
+          </a:fontRef>
+        </p:style>
+      </p:cxnSp>
+      <p:cxnSp>
+        <p:nvCxnSpPr>
+          <p:cNvPr id="96" name="Заокруглена сполучна лінія 95"/>
+          <p:cNvCxnSpPr>
+            <a:stCxn id="72" idx="0"/>
+            <a:endCxn id="71" idx="0"/>
+          </p:cNvCxnSpPr>
+          <p:nvPr/>
+        </p:nvCxnSpPr>
+        <p:spPr>
+          <a:xfrm rot="16200000" flipH="1">
+            <a:off x="8662886" y="5642012"/>
+            <a:ext cx="4532" cy="652093"/>
+          </a:xfrm>
+          <a:prstGeom prst="curvedConnector3">
+            <a:avLst>
+              <a:gd name="adj1" fmla="val -5044131"/>
+            </a:avLst>
+          </a:prstGeom>
+          <a:ln>
+            <a:tailEnd type="triangle"/>
+          </a:ln>
+        </p:spPr>
+        <p:style>
+          <a:lnRef idx="3">
+            <a:schemeClr val="dk1"/>
+          </a:lnRef>
+          <a:fillRef idx="0">
+            <a:schemeClr val="dk1"/>
+          </a:fillRef>
+          <a:effectRef idx="2">
+            <a:schemeClr val="dk1"/>
+          </a:effectRef>
+          <a:fontRef idx="minor">
+            <a:schemeClr val="tx1"/>
+          </a:fontRef>
+        </p:style>
+      </p:cxnSp>
+      <p:cxnSp>
+        <p:nvCxnSpPr>
+          <p:cNvPr id="99" name="Заокруглена сполучна лінія 98"/>
+          <p:cNvCxnSpPr>
+            <a:stCxn id="71" idx="0"/>
+            <a:endCxn id="69" idx="0"/>
+          </p:cNvCxnSpPr>
+          <p:nvPr/>
+        </p:nvCxnSpPr>
+        <p:spPr>
+          <a:xfrm rot="5400000" flipH="1" flipV="1">
+            <a:off x="9314979" y="5642012"/>
+            <a:ext cx="4532" cy="652093"/>
+          </a:xfrm>
+          <a:prstGeom prst="curvedConnector3">
+            <a:avLst>
+              <a:gd name="adj1" fmla="val 5144131"/>
+            </a:avLst>
+          </a:prstGeom>
+          <a:ln>
+            <a:tailEnd type="triangle"/>
+          </a:ln>
+        </p:spPr>
+        <p:style>
+          <a:lnRef idx="3">
+            <a:schemeClr val="dk1"/>
+          </a:lnRef>
+          <a:fillRef idx="0">
+            <a:schemeClr val="dk1"/>
+          </a:fillRef>
+          <a:effectRef idx="2">
+            <a:schemeClr val="dk1"/>
+          </a:effectRef>
+          <a:fontRef idx="minor">
+            <a:schemeClr val="tx1"/>
+          </a:fontRef>
+        </p:style>
+      </p:cxnSp>
+      <p:cxnSp>
+        <p:nvCxnSpPr>
+          <p:cNvPr id="102" name="Заокруглена сполучна лінія 101"/>
+          <p:cNvCxnSpPr>
+            <a:stCxn id="69" idx="0"/>
+            <a:endCxn id="74" idx="0"/>
+          </p:cNvCxnSpPr>
+          <p:nvPr/>
+        </p:nvCxnSpPr>
+        <p:spPr>
+          <a:xfrm rot="5400000" flipH="1" flipV="1">
+            <a:off x="9969338" y="5639746"/>
+            <a:ext cx="12700" cy="652093"/>
+          </a:xfrm>
+          <a:prstGeom prst="curvedConnector3">
+            <a:avLst>
+              <a:gd name="adj1" fmla="val 1800000"/>
+            </a:avLst>
+          </a:prstGeom>
+          <a:ln>
+            <a:tailEnd type="triangle"/>
+          </a:ln>
+        </p:spPr>
+        <p:style>
+          <a:lnRef idx="3">
+            <a:schemeClr val="dk1"/>
+          </a:lnRef>
+          <a:fillRef idx="0">
+            <a:schemeClr val="dk1"/>
+          </a:fillRef>
+          <a:effectRef idx="2">
+            <a:schemeClr val="dk1"/>
+          </a:effectRef>
+          <a:fontRef idx="minor">
+            <a:schemeClr val="tx1"/>
+          </a:fontRef>
+        </p:style>
+      </p:cxnSp>
     </p:spTree>
     <p:extLst>
       <p:ext uri="{BB962C8B-B14F-4D97-AF65-F5344CB8AC3E}">
@@ -23636,11 +24042,11 @@
   <p:clrMapOvr>
     <a:masterClrMapping/>
   </p:clrMapOvr>
-  <mc:AlternateContent xmlns:mc="http://schemas.openxmlformats.org/markup-compatibility/2006">
-    <mc:Choice xmlns:p14="http://schemas.microsoft.com/office/powerpoint/2010/main" Requires="p14">
+  <mc:AlternateContent xmlns:mc="http://schemas.openxmlformats.org/markup-compatibility/2006" xmlns:p14="http://schemas.microsoft.com/office/powerpoint/2010/main">
+    <mc:Choice Requires="p14">
       <p:transition spd="slow" p14:dur="2000" advClick="0"/>
     </mc:Choice>
-    <mc:Fallback>
+    <mc:Fallback xmlns="">
       <p:transition spd="slow" advClick="0"/>
     </mc:Fallback>
   </mc:AlternateContent>
@@ -23712,200 +24118,317 @@
                             </p:stCondLst>
                             <p:childTnLst>
                               <p:par>
-                                <p:cTn id="9" presetID="42" presetClass="path" presetSubtype="0" accel="50000" decel="50000" fill="hold" grpId="0" nodeType="afterEffect">
+                                <p:cTn id="9" presetID="22" presetClass="entr" presetSubtype="4" fill="hold" grpId="0" nodeType="afterEffect">
                                   <p:stCondLst>
                                     <p:cond delay="0"/>
                                   </p:stCondLst>
                                   <p:childTnLst>
-                                    <p:animMotion origin="layout" path="M 0.00013 7.40741E-7 L 0.30847 0.4838 " pathEditMode="relative" rAng="0" ptsTypes="AA">
+                                    <p:set>
                                       <p:cBhvr>
-                                        <p:cTn id="10" dur="2000" fill="hold"/>
+                                        <p:cTn id="10" dur="1" fill="hold">
+                                          <p:stCondLst>
+                                            <p:cond delay="0"/>
+                                          </p:stCondLst>
+                                        </p:cTn>
                                         <p:tgtEl>
-                                          <p:spTgt spid="43"/>
+                                          <p:spTgt spid="61"/>
                                         </p:tgtEl>
                                         <p:attrNameLst>
-                                          <p:attrName>ppt_x</p:attrName>
-                                          <p:attrName>ppt_y</p:attrName>
+                                          <p:attrName>style.visibility</p:attrName>
                                         </p:attrNameLst>
                                       </p:cBhvr>
-                                      <p:rCtr x="15417" y="24190"/>
-                                    </p:animMotion>
+                                      <p:to>
+                                        <p:strVal val="visible"/>
+                                      </p:to>
+                                    </p:set>
+                                    <p:animEffect transition="in" filter="wipe(down)">
+                                      <p:cBhvr>
+                                        <p:cTn id="11" dur="1000"/>
+                                        <p:tgtEl>
+                                          <p:spTgt spid="61"/>
+                                        </p:tgtEl>
+                                      </p:cBhvr>
+                                    </p:animEffect>
                                   </p:childTnLst>
                                 </p:cTn>
                               </p:par>
                               <p:par>
-                                <p:cTn id="11" presetID="42" presetClass="path" presetSubtype="0" accel="50000" decel="50000" fill="hold" grpId="0" nodeType="withEffect">
+                                <p:cTn id="12" presetID="22" presetClass="entr" presetSubtype="4" fill="hold" grpId="0" nodeType="withEffect">
                                   <p:stCondLst>
                                     <p:cond delay="0"/>
                                   </p:stCondLst>
                                   <p:childTnLst>
-                                    <p:animMotion origin="layout" path="M -1.66667E-6 -3.7037E-6 L 0.36315 0.24074 " pathEditMode="relative" rAng="0" ptsTypes="AA">
+                                    <p:set>
                                       <p:cBhvr>
-                                        <p:cTn id="12" dur="2000" fill="hold"/>
+                                        <p:cTn id="13" dur="1" fill="hold">
+                                          <p:stCondLst>
+                                            <p:cond delay="0"/>
+                                          </p:stCondLst>
+                                        </p:cTn>
                                         <p:tgtEl>
-                                          <p:spTgt spid="44"/>
+                                          <p:spTgt spid="62"/>
                                         </p:tgtEl>
                                         <p:attrNameLst>
-                                          <p:attrName>ppt_x</p:attrName>
-                                          <p:attrName>ppt_y</p:attrName>
+                                          <p:attrName>style.visibility</p:attrName>
                                         </p:attrNameLst>
                                       </p:cBhvr>
-                                      <p:rCtr x="18151" y="12037"/>
-                                    </p:animMotion>
+                                      <p:to>
+                                        <p:strVal val="visible"/>
+                                      </p:to>
+                                    </p:set>
+                                    <p:animEffect transition="in" filter="wipe(down)">
+                                      <p:cBhvr>
+                                        <p:cTn id="14" dur="1000"/>
+                                        <p:tgtEl>
+                                          <p:spTgt spid="62"/>
+                                        </p:tgtEl>
+                                      </p:cBhvr>
+                                    </p:animEffect>
                                   </p:childTnLst>
                                 </p:cTn>
                               </p:par>
                               <p:par>
-                                <p:cTn id="13" presetID="42" presetClass="path" presetSubtype="0" accel="50000" decel="50000" fill="hold" grpId="0" nodeType="withEffect">
+                                <p:cTn id="15" presetID="22" presetClass="entr" presetSubtype="4" fill="hold" grpId="0" nodeType="withEffect">
                                   <p:stCondLst>
                                     <p:cond delay="0"/>
                                   </p:stCondLst>
                                   <p:childTnLst>
-                                    <p:animMotion origin="layout" path="M -2.29167E-6 4.07407E-6 L 0.23659 0.10046 " pathEditMode="relative" rAng="0" ptsTypes="AA">
+                                    <p:set>
                                       <p:cBhvr>
-                                        <p:cTn id="14" dur="2000" fill="hold"/>
+                                        <p:cTn id="16" dur="1" fill="hold">
+                                          <p:stCondLst>
+                                            <p:cond delay="0"/>
+                                          </p:stCondLst>
+                                        </p:cTn>
                                         <p:tgtEl>
-                                          <p:spTgt spid="47"/>
+                                          <p:spTgt spid="67"/>
                                         </p:tgtEl>
                                         <p:attrNameLst>
-                                          <p:attrName>ppt_x</p:attrName>
-                                          <p:attrName>ppt_y</p:attrName>
+                                          <p:attrName>style.visibility</p:attrName>
                                         </p:attrNameLst>
                                       </p:cBhvr>
-                                      <p:rCtr x="11823" y="5023"/>
-                                    </p:animMotion>
+                                      <p:to>
+                                        <p:strVal val="visible"/>
+                                      </p:to>
+                                    </p:set>
+                                    <p:animEffect transition="in" filter="wipe(down)">
+                                      <p:cBhvr>
+                                        <p:cTn id="17" dur="1000"/>
+                                        <p:tgtEl>
+                                          <p:spTgt spid="67"/>
+                                        </p:tgtEl>
+                                      </p:cBhvr>
+                                    </p:animEffect>
                                   </p:childTnLst>
                                 </p:cTn>
                               </p:par>
                               <p:par>
-                                <p:cTn id="15" presetID="42" presetClass="path" presetSubtype="0" accel="50000" decel="50000" fill="hold" grpId="0" nodeType="withEffect">
+                                <p:cTn id="18" presetID="22" presetClass="entr" presetSubtype="4" fill="hold" grpId="0" nodeType="withEffect">
                                   <p:stCondLst>
                                     <p:cond delay="0"/>
                                   </p:stCondLst>
                                   <p:childTnLst>
-                                    <p:animMotion origin="layout" path="M -1.875E-6 3.7037E-7 L 0.29675 0.38889 " pathEditMode="relative" rAng="0" ptsTypes="AA">
+                                    <p:set>
                                       <p:cBhvr>
-                                        <p:cTn id="16" dur="2000" fill="hold"/>
+                                        <p:cTn id="19" dur="1" fill="hold">
+                                          <p:stCondLst>
+                                            <p:cond delay="0"/>
+                                          </p:stCondLst>
+                                        </p:cTn>
                                         <p:tgtEl>
-                                          <p:spTgt spid="48"/>
+                                          <p:spTgt spid="65"/>
                                         </p:tgtEl>
                                         <p:attrNameLst>
-                                          <p:attrName>ppt_x</p:attrName>
-                                          <p:attrName>ppt_y</p:attrName>
+                                          <p:attrName>style.visibility</p:attrName>
                                         </p:attrNameLst>
                                       </p:cBhvr>
-                                      <p:rCtr x="14831" y="19444"/>
-                                    </p:animMotion>
+                                      <p:to>
+                                        <p:strVal val="visible"/>
+                                      </p:to>
+                                    </p:set>
+                                    <p:animEffect transition="in" filter="wipe(down)">
+                                      <p:cBhvr>
+                                        <p:cTn id="20" dur="1000"/>
+                                        <p:tgtEl>
+                                          <p:spTgt spid="65"/>
+                                        </p:tgtEl>
+                                      </p:cBhvr>
+                                    </p:animEffect>
                                   </p:childTnLst>
                                 </p:cTn>
                               </p:par>
                               <p:par>
-                                <p:cTn id="17" presetID="42" presetClass="path" presetSubtype="0" accel="50000" decel="50000" fill="hold" grpId="0" nodeType="withEffect">
+                                <p:cTn id="21" presetID="22" presetClass="entr" presetSubtype="4" fill="hold" grpId="0" nodeType="withEffect">
                                   <p:stCondLst>
                                     <p:cond delay="0"/>
                                   </p:stCondLst>
                                   <p:childTnLst>
-                                    <p:animMotion origin="layout" path="M -2.70833E-6 -1.48148E-6 L 0.54987 0.74954 " pathEditMode="relative" rAng="0" ptsTypes="AA">
+                                    <p:set>
                                       <p:cBhvr>
-                                        <p:cTn id="18" dur="2000" fill="hold"/>
+                                        <p:cTn id="22" dur="1" fill="hold">
+                                          <p:stCondLst>
+                                            <p:cond delay="0"/>
+                                          </p:stCondLst>
+                                        </p:cTn>
                                         <p:tgtEl>
-                                          <p:spTgt spid="49"/>
+                                          <p:spTgt spid="73"/>
                                         </p:tgtEl>
                                         <p:attrNameLst>
-                                          <p:attrName>ppt_x</p:attrName>
-                                          <p:attrName>ppt_y</p:attrName>
+                                          <p:attrName>style.visibility</p:attrName>
                                         </p:attrNameLst>
                                       </p:cBhvr>
-                                      <p:rCtr x="27487" y="37477"/>
-                                    </p:animMotion>
+                                      <p:to>
+                                        <p:strVal val="visible"/>
+                                      </p:to>
+                                    </p:set>
+                                    <p:animEffect transition="in" filter="wipe(down)">
+                                      <p:cBhvr>
+                                        <p:cTn id="23" dur="1000"/>
+                                        <p:tgtEl>
+                                          <p:spTgt spid="73"/>
+                                        </p:tgtEl>
+                                      </p:cBhvr>
+                                    </p:animEffect>
                                   </p:childTnLst>
                                 </p:cTn>
                               </p:par>
                               <p:par>
-                                <p:cTn id="19" presetID="42" presetClass="path" presetSubtype="0" accel="50000" decel="50000" fill="hold" grpId="0" nodeType="withEffect">
+                                <p:cTn id="24" presetID="22" presetClass="entr" presetSubtype="4" fill="hold" grpId="0" nodeType="withEffect">
                                   <p:stCondLst>
                                     <p:cond delay="0"/>
                                   </p:stCondLst>
                                   <p:childTnLst>
-                                    <p:animMotion origin="layout" path="M -3.125E-6 1.11111E-6 L 0.42214 0.67963 " pathEditMode="relative" rAng="0" ptsTypes="AA">
+                                    <p:set>
                                       <p:cBhvr>
-                                        <p:cTn id="20" dur="2000" fill="hold"/>
+                                        <p:cTn id="25" dur="1" fill="hold">
+                                          <p:stCondLst>
+                                            <p:cond delay="0"/>
+                                          </p:stCondLst>
+                                        </p:cTn>
                                         <p:tgtEl>
-                                          <p:spTgt spid="50"/>
+                                          <p:spTgt spid="72"/>
                                         </p:tgtEl>
                                         <p:attrNameLst>
-                                          <p:attrName>ppt_x</p:attrName>
-                                          <p:attrName>ppt_y</p:attrName>
+                                          <p:attrName>style.visibility</p:attrName>
                                         </p:attrNameLst>
                                       </p:cBhvr>
-                                      <p:rCtr x="21107" y="33981"/>
-                                    </p:animMotion>
+                                      <p:to>
+                                        <p:strVal val="visible"/>
+                                      </p:to>
+                                    </p:set>
+                                    <p:animEffect transition="in" filter="wipe(down)">
+                                      <p:cBhvr>
+                                        <p:cTn id="26" dur="1000"/>
+                                        <p:tgtEl>
+                                          <p:spTgt spid="72"/>
+                                        </p:tgtEl>
+                                      </p:cBhvr>
+                                    </p:animEffect>
                                   </p:childTnLst>
                                 </p:cTn>
                               </p:par>
                               <p:par>
-                                <p:cTn id="21" presetID="42" presetClass="path" presetSubtype="0" accel="50000" decel="50000" fill="hold" grpId="0" nodeType="withEffect">
+                                <p:cTn id="27" presetID="22" presetClass="entr" presetSubtype="4" fill="hold" grpId="0" nodeType="withEffect">
                                   <p:stCondLst>
                                     <p:cond delay="0"/>
                                   </p:stCondLst>
                                   <p:childTnLst>
-                                    <p:animMotion origin="layout" path="M -3.75E-6 -1.48148E-6 L 0.29467 0.59491 " pathEditMode="relative" rAng="0" ptsTypes="AA">
+                                    <p:set>
                                       <p:cBhvr>
-                                        <p:cTn id="22" dur="2000" fill="hold"/>
+                                        <p:cTn id="28" dur="1" fill="hold">
+                                          <p:stCondLst>
+                                            <p:cond delay="0"/>
+                                          </p:stCondLst>
+                                        </p:cTn>
                                         <p:tgtEl>
-                                          <p:spTgt spid="51"/>
+                                          <p:spTgt spid="71"/>
                                         </p:tgtEl>
                                         <p:attrNameLst>
-                                          <p:attrName>ppt_x</p:attrName>
-                                          <p:attrName>ppt_y</p:attrName>
+                                          <p:attrName>style.visibility</p:attrName>
                                         </p:attrNameLst>
                                       </p:cBhvr>
-                                      <p:rCtr x="14727" y="29745"/>
-                                    </p:animMotion>
+                                      <p:to>
+                                        <p:strVal val="visible"/>
+                                      </p:to>
+                                    </p:set>
+                                    <p:animEffect transition="in" filter="wipe(down)">
+                                      <p:cBhvr>
+                                        <p:cTn id="29" dur="1000"/>
+                                        <p:tgtEl>
+                                          <p:spTgt spid="71"/>
+                                        </p:tgtEl>
+                                      </p:cBhvr>
+                                    </p:animEffect>
                                   </p:childTnLst>
                                 </p:cTn>
                               </p:par>
                               <p:par>
-                                <p:cTn id="23" presetID="42" presetClass="path" presetSubtype="0" accel="50000" decel="50000" fill="hold" grpId="0" nodeType="withEffect">
+                                <p:cTn id="30" presetID="22" presetClass="entr" presetSubtype="4" fill="hold" grpId="0" nodeType="withEffect">
                                   <p:stCondLst>
                                     <p:cond delay="0"/>
                                   </p:stCondLst>
                                   <p:childTnLst>
-                                    <p:animMotion origin="layout" path="M -2.91667E-6 7.40741E-7 L 0.17032 0.47801 " pathEditMode="relative" rAng="0" ptsTypes="AA">
+                                    <p:set>
                                       <p:cBhvr>
-                                        <p:cTn id="24" dur="2000" fill="hold"/>
+                                        <p:cTn id="31" dur="1" fill="hold">
+                                          <p:stCondLst>
+                                            <p:cond delay="0"/>
+                                          </p:stCondLst>
+                                        </p:cTn>
                                         <p:tgtEl>
-                                          <p:spTgt spid="52"/>
+                                          <p:spTgt spid="69"/>
                                         </p:tgtEl>
                                         <p:attrNameLst>
-                                          <p:attrName>ppt_x</p:attrName>
-                                          <p:attrName>ppt_y</p:attrName>
+                                          <p:attrName>style.visibility</p:attrName>
                                         </p:attrNameLst>
                                       </p:cBhvr>
-                                      <p:rCtr x="8516" y="23889"/>
-                                    </p:animMotion>
+                                      <p:to>
+                                        <p:strVal val="visible"/>
+                                      </p:to>
+                                    </p:set>
+                                    <p:animEffect transition="in" filter="wipe(down)">
+                                      <p:cBhvr>
+                                        <p:cTn id="32" dur="1000"/>
+                                        <p:tgtEl>
+                                          <p:spTgt spid="69"/>
+                                        </p:tgtEl>
+                                      </p:cBhvr>
+                                    </p:animEffect>
                                   </p:childTnLst>
                                 </p:cTn>
                               </p:par>
                               <p:par>
-                                <p:cTn id="25" presetID="42" presetClass="path" presetSubtype="0" accel="50000" decel="50000" fill="hold" grpId="0" nodeType="withEffect">
+                                <p:cTn id="33" presetID="22" presetClass="entr" presetSubtype="4" fill="hold" grpId="0" nodeType="withEffect">
                                   <p:stCondLst>
                                     <p:cond delay="0"/>
                                   </p:stCondLst>
                                   <p:childTnLst>
-                                    <p:animMotion origin="layout" path="M -3.75E-6 -2.96296E-6 L 0.41498 0.27523 " pathEditMode="relative" rAng="0" ptsTypes="AA">
+                                    <p:set>
                                       <p:cBhvr>
-                                        <p:cTn id="26" dur="2000" fill="hold"/>
+                                        <p:cTn id="34" dur="1" fill="hold">
+                                          <p:stCondLst>
+                                            <p:cond delay="0"/>
+                                          </p:stCondLst>
+                                        </p:cTn>
                                         <p:tgtEl>
-                                          <p:spTgt spid="53"/>
+                                          <p:spTgt spid="74"/>
                                         </p:tgtEl>
                                         <p:attrNameLst>
-                                          <p:attrName>ppt_x</p:attrName>
-                                          <p:attrName>ppt_y</p:attrName>
+                                          <p:attrName>style.visibility</p:attrName>
                                         </p:attrNameLst>
                                       </p:cBhvr>
-                                      <p:rCtr x="20742" y="13750"/>
-                                    </p:animMotion>
+                                      <p:to>
+                                        <p:strVal val="visible"/>
+                                      </p:to>
+                                    </p:set>
+                                    <p:animEffect transition="in" filter="wipe(down)">
+                                      <p:cBhvr>
+                                        <p:cTn id="35" dur="1000"/>
+                                        <p:tgtEl>
+                                          <p:spTgt spid="74"/>
+                                        </p:tgtEl>
+                                      </p:cBhvr>
+                                    </p:animEffect>
                                   </p:childTnLst>
                                 </p:cTn>
                               </p:par>
@@ -23913,26 +24436,422 @@
                           </p:cTn>
                         </p:par>
                         <p:par>
-                          <p:cTn id="27" fill="hold">
+                          <p:cTn id="36" fill="hold">
                             <p:stCondLst>
-                              <p:cond delay="2500"/>
+                              <p:cond delay="1500"/>
                             </p:stCondLst>
                             <p:childTnLst>
                               <p:par>
-                                <p:cTn id="28" presetID="22" presetClass="entr" presetSubtype="1" fill="hold" grpId="0" nodeType="afterEffect">
+                                <p:cTn id="37" presetID="22" presetClass="entr" presetSubtype="8" fill="hold" nodeType="afterEffect">
                                   <p:stCondLst>
                                     <p:cond delay="0"/>
                                   </p:stCondLst>
                                   <p:childTnLst>
                                     <p:set>
                                       <p:cBhvr>
-                                        <p:cTn id="29" dur="1" fill="hold">
+                                        <p:cTn id="38" dur="1" fill="hold">
                                           <p:stCondLst>
                                             <p:cond delay="0"/>
                                           </p:stCondLst>
                                         </p:cTn>
                                         <p:tgtEl>
-                                          <p:spTgt spid="24"/>
+                                          <p:spTgt spid="25"/>
+                                        </p:tgtEl>
+                                        <p:attrNameLst>
+                                          <p:attrName>style.visibility</p:attrName>
+                                        </p:attrNameLst>
+                                      </p:cBhvr>
+                                      <p:to>
+                                        <p:strVal val="visible"/>
+                                      </p:to>
+                                    </p:set>
+                                    <p:animEffect transition="in" filter="wipe(left)">
+                                      <p:cBhvr>
+                                        <p:cTn id="39" dur="750"/>
+                                        <p:tgtEl>
+                                          <p:spTgt spid="25"/>
+                                        </p:tgtEl>
+                                      </p:cBhvr>
+                                    </p:animEffect>
+                                  </p:childTnLst>
+                                </p:cTn>
+                              </p:par>
+                            </p:childTnLst>
+                          </p:cTn>
+                        </p:par>
+                        <p:par>
+                          <p:cTn id="40" fill="hold">
+                            <p:stCondLst>
+                              <p:cond delay="2250"/>
+                            </p:stCondLst>
+                            <p:childTnLst>
+                              <p:par>
+                                <p:cTn id="41" presetID="22" presetClass="entr" presetSubtype="8" fill="hold" nodeType="afterEffect">
+                                  <p:stCondLst>
+                                    <p:cond delay="0"/>
+                                  </p:stCondLst>
+                                  <p:childTnLst>
+                                    <p:set>
+                                      <p:cBhvr>
+                                        <p:cTn id="42" dur="1" fill="hold">
+                                          <p:stCondLst>
+                                            <p:cond delay="0"/>
+                                          </p:stCondLst>
+                                        </p:cTn>
+                                        <p:tgtEl>
+                                          <p:spTgt spid="75"/>
+                                        </p:tgtEl>
+                                        <p:attrNameLst>
+                                          <p:attrName>style.visibility</p:attrName>
+                                        </p:attrNameLst>
+                                      </p:cBhvr>
+                                      <p:to>
+                                        <p:strVal val="visible"/>
+                                      </p:to>
+                                    </p:set>
+                                    <p:animEffect transition="in" filter="wipe(left)">
+                                      <p:cBhvr>
+                                        <p:cTn id="43" dur="750"/>
+                                        <p:tgtEl>
+                                          <p:spTgt spid="75"/>
+                                        </p:tgtEl>
+                                      </p:cBhvr>
+                                    </p:animEffect>
+                                  </p:childTnLst>
+                                </p:cTn>
+                              </p:par>
+                            </p:childTnLst>
+                          </p:cTn>
+                        </p:par>
+                        <p:par>
+                          <p:cTn id="44" fill="hold">
+                            <p:stCondLst>
+                              <p:cond delay="3000"/>
+                            </p:stCondLst>
+                            <p:childTnLst>
+                              <p:par>
+                                <p:cTn id="45" presetID="22" presetClass="entr" presetSubtype="8" fill="hold" nodeType="afterEffect">
+                                  <p:stCondLst>
+                                    <p:cond delay="0"/>
+                                  </p:stCondLst>
+                                  <p:childTnLst>
+                                    <p:set>
+                                      <p:cBhvr>
+                                        <p:cTn id="46" dur="1" fill="hold">
+                                          <p:stCondLst>
+                                            <p:cond delay="0"/>
+                                          </p:stCondLst>
+                                        </p:cTn>
+                                        <p:tgtEl>
+                                          <p:spTgt spid="77"/>
+                                        </p:tgtEl>
+                                        <p:attrNameLst>
+                                          <p:attrName>style.visibility</p:attrName>
+                                        </p:attrNameLst>
+                                      </p:cBhvr>
+                                      <p:to>
+                                        <p:strVal val="visible"/>
+                                      </p:to>
+                                    </p:set>
+                                    <p:animEffect transition="in" filter="wipe(left)">
+                                      <p:cBhvr>
+                                        <p:cTn id="47" dur="750"/>
+                                        <p:tgtEl>
+                                          <p:spTgt spid="77"/>
+                                        </p:tgtEl>
+                                      </p:cBhvr>
+                                    </p:animEffect>
+                                  </p:childTnLst>
+                                </p:cTn>
+                              </p:par>
+                            </p:childTnLst>
+                          </p:cTn>
+                        </p:par>
+                        <p:par>
+                          <p:cTn id="48" fill="hold">
+                            <p:stCondLst>
+                              <p:cond delay="3750"/>
+                            </p:stCondLst>
+                            <p:childTnLst>
+                              <p:par>
+                                <p:cTn id="49" presetID="22" presetClass="entr" presetSubtype="8" fill="hold" nodeType="afterEffect">
+                                  <p:stCondLst>
+                                    <p:cond delay="0"/>
+                                  </p:stCondLst>
+                                  <p:childTnLst>
+                                    <p:set>
+                                      <p:cBhvr>
+                                        <p:cTn id="50" dur="1" fill="hold">
+                                          <p:stCondLst>
+                                            <p:cond delay="0"/>
+                                          </p:stCondLst>
+                                        </p:cTn>
+                                        <p:tgtEl>
+                                          <p:spTgt spid="86"/>
+                                        </p:tgtEl>
+                                        <p:attrNameLst>
+                                          <p:attrName>style.visibility</p:attrName>
+                                        </p:attrNameLst>
+                                      </p:cBhvr>
+                                      <p:to>
+                                        <p:strVal val="visible"/>
+                                      </p:to>
+                                    </p:set>
+                                    <p:animEffect transition="in" filter="wipe(left)">
+                                      <p:cBhvr>
+                                        <p:cTn id="51" dur="750"/>
+                                        <p:tgtEl>
+                                          <p:spTgt spid="86"/>
+                                        </p:tgtEl>
+                                      </p:cBhvr>
+                                    </p:animEffect>
+                                  </p:childTnLst>
+                                </p:cTn>
+                              </p:par>
+                            </p:childTnLst>
+                          </p:cTn>
+                        </p:par>
+                        <p:par>
+                          <p:cTn id="52" fill="hold">
+                            <p:stCondLst>
+                              <p:cond delay="4500"/>
+                            </p:stCondLst>
+                            <p:childTnLst>
+                              <p:par>
+                                <p:cTn id="53" presetID="22" presetClass="entr" presetSubtype="8" fill="hold" nodeType="afterEffect">
+                                  <p:stCondLst>
+                                    <p:cond delay="0"/>
+                                  </p:stCondLst>
+                                  <p:childTnLst>
+                                    <p:set>
+                                      <p:cBhvr>
+                                        <p:cTn id="54" dur="1" fill="hold">
+                                          <p:stCondLst>
+                                            <p:cond delay="0"/>
+                                          </p:stCondLst>
+                                        </p:cTn>
+                                        <p:tgtEl>
+                                          <p:spTgt spid="89"/>
+                                        </p:tgtEl>
+                                        <p:attrNameLst>
+                                          <p:attrName>style.visibility</p:attrName>
+                                        </p:attrNameLst>
+                                      </p:cBhvr>
+                                      <p:to>
+                                        <p:strVal val="visible"/>
+                                      </p:to>
+                                    </p:set>
+                                    <p:animEffect transition="in" filter="wipe(left)">
+                                      <p:cBhvr>
+                                        <p:cTn id="55" dur="750"/>
+                                        <p:tgtEl>
+                                          <p:spTgt spid="89"/>
+                                        </p:tgtEl>
+                                      </p:cBhvr>
+                                    </p:animEffect>
+                                  </p:childTnLst>
+                                </p:cTn>
+                              </p:par>
+                            </p:childTnLst>
+                          </p:cTn>
+                        </p:par>
+                        <p:par>
+                          <p:cTn id="56" fill="hold">
+                            <p:stCondLst>
+                              <p:cond delay="5250"/>
+                            </p:stCondLst>
+                            <p:childTnLst>
+                              <p:par>
+                                <p:cTn id="57" presetID="22" presetClass="entr" presetSubtype="8" fill="hold" nodeType="afterEffect">
+                                  <p:stCondLst>
+                                    <p:cond delay="0"/>
+                                  </p:stCondLst>
+                                  <p:childTnLst>
+                                    <p:set>
+                                      <p:cBhvr>
+                                        <p:cTn id="58" dur="1" fill="hold">
+                                          <p:stCondLst>
+                                            <p:cond delay="0"/>
+                                          </p:stCondLst>
+                                        </p:cTn>
+                                        <p:tgtEl>
+                                          <p:spTgt spid="93"/>
+                                        </p:tgtEl>
+                                        <p:attrNameLst>
+                                          <p:attrName>style.visibility</p:attrName>
+                                        </p:attrNameLst>
+                                      </p:cBhvr>
+                                      <p:to>
+                                        <p:strVal val="visible"/>
+                                      </p:to>
+                                    </p:set>
+                                    <p:animEffect transition="in" filter="wipe(left)">
+                                      <p:cBhvr>
+                                        <p:cTn id="59" dur="750"/>
+                                        <p:tgtEl>
+                                          <p:spTgt spid="93"/>
+                                        </p:tgtEl>
+                                      </p:cBhvr>
+                                    </p:animEffect>
+                                  </p:childTnLst>
+                                </p:cTn>
+                              </p:par>
+                            </p:childTnLst>
+                          </p:cTn>
+                        </p:par>
+                        <p:par>
+                          <p:cTn id="60" fill="hold">
+                            <p:stCondLst>
+                              <p:cond delay="6000"/>
+                            </p:stCondLst>
+                            <p:childTnLst>
+                              <p:par>
+                                <p:cTn id="61" presetID="22" presetClass="entr" presetSubtype="8" fill="hold" nodeType="afterEffect">
+                                  <p:stCondLst>
+                                    <p:cond delay="0"/>
+                                  </p:stCondLst>
+                                  <p:childTnLst>
+                                    <p:set>
+                                      <p:cBhvr>
+                                        <p:cTn id="62" dur="1" fill="hold">
+                                          <p:stCondLst>
+                                            <p:cond delay="0"/>
+                                          </p:stCondLst>
+                                        </p:cTn>
+                                        <p:tgtEl>
+                                          <p:spTgt spid="96"/>
+                                        </p:tgtEl>
+                                        <p:attrNameLst>
+                                          <p:attrName>style.visibility</p:attrName>
+                                        </p:attrNameLst>
+                                      </p:cBhvr>
+                                      <p:to>
+                                        <p:strVal val="visible"/>
+                                      </p:to>
+                                    </p:set>
+                                    <p:animEffect transition="in" filter="wipe(left)">
+                                      <p:cBhvr>
+                                        <p:cTn id="63" dur="750"/>
+                                        <p:tgtEl>
+                                          <p:spTgt spid="96"/>
+                                        </p:tgtEl>
+                                      </p:cBhvr>
+                                    </p:animEffect>
+                                  </p:childTnLst>
+                                </p:cTn>
+                              </p:par>
+                            </p:childTnLst>
+                          </p:cTn>
+                        </p:par>
+                        <p:par>
+                          <p:cTn id="64" fill="hold">
+                            <p:stCondLst>
+                              <p:cond delay="6750"/>
+                            </p:stCondLst>
+                            <p:childTnLst>
+                              <p:par>
+                                <p:cTn id="65" presetID="22" presetClass="entr" presetSubtype="8" fill="hold" nodeType="afterEffect">
+                                  <p:stCondLst>
+                                    <p:cond delay="0"/>
+                                  </p:stCondLst>
+                                  <p:childTnLst>
+                                    <p:set>
+                                      <p:cBhvr>
+                                        <p:cTn id="66" dur="1" fill="hold">
+                                          <p:stCondLst>
+                                            <p:cond delay="0"/>
+                                          </p:stCondLst>
+                                        </p:cTn>
+                                        <p:tgtEl>
+                                          <p:spTgt spid="99"/>
+                                        </p:tgtEl>
+                                        <p:attrNameLst>
+                                          <p:attrName>style.visibility</p:attrName>
+                                        </p:attrNameLst>
+                                      </p:cBhvr>
+                                      <p:to>
+                                        <p:strVal val="visible"/>
+                                      </p:to>
+                                    </p:set>
+                                    <p:animEffect transition="in" filter="wipe(left)">
+                                      <p:cBhvr>
+                                        <p:cTn id="67" dur="750"/>
+                                        <p:tgtEl>
+                                          <p:spTgt spid="99"/>
+                                        </p:tgtEl>
+                                      </p:cBhvr>
+                                    </p:animEffect>
+                                  </p:childTnLst>
+                                </p:cTn>
+                              </p:par>
+                            </p:childTnLst>
+                          </p:cTn>
+                        </p:par>
+                        <p:par>
+                          <p:cTn id="68" fill="hold">
+                            <p:stCondLst>
+                              <p:cond delay="7500"/>
+                            </p:stCondLst>
+                            <p:childTnLst>
+                              <p:par>
+                                <p:cTn id="69" presetID="22" presetClass="entr" presetSubtype="8" fill="hold" nodeType="afterEffect">
+                                  <p:stCondLst>
+                                    <p:cond delay="0"/>
+                                  </p:stCondLst>
+                                  <p:childTnLst>
+                                    <p:set>
+                                      <p:cBhvr>
+                                        <p:cTn id="70" dur="1" fill="hold">
+                                          <p:stCondLst>
+                                            <p:cond delay="0"/>
+                                          </p:stCondLst>
+                                        </p:cTn>
+                                        <p:tgtEl>
+                                          <p:spTgt spid="102"/>
+                                        </p:tgtEl>
+                                        <p:attrNameLst>
+                                          <p:attrName>style.visibility</p:attrName>
+                                        </p:attrNameLst>
+                                      </p:cBhvr>
+                                      <p:to>
+                                        <p:strVal val="visible"/>
+                                      </p:to>
+                                    </p:set>
+                                    <p:animEffect transition="in" filter="wipe(left)">
+                                      <p:cBhvr>
+                                        <p:cTn id="71" dur="750"/>
+                                        <p:tgtEl>
+                                          <p:spTgt spid="102"/>
+                                        </p:tgtEl>
+                                      </p:cBhvr>
+                                    </p:animEffect>
+                                  </p:childTnLst>
+                                </p:cTn>
+                              </p:par>
+                            </p:childTnLst>
+                          </p:cTn>
+                        </p:par>
+                        <p:par>
+                          <p:cTn id="72" fill="hold">
+                            <p:stCondLst>
+                              <p:cond delay="8250"/>
+                            </p:stCondLst>
+                            <p:childTnLst>
+                              <p:par>
+                                <p:cTn id="73" presetID="22" presetClass="entr" presetSubtype="1" fill="hold" grpId="0" nodeType="afterEffect">
+                                  <p:stCondLst>
+                                    <p:cond delay="0"/>
+                                  </p:stCondLst>
+                                  <p:childTnLst>
+                                    <p:set>
+                                      <p:cBhvr>
+                                        <p:cTn id="74" dur="1" fill="hold">
+                                          <p:stCondLst>
+                                            <p:cond delay="0"/>
+                                          </p:stCondLst>
+                                        </p:cTn>
+                                        <p:tgtEl>
+                                          <p:spTgt spid="59"/>
                                         </p:tgtEl>
                                         <p:attrNameLst>
                                           <p:attrName>style.visibility</p:attrName>
@@ -23944,9 +24863,44 @@
                                     </p:set>
                                     <p:animEffect transition="in" filter="wipe(up)">
                                       <p:cBhvr>
-                                        <p:cTn id="30" dur="1000"/>
+                                        <p:cTn id="75" dur="1000"/>
                                         <p:tgtEl>
-                                          <p:spTgt spid="24"/>
+                                          <p:spTgt spid="59"/>
+                                        </p:tgtEl>
+                                      </p:cBhvr>
+                                    </p:animEffect>
+                                  </p:childTnLst>
+                                </p:cTn>
+                              </p:par>
+                              <p:par>
+                                <p:cTn id="76" presetID="22" presetClass="entr" presetSubtype="1" fill="hold" grpId="0" nodeType="withEffect">
+                                  <p:stCondLst>
+                                    <p:cond delay="0"/>
+                                  </p:stCondLst>
+                                  <p:childTnLst>
+                                    <p:set>
+                                      <p:cBhvr>
+                                        <p:cTn id="77" dur="1" fill="hold">
+                                          <p:stCondLst>
+                                            <p:cond delay="0"/>
+                                          </p:stCondLst>
+                                        </p:cTn>
+                                        <p:tgtEl>
+                                          <p:spTgt spid="60"/>
+                                        </p:tgtEl>
+                                        <p:attrNameLst>
+                                          <p:attrName>style.visibility</p:attrName>
+                                        </p:attrNameLst>
+                                      </p:cBhvr>
+                                      <p:to>
+                                        <p:strVal val="visible"/>
+                                      </p:to>
+                                    </p:set>
+                                    <p:animEffect transition="in" filter="wipe(up)">
+                                      <p:cBhvr>
+                                        <p:cTn id="78" dur="1000"/>
+                                        <p:tgtEl>
+                                          <p:spTgt spid="60"/>
                                         </p:tgtEl>
                                       </p:cBhvr>
                                     </p:animEffect>
@@ -23981,17 +24935,18 @@
       </p:par>
     </p:tnLst>
     <p:bldLst>
-      <p:bldP spid="44" grpId="0"/>
-      <p:bldP spid="47" grpId="0"/>
-      <p:bldP spid="48" grpId="0"/>
-      <p:bldP spid="49" grpId="0"/>
-      <p:bldP spid="50" grpId="0"/>
-      <p:bldP spid="51" grpId="0"/>
-      <p:bldP spid="52" grpId="0"/>
-      <p:bldP spid="53" grpId="0"/>
+      <p:bldP spid="65" grpId="0" animBg="1"/>
+      <p:bldP spid="67" grpId="0" animBg="1"/>
+      <p:bldP spid="62" grpId="0" animBg="1"/>
+      <p:bldP spid="61" grpId="0" animBg="1"/>
+      <p:bldP spid="69" grpId="0" animBg="1"/>
+      <p:bldP spid="71" grpId="0" animBg="1"/>
+      <p:bldP spid="72" grpId="0" animBg="1"/>
+      <p:bldP spid="73" grpId="0" animBg="1"/>
+      <p:bldP spid="74" grpId="0" animBg="1"/>
       <p:bldP spid="18" grpId="0"/>
-      <p:bldP spid="24" grpId="0" animBg="1"/>
-      <p:bldP spid="43" grpId="0"/>
+      <p:bldP spid="59" grpId="0" animBg="1"/>
+      <p:bldP spid="60" grpId="0" animBg="1"/>
     </p:bldLst>
   </p:timing>
 </p:sld>
@@ -24098,16 +25053,16 @@
       </p:pic>
       <p:sp>
         <p:nvSpPr>
-          <p:cNvPr id="4" name="Округлений прямокутник 3">
-            <a:hlinkClick r:id="rId3" action="ppaction://hlinksldjump"/>
+          <p:cNvPr id="5" name="Округлений прямокутник 4">
+            <a:hlinkClick r:id="" action="ppaction://hlinkshowjump?jump=previousslide"/>
           </p:cNvPr>
           <p:cNvSpPr/>
           <p:nvPr/>
         </p:nvSpPr>
         <p:spPr>
           <a:xfrm>
-            <a:off x="1678845" y="6188883"/>
-            <a:ext cx="1127677" cy="458596"/>
+            <a:off x="50917" y="6282241"/>
+            <a:ext cx="1711342" cy="458596"/>
           </a:xfrm>
           <a:prstGeom prst="roundRect">
             <a:avLst/>
@@ -24141,7 +25096,64 @@
                 <a:latin typeface="Calibri" panose="020F0502020204030204" pitchFamily="34" charset="0"/>
                 <a:cs typeface="Calibri" panose="020F0502020204030204" pitchFamily="34" charset="0"/>
               </a:rPr>
-              <a:t>Finish</a:t>
+              <a:t>Back</a:t>
+            </a:r>
+            <a:endParaRPr lang="uk-UA" sz="2800" dirty="0">
+              <a:solidFill>
+                <a:schemeClr val="bg2"/>
+              </a:solidFill>
+              <a:latin typeface="Calibri" panose="020F0502020204030204" pitchFamily="34" charset="0"/>
+              <a:cs typeface="Calibri" panose="020F0502020204030204" pitchFamily="34" charset="0"/>
+            </a:endParaRPr>
+          </a:p>
+        </p:txBody>
+      </p:sp>
+      <p:sp>
+        <p:nvSpPr>
+          <p:cNvPr id="6" name="Округлений прямокутник 5">
+            <a:hlinkClick r:id="rId3" action="ppaction://hlinksldjump"/>
+          </p:cNvPr>
+          <p:cNvSpPr/>
+          <p:nvPr/>
+        </p:nvSpPr>
+        <p:spPr>
+          <a:xfrm>
+            <a:off x="10107038" y="6282241"/>
+            <a:ext cx="2023927" cy="458596"/>
+          </a:xfrm>
+          <a:prstGeom prst="roundRect">
+            <a:avLst/>
+          </a:prstGeom>
+          <a:ln/>
+        </p:spPr>
+        <p:style>
+          <a:lnRef idx="1">
+            <a:schemeClr val="accent5"/>
+          </a:lnRef>
+          <a:fillRef idx="2">
+            <a:schemeClr val="accent5"/>
+          </a:fillRef>
+          <a:effectRef idx="1">
+            <a:schemeClr val="accent5"/>
+          </a:effectRef>
+          <a:fontRef idx="minor">
+            <a:schemeClr val="dk1"/>
+          </a:fontRef>
+        </p:style>
+        <p:txBody>
+          <a:bodyPr rtlCol="0" anchor="ctr"/>
+          <a:lstStyle/>
+          <a:p>
+            <a:pPr algn="ctr"/>
+            <a:r>
+              <a:rPr lang="en-US" sz="2800" dirty="0" smtClean="0">
+                <a:solidFill>
+                  <a:schemeClr val="bg2"/>
+                </a:solidFill>
+                <a:latin typeface="Calibri" panose="020F0502020204030204" pitchFamily="34" charset="0"/>
+                <a:cs typeface="Calibri" panose="020F0502020204030204" pitchFamily="34" charset="0"/>
+              </a:rPr>
+              <a:t>Start again</a:t>
             </a:r>
             <a:endParaRPr lang="uk-UA" sz="2800" dirty="0">
               <a:solidFill>
@@ -24187,7 +25199,7 @@
                             </p:stCondLst>
                             <p:childTnLst>
                               <p:par>
-                                <p:cTn id="5" presetID="22" presetClass="entr" presetSubtype="1" fill="hold" grpId="0" nodeType="afterEffect">
+                                <p:cTn id="5" presetID="22" presetClass="entr" presetSubtype="4" fill="hold" grpId="0" nodeType="afterEffect">
                                   <p:stCondLst>
                                     <p:cond delay="0"/>
                                   </p:stCondLst>
@@ -24200,7 +25212,95 @@
                                           </p:stCondLst>
                                         </p:cTn>
                                         <p:tgtEl>
-                                          <p:spTgt spid="4"/>
+                                          <p:spTgt spid="2"/>
+                                        </p:tgtEl>
+                                        <p:attrNameLst>
+                                          <p:attrName>style.visibility</p:attrName>
+                                        </p:attrNameLst>
+                                      </p:cBhvr>
+                                      <p:to>
+                                        <p:strVal val="visible"/>
+                                      </p:to>
+                                    </p:set>
+                                    <p:animEffect transition="in" filter="wipe(down)">
+                                      <p:cBhvr>
+                                        <p:cTn id="7" dur="500"/>
+                                        <p:tgtEl>
+                                          <p:spTgt spid="2"/>
+                                        </p:tgtEl>
+                                      </p:cBhvr>
+                                    </p:animEffect>
+                                  </p:childTnLst>
+                                </p:cTn>
+                              </p:par>
+                            </p:childTnLst>
+                          </p:cTn>
+                        </p:par>
+                        <p:par>
+                          <p:cTn id="8" fill="hold">
+                            <p:stCondLst>
+                              <p:cond delay="500"/>
+                            </p:stCondLst>
+                            <p:childTnLst>
+                              <p:par>
+                                <p:cTn id="9" presetID="10" presetClass="entr" presetSubtype="0" fill="hold" nodeType="afterEffect">
+                                  <p:stCondLst>
+                                    <p:cond delay="0"/>
+                                  </p:stCondLst>
+                                  <p:childTnLst>
+                                    <p:set>
+                                      <p:cBhvr>
+                                        <p:cTn id="10" dur="1" fill="hold">
+                                          <p:stCondLst>
+                                            <p:cond delay="0"/>
+                                          </p:stCondLst>
+                                        </p:cTn>
+                                        <p:tgtEl>
+                                          <p:spTgt spid="3"/>
+                                        </p:tgtEl>
+                                        <p:attrNameLst>
+                                          <p:attrName>style.visibility</p:attrName>
+                                        </p:attrNameLst>
+                                      </p:cBhvr>
+                                      <p:to>
+                                        <p:strVal val="visible"/>
+                                      </p:to>
+                                    </p:set>
+                                    <p:animEffect transition="in" filter="fade">
+                                      <p:cBhvr>
+                                        <p:cTn id="11" dur="500"/>
+                                        <p:tgtEl>
+                                          <p:spTgt spid="3"/>
+                                        </p:tgtEl>
+                                      </p:cBhvr>
+                                    </p:animEffect>
+                                  </p:childTnLst>
+                                </p:cTn>
+                              </p:par>
+                            </p:childTnLst>
+                          </p:cTn>
+                        </p:par>
+                        <p:par>
+                          <p:cTn id="12" fill="hold">
+                            <p:stCondLst>
+                              <p:cond delay="1000"/>
+                            </p:stCondLst>
+                            <p:childTnLst>
+                              <p:par>
+                                <p:cTn id="13" presetID="22" presetClass="entr" presetSubtype="1" fill="hold" grpId="0" nodeType="afterEffect">
+                                  <p:stCondLst>
+                                    <p:cond delay="0"/>
+                                  </p:stCondLst>
+                                  <p:childTnLst>
+                                    <p:set>
+                                      <p:cBhvr>
+                                        <p:cTn id="14" dur="1" fill="hold">
+                                          <p:stCondLst>
+                                            <p:cond delay="0"/>
+                                          </p:stCondLst>
+                                        </p:cTn>
+                                        <p:tgtEl>
+                                          <p:spTgt spid="5"/>
                                         </p:tgtEl>
                                         <p:attrNameLst>
                                           <p:attrName>style.visibility</p:attrName>
@@ -24212,9 +25312,44 @@
                                     </p:set>
                                     <p:animEffect transition="in" filter="wipe(up)">
                                       <p:cBhvr>
-                                        <p:cTn id="7" dur="1000"/>
+                                        <p:cTn id="15" dur="1000"/>
                                         <p:tgtEl>
-                                          <p:spTgt spid="4"/>
+                                          <p:spTgt spid="5"/>
+                                        </p:tgtEl>
+                                      </p:cBhvr>
+                                    </p:animEffect>
+                                  </p:childTnLst>
+                                </p:cTn>
+                              </p:par>
+                              <p:par>
+                                <p:cTn id="16" presetID="22" presetClass="entr" presetSubtype="1" fill="hold" grpId="0" nodeType="withEffect">
+                                  <p:stCondLst>
+                                    <p:cond delay="0"/>
+                                  </p:stCondLst>
+                                  <p:childTnLst>
+                                    <p:set>
+                                      <p:cBhvr>
+                                        <p:cTn id="17" dur="1" fill="hold">
+                                          <p:stCondLst>
+                                            <p:cond delay="0"/>
+                                          </p:stCondLst>
+                                        </p:cTn>
+                                        <p:tgtEl>
+                                          <p:spTgt spid="6"/>
+                                        </p:tgtEl>
+                                        <p:attrNameLst>
+                                          <p:attrName>style.visibility</p:attrName>
+                                        </p:attrNameLst>
+                                      </p:cBhvr>
+                                      <p:to>
+                                        <p:strVal val="visible"/>
+                                      </p:to>
+                                    </p:set>
+                                    <p:animEffect transition="in" filter="wipe(up)">
+                                      <p:cBhvr>
+                                        <p:cTn id="18" dur="1000"/>
+                                        <p:tgtEl>
+                                          <p:spTgt spid="6"/>
                                         </p:tgtEl>
                                       </p:cBhvr>
                                     </p:animEffect>
@@ -24249,7 +25384,9 @@
       </p:par>
     </p:tnLst>
     <p:bldLst>
-      <p:bldP spid="4" grpId="0" animBg="1"/>
+      <p:bldP spid="2" grpId="0"/>
+      <p:bldP spid="5" grpId="0" animBg="1"/>
+      <p:bldP spid="6" grpId="0" animBg="1"/>
     </p:bldLst>
   </p:timing>
 </p:sld>
